--- a/tutorials/presentations/Lecture6.pptx
+++ b/tutorials/presentations/Lecture6.pptx
@@ -8,10 +8,10 @@
     <p:sldId id="256" r:id="rId2"/>
     <p:sldId id="257" r:id="rId3"/>
     <p:sldId id="258" r:id="rId4"/>
-    <p:sldId id="265" r:id="rId5"/>
-    <p:sldId id="267" r:id="rId6"/>
-    <p:sldId id="266" r:id="rId7"/>
-    <p:sldId id="268" r:id="rId8"/>
+    <p:sldId id="264" r:id="rId5"/>
+    <p:sldId id="265" r:id="rId6"/>
+    <p:sldId id="261" r:id="rId7"/>
+    <p:sldId id="263" r:id="rId8"/>
   </p:sldIdLst>
   <p:sldSz cx="12192000" cy="6858000"/>
   <p:notesSz cx="6858000" cy="9144000"/>
@@ -121,10 +121,8 @@
 <file path=ppt/revisionInfo.xml><?xml version="1.0" encoding="utf-8"?>
 <p1510:revInfo xmlns:a="http://schemas.openxmlformats.org/drawingml/2006/main" xmlns:r="http://schemas.openxmlformats.org/officeDocument/2006/relationships" xmlns:p1510="http://schemas.microsoft.com/office/powerpoint/2015/10/main">
   <p1510:revLst>
-    <p1510:client id="{2A4F3FF4-B48F-4BF2-8996-C16EAC4E46EE}" v="11" dt="2025-06-10T11:18:53.831"/>
-    <p1510:client id="{2BCC0636-15D0-4E0E-95A4-C98A11126E44}" v="11" dt="2025-06-10T12:29:34.580"/>
-    <p1510:client id="{78C1D944-C5E2-4D33-BE3A-5C243E175D98}" v="22" dt="2025-06-10T10:39:16.928"/>
-    <p1510:client id="{B204C6DB-D499-4973-8E04-3A79F73ABFFA}" v="8" dt="2025-06-10T12:01:26.867"/>
+    <p1510:client id="{396263FC-BA5A-446B-8FBA-B9B8363490D3}" v="8" dt="2025-06-10T12:19:58.709"/>
+    <p1510:client id="{F14E1553-4719-4867-AD3F-20360ABEDCD1}" v="1" dt="2025-06-11T12:14:35.262"/>
   </p1510:revLst>
 </p1510:revInfo>
 </file>
@@ -378,20 +376,44 @@
     </pc:docChg>
   </pc:docChgLst>
   <pc:docChgLst>
-    <pc:chgData name="Ben Jones (Ben Jones)" userId="e6e8a0f3-34fe-4d14-b7ab-3a9f1769fff2" providerId="ADAL" clId="{2BCC0636-15D0-4E0E-95A4-C98A11126E44}"/>
-    <pc:docChg chg="undo custSel addSld delSld modSld">
-      <pc:chgData name="Ben Jones (Ben Jones)" userId="e6e8a0f3-34fe-4d14-b7ab-3a9f1769fff2" providerId="ADAL" clId="{2BCC0636-15D0-4E0E-95A4-C98A11126E44}" dt="2025-06-10T12:29:36.416" v="125"/>
+    <pc:chgData name="Ben Jones (Ben Jones)" userId="e6e8a0f3-34fe-4d14-b7ab-3a9f1769fff2" providerId="ADAL" clId="{F14E1553-4719-4867-AD3F-20360ABEDCD1}"/>
+    <pc:docChg chg="addSld modSld">
+      <pc:chgData name="Ben Jones (Ben Jones)" userId="e6e8a0f3-34fe-4d14-b7ab-3a9f1769fff2" providerId="ADAL" clId="{F14E1553-4719-4867-AD3F-20360ABEDCD1}" dt="2025-06-11T12:14:47.087" v="12" actId="20577"/>
+      <pc:docMkLst>
+        <pc:docMk/>
+      </pc:docMkLst>
+      <pc:sldChg chg="modSp add mod">
+        <pc:chgData name="Ben Jones (Ben Jones)" userId="e6e8a0f3-34fe-4d14-b7ab-3a9f1769fff2" providerId="ADAL" clId="{F14E1553-4719-4867-AD3F-20360ABEDCD1}" dt="2025-06-11T12:14:47.087" v="12" actId="20577"/>
+        <pc:sldMkLst>
+          <pc:docMk/>
+          <pc:sldMk cId="549990195" sldId="264"/>
+        </pc:sldMkLst>
+        <pc:spChg chg="mod">
+          <ac:chgData name="Ben Jones (Ben Jones)" userId="e6e8a0f3-34fe-4d14-b7ab-3a9f1769fff2" providerId="ADAL" clId="{F14E1553-4719-4867-AD3F-20360ABEDCD1}" dt="2025-06-11T12:14:47.087" v="12" actId="20577"/>
+          <ac:spMkLst>
+            <pc:docMk/>
+            <pc:sldMk cId="549990195" sldId="264"/>
+            <ac:spMk id="10" creationId="{400FA594-97CE-8BD3-D0B0-58075BCDEA2F}"/>
+          </ac:spMkLst>
+        </pc:spChg>
+      </pc:sldChg>
+    </pc:docChg>
+  </pc:docChgLst>
+  <pc:docChgLst>
+    <pc:chgData name="Ben Jones (Ben Jones)" userId="e6e8a0f3-34fe-4d14-b7ab-3a9f1769fff2" providerId="ADAL" clId="{396263FC-BA5A-446B-8FBA-B9B8363490D3}"/>
+    <pc:docChg chg="custSel delSld modSld">
+      <pc:chgData name="Ben Jones (Ben Jones)" userId="e6e8a0f3-34fe-4d14-b7ab-3a9f1769fff2" providerId="ADAL" clId="{396263FC-BA5A-446B-8FBA-B9B8363490D3}" dt="2025-06-11T11:57:51.502" v="250" actId="2696"/>
       <pc:docMkLst>
         <pc:docMk/>
       </pc:docMkLst>
       <pc:sldChg chg="modSp mod">
-        <pc:chgData name="Ben Jones (Ben Jones)" userId="e6e8a0f3-34fe-4d14-b7ab-3a9f1769fff2" providerId="ADAL" clId="{2BCC0636-15D0-4E0E-95A4-C98A11126E44}" dt="2025-06-10T12:29:36.416" v="125"/>
+        <pc:chgData name="Ben Jones (Ben Jones)" userId="e6e8a0f3-34fe-4d14-b7ab-3a9f1769fff2" providerId="ADAL" clId="{396263FC-BA5A-446B-8FBA-B9B8363490D3}" dt="2025-06-10T12:06:33.659" v="0"/>
         <pc:sldMkLst>
           <pc:docMk/>
           <pc:sldMk cId="3635014069" sldId="258"/>
         </pc:sldMkLst>
         <pc:spChg chg="mod">
-          <ac:chgData name="Ben Jones (Ben Jones)" userId="e6e8a0f3-34fe-4d14-b7ab-3a9f1769fff2" providerId="ADAL" clId="{2BCC0636-15D0-4E0E-95A4-C98A11126E44}" dt="2025-06-10T12:29:36.416" v="125"/>
+          <ac:chgData name="Ben Jones (Ben Jones)" userId="e6e8a0f3-34fe-4d14-b7ab-3a9f1769fff2" providerId="ADAL" clId="{396263FC-BA5A-446B-8FBA-B9B8363490D3}" dt="2025-06-10T12:06:33.659" v="0"/>
           <ac:spMkLst>
             <pc:docMk/>
             <pc:sldMk cId="3635014069" sldId="258"/>
@@ -399,28 +421,84 @@
           </ac:spMkLst>
         </pc:spChg>
       </pc:sldChg>
-      <pc:sldChg chg="del">
-        <pc:chgData name="Ben Jones (Ben Jones)" userId="e6e8a0f3-34fe-4d14-b7ab-3a9f1769fff2" providerId="ADAL" clId="{2BCC0636-15D0-4E0E-95A4-C98A11126E44}" dt="2025-06-10T12:21:41.317" v="7" actId="47"/>
+      <pc:sldChg chg="addSp delSp modSp mod modClrScheme chgLayout">
+        <pc:chgData name="Ben Jones (Ben Jones)" userId="e6e8a0f3-34fe-4d14-b7ab-3a9f1769fff2" providerId="ADAL" clId="{396263FC-BA5A-446B-8FBA-B9B8363490D3}" dt="2025-06-10T12:12:02.762" v="19" actId="22"/>
         <pc:sldMkLst>
           <pc:docMk/>
           <pc:sldMk cId="3539071505" sldId="261"/>
         </pc:sldMkLst>
+        <pc:spChg chg="del mod ord">
+          <ac:chgData name="Ben Jones (Ben Jones)" userId="e6e8a0f3-34fe-4d14-b7ab-3a9f1769fff2" providerId="ADAL" clId="{396263FC-BA5A-446B-8FBA-B9B8363490D3}" dt="2025-06-10T12:12:00.991" v="18" actId="478"/>
+          <ac:spMkLst>
+            <pc:docMk/>
+            <pc:sldMk cId="3539071505" sldId="261"/>
+            <ac:spMk id="2" creationId="{4481EFF5-5670-D5D5-E8BD-822601FCA247}"/>
+          </ac:spMkLst>
+        </pc:spChg>
+        <pc:spChg chg="add mod ord">
+          <ac:chgData name="Ben Jones (Ben Jones)" userId="e6e8a0f3-34fe-4d14-b7ab-3a9f1769fff2" providerId="ADAL" clId="{396263FC-BA5A-446B-8FBA-B9B8363490D3}" dt="2025-06-10T12:11:52.516" v="17" actId="20577"/>
+          <ac:spMkLst>
+            <pc:docMk/>
+            <pc:sldMk cId="3539071505" sldId="261"/>
+            <ac:spMk id="3" creationId="{B00A36C3-101F-B0AB-F123-C6EFEF11ABE2}"/>
+          </ac:spMkLst>
+        </pc:spChg>
+        <pc:spChg chg="mod ord">
+          <ac:chgData name="Ben Jones (Ben Jones)" userId="e6e8a0f3-34fe-4d14-b7ab-3a9f1769fff2" providerId="ADAL" clId="{396263FC-BA5A-446B-8FBA-B9B8363490D3}" dt="2025-06-10T12:11:44.844" v="14" actId="700"/>
+          <ac:spMkLst>
+            <pc:docMk/>
+            <pc:sldMk cId="3539071505" sldId="261"/>
+            <ac:spMk id="5" creationId="{D486937B-AE08-CEA9-288B-A7E12B6EEC9E}"/>
+          </ac:spMkLst>
+        </pc:spChg>
+        <pc:spChg chg="add del mod">
+          <ac:chgData name="Ben Jones (Ben Jones)" userId="e6e8a0f3-34fe-4d14-b7ab-3a9f1769fff2" providerId="ADAL" clId="{396263FC-BA5A-446B-8FBA-B9B8363490D3}" dt="2025-06-10T12:12:02.762" v="19" actId="22"/>
+          <ac:spMkLst>
+            <pc:docMk/>
+            <pc:sldMk cId="3539071505" sldId="261"/>
+            <ac:spMk id="6" creationId="{64C22B70-B1CA-5B5B-970C-6430F94C9AD5}"/>
+          </ac:spMkLst>
+        </pc:spChg>
+        <pc:picChg chg="add mod ord">
+          <ac:chgData name="Ben Jones (Ben Jones)" userId="e6e8a0f3-34fe-4d14-b7ab-3a9f1769fff2" providerId="ADAL" clId="{396263FC-BA5A-446B-8FBA-B9B8363490D3}" dt="2025-06-10T12:12:02.762" v="19" actId="22"/>
+          <ac:picMkLst>
+            <pc:docMk/>
+            <pc:sldMk cId="3539071505" sldId="261"/>
+            <ac:picMk id="8" creationId="{2EDE6368-5BA7-49E4-1EEC-877844497550}"/>
+          </ac:picMkLst>
+        </pc:picChg>
       </pc:sldChg>
-      <pc:sldChg chg="del">
-        <pc:chgData name="Ben Jones (Ben Jones)" userId="e6e8a0f3-34fe-4d14-b7ab-3a9f1769fff2" providerId="ADAL" clId="{2BCC0636-15D0-4E0E-95A4-C98A11126E44}" dt="2025-06-10T12:21:41.317" v="7" actId="47"/>
+      <pc:sldChg chg="modSp mod">
+        <pc:chgData name="Ben Jones (Ben Jones)" userId="e6e8a0f3-34fe-4d14-b7ab-3a9f1769fff2" providerId="ADAL" clId="{396263FC-BA5A-446B-8FBA-B9B8363490D3}" dt="2025-06-10T12:20:17.951" v="248" actId="27636"/>
         <pc:sldMkLst>
           <pc:docMk/>
           <pc:sldMk cId="1175822862" sldId="263"/>
         </pc:sldMkLst>
+        <pc:spChg chg="mod">
+          <ac:chgData name="Ben Jones (Ben Jones)" userId="e6e8a0f3-34fe-4d14-b7ab-3a9f1769fff2" providerId="ADAL" clId="{396263FC-BA5A-446B-8FBA-B9B8363490D3}" dt="2025-06-10T12:12:36.530" v="42" actId="20577"/>
+          <ac:spMkLst>
+            <pc:docMk/>
+            <pc:sldMk cId="1175822862" sldId="263"/>
+            <ac:spMk id="7" creationId="{56C6F239-F5E8-6417-880B-0B56CE59D207}"/>
+          </ac:spMkLst>
+        </pc:spChg>
+        <pc:spChg chg="mod">
+          <ac:chgData name="Ben Jones (Ben Jones)" userId="e6e8a0f3-34fe-4d14-b7ab-3a9f1769fff2" providerId="ADAL" clId="{396263FC-BA5A-446B-8FBA-B9B8363490D3}" dt="2025-06-10T12:20:17.951" v="248" actId="27636"/>
+          <ac:spMkLst>
+            <pc:docMk/>
+            <pc:sldMk cId="1175822862" sldId="263"/>
+            <ac:spMk id="8" creationId="{A8D1847C-4AD3-1D2C-43B8-828394D9FF0E}"/>
+          </ac:spMkLst>
+        </pc:spChg>
       </pc:sldChg>
       <pc:sldChg chg="modSp mod">
-        <pc:chgData name="Ben Jones (Ben Jones)" userId="e6e8a0f3-34fe-4d14-b7ab-3a9f1769fff2" providerId="ADAL" clId="{2BCC0636-15D0-4E0E-95A4-C98A11126E44}" dt="2025-06-10T12:23:51.699" v="54" actId="6549"/>
+        <pc:chgData name="Ben Jones (Ben Jones)" userId="e6e8a0f3-34fe-4d14-b7ab-3a9f1769fff2" providerId="ADAL" clId="{396263FC-BA5A-446B-8FBA-B9B8363490D3}" dt="2025-06-10T12:07:36.276" v="6" actId="113"/>
         <pc:sldMkLst>
           <pc:docMk/>
           <pc:sldMk cId="2546578239" sldId="265"/>
         </pc:sldMkLst>
         <pc:spChg chg="mod">
-          <ac:chgData name="Ben Jones (Ben Jones)" userId="e6e8a0f3-34fe-4d14-b7ab-3a9f1769fff2" providerId="ADAL" clId="{2BCC0636-15D0-4E0E-95A4-C98A11126E44}" dt="2025-06-10T12:22:52.555" v="34" actId="20577"/>
+          <ac:chgData name="Ben Jones (Ben Jones)" userId="e6e8a0f3-34fe-4d14-b7ab-3a9f1769fff2" providerId="ADAL" clId="{396263FC-BA5A-446B-8FBA-B9B8363490D3}" dt="2025-06-10T12:06:40.781" v="1"/>
           <ac:spMkLst>
             <pc:docMk/>
             <pc:sldMk cId="2546578239" sldId="265"/>
@@ -428,7 +506,7 @@
           </ac:spMkLst>
         </pc:spChg>
         <pc:spChg chg="mod">
-          <ac:chgData name="Ben Jones (Ben Jones)" userId="e6e8a0f3-34fe-4d14-b7ab-3a9f1769fff2" providerId="ADAL" clId="{2BCC0636-15D0-4E0E-95A4-C98A11126E44}" dt="2025-06-10T12:23:51.699" v="54" actId="6549"/>
+          <ac:chgData name="Ben Jones (Ben Jones)" userId="e6e8a0f3-34fe-4d14-b7ab-3a9f1769fff2" providerId="ADAL" clId="{396263FC-BA5A-446B-8FBA-B9B8363490D3}" dt="2025-06-10T12:07:36.276" v="6" actId="113"/>
           <ac:spMkLst>
             <pc:docMk/>
             <pc:sldMk cId="2546578239" sldId="265"/>
@@ -436,97 +514,19 @@
           </ac:spMkLst>
         </pc:spChg>
       </pc:sldChg>
-      <pc:sldChg chg="addSp delSp modSp mod chgLayout">
-        <pc:chgData name="Ben Jones (Ben Jones)" userId="e6e8a0f3-34fe-4d14-b7ab-3a9f1769fff2" providerId="ADAL" clId="{2BCC0636-15D0-4E0E-95A4-C98A11126E44}" dt="2025-06-10T12:27:33.505" v="96" actId="20577"/>
+      <pc:sldChg chg="del">
+        <pc:chgData name="Ben Jones (Ben Jones)" userId="e6e8a0f3-34fe-4d14-b7ab-3a9f1769fff2" providerId="ADAL" clId="{396263FC-BA5A-446B-8FBA-B9B8363490D3}" dt="2025-06-11T11:57:51.502" v="250" actId="2696"/>
         <pc:sldMkLst>
           <pc:docMk/>
           <pc:sldMk cId="2628338777" sldId="266"/>
         </pc:sldMkLst>
-        <pc:spChg chg="add mod ord">
-          <ac:chgData name="Ben Jones (Ben Jones)" userId="e6e8a0f3-34fe-4d14-b7ab-3a9f1769fff2" providerId="ADAL" clId="{2BCC0636-15D0-4E0E-95A4-C98A11126E44}" dt="2025-06-10T12:27:33.505" v="96" actId="20577"/>
-          <ac:spMkLst>
-            <pc:docMk/>
-            <pc:sldMk cId="2628338777" sldId="266"/>
-            <ac:spMk id="2" creationId="{E599052C-7C96-2D60-4290-07372E0237BD}"/>
-          </ac:spMkLst>
-        </pc:spChg>
-        <pc:spChg chg="del mod">
-          <ac:chgData name="Ben Jones (Ben Jones)" userId="e6e8a0f3-34fe-4d14-b7ab-3a9f1769fff2" providerId="ADAL" clId="{2BCC0636-15D0-4E0E-95A4-C98A11126E44}" dt="2025-06-10T12:27:23.172" v="84" actId="478"/>
-          <ac:spMkLst>
-            <pc:docMk/>
-            <pc:sldMk cId="2628338777" sldId="266"/>
-            <ac:spMk id="3" creationId="{D558FCB4-463D-4004-1C16-76D08CA2C42E}"/>
-          </ac:spMkLst>
-        </pc:spChg>
-        <pc:spChg chg="mod ord">
-          <ac:chgData name="Ben Jones (Ben Jones)" userId="e6e8a0f3-34fe-4d14-b7ab-3a9f1769fff2" providerId="ADAL" clId="{2BCC0636-15D0-4E0E-95A4-C98A11126E44}" dt="2025-06-10T12:27:25.886" v="85" actId="700"/>
-          <ac:spMkLst>
-            <pc:docMk/>
-            <pc:sldMk cId="2628338777" sldId="266"/>
-            <ac:spMk id="5" creationId="{96EBD5BC-A418-B3D5-F3BE-15BADC7685D9}"/>
-          </ac:spMkLst>
-        </pc:spChg>
       </pc:sldChg>
       <pc:sldChg chg="del">
-        <pc:chgData name="Ben Jones (Ben Jones)" userId="e6e8a0f3-34fe-4d14-b7ab-3a9f1769fff2" providerId="ADAL" clId="{2BCC0636-15D0-4E0E-95A4-C98A11126E44}" dt="2025-06-10T12:21:41.317" v="7" actId="47"/>
+        <pc:chgData name="Ben Jones (Ben Jones)" userId="e6e8a0f3-34fe-4d14-b7ab-3a9f1769fff2" providerId="ADAL" clId="{396263FC-BA5A-446B-8FBA-B9B8363490D3}" dt="2025-06-10T12:20:37.321" v="249" actId="2696"/>
         <pc:sldMkLst>
           <pc:docMk/>
           <pc:sldMk cId="525501252" sldId="267"/>
         </pc:sldMkLst>
-      </pc:sldChg>
-      <pc:sldChg chg="addSp delSp modSp add mod chgLayout">
-        <pc:chgData name="Ben Jones (Ben Jones)" userId="e6e8a0f3-34fe-4d14-b7ab-3a9f1769fff2" providerId="ADAL" clId="{2BCC0636-15D0-4E0E-95A4-C98A11126E44}" dt="2025-06-10T12:26:55.712" v="80" actId="12"/>
-        <pc:sldMkLst>
-          <pc:docMk/>
-          <pc:sldMk cId="3317005285" sldId="267"/>
-        </pc:sldMkLst>
-        <pc:spChg chg="mod ord">
-          <ac:chgData name="Ben Jones (Ben Jones)" userId="e6e8a0f3-34fe-4d14-b7ab-3a9f1769fff2" providerId="ADAL" clId="{2BCC0636-15D0-4E0E-95A4-C98A11126E44}" dt="2025-06-10T12:26:48.054" v="76" actId="700"/>
-          <ac:spMkLst>
-            <pc:docMk/>
-            <pc:sldMk cId="3317005285" sldId="267"/>
-            <ac:spMk id="2" creationId="{EC0D8C97-CBC4-6C95-DB14-22DEDBB221BE}"/>
-          </ac:spMkLst>
-        </pc:spChg>
-        <pc:spChg chg="add mod ord">
-          <ac:chgData name="Ben Jones (Ben Jones)" userId="e6e8a0f3-34fe-4d14-b7ab-3a9f1769fff2" providerId="ADAL" clId="{2BCC0636-15D0-4E0E-95A4-C98A11126E44}" dt="2025-06-10T12:26:55.712" v="80" actId="12"/>
-          <ac:spMkLst>
-            <pc:docMk/>
-            <pc:sldMk cId="3317005285" sldId="267"/>
-            <ac:spMk id="3" creationId="{B35E8C49-046D-24F3-4150-F75B677DB14D}"/>
-          </ac:spMkLst>
-        </pc:spChg>
-        <pc:spChg chg="del mod">
-          <ac:chgData name="Ben Jones (Ben Jones)" userId="e6e8a0f3-34fe-4d14-b7ab-3a9f1769fff2" providerId="ADAL" clId="{2BCC0636-15D0-4E0E-95A4-C98A11126E44}" dt="2025-06-10T12:26:44.068" v="75" actId="478"/>
-          <ac:spMkLst>
-            <pc:docMk/>
-            <pc:sldMk cId="3317005285" sldId="267"/>
-            <ac:spMk id="4" creationId="{72485A8B-8898-D80D-A9BD-0E3AE9F3F393}"/>
-          </ac:spMkLst>
-        </pc:spChg>
-      </pc:sldChg>
-      <pc:sldChg chg="modSp new mod">
-        <pc:chgData name="Ben Jones (Ben Jones)" userId="e6e8a0f3-34fe-4d14-b7ab-3a9f1769fff2" providerId="ADAL" clId="{2BCC0636-15D0-4E0E-95A4-C98A11126E44}" dt="2025-06-10T12:28:57.495" v="122" actId="113"/>
-        <pc:sldMkLst>
-          <pc:docMk/>
-          <pc:sldMk cId="859535218" sldId="268"/>
-        </pc:sldMkLst>
-        <pc:spChg chg="mod">
-          <ac:chgData name="Ben Jones (Ben Jones)" userId="e6e8a0f3-34fe-4d14-b7ab-3a9f1769fff2" providerId="ADAL" clId="{2BCC0636-15D0-4E0E-95A4-C98A11126E44}" dt="2025-06-10T12:28:10.863" v="98"/>
-          <ac:spMkLst>
-            <pc:docMk/>
-            <pc:sldMk cId="859535218" sldId="268"/>
-            <ac:spMk id="2" creationId="{EF02CDCE-575B-0951-8EF2-A4477A27E824}"/>
-          </ac:spMkLst>
-        </pc:spChg>
-        <pc:spChg chg="mod">
-          <ac:chgData name="Ben Jones (Ben Jones)" userId="e6e8a0f3-34fe-4d14-b7ab-3a9f1769fff2" providerId="ADAL" clId="{2BCC0636-15D0-4E0E-95A4-C98A11126E44}" dt="2025-06-10T12:28:57.495" v="122" actId="113"/>
-          <ac:spMkLst>
-            <pc:docMk/>
-            <pc:sldMk cId="859535218" sldId="268"/>
-            <ac:spMk id="3" creationId="{9E4B693D-DFA2-A791-3F94-842830AE610C}"/>
-          </ac:spMkLst>
-        </pc:spChg>
       </pc:sldChg>
     </pc:docChg>
   </pc:docChgLst>
@@ -1384,7 +1384,7 @@
           <a:p>
             <a:fld id="{1D30A4DD-26E1-4754-8784-A5449317D6AC}" type="datetimeFigureOut">
               <a:rPr lang="en-AU" smtClean="0"/>
-              <a:t>10/06/2025</a:t>
+              <a:t>11/06/2025</a:t>
             </a:fld>
             <a:endParaRPr lang="en-AU"/>
           </a:p>
@@ -1584,7 +1584,7 @@
           <a:p>
             <a:fld id="{1D30A4DD-26E1-4754-8784-A5449317D6AC}" type="datetimeFigureOut">
               <a:rPr lang="en-AU" smtClean="0"/>
-              <a:t>10/06/2025</a:t>
+              <a:t>11/06/2025</a:t>
             </a:fld>
             <a:endParaRPr lang="en-AU"/>
           </a:p>
@@ -1794,7 +1794,7 @@
           <a:p>
             <a:fld id="{1D30A4DD-26E1-4754-8784-A5449317D6AC}" type="datetimeFigureOut">
               <a:rPr lang="en-AU" smtClean="0"/>
-              <a:t>10/06/2025</a:t>
+              <a:t>11/06/2025</a:t>
             </a:fld>
             <a:endParaRPr lang="en-AU"/>
           </a:p>
@@ -1994,7 +1994,7 @@
           <a:p>
             <a:fld id="{1D30A4DD-26E1-4754-8784-A5449317D6AC}" type="datetimeFigureOut">
               <a:rPr lang="en-AU" smtClean="0"/>
-              <a:t>10/06/2025</a:t>
+              <a:t>11/06/2025</a:t>
             </a:fld>
             <a:endParaRPr lang="en-AU"/>
           </a:p>
@@ -2270,7 +2270,7 @@
           <a:p>
             <a:fld id="{1D30A4DD-26E1-4754-8784-A5449317D6AC}" type="datetimeFigureOut">
               <a:rPr lang="en-AU" smtClean="0"/>
-              <a:t>10/06/2025</a:t>
+              <a:t>11/06/2025</a:t>
             </a:fld>
             <a:endParaRPr lang="en-AU"/>
           </a:p>
@@ -2538,7 +2538,7 @@
           <a:p>
             <a:fld id="{1D30A4DD-26E1-4754-8784-A5449317D6AC}" type="datetimeFigureOut">
               <a:rPr lang="en-AU" smtClean="0"/>
-              <a:t>10/06/2025</a:t>
+              <a:t>11/06/2025</a:t>
             </a:fld>
             <a:endParaRPr lang="en-AU"/>
           </a:p>
@@ -2953,7 +2953,7 @@
           <a:p>
             <a:fld id="{1D30A4DD-26E1-4754-8784-A5449317D6AC}" type="datetimeFigureOut">
               <a:rPr lang="en-AU" smtClean="0"/>
-              <a:t>10/06/2025</a:t>
+              <a:t>11/06/2025</a:t>
             </a:fld>
             <a:endParaRPr lang="en-AU"/>
           </a:p>
@@ -3095,7 +3095,7 @@
           <a:p>
             <a:fld id="{1D30A4DD-26E1-4754-8784-A5449317D6AC}" type="datetimeFigureOut">
               <a:rPr lang="en-AU" smtClean="0"/>
-              <a:t>10/06/2025</a:t>
+              <a:t>11/06/2025</a:t>
             </a:fld>
             <a:endParaRPr lang="en-AU"/>
           </a:p>
@@ -3208,7 +3208,7 @@
           <a:p>
             <a:fld id="{1D30A4DD-26E1-4754-8784-A5449317D6AC}" type="datetimeFigureOut">
               <a:rPr lang="en-AU" smtClean="0"/>
-              <a:t>10/06/2025</a:t>
+              <a:t>11/06/2025</a:t>
             </a:fld>
             <a:endParaRPr lang="en-AU"/>
           </a:p>
@@ -3521,7 +3521,7 @@
           <a:p>
             <a:fld id="{1D30A4DD-26E1-4754-8784-A5449317D6AC}" type="datetimeFigureOut">
               <a:rPr lang="en-AU" smtClean="0"/>
-              <a:t>10/06/2025</a:t>
+              <a:t>11/06/2025</a:t>
             </a:fld>
             <a:endParaRPr lang="en-AU"/>
           </a:p>
@@ -3810,7 +3810,7 @@
           <a:p>
             <a:fld id="{1D30A4DD-26E1-4754-8784-A5449317D6AC}" type="datetimeFigureOut">
               <a:rPr lang="en-AU" smtClean="0"/>
-              <a:t>10/06/2025</a:t>
+              <a:t>11/06/2025</a:t>
             </a:fld>
             <a:endParaRPr lang="en-AU"/>
           </a:p>
@@ -4053,7 +4053,7 @@
           <a:p>
             <a:fld id="{1D30A4DD-26E1-4754-8784-A5449317D6AC}" type="datetimeFigureOut">
               <a:rPr lang="en-AU" smtClean="0"/>
-              <a:t>10/06/2025</a:t>
+              <a:t>11/06/2025</a:t>
             </a:fld>
             <a:endParaRPr lang="en-AU"/>
           </a:p>
@@ -4940,19 +4940,19 @@
           <a:p>
             <a:r>
               <a:rPr lang="en-US" dirty="0"/>
-              <a:t>Open &amp; Closed Loop Control Systems</a:t>
+              <a:t>Multiple Inheritance</a:t>
             </a:r>
           </a:p>
           <a:p>
             <a:r>
               <a:rPr lang="en-US" dirty="0"/>
-              <a:t>Open Loop State Machine</a:t>
+              <a:t>Association</a:t>
             </a:r>
           </a:p>
           <a:p>
             <a:r>
               <a:rPr lang="en-US" dirty="0"/>
-              <a:t>Implement an Open Loop State Machine</a:t>
+              <a:t>Setup controller states</a:t>
             </a:r>
           </a:p>
         </p:txBody>
@@ -4989,10 +4989,10 @@
       </p:grpSpPr>
       <p:sp>
         <p:nvSpPr>
-          <p:cNvPr id="2" name="Title 1">
-            <a:extLst>
-              <a:ext uri="{FF2B5EF4-FFF2-40B4-BE49-F238E27FC236}">
-                <a16:creationId xmlns:a16="http://schemas.microsoft.com/office/drawing/2014/main" id="{698432A2-2D2E-3F70-F830-5A67ED205318}"/>
+          <p:cNvPr id="7" name="Title 6">
+            <a:extLst>
+              <a:ext uri="{FF2B5EF4-FFF2-40B4-BE49-F238E27FC236}">
+                <a16:creationId xmlns:a16="http://schemas.microsoft.com/office/drawing/2014/main" id="{A5E19FFB-3D8F-DB03-B38B-27FE43EC06C8}"/>
               </a:ext>
             </a:extLst>
           </p:cNvPr>
@@ -5010,112 +5010,99 @@
           <a:p>
             <a:r>
               <a:rPr lang="en-US" dirty="0"/>
-              <a:t>Open-Loop Control Systems</a:t>
-            </a:r>
-          </a:p>
-        </p:txBody>
-      </p:sp>
-      <p:sp>
-        <p:nvSpPr>
-          <p:cNvPr id="4" name="Content Placeholder 3">
-            <a:extLst>
-              <a:ext uri="{FF2B5EF4-FFF2-40B4-BE49-F238E27FC236}">
-                <a16:creationId xmlns:a16="http://schemas.microsoft.com/office/drawing/2014/main" id="{E775B479-5750-95E9-CC66-C2F6F8180171}"/>
-              </a:ext>
-            </a:extLst>
-          </p:cNvPr>
-          <p:cNvSpPr>
-            <a:spLocks noGrp="1"/>
-          </p:cNvSpPr>
-          <p:nvPr>
-            <p:ph idx="1"/>
+              <a:t>Create new files</a:t>
+            </a:r>
+            <a:endParaRPr lang="en-AU" dirty="0"/>
+          </a:p>
+        </p:txBody>
+      </p:sp>
+      <p:sp>
+        <p:nvSpPr>
+          <p:cNvPr id="10" name="Text Placeholder 9">
+            <a:extLst>
+              <a:ext uri="{FF2B5EF4-FFF2-40B4-BE49-F238E27FC236}">
+                <a16:creationId xmlns:a16="http://schemas.microsoft.com/office/drawing/2014/main" id="{400FA594-97CE-8BD3-D0B0-58075BCDEA2F}"/>
+              </a:ext>
+            </a:extLst>
+          </p:cNvPr>
+          <p:cNvSpPr>
+            <a:spLocks noGrp="1"/>
+          </p:cNvSpPr>
+          <p:nvPr>
+            <p:ph type="body" sz="half" idx="2"/>
           </p:nvPr>
         </p:nvSpPr>
         <p:spPr/>
         <p:txBody>
           <a:bodyPr>
-            <a:normAutofit fontScale="85000" lnSpcReduction="20000"/>
+            <a:normAutofit/>
           </a:bodyPr>
           <a:lstStyle/>
           <a:p>
-            <a:pPr marL="0" indent="0">
-              <a:buNone/>
-            </a:pPr>
             <a:r>
               <a:rPr lang="en-US" dirty="0"/>
-              <a:t>An open-loop control system is a type of system in which the control action is independent of the desired output or the actual system output.</a:t>
-            </a:r>
-          </a:p>
-          <a:p>
-            <a:pPr marL="0" indent="0">
-              <a:buNone/>
-            </a:pPr>
-            <a:endParaRPr lang="en-US" dirty="0"/>
-          </a:p>
-          <a:p>
-            <a:pPr marL="0" indent="0">
-              <a:buNone/>
-            </a:pPr>
-            <a:r>
-              <a:rPr lang="en-US" b="1" dirty="0"/>
-              <a:t>How it works:</a:t>
-            </a:r>
-          </a:p>
-          <a:p>
+              <a:t>v07.py in project\</a:t>
+            </a:r>
+            <a:r>
+              <a:rPr lang="en-US" dirty="0" err="1"/>
+              <a:t>py_scripts</a:t>
+            </a:r>
             <a:r>
               <a:rPr lang="en-US" dirty="0"/>
-              <a:t>The system receives an input (command or reference signal).</a:t>
-            </a:r>
-          </a:p>
-          <a:p>
+              <a:t>\</a:t>
+            </a:r>
+          </a:p>
+          <a:p>
+            <a:r>
+              <a:rPr lang="en-US"/>
+              <a:t>controller.</a:t>
+            </a:r>
             <a:r>
               <a:rPr lang="en-US" dirty="0"/>
-              <a:t>The controller processes this input and sends a control signal to the actuator.</a:t>
-            </a:r>
-          </a:p>
-          <a:p>
-            <a:r>
-              <a:rPr lang="en-US" dirty="0"/>
-              <a:t>The actuator executes the control action, affecting the system or process.</a:t>
-            </a:r>
-          </a:p>
-          <a:p>
-            <a:r>
-              <a:rPr lang="en-US" dirty="0"/>
-              <a:t>There is no feedback mechanism to compare the output with the input.</a:t>
-            </a:r>
-          </a:p>
-          <a:p>
-            <a:pPr marL="0" indent="0">
-              <a:buNone/>
-            </a:pPr>
-            <a:endParaRPr lang="en-US" dirty="0"/>
-          </a:p>
-          <a:p>
-            <a:pPr marL="0" indent="0">
-              <a:buNone/>
-            </a:pPr>
-            <a:r>
-              <a:rPr lang="en-US" b="1" dirty="0"/>
-              <a:t>Example:</a:t>
-            </a:r>
-          </a:p>
-          <a:p>
-            <a:pPr marL="0" indent="0">
-              <a:buNone/>
-            </a:pPr>
-            <a:r>
-              <a:rPr lang="en-US" dirty="0"/>
-              <a:t>A microwave oven: You set the cooking time, and the microwave runs for that duration regardless of how hot the food actually gets.</a:t>
-            </a:r>
-            <a:endParaRPr lang="en-AU" b="1" dirty="0"/>
-          </a:p>
-        </p:txBody>
-      </p:sp>
+              <a:t>py in project\lib\</a:t>
+            </a:r>
+          </a:p>
+        </p:txBody>
+      </p:sp>
+      <p:pic>
+        <p:nvPicPr>
+          <p:cNvPr id="3" name="Picture 2">
+            <a:extLst>
+              <a:ext uri="{FF2B5EF4-FFF2-40B4-BE49-F238E27FC236}">
+                <a16:creationId xmlns:a16="http://schemas.microsoft.com/office/drawing/2014/main" id="{0A4946D7-D489-5D8A-F199-89C94DED1838}"/>
+              </a:ext>
+            </a:extLst>
+          </p:cNvPr>
+          <p:cNvPicPr>
+            <a:picLocks noChangeAspect="1"/>
+          </p:cNvPicPr>
+          <p:nvPr/>
+        </p:nvPicPr>
+        <p:blipFill>
+          <a:blip r:embed="rId2">
+            <a:extLst>
+              <a:ext uri="{28A0092B-C50C-407E-A947-70E740481C1C}">
+                <a14:useLocalDpi xmlns:a14="http://schemas.microsoft.com/office/drawing/2010/main" val="0"/>
+              </a:ext>
+            </a:extLst>
+          </a:blip>
+          <a:srcRect/>
+          <a:stretch/>
+        </p:blipFill>
+        <p:spPr>
+          <a:xfrm>
+            <a:off x="6285324" y="783235"/>
+            <a:ext cx="4542971" cy="5291530"/>
+          </a:xfrm>
+          <a:prstGeom prst="rect">
+            <a:avLst/>
+          </a:prstGeom>
+        </p:spPr>
+      </p:pic>
     </p:spTree>
     <p:extLst>
       <p:ext uri="{BB962C8B-B14F-4D97-AF65-F5344CB8AC3E}">
-        <p14:creationId xmlns:p14="http://schemas.microsoft.com/office/powerpoint/2010/main" val="2546578239"/>
+        <p14:creationId xmlns:p14="http://schemas.microsoft.com/office/powerpoint/2010/main" val="549990195"/>
       </p:ext>
     </p:extLst>
   </p:cSld>
@@ -5130,13 +5117,7 @@
   <p:cSld>
     <p:spTree>
       <p:nvGrpSpPr>
-        <p:cNvPr id="1" name="">
-          <a:extLst>
-            <a:ext uri="{FF2B5EF4-FFF2-40B4-BE49-F238E27FC236}">
-              <a16:creationId xmlns:a16="http://schemas.microsoft.com/office/drawing/2014/main" id="{5AA8C0FE-534F-D066-CA69-5D91EFF1515F}"/>
-            </a:ext>
-          </a:extLst>
-        </p:cNvPr>
+        <p:cNvPr id="1" name=""/>
         <p:cNvGrpSpPr/>
         <p:nvPr/>
       </p:nvGrpSpPr>
@@ -5153,7 +5134,7 @@
           <p:cNvPr id="2" name="Title 1">
             <a:extLst>
               <a:ext uri="{FF2B5EF4-FFF2-40B4-BE49-F238E27FC236}">
-                <a16:creationId xmlns:a16="http://schemas.microsoft.com/office/drawing/2014/main" id="{EC0D8C97-CBC4-6C95-DB14-22DEDBB221BE}"/>
+                <a16:creationId xmlns:a16="http://schemas.microsoft.com/office/drawing/2014/main" id="{698432A2-2D2E-3F70-F830-5A67ED205318}"/>
               </a:ext>
             </a:extLst>
           </p:cNvPr>
@@ -5171,17 +5152,17 @@
           <a:p>
             <a:r>
               <a:rPr lang="en-US" dirty="0"/>
-              <a:t>Closed-Loop Control Systems</a:t>
-            </a:r>
-          </a:p>
-        </p:txBody>
-      </p:sp>
-      <p:sp>
-        <p:nvSpPr>
-          <p:cNvPr id="3" name="Content Placeholder 2">
-            <a:extLst>
-              <a:ext uri="{FF2B5EF4-FFF2-40B4-BE49-F238E27FC236}">
-                <a16:creationId xmlns:a16="http://schemas.microsoft.com/office/drawing/2014/main" id="{B35E8C49-046D-24F3-4150-F75B677DB14D}"/>
+              <a:t>Multiple Inheritance</a:t>
+            </a:r>
+          </a:p>
+        </p:txBody>
+      </p:sp>
+      <p:sp>
+        <p:nvSpPr>
+          <p:cNvPr id="4" name="Content Placeholder 3">
+            <a:extLst>
+              <a:ext uri="{FF2B5EF4-FFF2-40B4-BE49-F238E27FC236}">
+                <a16:creationId xmlns:a16="http://schemas.microsoft.com/office/drawing/2014/main" id="{E775B479-5750-95E9-CC66-C2F6F8180171}"/>
               </a:ext>
             </a:extLst>
           </p:cNvPr>
@@ -5194,9 +5175,7 @@
         </p:nvSpPr>
         <p:spPr/>
         <p:txBody>
-          <a:bodyPr>
-            <a:normAutofit fontScale="62500" lnSpcReduction="20000"/>
-          </a:bodyPr>
+          <a:bodyPr/>
           <a:lstStyle/>
           <a:p>
             <a:pPr marL="0" indent="0">
@@ -5204,14 +5183,22 @@
             </a:pPr>
             <a:r>
               <a:rPr lang="en-US" dirty="0"/>
-              <a:t>A closed-loop control system (also called a feedback control system) is a system in which the control action is dependent on the desired output and the actual system output.</a:t>
+              <a:t>Multiple Inheritance is used to inherit the properties of multiple classes. However, Python does not allow multiple inheritance from classes that have incompatible memory layouts at the C level, which is common with hardware classes in </a:t>
+            </a:r>
+            <a:r>
+              <a:rPr lang="en-US" dirty="0" err="1"/>
+              <a:t>MicroPython</a:t>
+            </a:r>
+            <a:r>
+              <a:rPr lang="en-US" dirty="0"/>
+              <a:t>.</a:t>
             </a:r>
           </a:p>
           <a:p>
             <a:pPr marL="0" indent="0">
               <a:buNone/>
             </a:pPr>
-            <a:endParaRPr lang="en-US" dirty="0"/>
+            <a:endParaRPr lang="en-US" b="1" dirty="0"/>
           </a:p>
           <a:p>
             <a:pPr marL="0" indent="0">
@@ -5219,64 +5206,8 @@
             </a:pPr>
             <a:r>
               <a:rPr lang="en-US" dirty="0"/>
-              <a:t>How it works:</a:t>
-            </a:r>
-          </a:p>
-          <a:p>
-            <a:r>
-              <a:rPr lang="en-US" dirty="0"/>
-              <a:t>The system receives an input (desired value or setpoint).</a:t>
-            </a:r>
-          </a:p>
-          <a:p>
-            <a:r>
-              <a:rPr lang="en-US" dirty="0"/>
-              <a:t>The controller processes this input and sends a control signal to the actuator.</a:t>
-            </a:r>
-          </a:p>
-          <a:p>
-            <a:r>
-              <a:rPr lang="en-US" dirty="0"/>
-              <a:t>The actuator operates on the system.</a:t>
-            </a:r>
-          </a:p>
-          <a:p>
-            <a:r>
-              <a:rPr lang="en-US" dirty="0"/>
-              <a:t>A sensor measures the actual output.</a:t>
-            </a:r>
-          </a:p>
-          <a:p>
-            <a:r>
-              <a:rPr lang="en-US" dirty="0"/>
-              <a:t>The output is fed back and compared with the input (setpoint).</a:t>
-            </a:r>
-          </a:p>
-          <a:p>
-            <a:r>
-              <a:rPr lang="en-US" dirty="0"/>
-              <a:t>The difference (error) is used to adjust the control action to reduce the error.</a:t>
-            </a:r>
-          </a:p>
-          <a:p>
-            <a:pPr marL="0" indent="0">
-              <a:buNone/>
-            </a:pPr>
-            <a:endParaRPr lang="en-US" dirty="0"/>
-          </a:p>
-          <a:p>
-            <a:pPr marL="0" indent="0">
-              <a:buNone/>
-            </a:pPr>
-            <a:r>
-              <a:rPr lang="en-US" dirty="0"/>
-              <a:t>A home thermostat works by allowing the homeowner to set a desired temperature. The system then measures the actual room temperature and adjusts the heater or cooler to reach and maintain the set temperature. As the system approaches—or overshoots—the desired temperature, it modifies its output accordingly.</a:t>
-            </a:r>
-          </a:p>
-          <a:p>
-            <a:pPr marL="0" indent="0">
-              <a:buNone/>
-            </a:pPr>
+              <a:t>https://github.com/TempeHS/MicroPython_OOP_Pi_Pico_Mini_Project_Source/blob/main/tutorials/Lecture5.md#multiple-inheritance</a:t>
+            </a:r>
             <a:endParaRPr lang="en-AU" dirty="0"/>
           </a:p>
         </p:txBody>
@@ -5284,7 +5215,7 @@
     </p:spTree>
     <p:extLst>
       <p:ext uri="{BB962C8B-B14F-4D97-AF65-F5344CB8AC3E}">
-        <p14:creationId xmlns:p14="http://schemas.microsoft.com/office/powerpoint/2010/main" val="3317005285"/>
+        <p14:creationId xmlns:p14="http://schemas.microsoft.com/office/powerpoint/2010/main" val="2546578239"/>
       </p:ext>
     </p:extLst>
   </p:cSld>
@@ -5316,7 +5247,7 @@
           <p:cNvPr id="5" name="Title 4">
             <a:extLst>
               <a:ext uri="{FF2B5EF4-FFF2-40B4-BE49-F238E27FC236}">
-                <a16:creationId xmlns:a16="http://schemas.microsoft.com/office/drawing/2014/main" id="{96EBD5BC-A418-B3D5-F3BE-15BADC7685D9}"/>
+                <a16:creationId xmlns:a16="http://schemas.microsoft.com/office/drawing/2014/main" id="{D486937B-AE08-CEA9-288B-A7E12B6EEC9E}"/>
               </a:ext>
             </a:extLst>
           </p:cNvPr>
@@ -5333,101 +5264,83 @@
           <a:lstStyle/>
           <a:p>
             <a:r>
+              <a:rPr lang="en-AU" dirty="0"/>
+              <a:t>Association</a:t>
+            </a:r>
+          </a:p>
+        </p:txBody>
+      </p:sp>
+      <p:sp>
+        <p:nvSpPr>
+          <p:cNvPr id="3" name="Text Placeholder 2">
+            <a:extLst>
+              <a:ext uri="{FF2B5EF4-FFF2-40B4-BE49-F238E27FC236}">
+                <a16:creationId xmlns:a16="http://schemas.microsoft.com/office/drawing/2014/main" id="{B00A36C3-101F-B0AB-F123-C6EFEF11ABE2}"/>
+              </a:ext>
+            </a:extLst>
+          </p:cNvPr>
+          <p:cNvSpPr>
+            <a:spLocks noGrp="1"/>
+          </p:cNvSpPr>
+          <p:nvPr>
+            <p:ph type="body" sz="half" idx="2"/>
+          </p:nvPr>
+        </p:nvSpPr>
+        <p:spPr/>
+        <p:txBody>
+          <a:bodyPr/>
+          <a:lstStyle/>
+          <a:p>
+            <a:r>
               <a:rPr lang="en-US" dirty="0"/>
-              <a:t>State Machine</a:t>
-            </a:r>
-          </a:p>
-        </p:txBody>
-      </p:sp>
-      <p:sp>
-        <p:nvSpPr>
-          <p:cNvPr id="2" name="Content Placeholder 1">
-            <a:extLst>
-              <a:ext uri="{FF2B5EF4-FFF2-40B4-BE49-F238E27FC236}">
-                <a16:creationId xmlns:a16="http://schemas.microsoft.com/office/drawing/2014/main" id="{E599052C-7C96-2D60-4290-07372E0237BD}"/>
-              </a:ext>
-            </a:extLst>
-          </p:cNvPr>
-          <p:cNvSpPr>
-            <a:spLocks noGrp="1"/>
-          </p:cNvSpPr>
+              <a:t>Association in Object-Oriented Programming (OOP) describes the relationship between two separate classes that are connected, but neither "owns" the other. It simply means that objects of one class use or interact with objects of another class.</a:t>
+            </a:r>
+          </a:p>
+          <a:p>
+            <a:endParaRPr lang="en-US" b="1" dirty="0"/>
+          </a:p>
+          <a:p>
+            <a:r>
+              <a:rPr lang="en-US" b="1" dirty="0"/>
+              <a:t>Run: v15.py</a:t>
+            </a:r>
+            <a:endParaRPr lang="en-AU" b="1" dirty="0"/>
+          </a:p>
+        </p:txBody>
+      </p:sp>
+      <p:pic>
+        <p:nvPicPr>
+          <p:cNvPr id="8" name="Content Placeholder 7">
+            <a:extLst>
+              <a:ext uri="{FF2B5EF4-FFF2-40B4-BE49-F238E27FC236}">
+                <a16:creationId xmlns:a16="http://schemas.microsoft.com/office/drawing/2014/main" id="{2EDE6368-5BA7-49E4-1EEC-877844497550}"/>
+              </a:ext>
+            </a:extLst>
+          </p:cNvPr>
+          <p:cNvPicPr>
+            <a:picLocks noGrp="1" noChangeAspect="1"/>
+          </p:cNvPicPr>
           <p:nvPr>
             <p:ph idx="1"/>
           </p:nvPr>
-        </p:nvSpPr>
-        <p:spPr/>
-        <p:txBody>
-          <a:bodyPr>
-            <a:normAutofit fontScale="85000" lnSpcReduction="20000"/>
-          </a:bodyPr>
-          <a:lstStyle/>
-          <a:p>
-            <a:pPr marL="0" indent="0">
-              <a:buNone/>
-            </a:pPr>
-            <a:r>
-              <a:rPr lang="en-US" dirty="0"/>
-              <a:t>A state machine (also known as a finite state machine or FSM) is a computational model used to design and describe systems that can be in one of a finite number of states at any given time. It transitions between these states in response to external inputs or events such as time, button presses of sensor values.</a:t>
-            </a:r>
-          </a:p>
-          <a:p>
-            <a:pPr marL="0" indent="0">
-              <a:buNone/>
-            </a:pPr>
-            <a:endParaRPr lang="en-US" dirty="0"/>
-          </a:p>
-          <a:p>
-            <a:pPr marL="0" indent="0">
-              <a:buNone/>
-            </a:pPr>
-            <a:r>
-              <a:rPr lang="en-US" dirty="0"/>
-              <a:t>Key concepts:</a:t>
-            </a:r>
-          </a:p>
-          <a:p>
-            <a:pPr marL="0" indent="0">
-              <a:buNone/>
-            </a:pPr>
-            <a:r>
-              <a:rPr lang="en-US" dirty="0"/>
-              <a:t>- States: Distinct modes or conditions in which the system can exist.</a:t>
-            </a:r>
-          </a:p>
-          <a:p>
-            <a:pPr marL="0" indent="0">
-              <a:buNone/>
-            </a:pPr>
-            <a:r>
-              <a:rPr lang="en-US" dirty="0"/>
-              <a:t>- Transitions: Rules that define how and when the system moves from one state to another, often triggered by events or inputs.</a:t>
-            </a:r>
-          </a:p>
-          <a:p>
-            <a:pPr marL="0" indent="0">
-              <a:buNone/>
-            </a:pPr>
-            <a:r>
-              <a:rPr lang="en-US" dirty="0"/>
-              <a:t>- Events/Inputs: External actions or signals that cause state transitions.</a:t>
-            </a:r>
-          </a:p>
-          <a:p>
-            <a:pPr marL="0" indent="0">
-              <a:buNone/>
-            </a:pPr>
-            <a:r>
-              <a:rPr lang="en-US" dirty="0"/>
-              <a:t>- A State Machine can be open or closed</a:t>
-            </a:r>
-            <a:endParaRPr lang="en-AU" dirty="0"/>
-          </a:p>
-        </p:txBody>
-      </p:sp>
+        </p:nvPicPr>
+        <p:blipFill>
+          <a:blip r:embed="rId2"/>
+          <a:stretch>
+            <a:fillRect/>
+          </a:stretch>
+        </p:blipFill>
+        <p:spPr>
+          <a:xfrm>
+            <a:off x="5602151" y="1287352"/>
+            <a:ext cx="5334274" cy="4273770"/>
+          </a:xfrm>
+        </p:spPr>
+      </p:pic>
     </p:spTree>
     <p:extLst>
       <p:ext uri="{BB962C8B-B14F-4D97-AF65-F5344CB8AC3E}">
-        <p14:creationId xmlns:p14="http://schemas.microsoft.com/office/powerpoint/2010/main" val="2628338777"/>
+        <p14:creationId xmlns:p14="http://schemas.microsoft.com/office/powerpoint/2010/main" val="3539071505"/>
       </p:ext>
     </p:extLst>
   </p:cSld>
@@ -5456,10 +5369,10 @@
       </p:grpSpPr>
       <p:sp>
         <p:nvSpPr>
-          <p:cNvPr id="2" name="Title 1">
-            <a:extLst>
-              <a:ext uri="{FF2B5EF4-FFF2-40B4-BE49-F238E27FC236}">
-                <a16:creationId xmlns:a16="http://schemas.microsoft.com/office/drawing/2014/main" id="{EF02CDCE-575B-0951-8EF2-A4477A27E824}"/>
+          <p:cNvPr id="7" name="Title 6">
+            <a:extLst>
+              <a:ext uri="{FF2B5EF4-FFF2-40B4-BE49-F238E27FC236}">
+                <a16:creationId xmlns:a16="http://schemas.microsoft.com/office/drawing/2014/main" id="{56C6F239-F5E8-6417-880B-0B56CE59D207}"/>
               </a:ext>
             </a:extLst>
           </p:cNvPr>
@@ -5477,7 +5390,7 @@
           <a:p>
             <a:r>
               <a:rPr lang="en-US" dirty="0"/>
-              <a:t>Implement a Open Loop State Machine</a:t>
+              <a:t>Setup Controller States</a:t>
             </a:r>
             <a:endParaRPr lang="en-AU" dirty="0"/>
           </a:p>
@@ -5485,10 +5398,10 @@
       </p:sp>
       <p:sp>
         <p:nvSpPr>
-          <p:cNvPr id="3" name="Content Placeholder 2">
-            <a:extLst>
-              <a:ext uri="{FF2B5EF4-FFF2-40B4-BE49-F238E27FC236}">
-                <a16:creationId xmlns:a16="http://schemas.microsoft.com/office/drawing/2014/main" id="{9E4B693D-DFA2-A791-3F94-842830AE610C}"/>
+          <p:cNvPr id="8" name="Content Placeholder 7">
+            <a:extLst>
+              <a:ext uri="{FF2B5EF4-FFF2-40B4-BE49-F238E27FC236}">
+                <a16:creationId xmlns:a16="http://schemas.microsoft.com/office/drawing/2014/main" id="{A8D1847C-4AD3-1D2C-43B8-828394D9FF0E}"/>
               </a:ext>
             </a:extLst>
           </p:cNvPr>
@@ -5501,33 +5414,55 @@
         </p:nvSpPr>
         <p:spPr/>
         <p:txBody>
-          <a:bodyPr/>
+          <a:bodyPr>
+            <a:normAutofit lnSpcReduction="10000"/>
+          </a:bodyPr>
           <a:lstStyle/>
           <a:p>
             <a:pPr marL="0" indent="0">
               <a:buNone/>
             </a:pPr>
             <a:r>
-              <a:rPr lang="en-AU" dirty="0">
-                <a:hlinkClick r:id="rId2"/>
-              </a:rPr>
-              <a:t>https://github.com/TempeHS/MicroPython_OOP_Pi_Pico_Mini_Project_Source/blob/main/tutorials/Lecture6.md#implement-a-open-loop-state-machine</a:t>
-            </a:r>
-            <a:endParaRPr lang="en-AU" dirty="0"/>
+              <a:rPr lang="en-US" dirty="0"/>
+              <a:t>In the context of a microcontroller, state refers to the current values or conditions of the system’s internal variables, inputs, outputs, and memory at a specific moment in time. State is crucial for determining how the microcontroller should behave next.</a:t>
+            </a:r>
           </a:p>
           <a:p>
             <a:pPr marL="0" indent="0">
               <a:buNone/>
             </a:pPr>
-            <a:endParaRPr lang="en-AU" dirty="0"/>
+            <a:endParaRPr lang="en-US" dirty="0"/>
           </a:p>
           <a:p>
             <a:pPr marL="0" indent="0">
               <a:buNone/>
             </a:pPr>
             <a:r>
+              <a:rPr lang="en-US" dirty="0"/>
+              <a:t>For example, in a simple traffic light controller, one of the states could be “</a:t>
+            </a:r>
+            <a:r>
+              <a:rPr lang="en-US" dirty="0" err="1"/>
+              <a:t>Traffic_Go</a:t>
+            </a:r>
+            <a:r>
+              <a:rPr lang="en-US" dirty="0"/>
+              <a:t>” in which the green lights are on() while both the red and amber lights are off().</a:t>
+            </a:r>
+          </a:p>
+          <a:p>
+            <a:pPr marL="0" indent="0">
+              <a:buNone/>
+            </a:pPr>
+            <a:endParaRPr lang="en-US" b="1" dirty="0"/>
+          </a:p>
+          <a:p>
+            <a:pPr marL="0" indent="0">
+              <a:buNone/>
+            </a:pPr>
+            <a:r>
               <a:rPr lang="en-AU" b="1" dirty="0"/>
-              <a:t>Run v99.py</a:t>
+              <a:t>Run v15.py</a:t>
             </a:r>
           </a:p>
         </p:txBody>
@@ -5535,7 +5470,7 @@
     </p:spTree>
     <p:extLst>
       <p:ext uri="{BB962C8B-B14F-4D97-AF65-F5344CB8AC3E}">
-        <p14:creationId xmlns:p14="http://schemas.microsoft.com/office/powerpoint/2010/main" val="859535218"/>
+        <p14:creationId xmlns:p14="http://schemas.microsoft.com/office/powerpoint/2010/main" val="1175822862"/>
       </p:ext>
     </p:extLst>
   </p:cSld>

--- a/tutorials/presentations/Lecture6.pptx
+++ b/tutorials/presentations/Lecture6.pptx
@@ -12,6 +12,12 @@
     <p:sldId id="265" r:id="rId6"/>
     <p:sldId id="261" r:id="rId7"/>
     <p:sldId id="263" r:id="rId8"/>
+    <p:sldId id="268" r:id="rId9"/>
+    <p:sldId id="269" r:id="rId10"/>
+    <p:sldId id="270" r:id="rId11"/>
+    <p:sldId id="273" r:id="rId12"/>
+    <p:sldId id="275" r:id="rId13"/>
+    <p:sldId id="274" r:id="rId14"/>
   </p:sldIdLst>
   <p:sldSz cx="12192000" cy="6858000"/>
   <p:notesSz cx="6858000" cy="9144000"/>
@@ -121,8 +127,7 @@
 <file path=ppt/revisionInfo.xml><?xml version="1.0" encoding="utf-8"?>
 <p1510:revInfo xmlns:a="http://schemas.openxmlformats.org/drawingml/2006/main" xmlns:r="http://schemas.openxmlformats.org/officeDocument/2006/relationships" xmlns:p1510="http://schemas.microsoft.com/office/powerpoint/2015/10/main">
   <p1510:revLst>
-    <p1510:client id="{396263FC-BA5A-446B-8FBA-B9B8363490D3}" v="8" dt="2025-06-10T12:19:58.709"/>
-    <p1510:client id="{F14E1553-4719-4867-AD3F-20360ABEDCD1}" v="1" dt="2025-06-11T12:14:35.262"/>
+    <p1510:client id="{F14E1553-4719-4867-AD3F-20360ABEDCD1}" v="13" dt="2025-06-11T12:36:54.127"/>
   </p1510:revLst>
 </p1510:revInfo>
 </file>
@@ -377,13 +382,43 @@
   </pc:docChgLst>
   <pc:docChgLst>
     <pc:chgData name="Ben Jones (Ben Jones)" userId="e6e8a0f3-34fe-4d14-b7ab-3a9f1769fff2" providerId="ADAL" clId="{F14E1553-4719-4867-AD3F-20360ABEDCD1}"/>
-    <pc:docChg chg="addSld modSld">
-      <pc:chgData name="Ben Jones (Ben Jones)" userId="e6e8a0f3-34fe-4d14-b7ab-3a9f1769fff2" providerId="ADAL" clId="{F14E1553-4719-4867-AD3F-20360ABEDCD1}" dt="2025-06-11T12:14:47.087" v="12" actId="20577"/>
+    <pc:docChg chg="undo custSel addSld delSld modSld sldOrd">
+      <pc:chgData name="Ben Jones (Ben Jones)" userId="e6e8a0f3-34fe-4d14-b7ab-3a9f1769fff2" providerId="ADAL" clId="{F14E1553-4719-4867-AD3F-20360ABEDCD1}" dt="2025-06-11T13:09:31.135" v="793" actId="27636"/>
       <pc:docMkLst>
         <pc:docMk/>
       </pc:docMkLst>
+      <pc:sldChg chg="modSp mod">
+        <pc:chgData name="Ben Jones (Ben Jones)" userId="e6e8a0f3-34fe-4d14-b7ab-3a9f1769fff2" providerId="ADAL" clId="{F14E1553-4719-4867-AD3F-20360ABEDCD1}" dt="2025-06-11T12:17:20.965" v="43" actId="20577"/>
+        <pc:sldMkLst>
+          <pc:docMk/>
+          <pc:sldMk cId="3539071505" sldId="261"/>
+        </pc:sldMkLst>
+        <pc:spChg chg="mod">
+          <ac:chgData name="Ben Jones (Ben Jones)" userId="e6e8a0f3-34fe-4d14-b7ab-3a9f1769fff2" providerId="ADAL" clId="{F14E1553-4719-4867-AD3F-20360ABEDCD1}" dt="2025-06-11T12:17:20.965" v="43" actId="20577"/>
+          <ac:spMkLst>
+            <pc:docMk/>
+            <pc:sldMk cId="3539071505" sldId="261"/>
+            <ac:spMk id="3" creationId="{B00A36C3-101F-B0AB-F123-C6EFEF11ABE2}"/>
+          </ac:spMkLst>
+        </pc:spChg>
+      </pc:sldChg>
+      <pc:sldChg chg="modSp mod">
+        <pc:chgData name="Ben Jones (Ben Jones)" userId="e6e8a0f3-34fe-4d14-b7ab-3a9f1769fff2" providerId="ADAL" clId="{F14E1553-4719-4867-AD3F-20360ABEDCD1}" dt="2025-06-11T12:17:47.574" v="46" actId="20577"/>
+        <pc:sldMkLst>
+          <pc:docMk/>
+          <pc:sldMk cId="1175822862" sldId="263"/>
+        </pc:sldMkLst>
+        <pc:spChg chg="mod">
+          <ac:chgData name="Ben Jones (Ben Jones)" userId="e6e8a0f3-34fe-4d14-b7ab-3a9f1769fff2" providerId="ADAL" clId="{F14E1553-4719-4867-AD3F-20360ABEDCD1}" dt="2025-06-11T12:17:47.574" v="46" actId="20577"/>
+          <ac:spMkLst>
+            <pc:docMk/>
+            <pc:sldMk cId="1175822862" sldId="263"/>
+            <ac:spMk id="8" creationId="{A8D1847C-4AD3-1D2C-43B8-828394D9FF0E}"/>
+          </ac:spMkLst>
+        </pc:spChg>
+      </pc:sldChg>
       <pc:sldChg chg="modSp add mod">
-        <pc:chgData name="Ben Jones (Ben Jones)" userId="e6e8a0f3-34fe-4d14-b7ab-3a9f1769fff2" providerId="ADAL" clId="{F14E1553-4719-4867-AD3F-20360ABEDCD1}" dt="2025-06-11T12:14:47.087" v="12" actId="20577"/>
+        <pc:chgData name="Ben Jones (Ben Jones)" userId="e6e8a0f3-34fe-4d14-b7ab-3a9f1769fff2" providerId="ADAL" clId="{F14E1553-4719-4867-AD3F-20360ABEDCD1}" dt="2025-06-11T12:16:40.094" v="13" actId="14826"/>
         <pc:sldMkLst>
           <pc:docMk/>
           <pc:sldMk cId="549990195" sldId="264"/>
@@ -394,6 +429,236 @@
             <pc:docMk/>
             <pc:sldMk cId="549990195" sldId="264"/>
             <ac:spMk id="10" creationId="{400FA594-97CE-8BD3-D0B0-58075BCDEA2F}"/>
+          </ac:spMkLst>
+        </pc:spChg>
+        <pc:picChg chg="mod">
+          <ac:chgData name="Ben Jones (Ben Jones)" userId="e6e8a0f3-34fe-4d14-b7ab-3a9f1769fff2" providerId="ADAL" clId="{F14E1553-4719-4867-AD3F-20360ABEDCD1}" dt="2025-06-11T12:16:40.094" v="13" actId="14826"/>
+          <ac:picMkLst>
+            <pc:docMk/>
+            <pc:sldMk cId="549990195" sldId="264"/>
+            <ac:picMk id="3" creationId="{0A4946D7-D489-5D8A-F199-89C94DED1838}"/>
+          </ac:picMkLst>
+        </pc:picChg>
+      </pc:sldChg>
+      <pc:sldChg chg="delSp add del setBg delDesignElem">
+        <pc:chgData name="Ben Jones (Ben Jones)" userId="e6e8a0f3-34fe-4d14-b7ab-3a9f1769fff2" providerId="ADAL" clId="{F14E1553-4719-4867-AD3F-20360ABEDCD1}" dt="2025-06-11T12:18:33.305" v="54" actId="47"/>
+        <pc:sldMkLst>
+          <pc:docMk/>
+          <pc:sldMk cId="3614926292" sldId="266"/>
+        </pc:sldMkLst>
+        <pc:spChg chg="del">
+          <ac:chgData name="Ben Jones (Ben Jones)" userId="e6e8a0f3-34fe-4d14-b7ab-3a9f1769fff2" providerId="ADAL" clId="{F14E1553-4719-4867-AD3F-20360ABEDCD1}" dt="2025-06-11T12:18:06.270" v="48"/>
+          <ac:spMkLst>
+            <pc:docMk/>
+            <pc:sldMk cId="3614926292" sldId="266"/>
+            <ac:spMk id="13" creationId="{1386D5CC-223C-D584-4239-0189FC7DC169}"/>
+          </ac:spMkLst>
+        </pc:spChg>
+        <pc:spChg chg="del">
+          <ac:chgData name="Ben Jones (Ben Jones)" userId="e6e8a0f3-34fe-4d14-b7ab-3a9f1769fff2" providerId="ADAL" clId="{F14E1553-4719-4867-AD3F-20360ABEDCD1}" dt="2025-06-11T12:18:06.270" v="48"/>
+          <ac:spMkLst>
+            <pc:docMk/>
+            <pc:sldMk cId="3614926292" sldId="266"/>
+            <ac:spMk id="15" creationId="{59A88DDD-9168-EC16-A536-51D3FB213B96}"/>
+          </ac:spMkLst>
+        </pc:spChg>
+      </pc:sldChg>
+      <pc:sldChg chg="delSp add del setBg delDesignElem">
+        <pc:chgData name="Ben Jones (Ben Jones)" userId="e6e8a0f3-34fe-4d14-b7ab-3a9f1769fff2" providerId="ADAL" clId="{F14E1553-4719-4867-AD3F-20360ABEDCD1}" dt="2025-06-11T12:18:33.305" v="54" actId="47"/>
+        <pc:sldMkLst>
+          <pc:docMk/>
+          <pc:sldMk cId="289399125" sldId="267"/>
+        </pc:sldMkLst>
+        <pc:spChg chg="del">
+          <ac:chgData name="Ben Jones (Ben Jones)" userId="e6e8a0f3-34fe-4d14-b7ab-3a9f1769fff2" providerId="ADAL" clId="{F14E1553-4719-4867-AD3F-20360ABEDCD1}" dt="2025-06-11T12:18:15.037" v="50"/>
+          <ac:spMkLst>
+            <pc:docMk/>
+            <pc:sldMk cId="289399125" sldId="267"/>
+            <ac:spMk id="13" creationId="{E941FA9C-8CA2-2A5C-29C0-676B9E1A018A}"/>
+          </ac:spMkLst>
+        </pc:spChg>
+        <pc:spChg chg="del">
+          <ac:chgData name="Ben Jones (Ben Jones)" userId="e6e8a0f3-34fe-4d14-b7ab-3a9f1769fff2" providerId="ADAL" clId="{F14E1553-4719-4867-AD3F-20360ABEDCD1}" dt="2025-06-11T12:18:15.037" v="50"/>
+          <ac:spMkLst>
+            <pc:docMk/>
+            <pc:sldMk cId="289399125" sldId="267"/>
+            <ac:spMk id="15" creationId="{F7F8EC40-D06E-9E95-129D-7D1A798B29EA}"/>
+          </ac:spMkLst>
+        </pc:spChg>
+      </pc:sldChg>
+      <pc:sldChg chg="modSp add mod ord">
+        <pc:chgData name="Ben Jones (Ben Jones)" userId="e6e8a0f3-34fe-4d14-b7ab-3a9f1769fff2" providerId="ADAL" clId="{F14E1553-4719-4867-AD3F-20360ABEDCD1}" dt="2025-06-11T12:19:19.819" v="182" actId="20577"/>
+        <pc:sldMkLst>
+          <pc:docMk/>
+          <pc:sldMk cId="1075762417" sldId="268"/>
+        </pc:sldMkLst>
+        <pc:spChg chg="mod">
+          <ac:chgData name="Ben Jones (Ben Jones)" userId="e6e8a0f3-34fe-4d14-b7ab-3a9f1769fff2" providerId="ADAL" clId="{F14E1553-4719-4867-AD3F-20360ABEDCD1}" dt="2025-06-11T12:18:48.001" v="78" actId="20577"/>
+          <ac:spMkLst>
+            <pc:docMk/>
+            <pc:sldMk cId="1075762417" sldId="268"/>
+            <ac:spMk id="4" creationId="{B4F03DDF-EE8A-5A48-C2BE-01484C430635}"/>
+          </ac:spMkLst>
+        </pc:spChg>
+        <pc:spChg chg="mod">
+          <ac:chgData name="Ben Jones (Ben Jones)" userId="e6e8a0f3-34fe-4d14-b7ab-3a9f1769fff2" providerId="ADAL" clId="{F14E1553-4719-4867-AD3F-20360ABEDCD1}" dt="2025-06-11T12:19:19.819" v="182" actId="20577"/>
+          <ac:spMkLst>
+            <pc:docMk/>
+            <pc:sldMk cId="1075762417" sldId="268"/>
+            <ac:spMk id="6" creationId="{B41CF516-A4D1-D613-1F4D-D8B13508C42D}"/>
+          </ac:spMkLst>
+        </pc:spChg>
+      </pc:sldChg>
+      <pc:sldChg chg="addSp delSp modSp new mod modClrScheme chgLayout">
+        <pc:chgData name="Ben Jones (Ben Jones)" userId="e6e8a0f3-34fe-4d14-b7ab-3a9f1769fff2" providerId="ADAL" clId="{F14E1553-4719-4867-AD3F-20360ABEDCD1}" dt="2025-06-11T12:23:04.096" v="464" actId="6549"/>
+        <pc:sldMkLst>
+          <pc:docMk/>
+          <pc:sldMk cId="608726658" sldId="269"/>
+        </pc:sldMkLst>
+        <pc:spChg chg="del mod ord">
+          <ac:chgData name="Ben Jones (Ben Jones)" userId="e6e8a0f3-34fe-4d14-b7ab-3a9f1769fff2" providerId="ADAL" clId="{F14E1553-4719-4867-AD3F-20360ABEDCD1}" dt="2025-06-11T12:19:31.084" v="184" actId="700"/>
+          <ac:spMkLst>
+            <pc:docMk/>
+            <pc:sldMk cId="608726658" sldId="269"/>
+            <ac:spMk id="2" creationId="{A5205B0F-3F8A-FB33-2CF8-E3B141543B9B}"/>
+          </ac:spMkLst>
+        </pc:spChg>
+        <pc:spChg chg="del mod ord">
+          <ac:chgData name="Ben Jones (Ben Jones)" userId="e6e8a0f3-34fe-4d14-b7ab-3a9f1769fff2" providerId="ADAL" clId="{F14E1553-4719-4867-AD3F-20360ABEDCD1}" dt="2025-06-11T12:19:31.084" v="184" actId="700"/>
+          <ac:spMkLst>
+            <pc:docMk/>
+            <pc:sldMk cId="608726658" sldId="269"/>
+            <ac:spMk id="3" creationId="{FBEBC97C-A5EF-DB0C-6287-FF0FC41A7DD8}"/>
+          </ac:spMkLst>
+        </pc:spChg>
+        <pc:spChg chg="del">
+          <ac:chgData name="Ben Jones (Ben Jones)" userId="e6e8a0f3-34fe-4d14-b7ab-3a9f1769fff2" providerId="ADAL" clId="{F14E1553-4719-4867-AD3F-20360ABEDCD1}" dt="2025-06-11T12:19:31.084" v="184" actId="700"/>
+          <ac:spMkLst>
+            <pc:docMk/>
+            <pc:sldMk cId="608726658" sldId="269"/>
+            <ac:spMk id="4" creationId="{BDBC90A1-F04E-DE48-0C32-5415FDC7E36A}"/>
+          </ac:spMkLst>
+        </pc:spChg>
+        <pc:spChg chg="add mod ord">
+          <ac:chgData name="Ben Jones (Ben Jones)" userId="e6e8a0f3-34fe-4d14-b7ab-3a9f1769fff2" providerId="ADAL" clId="{F14E1553-4719-4867-AD3F-20360ABEDCD1}" dt="2025-06-11T12:19:35.593" v="192" actId="20577"/>
+          <ac:spMkLst>
+            <pc:docMk/>
+            <pc:sldMk cId="608726658" sldId="269"/>
+            <ac:spMk id="5" creationId="{B154D516-A7B8-9725-7B02-36F1010DA5A4}"/>
+          </ac:spMkLst>
+        </pc:spChg>
+        <pc:spChg chg="add del mod ord">
+          <ac:chgData name="Ben Jones (Ben Jones)" userId="e6e8a0f3-34fe-4d14-b7ab-3a9f1769fff2" providerId="ADAL" clId="{F14E1553-4719-4867-AD3F-20360ABEDCD1}" dt="2025-06-11T12:19:49.333" v="193" actId="3680"/>
+          <ac:spMkLst>
+            <pc:docMk/>
+            <pc:sldMk cId="608726658" sldId="269"/>
+            <ac:spMk id="6" creationId="{E1955689-A406-8F9A-8B43-CE673F363343}"/>
+          </ac:spMkLst>
+        </pc:spChg>
+        <pc:graphicFrameChg chg="add mod ord modGraphic">
+          <ac:chgData name="Ben Jones (Ben Jones)" userId="e6e8a0f3-34fe-4d14-b7ab-3a9f1769fff2" providerId="ADAL" clId="{F14E1553-4719-4867-AD3F-20360ABEDCD1}" dt="2025-06-11T12:23:04.096" v="464" actId="6549"/>
+          <ac:graphicFrameMkLst>
+            <pc:docMk/>
+            <pc:sldMk cId="608726658" sldId="269"/>
+            <ac:graphicFrameMk id="7" creationId="{88CE69C3-4900-99C8-7F6B-AC75A34EFB3C}"/>
+          </ac:graphicFrameMkLst>
+        </pc:graphicFrameChg>
+      </pc:sldChg>
+      <pc:sldChg chg="modSp add mod">
+        <pc:chgData name="Ben Jones (Ben Jones)" userId="e6e8a0f3-34fe-4d14-b7ab-3a9f1769fff2" providerId="ADAL" clId="{F14E1553-4719-4867-AD3F-20360ABEDCD1}" dt="2025-06-11T12:26:22.737" v="609" actId="20577"/>
+        <pc:sldMkLst>
+          <pc:docMk/>
+          <pc:sldMk cId="703839872" sldId="270"/>
+        </pc:sldMkLst>
+        <pc:graphicFrameChg chg="mod modGraphic">
+          <ac:chgData name="Ben Jones (Ben Jones)" userId="e6e8a0f3-34fe-4d14-b7ab-3a9f1769fff2" providerId="ADAL" clId="{F14E1553-4719-4867-AD3F-20360ABEDCD1}" dt="2025-06-11T12:26:22.737" v="609" actId="20577"/>
+          <ac:graphicFrameMkLst>
+            <pc:docMk/>
+            <pc:sldMk cId="703839872" sldId="270"/>
+            <ac:graphicFrameMk id="7" creationId="{14049190-61A1-D38A-DF3C-6FB08CAC9AED}"/>
+          </ac:graphicFrameMkLst>
+        </pc:graphicFrameChg>
+      </pc:sldChg>
+      <pc:sldChg chg="modSp new del mod">
+        <pc:chgData name="Ben Jones (Ben Jones)" userId="e6e8a0f3-34fe-4d14-b7ab-3a9f1769fff2" providerId="ADAL" clId="{F14E1553-4719-4867-AD3F-20360ABEDCD1}" dt="2025-06-11T12:36:41.762" v="767" actId="2696"/>
+        <pc:sldMkLst>
+          <pc:docMk/>
+          <pc:sldMk cId="1558367712" sldId="271"/>
+        </pc:sldMkLst>
+        <pc:spChg chg="mod">
+          <ac:chgData name="Ben Jones (Ben Jones)" userId="e6e8a0f3-34fe-4d14-b7ab-3a9f1769fff2" providerId="ADAL" clId="{F14E1553-4719-4867-AD3F-20360ABEDCD1}" dt="2025-06-11T12:27:22.824" v="611"/>
+          <ac:spMkLst>
+            <pc:docMk/>
+            <pc:sldMk cId="1558367712" sldId="271"/>
+            <ac:spMk id="2" creationId="{777C0F3B-6562-ADE5-E1C7-0E0FFD83519D}"/>
+          </ac:spMkLst>
+        </pc:spChg>
+        <pc:spChg chg="mod">
+          <ac:chgData name="Ben Jones (Ben Jones)" userId="e6e8a0f3-34fe-4d14-b7ab-3a9f1769fff2" providerId="ADAL" clId="{F14E1553-4719-4867-AD3F-20360ABEDCD1}" dt="2025-06-11T12:27:34.952" v="649" actId="20577"/>
+          <ac:spMkLst>
+            <pc:docMk/>
+            <pc:sldMk cId="1558367712" sldId="271"/>
+            <ac:spMk id="3" creationId="{2CEF4221-C3B2-EEF5-9479-C5CAAFD6C67C}"/>
+          </ac:spMkLst>
+        </pc:spChg>
+      </pc:sldChg>
+      <pc:sldChg chg="new del">
+        <pc:chgData name="Ben Jones (Ben Jones)" userId="e6e8a0f3-34fe-4d14-b7ab-3a9f1769fff2" providerId="ADAL" clId="{F14E1553-4719-4867-AD3F-20360ABEDCD1}" dt="2025-06-11T12:37:14.410" v="789" actId="2696"/>
+        <pc:sldMkLst>
+          <pc:docMk/>
+          <pc:sldMk cId="4222379563" sldId="272"/>
+        </pc:sldMkLst>
+      </pc:sldChg>
+      <pc:sldChg chg="modSp add mod">
+        <pc:chgData name="Ben Jones (Ben Jones)" userId="e6e8a0f3-34fe-4d14-b7ab-3a9f1769fff2" providerId="ADAL" clId="{F14E1553-4719-4867-AD3F-20360ABEDCD1}" dt="2025-06-11T13:09:11.606" v="790" actId="948"/>
+        <pc:sldMkLst>
+          <pc:docMk/>
+          <pc:sldMk cId="4286823996" sldId="273"/>
+        </pc:sldMkLst>
+        <pc:spChg chg="mod">
+          <ac:chgData name="Ben Jones (Ben Jones)" userId="e6e8a0f3-34fe-4d14-b7ab-3a9f1769fff2" providerId="ADAL" clId="{F14E1553-4719-4867-AD3F-20360ABEDCD1}" dt="2025-06-11T13:09:11.606" v="790" actId="948"/>
+          <ac:spMkLst>
+            <pc:docMk/>
+            <pc:sldMk cId="4286823996" sldId="273"/>
+            <ac:spMk id="3" creationId="{10BF6715-B6F1-BE80-23EB-752BDCA181D5}"/>
+          </ac:spMkLst>
+        </pc:spChg>
+      </pc:sldChg>
+      <pc:sldChg chg="modSp new mod">
+        <pc:chgData name="Ben Jones (Ben Jones)" userId="e6e8a0f3-34fe-4d14-b7ab-3a9f1769fff2" providerId="ADAL" clId="{F14E1553-4719-4867-AD3F-20360ABEDCD1}" dt="2025-06-11T13:09:31.135" v="793" actId="27636"/>
+        <pc:sldMkLst>
+          <pc:docMk/>
+          <pc:sldMk cId="2493538128" sldId="274"/>
+        </pc:sldMkLst>
+        <pc:spChg chg="mod">
+          <ac:chgData name="Ben Jones (Ben Jones)" userId="e6e8a0f3-34fe-4d14-b7ab-3a9f1769fff2" providerId="ADAL" clId="{F14E1553-4719-4867-AD3F-20360ABEDCD1}" dt="2025-06-11T12:31:46.447" v="732" actId="20577"/>
+          <ac:spMkLst>
+            <pc:docMk/>
+            <pc:sldMk cId="2493538128" sldId="274"/>
+            <ac:spMk id="2" creationId="{CA2FB80A-4EE0-DBC7-D40A-40949C4EF7CE}"/>
+          </ac:spMkLst>
+        </pc:spChg>
+        <pc:spChg chg="mod">
+          <ac:chgData name="Ben Jones (Ben Jones)" userId="e6e8a0f3-34fe-4d14-b7ab-3a9f1769fff2" providerId="ADAL" clId="{F14E1553-4719-4867-AD3F-20360ABEDCD1}" dt="2025-06-11T13:09:31.135" v="793" actId="27636"/>
+          <ac:spMkLst>
+            <pc:docMk/>
+            <pc:sldMk cId="2493538128" sldId="274"/>
+            <ac:spMk id="3" creationId="{A14AA290-EFBC-2399-CBD2-0F445A3A75CB}"/>
+          </ac:spMkLst>
+        </pc:spChg>
+      </pc:sldChg>
+      <pc:sldChg chg="modSp add mod">
+        <pc:chgData name="Ben Jones (Ben Jones)" userId="e6e8a0f3-34fe-4d14-b7ab-3a9f1769fff2" providerId="ADAL" clId="{F14E1553-4719-4867-AD3F-20360ABEDCD1}" dt="2025-06-11T13:09:20.299" v="791" actId="948"/>
+        <pc:sldMkLst>
+          <pc:docMk/>
+          <pc:sldMk cId="1196129529" sldId="275"/>
+        </pc:sldMkLst>
+        <pc:spChg chg="mod">
+          <ac:chgData name="Ben Jones (Ben Jones)" userId="e6e8a0f3-34fe-4d14-b7ab-3a9f1769fff2" providerId="ADAL" clId="{F14E1553-4719-4867-AD3F-20360ABEDCD1}" dt="2025-06-11T13:09:20.299" v="791" actId="948"/>
+          <ac:spMkLst>
+            <pc:docMk/>
+            <pc:sldMk cId="1196129529" sldId="275"/>
+            <ac:spMk id="3" creationId="{F17B0C28-707C-22FC-8646-0D0488285642}"/>
           </ac:spMkLst>
         </pc:spChg>
       </pc:sldChg>
@@ -4551,6 +4816,1475 @@
 </p:sld>
 </file>
 
+<file path=ppt/slides/slide10.xml><?xml version="1.0" encoding="utf-8"?>
+<p:sld xmlns:a="http://schemas.openxmlformats.org/drawingml/2006/main" xmlns:r="http://schemas.openxmlformats.org/officeDocument/2006/relationships" xmlns:p="http://schemas.openxmlformats.org/presentationml/2006/main">
+  <p:cSld>
+    <p:spTree>
+      <p:nvGrpSpPr>
+        <p:cNvPr id="1" name="">
+          <a:extLst>
+            <a:ext uri="{FF2B5EF4-FFF2-40B4-BE49-F238E27FC236}">
+              <a16:creationId xmlns:a16="http://schemas.microsoft.com/office/drawing/2014/main" id="{B8AECEB4-EF31-2941-4D8A-CA5878658F68}"/>
+            </a:ext>
+          </a:extLst>
+        </p:cNvPr>
+        <p:cNvGrpSpPr/>
+        <p:nvPr/>
+      </p:nvGrpSpPr>
+      <p:grpSpPr>
+        <a:xfrm>
+          <a:off x="0" y="0"/>
+          <a:ext cx="0" cy="0"/>
+          <a:chOff x="0" y="0"/>
+          <a:chExt cx="0" cy="0"/>
+        </a:xfrm>
+      </p:grpSpPr>
+      <p:sp>
+        <p:nvSpPr>
+          <p:cNvPr id="5" name="Title 4">
+            <a:extLst>
+              <a:ext uri="{FF2B5EF4-FFF2-40B4-BE49-F238E27FC236}">
+                <a16:creationId xmlns:a16="http://schemas.microsoft.com/office/drawing/2014/main" id="{C57BFA24-4507-47BA-467F-EDA0DC3E35EB}"/>
+              </a:ext>
+            </a:extLst>
+          </p:cNvPr>
+          <p:cNvSpPr>
+            <a:spLocks noGrp="1"/>
+          </p:cNvSpPr>
+          <p:nvPr>
+            <p:ph type="title"/>
+          </p:nvPr>
+        </p:nvSpPr>
+        <p:spPr/>
+        <p:txBody>
+          <a:bodyPr/>
+          <a:lstStyle/>
+          <a:p>
+            <a:r>
+              <a:rPr lang="en-AU" dirty="0"/>
+              <a:t>States</a:t>
+            </a:r>
+          </a:p>
+        </p:txBody>
+      </p:sp>
+      <p:graphicFrame>
+        <p:nvGraphicFramePr>
+          <p:cNvPr id="7" name="Content Placeholder 6">
+            <a:extLst>
+              <a:ext uri="{FF2B5EF4-FFF2-40B4-BE49-F238E27FC236}">
+                <a16:creationId xmlns:a16="http://schemas.microsoft.com/office/drawing/2014/main" id="{14049190-61A1-D38A-DF3C-6FB08CAC9AED}"/>
+              </a:ext>
+            </a:extLst>
+          </p:cNvPr>
+          <p:cNvGraphicFramePr>
+            <a:graphicFrameLocks noGrp="1"/>
+          </p:cNvGraphicFramePr>
+          <p:nvPr>
+            <p:ph idx="1"/>
+            <p:extLst>
+              <p:ext uri="{D42A27DB-BD31-4B8C-83A1-F6EECF244321}">
+                <p14:modId xmlns:p14="http://schemas.microsoft.com/office/powerpoint/2010/main" val="4057754558"/>
+              </p:ext>
+            </p:extLst>
+          </p:nvPr>
+        </p:nvGraphicFramePr>
+        <p:xfrm>
+          <a:off x="838203" y="1379310"/>
+          <a:ext cx="10515597" cy="4302760"/>
+        </p:xfrm>
+        <a:graphic>
+          <a:graphicData uri="http://schemas.openxmlformats.org/drawingml/2006/table">
+            <a:tbl>
+              <a:tblPr firstRow="1" bandRow="1">
+                <a:tableStyleId>{5C22544A-7EE6-4342-B048-85BDC9FD1C3A}</a:tableStyleId>
+              </a:tblPr>
+              <a:tblGrid>
+                <a:gridCol w="3505199">
+                  <a:extLst>
+                    <a:ext uri="{9D8B030D-6E8A-4147-A177-3AD203B41FA5}">
+                      <a16:colId xmlns:a16="http://schemas.microsoft.com/office/drawing/2014/main" val="4001819843"/>
+                    </a:ext>
+                  </a:extLst>
+                </a:gridCol>
+                <a:gridCol w="3505199">
+                  <a:extLst>
+                    <a:ext uri="{9D8B030D-6E8A-4147-A177-3AD203B41FA5}">
+                      <a16:colId xmlns:a16="http://schemas.microsoft.com/office/drawing/2014/main" val="1120402835"/>
+                    </a:ext>
+                  </a:extLst>
+                </a:gridCol>
+                <a:gridCol w="3505199">
+                  <a:extLst>
+                    <a:ext uri="{9D8B030D-6E8A-4147-A177-3AD203B41FA5}">
+                      <a16:colId xmlns:a16="http://schemas.microsoft.com/office/drawing/2014/main" val="3453965507"/>
+                    </a:ext>
+                  </a:extLst>
+                </a:gridCol>
+              </a:tblGrid>
+              <a:tr h="370840">
+                <a:tc>
+                  <a:txBody>
+                    <a:bodyPr/>
+                    <a:lstStyle/>
+                    <a:p>
+                      <a:endParaRPr lang="en-AU" dirty="0"/>
+                    </a:p>
+                  </a:txBody>
+                  <a:tcPr/>
+                </a:tc>
+                <a:tc>
+                  <a:txBody>
+                    <a:bodyPr/>
+                    <a:lstStyle/>
+                    <a:p>
+                      <a:r>
+                        <a:rPr lang="en-AU" dirty="0"/>
+                        <a:t>Change Trigger</a:t>
+                      </a:r>
+                    </a:p>
+                  </a:txBody>
+                  <a:tcPr/>
+                </a:tc>
+                <a:tc>
+                  <a:txBody>
+                    <a:bodyPr/>
+                    <a:lstStyle/>
+                    <a:p>
+                      <a:r>
+                        <a:rPr lang="en-AU" dirty="0"/>
+                        <a:t>Light Pattern</a:t>
+                      </a:r>
+                    </a:p>
+                  </a:txBody>
+                  <a:tcPr/>
+                </a:tc>
+                <a:extLst>
+                  <a:ext uri="{0D108BD9-81ED-4DB2-BD59-A6C34878D82A}">
+                    <a16:rowId xmlns:a16="http://schemas.microsoft.com/office/drawing/2014/main" val="4097188194"/>
+                  </a:ext>
+                </a:extLst>
+              </a:tr>
+              <a:tr h="370840">
+                <a:tc>
+                  <a:txBody>
+                    <a:bodyPr/>
+                    <a:lstStyle/>
+                    <a:p>
+                      <a:r>
+                        <a:rPr lang="en-AU" dirty="0"/>
+                        <a:t>Idle</a:t>
+                      </a:r>
+                    </a:p>
+                  </a:txBody>
+                  <a:tcPr/>
+                </a:tc>
+                <a:tc>
+                  <a:txBody>
+                    <a:bodyPr/>
+                    <a:lstStyle/>
+                    <a:p>
+                      <a:pPr marL="0" marR="0" lvl="0" indent="0" algn="l" defTabSz="914400" rtl="0" eaLnBrk="1" fontAlgn="auto" latinLnBrk="0" hangingPunct="1">
+                        <a:lnSpc>
+                          <a:spcPct val="100000"/>
+                        </a:lnSpc>
+                        <a:spcBef>
+                          <a:spcPts val="0"/>
+                        </a:spcBef>
+                        <a:spcAft>
+                          <a:spcPts val="0"/>
+                        </a:spcAft>
+                        <a:buClrTx/>
+                        <a:buSzTx/>
+                        <a:buFontTx/>
+                        <a:buNone/>
+                        <a:tabLst/>
+                        <a:defRPr/>
+                      </a:pPr>
+                      <a:r>
+                        <a:rPr lang="en-AU" dirty="0"/>
+                        <a:t>Button Press</a:t>
+                      </a:r>
+                    </a:p>
+                  </a:txBody>
+                  <a:tcPr/>
+                </a:tc>
+                <a:tc>
+                  <a:txBody>
+                    <a:bodyPr/>
+                    <a:lstStyle/>
+                    <a:p>
+                      <a:r>
+                        <a:rPr lang="en-AU" dirty="0"/>
+                        <a:t>Ped Red On</a:t>
+                      </a:r>
+                    </a:p>
+                    <a:p>
+                      <a:r>
+                        <a:rPr lang="en-AU" dirty="0"/>
+                        <a:t>Car Green On</a:t>
+                      </a:r>
+                    </a:p>
+                    <a:p>
+                      <a:r>
+                        <a:rPr lang="en-AU" dirty="0"/>
+                        <a:t>Rest Off</a:t>
+                      </a:r>
+                    </a:p>
+                  </a:txBody>
+                  <a:tcPr/>
+                </a:tc>
+                <a:extLst>
+                  <a:ext uri="{0D108BD9-81ED-4DB2-BD59-A6C34878D82A}">
+                    <a16:rowId xmlns:a16="http://schemas.microsoft.com/office/drawing/2014/main" val="792290718"/>
+                  </a:ext>
+                </a:extLst>
+              </a:tr>
+              <a:tr h="370840">
+                <a:tc>
+                  <a:txBody>
+                    <a:bodyPr/>
+                    <a:lstStyle/>
+                    <a:p>
+                      <a:r>
+                        <a:rPr lang="en-AU" dirty="0"/>
+                        <a:t>Changing</a:t>
+                      </a:r>
+                    </a:p>
+                  </a:txBody>
+                  <a:tcPr/>
+                </a:tc>
+                <a:tc>
+                  <a:txBody>
+                    <a:bodyPr/>
+                    <a:lstStyle/>
+                    <a:p>
+                      <a:r>
+                        <a:rPr lang="en-AU" dirty="0"/>
+                        <a:t>Time</a:t>
+                      </a:r>
+                    </a:p>
+                  </a:txBody>
+                  <a:tcPr/>
+                </a:tc>
+                <a:tc>
+                  <a:txBody>
+                    <a:bodyPr/>
+                    <a:lstStyle/>
+                    <a:p>
+                      <a:r>
+                        <a:rPr lang="en-AU" dirty="0"/>
+                        <a:t>Ped Red On</a:t>
+                      </a:r>
+                    </a:p>
+                    <a:p>
+                      <a:r>
+                        <a:rPr lang="en-AU" dirty="0"/>
+                        <a:t>Car Amber On</a:t>
+                      </a:r>
+                    </a:p>
+                    <a:p>
+                      <a:r>
+                        <a:rPr lang="en-AU" dirty="0"/>
+                        <a:t>Rest Off</a:t>
+                      </a:r>
+                    </a:p>
+                  </a:txBody>
+                  <a:tcPr/>
+                </a:tc>
+                <a:extLst>
+                  <a:ext uri="{0D108BD9-81ED-4DB2-BD59-A6C34878D82A}">
+                    <a16:rowId xmlns:a16="http://schemas.microsoft.com/office/drawing/2014/main" val="1835098462"/>
+                  </a:ext>
+                </a:extLst>
+              </a:tr>
+              <a:tr h="370840">
+                <a:tc>
+                  <a:txBody>
+                    <a:bodyPr/>
+                    <a:lstStyle/>
+                    <a:p>
+                      <a:r>
+                        <a:rPr lang="en-AU" dirty="0"/>
+                        <a:t>Walk</a:t>
+                      </a:r>
+                    </a:p>
+                  </a:txBody>
+                  <a:tcPr/>
+                </a:tc>
+                <a:tc>
+                  <a:txBody>
+                    <a:bodyPr/>
+                    <a:lstStyle/>
+                    <a:p>
+                      <a:r>
+                        <a:rPr lang="en-AU" dirty="0"/>
+                        <a:t>Time</a:t>
+                      </a:r>
+                    </a:p>
+                  </a:txBody>
+                  <a:tcPr/>
+                </a:tc>
+                <a:tc>
+                  <a:txBody>
+                    <a:bodyPr/>
+                    <a:lstStyle/>
+                    <a:p>
+                      <a:r>
+                        <a:rPr lang="en-AU" dirty="0"/>
+                        <a:t>Ped Green On</a:t>
+                      </a:r>
+                    </a:p>
+                    <a:p>
+                      <a:r>
+                        <a:rPr lang="en-AU" dirty="0"/>
+                        <a:t>Car Red On</a:t>
+                      </a:r>
+                    </a:p>
+                    <a:p>
+                      <a:r>
+                        <a:rPr lang="en-AU" dirty="0"/>
+                        <a:t>Audio Warning</a:t>
+                      </a:r>
+                    </a:p>
+                    <a:p>
+                      <a:r>
+                        <a:rPr lang="en-AU" dirty="0"/>
+                        <a:t>Rest Off</a:t>
+                      </a:r>
+                    </a:p>
+                  </a:txBody>
+                  <a:tcPr/>
+                </a:tc>
+                <a:extLst>
+                  <a:ext uri="{0D108BD9-81ED-4DB2-BD59-A6C34878D82A}">
+                    <a16:rowId xmlns:a16="http://schemas.microsoft.com/office/drawing/2014/main" val="2410609063"/>
+                  </a:ext>
+                </a:extLst>
+              </a:tr>
+              <a:tr h="251370">
+                <a:tc>
+                  <a:txBody>
+                    <a:bodyPr/>
+                    <a:lstStyle/>
+                    <a:p>
+                      <a:r>
+                        <a:rPr lang="en-AU" dirty="0"/>
+                        <a:t>Walk stop warning</a:t>
+                      </a:r>
+                    </a:p>
+                  </a:txBody>
+                  <a:tcPr/>
+                </a:tc>
+                <a:tc>
+                  <a:txBody>
+                    <a:bodyPr/>
+                    <a:lstStyle/>
+                    <a:p>
+                      <a:r>
+                        <a:rPr lang="en-AU" dirty="0"/>
+                        <a:t>Timer</a:t>
+                      </a:r>
+                    </a:p>
+                  </a:txBody>
+                  <a:tcPr/>
+                </a:tc>
+                <a:tc>
+                  <a:txBody>
+                    <a:bodyPr/>
+                    <a:lstStyle/>
+                    <a:p>
+                      <a:r>
+                        <a:rPr lang="en-AU" dirty="0"/>
+                        <a:t>Ped Red Flashing</a:t>
+                      </a:r>
+                    </a:p>
+                    <a:p>
+                      <a:r>
+                        <a:rPr lang="en-AU" dirty="0"/>
+                        <a:t>Car Red On</a:t>
+                      </a:r>
+                    </a:p>
+                    <a:p>
+                      <a:r>
+                        <a:rPr lang="en-AU" dirty="0"/>
+                        <a:t>Rest Off</a:t>
+                      </a:r>
+                    </a:p>
+                  </a:txBody>
+                  <a:tcPr/>
+                </a:tc>
+                <a:extLst>
+                  <a:ext uri="{0D108BD9-81ED-4DB2-BD59-A6C34878D82A}">
+                    <a16:rowId xmlns:a16="http://schemas.microsoft.com/office/drawing/2014/main" val="1630014751"/>
+                  </a:ext>
+                </a:extLst>
+              </a:tr>
+            </a:tbl>
+          </a:graphicData>
+        </a:graphic>
+      </p:graphicFrame>
+    </p:spTree>
+    <p:extLst>
+      <p:ext uri="{BB962C8B-B14F-4D97-AF65-F5344CB8AC3E}">
+        <p14:creationId xmlns:p14="http://schemas.microsoft.com/office/powerpoint/2010/main" val="703839872"/>
+      </p:ext>
+    </p:extLst>
+  </p:cSld>
+  <p:clrMapOvr>
+    <a:masterClrMapping/>
+  </p:clrMapOvr>
+</p:sld>
+</file>
+
+<file path=ppt/slides/slide11.xml><?xml version="1.0" encoding="utf-8"?>
+<p:sld xmlns:a="http://schemas.openxmlformats.org/drawingml/2006/main" xmlns:r="http://schemas.openxmlformats.org/officeDocument/2006/relationships" xmlns:p="http://schemas.openxmlformats.org/presentationml/2006/main">
+  <p:cSld>
+    <p:spTree>
+      <p:nvGrpSpPr>
+        <p:cNvPr id="1" name=""/>
+        <p:cNvGrpSpPr/>
+        <p:nvPr/>
+      </p:nvGrpSpPr>
+      <p:grpSpPr>
+        <a:xfrm>
+          <a:off x="0" y="0"/>
+          <a:ext cx="0" cy="0"/>
+          <a:chOff x="0" y="0"/>
+          <a:chExt cx="0" cy="0"/>
+        </a:xfrm>
+      </p:grpSpPr>
+      <p:sp>
+        <p:nvSpPr>
+          <p:cNvPr id="2" name="Title 1">
+            <a:extLst>
+              <a:ext uri="{FF2B5EF4-FFF2-40B4-BE49-F238E27FC236}">
+                <a16:creationId xmlns:a16="http://schemas.microsoft.com/office/drawing/2014/main" id="{1014C040-0011-B132-BBB4-963A422BA42C}"/>
+              </a:ext>
+            </a:extLst>
+          </p:cNvPr>
+          <p:cNvSpPr>
+            <a:spLocks noGrp="1"/>
+          </p:cNvSpPr>
+          <p:nvPr>
+            <p:ph type="title"/>
+          </p:nvPr>
+        </p:nvSpPr>
+        <p:spPr/>
+        <p:txBody>
+          <a:bodyPr/>
+          <a:lstStyle/>
+          <a:p>
+            <a:r>
+              <a:rPr lang="en-AU" dirty="0" err="1"/>
+              <a:t>Pedestrian_Button</a:t>
+            </a:r>
+            <a:r>
+              <a:rPr lang="en-AU" dirty="0"/>
+              <a:t> Imports</a:t>
+            </a:r>
+          </a:p>
+        </p:txBody>
+      </p:sp>
+      <p:sp>
+        <p:nvSpPr>
+          <p:cNvPr id="3" name="Content Placeholder 2">
+            <a:extLst>
+              <a:ext uri="{FF2B5EF4-FFF2-40B4-BE49-F238E27FC236}">
+                <a16:creationId xmlns:a16="http://schemas.microsoft.com/office/drawing/2014/main" id="{10BF6715-B6F1-BE80-23EB-752BDCA181D5}"/>
+              </a:ext>
+            </a:extLst>
+          </p:cNvPr>
+          <p:cNvSpPr>
+            <a:spLocks noGrp="1"/>
+          </p:cNvSpPr>
+          <p:nvPr>
+            <p:ph idx="1"/>
+          </p:nvPr>
+        </p:nvSpPr>
+        <p:spPr/>
+        <p:txBody>
+          <a:bodyPr>
+            <a:normAutofit/>
+          </a:bodyPr>
+          <a:lstStyle/>
+          <a:p>
+            <a:pPr marL="0" indent="0">
+              <a:lnSpc>
+                <a:spcPct val="100000"/>
+              </a:lnSpc>
+              <a:spcBef>
+                <a:spcPts val="0"/>
+              </a:spcBef>
+              <a:buNone/>
+            </a:pPr>
+            <a:r>
+              <a:rPr lang="en-US" sz="2400" dirty="0">
+                <a:latin typeface="Consolas" panose="020B0609020204030204" pitchFamily="49" charset="0"/>
+                <a:ea typeface="Cascadia Mono SemiLight" panose="020B0609020000020004" pitchFamily="49" charset="0"/>
+                <a:cs typeface="Cascadia Mono SemiLight" panose="020B0609020000020004" pitchFamily="49" charset="0"/>
+              </a:rPr>
+              <a:t>from </a:t>
+            </a:r>
+            <a:r>
+              <a:rPr lang="en-US" sz="2400" dirty="0" err="1">
+                <a:latin typeface="Consolas" panose="020B0609020204030204" pitchFamily="49" charset="0"/>
+                <a:ea typeface="Cascadia Mono SemiLight" panose="020B0609020000020004" pitchFamily="49" charset="0"/>
+                <a:cs typeface="Cascadia Mono SemiLight" panose="020B0609020000020004" pitchFamily="49" charset="0"/>
+              </a:rPr>
+              <a:t>led_light</a:t>
+            </a:r>
+            <a:r>
+              <a:rPr lang="en-US" sz="2400" dirty="0">
+                <a:latin typeface="Consolas" panose="020B0609020204030204" pitchFamily="49" charset="0"/>
+                <a:ea typeface="Cascadia Mono SemiLight" panose="020B0609020000020004" pitchFamily="49" charset="0"/>
+                <a:cs typeface="Cascadia Mono SemiLight" panose="020B0609020000020004" pitchFamily="49" charset="0"/>
+              </a:rPr>
+              <a:t> import </a:t>
+            </a:r>
+            <a:r>
+              <a:rPr lang="en-US" sz="2400" dirty="0" err="1">
+                <a:latin typeface="Consolas" panose="020B0609020204030204" pitchFamily="49" charset="0"/>
+                <a:ea typeface="Cascadia Mono SemiLight" panose="020B0609020000020004" pitchFamily="49" charset="0"/>
+                <a:cs typeface="Cascadia Mono SemiLight" panose="020B0609020000020004" pitchFamily="49" charset="0"/>
+              </a:rPr>
+              <a:t>Led_Light</a:t>
+            </a:r>
+            <a:endParaRPr lang="en-US" sz="2400" dirty="0">
+              <a:latin typeface="Consolas" panose="020B0609020204030204" pitchFamily="49" charset="0"/>
+              <a:ea typeface="Cascadia Mono SemiLight" panose="020B0609020000020004" pitchFamily="49" charset="0"/>
+              <a:cs typeface="Cascadia Mono SemiLight" panose="020B0609020000020004" pitchFamily="49" charset="0"/>
+            </a:endParaRPr>
+          </a:p>
+          <a:p>
+            <a:pPr marL="0" indent="0">
+              <a:lnSpc>
+                <a:spcPct val="100000"/>
+              </a:lnSpc>
+              <a:spcBef>
+                <a:spcPts val="0"/>
+              </a:spcBef>
+              <a:buNone/>
+            </a:pPr>
+            <a:r>
+              <a:rPr lang="en-US" sz="2400" dirty="0">
+                <a:latin typeface="Consolas" panose="020B0609020204030204" pitchFamily="49" charset="0"/>
+                <a:ea typeface="Cascadia Mono SemiLight" panose="020B0609020000020004" pitchFamily="49" charset="0"/>
+                <a:cs typeface="Cascadia Mono SemiLight" panose="020B0609020000020004" pitchFamily="49" charset="0"/>
+              </a:rPr>
+              <a:t>from </a:t>
+            </a:r>
+            <a:r>
+              <a:rPr lang="en-US" sz="2400" dirty="0" err="1">
+                <a:latin typeface="Consolas" panose="020B0609020204030204" pitchFamily="49" charset="0"/>
+                <a:ea typeface="Cascadia Mono SemiLight" panose="020B0609020000020004" pitchFamily="49" charset="0"/>
+                <a:cs typeface="Cascadia Mono SemiLight" panose="020B0609020000020004" pitchFamily="49" charset="0"/>
+              </a:rPr>
+              <a:t>pedestrian_button</a:t>
+            </a:r>
+            <a:r>
+              <a:rPr lang="en-US" sz="2400" dirty="0">
+                <a:latin typeface="Consolas" panose="020B0609020204030204" pitchFamily="49" charset="0"/>
+                <a:ea typeface="Cascadia Mono SemiLight" panose="020B0609020000020004" pitchFamily="49" charset="0"/>
+                <a:cs typeface="Cascadia Mono SemiLight" panose="020B0609020000020004" pitchFamily="49" charset="0"/>
+              </a:rPr>
+              <a:t> import </a:t>
+            </a:r>
+            <a:r>
+              <a:rPr lang="en-US" sz="2400" dirty="0" err="1">
+                <a:latin typeface="Consolas" panose="020B0609020204030204" pitchFamily="49" charset="0"/>
+                <a:ea typeface="Cascadia Mono SemiLight" panose="020B0609020000020004" pitchFamily="49" charset="0"/>
+                <a:cs typeface="Cascadia Mono SemiLight" panose="020B0609020000020004" pitchFamily="49" charset="0"/>
+              </a:rPr>
+              <a:t>Pedestrian_Button</a:t>
+            </a:r>
+            <a:endParaRPr lang="en-US" sz="2400" dirty="0">
+              <a:latin typeface="Consolas" panose="020B0609020204030204" pitchFamily="49" charset="0"/>
+              <a:ea typeface="Cascadia Mono SemiLight" panose="020B0609020000020004" pitchFamily="49" charset="0"/>
+              <a:cs typeface="Cascadia Mono SemiLight" panose="020B0609020000020004" pitchFamily="49" charset="0"/>
+            </a:endParaRPr>
+          </a:p>
+          <a:p>
+            <a:pPr marL="0" indent="0">
+              <a:lnSpc>
+                <a:spcPct val="100000"/>
+              </a:lnSpc>
+              <a:spcBef>
+                <a:spcPts val="0"/>
+              </a:spcBef>
+              <a:buNone/>
+            </a:pPr>
+            <a:r>
+              <a:rPr lang="en-US" sz="2400" dirty="0">
+                <a:latin typeface="Consolas" panose="020B0609020204030204" pitchFamily="49" charset="0"/>
+                <a:ea typeface="Cascadia Mono SemiLight" panose="020B0609020000020004" pitchFamily="49" charset="0"/>
+                <a:cs typeface="Cascadia Mono SemiLight" panose="020B0609020000020004" pitchFamily="49" charset="0"/>
+              </a:rPr>
+              <a:t>from </a:t>
+            </a:r>
+            <a:r>
+              <a:rPr lang="en-US" sz="2400" dirty="0" err="1">
+                <a:latin typeface="Consolas" panose="020B0609020204030204" pitchFamily="49" charset="0"/>
+                <a:ea typeface="Cascadia Mono SemiLight" panose="020B0609020000020004" pitchFamily="49" charset="0"/>
+                <a:cs typeface="Cascadia Mono SemiLight" panose="020B0609020000020004" pitchFamily="49" charset="0"/>
+              </a:rPr>
+              <a:t>audio_notification</a:t>
+            </a:r>
+            <a:r>
+              <a:rPr lang="en-US" sz="2400" dirty="0">
+                <a:latin typeface="Consolas" panose="020B0609020204030204" pitchFamily="49" charset="0"/>
+                <a:ea typeface="Cascadia Mono SemiLight" panose="020B0609020000020004" pitchFamily="49" charset="0"/>
+                <a:cs typeface="Cascadia Mono SemiLight" panose="020B0609020000020004" pitchFamily="49" charset="0"/>
+              </a:rPr>
+              <a:t> import </a:t>
+            </a:r>
+            <a:r>
+              <a:rPr lang="en-US" sz="2400" dirty="0" err="1">
+                <a:latin typeface="Consolas" panose="020B0609020204030204" pitchFamily="49" charset="0"/>
+                <a:ea typeface="Cascadia Mono SemiLight" panose="020B0609020000020004" pitchFamily="49" charset="0"/>
+                <a:cs typeface="Cascadia Mono SemiLight" panose="020B0609020000020004" pitchFamily="49" charset="0"/>
+              </a:rPr>
+              <a:t>Audio_Notification</a:t>
+            </a:r>
+            <a:endParaRPr lang="en-US" sz="2400" dirty="0">
+              <a:latin typeface="Consolas" panose="020B0609020204030204" pitchFamily="49" charset="0"/>
+              <a:ea typeface="Cascadia Mono SemiLight" panose="020B0609020000020004" pitchFamily="49" charset="0"/>
+              <a:cs typeface="Cascadia Mono SemiLight" panose="020B0609020000020004" pitchFamily="49" charset="0"/>
+            </a:endParaRPr>
+          </a:p>
+          <a:p>
+            <a:pPr marL="0" indent="0">
+              <a:lnSpc>
+                <a:spcPct val="100000"/>
+              </a:lnSpc>
+              <a:spcBef>
+                <a:spcPts val="0"/>
+              </a:spcBef>
+              <a:buNone/>
+            </a:pPr>
+            <a:r>
+              <a:rPr lang="en-US" sz="2400" dirty="0">
+                <a:latin typeface="Consolas" panose="020B0609020204030204" pitchFamily="49" charset="0"/>
+                <a:ea typeface="Cascadia Mono SemiLight" panose="020B0609020000020004" pitchFamily="49" charset="0"/>
+                <a:cs typeface="Cascadia Mono SemiLight" panose="020B0609020000020004" pitchFamily="49" charset="0"/>
+              </a:rPr>
+              <a:t>from time import sleep, time</a:t>
+            </a:r>
+            <a:endParaRPr lang="en-AU" sz="2400" dirty="0">
+              <a:latin typeface="Consolas" panose="020B0609020204030204" pitchFamily="49" charset="0"/>
+              <a:ea typeface="Cascadia Mono SemiLight" panose="020B0609020000020004" pitchFamily="49" charset="0"/>
+              <a:cs typeface="Cascadia Mono SemiLight" panose="020B0609020000020004" pitchFamily="49" charset="0"/>
+            </a:endParaRPr>
+          </a:p>
+        </p:txBody>
+      </p:sp>
+    </p:spTree>
+    <p:extLst>
+      <p:ext uri="{BB962C8B-B14F-4D97-AF65-F5344CB8AC3E}">
+        <p14:creationId xmlns:p14="http://schemas.microsoft.com/office/powerpoint/2010/main" val="4286823996"/>
+      </p:ext>
+    </p:extLst>
+  </p:cSld>
+  <p:clrMapOvr>
+    <a:masterClrMapping/>
+  </p:clrMapOvr>
+</p:sld>
+</file>
+
+<file path=ppt/slides/slide12.xml><?xml version="1.0" encoding="utf-8"?>
+<p:sld xmlns:a="http://schemas.openxmlformats.org/drawingml/2006/main" xmlns:r="http://schemas.openxmlformats.org/officeDocument/2006/relationships" xmlns:p="http://schemas.openxmlformats.org/presentationml/2006/main">
+  <p:cSld>
+    <p:spTree>
+      <p:nvGrpSpPr>
+        <p:cNvPr id="1" name="">
+          <a:extLst>
+            <a:ext uri="{FF2B5EF4-FFF2-40B4-BE49-F238E27FC236}">
+              <a16:creationId xmlns:a16="http://schemas.microsoft.com/office/drawing/2014/main" id="{213D23FF-5B07-7487-361B-81DEF1E7F00B}"/>
+            </a:ext>
+          </a:extLst>
+        </p:cNvPr>
+        <p:cNvGrpSpPr/>
+        <p:nvPr/>
+      </p:nvGrpSpPr>
+      <p:grpSpPr>
+        <a:xfrm>
+          <a:off x="0" y="0"/>
+          <a:ext cx="0" cy="0"/>
+          <a:chOff x="0" y="0"/>
+          <a:chExt cx="0" cy="0"/>
+        </a:xfrm>
+      </p:grpSpPr>
+      <p:sp>
+        <p:nvSpPr>
+          <p:cNvPr id="2" name="Title 1">
+            <a:extLst>
+              <a:ext uri="{FF2B5EF4-FFF2-40B4-BE49-F238E27FC236}">
+                <a16:creationId xmlns:a16="http://schemas.microsoft.com/office/drawing/2014/main" id="{2FD74C20-41B1-1779-C7E1-743DB0FDE34C}"/>
+              </a:ext>
+            </a:extLst>
+          </p:cNvPr>
+          <p:cNvSpPr>
+            <a:spLocks noGrp="1"/>
+          </p:cNvSpPr>
+          <p:nvPr>
+            <p:ph type="title"/>
+          </p:nvPr>
+        </p:nvSpPr>
+        <p:spPr/>
+        <p:txBody>
+          <a:bodyPr/>
+          <a:lstStyle/>
+          <a:p>
+            <a:r>
+              <a:rPr lang="en-AU" dirty="0" err="1"/>
+              <a:t>Pedestrian_Button</a:t>
+            </a:r>
+            <a:r>
+              <a:rPr lang="en-AU" dirty="0"/>
+              <a:t> Class Attributes</a:t>
+            </a:r>
+          </a:p>
+        </p:txBody>
+      </p:sp>
+      <p:sp>
+        <p:nvSpPr>
+          <p:cNvPr id="3" name="Content Placeholder 2">
+            <a:extLst>
+              <a:ext uri="{FF2B5EF4-FFF2-40B4-BE49-F238E27FC236}">
+                <a16:creationId xmlns:a16="http://schemas.microsoft.com/office/drawing/2014/main" id="{F17B0C28-707C-22FC-8646-0D0488285642}"/>
+              </a:ext>
+            </a:extLst>
+          </p:cNvPr>
+          <p:cNvSpPr>
+            <a:spLocks noGrp="1"/>
+          </p:cNvSpPr>
+          <p:nvPr>
+            <p:ph idx="1"/>
+          </p:nvPr>
+        </p:nvSpPr>
+        <p:spPr/>
+        <p:txBody>
+          <a:bodyPr>
+            <a:noAutofit/>
+          </a:bodyPr>
+          <a:lstStyle/>
+          <a:p>
+            <a:pPr marL="0" indent="0">
+              <a:lnSpc>
+                <a:spcPct val="100000"/>
+              </a:lnSpc>
+              <a:spcBef>
+                <a:spcPts val="0"/>
+              </a:spcBef>
+              <a:buNone/>
+            </a:pPr>
+            <a:r>
+              <a:rPr lang="en-AU" sz="2400" dirty="0">
+                <a:latin typeface="Consolas" panose="020B0609020204030204" pitchFamily="49" charset="0"/>
+                <a:ea typeface="Cascadia Mono SemiLight" panose="020B0609020000020004" pitchFamily="49" charset="0"/>
+                <a:cs typeface="Cascadia Mono SemiLight" panose="020B0609020000020004" pitchFamily="49" charset="0"/>
+              </a:rPr>
+              <a:t>class Controller:</a:t>
+            </a:r>
+          </a:p>
+          <a:p>
+            <a:pPr marL="457200" lvl="1" indent="0">
+              <a:lnSpc>
+                <a:spcPct val="100000"/>
+              </a:lnSpc>
+              <a:spcBef>
+                <a:spcPts val="0"/>
+              </a:spcBef>
+              <a:buNone/>
+            </a:pPr>
+            <a:r>
+              <a:rPr lang="en-AU" dirty="0">
+                <a:latin typeface="Consolas" panose="020B0609020204030204" pitchFamily="49" charset="0"/>
+                <a:ea typeface="Cascadia Mono SemiLight" panose="020B0609020000020004" pitchFamily="49" charset="0"/>
+                <a:cs typeface="Cascadia Mono SemiLight" panose="020B0609020000020004" pitchFamily="49" charset="0"/>
+              </a:rPr>
+              <a:t>def __</a:t>
+            </a:r>
+            <a:r>
+              <a:rPr lang="en-AU" dirty="0" err="1">
+                <a:latin typeface="Consolas" panose="020B0609020204030204" pitchFamily="49" charset="0"/>
+                <a:ea typeface="Cascadia Mono SemiLight" panose="020B0609020000020004" pitchFamily="49" charset="0"/>
+                <a:cs typeface="Cascadia Mono SemiLight" panose="020B0609020000020004" pitchFamily="49" charset="0"/>
+              </a:rPr>
+              <a:t>init</a:t>
+            </a:r>
+            <a:r>
+              <a:rPr lang="en-AU" dirty="0">
+                <a:latin typeface="Consolas" panose="020B0609020204030204" pitchFamily="49" charset="0"/>
+                <a:ea typeface="Cascadia Mono SemiLight" panose="020B0609020000020004" pitchFamily="49" charset="0"/>
+                <a:cs typeface="Cascadia Mono SemiLight" panose="020B0609020000020004" pitchFamily="49" charset="0"/>
+              </a:rPr>
+              <a:t>__(</a:t>
+            </a:r>
+          </a:p>
+          <a:p>
+            <a:pPr marL="457200" lvl="1" indent="0">
+              <a:lnSpc>
+                <a:spcPct val="100000"/>
+              </a:lnSpc>
+              <a:spcBef>
+                <a:spcPts val="0"/>
+              </a:spcBef>
+              <a:buNone/>
+            </a:pPr>
+            <a:r>
+              <a:rPr lang="en-AU" dirty="0">
+                <a:latin typeface="Consolas" panose="020B0609020204030204" pitchFamily="49" charset="0"/>
+                <a:ea typeface="Cascadia Mono SemiLight" panose="020B0609020000020004" pitchFamily="49" charset="0"/>
+                <a:cs typeface="Cascadia Mono SemiLight" panose="020B0609020000020004" pitchFamily="49" charset="0"/>
+              </a:rPr>
+              <a:t>self, </a:t>
+            </a:r>
+            <a:r>
+              <a:rPr lang="en-AU" dirty="0" err="1">
+                <a:latin typeface="Consolas" panose="020B0609020204030204" pitchFamily="49" charset="0"/>
+                <a:ea typeface="Cascadia Mono SemiLight" panose="020B0609020000020004" pitchFamily="49" charset="0"/>
+                <a:cs typeface="Cascadia Mono SemiLight" panose="020B0609020000020004" pitchFamily="49" charset="0"/>
+              </a:rPr>
+              <a:t>ped_red</a:t>
+            </a:r>
+            <a:r>
+              <a:rPr lang="en-AU" dirty="0">
+                <a:latin typeface="Consolas" panose="020B0609020204030204" pitchFamily="49" charset="0"/>
+                <a:ea typeface="Cascadia Mono SemiLight" panose="020B0609020000020004" pitchFamily="49" charset="0"/>
+                <a:cs typeface="Cascadia Mono SemiLight" panose="020B0609020000020004" pitchFamily="49" charset="0"/>
+              </a:rPr>
+              <a:t>, </a:t>
+            </a:r>
+            <a:r>
+              <a:rPr lang="en-AU" dirty="0" err="1">
+                <a:latin typeface="Consolas" panose="020B0609020204030204" pitchFamily="49" charset="0"/>
+                <a:ea typeface="Cascadia Mono SemiLight" panose="020B0609020000020004" pitchFamily="49" charset="0"/>
+                <a:cs typeface="Cascadia Mono SemiLight" panose="020B0609020000020004" pitchFamily="49" charset="0"/>
+              </a:rPr>
+              <a:t>ped_green</a:t>
+            </a:r>
+            <a:r>
+              <a:rPr lang="en-AU" dirty="0">
+                <a:latin typeface="Consolas" panose="020B0609020204030204" pitchFamily="49" charset="0"/>
+                <a:ea typeface="Cascadia Mono SemiLight" panose="020B0609020000020004" pitchFamily="49" charset="0"/>
+                <a:cs typeface="Cascadia Mono SemiLight" panose="020B0609020000020004" pitchFamily="49" charset="0"/>
+              </a:rPr>
+              <a:t>, </a:t>
+            </a:r>
+            <a:r>
+              <a:rPr lang="en-AU" dirty="0" err="1">
+                <a:latin typeface="Consolas" panose="020B0609020204030204" pitchFamily="49" charset="0"/>
+                <a:ea typeface="Cascadia Mono SemiLight" panose="020B0609020000020004" pitchFamily="49" charset="0"/>
+                <a:cs typeface="Cascadia Mono SemiLight" panose="020B0609020000020004" pitchFamily="49" charset="0"/>
+              </a:rPr>
+              <a:t>car_red</a:t>
+            </a:r>
+            <a:r>
+              <a:rPr lang="en-AU" dirty="0">
+                <a:latin typeface="Consolas" panose="020B0609020204030204" pitchFamily="49" charset="0"/>
+                <a:ea typeface="Cascadia Mono SemiLight" panose="020B0609020000020004" pitchFamily="49" charset="0"/>
+                <a:cs typeface="Cascadia Mono SemiLight" panose="020B0609020000020004" pitchFamily="49" charset="0"/>
+              </a:rPr>
+              <a:t>, </a:t>
+            </a:r>
+            <a:r>
+              <a:rPr lang="en-AU" dirty="0" err="1">
+                <a:latin typeface="Consolas" panose="020B0609020204030204" pitchFamily="49" charset="0"/>
+                <a:ea typeface="Cascadia Mono SemiLight" panose="020B0609020000020004" pitchFamily="49" charset="0"/>
+                <a:cs typeface="Cascadia Mono SemiLight" panose="020B0609020000020004" pitchFamily="49" charset="0"/>
+              </a:rPr>
+              <a:t>car_amber</a:t>
+            </a:r>
+            <a:r>
+              <a:rPr lang="en-AU" dirty="0">
+                <a:latin typeface="Consolas" panose="020B0609020204030204" pitchFamily="49" charset="0"/>
+                <a:ea typeface="Cascadia Mono SemiLight" panose="020B0609020000020004" pitchFamily="49" charset="0"/>
+                <a:cs typeface="Cascadia Mono SemiLight" panose="020B0609020000020004" pitchFamily="49" charset="0"/>
+              </a:rPr>
+              <a:t>, </a:t>
+            </a:r>
+            <a:r>
+              <a:rPr lang="en-AU" dirty="0" err="1">
+                <a:latin typeface="Consolas" panose="020B0609020204030204" pitchFamily="49" charset="0"/>
+                <a:ea typeface="Cascadia Mono SemiLight" panose="020B0609020000020004" pitchFamily="49" charset="0"/>
+                <a:cs typeface="Cascadia Mono SemiLight" panose="020B0609020000020004" pitchFamily="49" charset="0"/>
+              </a:rPr>
+              <a:t>car_green</a:t>
+            </a:r>
+            <a:r>
+              <a:rPr lang="en-AU" dirty="0">
+                <a:latin typeface="Consolas" panose="020B0609020204030204" pitchFamily="49" charset="0"/>
+                <a:ea typeface="Cascadia Mono SemiLight" panose="020B0609020000020004" pitchFamily="49" charset="0"/>
+                <a:cs typeface="Cascadia Mono SemiLight" panose="020B0609020000020004" pitchFamily="49" charset="0"/>
+              </a:rPr>
+              <a:t>, button, buzzer, debug):</a:t>
+            </a:r>
+          </a:p>
+          <a:p>
+            <a:pPr marL="914400" lvl="2" indent="0">
+              <a:lnSpc>
+                <a:spcPct val="100000"/>
+              </a:lnSpc>
+              <a:spcBef>
+                <a:spcPts val="0"/>
+              </a:spcBef>
+              <a:buNone/>
+            </a:pPr>
+            <a:r>
+              <a:rPr lang="en-AU" sz="2400" dirty="0">
+                <a:latin typeface="Consolas" panose="020B0609020204030204" pitchFamily="49" charset="0"/>
+                <a:ea typeface="Cascadia Mono SemiLight" panose="020B0609020000020004" pitchFamily="49" charset="0"/>
+                <a:cs typeface="Cascadia Mono SemiLight" panose="020B0609020000020004" pitchFamily="49" charset="0"/>
+              </a:rPr>
+              <a:t>self.__</a:t>
+            </a:r>
+            <a:r>
+              <a:rPr lang="en-AU" sz="2400" dirty="0" err="1">
+                <a:latin typeface="Consolas" panose="020B0609020204030204" pitchFamily="49" charset="0"/>
+                <a:ea typeface="Cascadia Mono SemiLight" panose="020B0609020000020004" pitchFamily="49" charset="0"/>
+                <a:cs typeface="Cascadia Mono SemiLight" panose="020B0609020000020004" pitchFamily="49" charset="0"/>
+              </a:rPr>
+              <a:t>Ped_Red</a:t>
+            </a:r>
+            <a:r>
+              <a:rPr lang="en-AU" sz="2400" dirty="0">
+                <a:latin typeface="Consolas" panose="020B0609020204030204" pitchFamily="49" charset="0"/>
+                <a:ea typeface="Cascadia Mono SemiLight" panose="020B0609020000020004" pitchFamily="49" charset="0"/>
+                <a:cs typeface="Cascadia Mono SemiLight" panose="020B0609020000020004" pitchFamily="49" charset="0"/>
+              </a:rPr>
+              <a:t> = </a:t>
+            </a:r>
+            <a:r>
+              <a:rPr lang="en-AU" sz="2400" dirty="0" err="1">
+                <a:latin typeface="Consolas" panose="020B0609020204030204" pitchFamily="49" charset="0"/>
+                <a:ea typeface="Cascadia Mono SemiLight" panose="020B0609020000020004" pitchFamily="49" charset="0"/>
+                <a:cs typeface="Cascadia Mono SemiLight" panose="020B0609020000020004" pitchFamily="49" charset="0"/>
+              </a:rPr>
+              <a:t>ped_red</a:t>
+            </a:r>
+            <a:endParaRPr lang="en-AU" sz="2400" dirty="0">
+              <a:latin typeface="Consolas" panose="020B0609020204030204" pitchFamily="49" charset="0"/>
+              <a:ea typeface="Cascadia Mono SemiLight" panose="020B0609020000020004" pitchFamily="49" charset="0"/>
+              <a:cs typeface="Cascadia Mono SemiLight" panose="020B0609020000020004" pitchFamily="49" charset="0"/>
+            </a:endParaRPr>
+          </a:p>
+          <a:p>
+            <a:pPr marL="914400" lvl="2" indent="0">
+              <a:lnSpc>
+                <a:spcPct val="100000"/>
+              </a:lnSpc>
+              <a:spcBef>
+                <a:spcPts val="0"/>
+              </a:spcBef>
+              <a:buNone/>
+            </a:pPr>
+            <a:r>
+              <a:rPr lang="en-AU" sz="2400" dirty="0">
+                <a:latin typeface="Consolas" panose="020B0609020204030204" pitchFamily="49" charset="0"/>
+                <a:ea typeface="Cascadia Mono SemiLight" panose="020B0609020000020004" pitchFamily="49" charset="0"/>
+                <a:cs typeface="Cascadia Mono SemiLight" panose="020B0609020000020004" pitchFamily="49" charset="0"/>
+              </a:rPr>
+              <a:t>self.__</a:t>
+            </a:r>
+            <a:r>
+              <a:rPr lang="en-AU" sz="2400" dirty="0" err="1">
+                <a:latin typeface="Consolas" panose="020B0609020204030204" pitchFamily="49" charset="0"/>
+                <a:ea typeface="Cascadia Mono SemiLight" panose="020B0609020000020004" pitchFamily="49" charset="0"/>
+                <a:cs typeface="Cascadia Mono SemiLight" panose="020B0609020000020004" pitchFamily="49" charset="0"/>
+              </a:rPr>
+              <a:t>Ped_Green</a:t>
+            </a:r>
+            <a:r>
+              <a:rPr lang="en-AU" sz="2400" dirty="0">
+                <a:latin typeface="Consolas" panose="020B0609020204030204" pitchFamily="49" charset="0"/>
+                <a:ea typeface="Cascadia Mono SemiLight" panose="020B0609020000020004" pitchFamily="49" charset="0"/>
+                <a:cs typeface="Cascadia Mono SemiLight" panose="020B0609020000020004" pitchFamily="49" charset="0"/>
+              </a:rPr>
+              <a:t> = </a:t>
+            </a:r>
+            <a:r>
+              <a:rPr lang="en-AU" sz="2400" dirty="0" err="1">
+                <a:latin typeface="Consolas" panose="020B0609020204030204" pitchFamily="49" charset="0"/>
+                <a:ea typeface="Cascadia Mono SemiLight" panose="020B0609020000020004" pitchFamily="49" charset="0"/>
+                <a:cs typeface="Cascadia Mono SemiLight" panose="020B0609020000020004" pitchFamily="49" charset="0"/>
+              </a:rPr>
+              <a:t>ped_green</a:t>
+            </a:r>
+            <a:endParaRPr lang="en-AU" sz="2400" dirty="0">
+              <a:latin typeface="Consolas" panose="020B0609020204030204" pitchFamily="49" charset="0"/>
+              <a:ea typeface="Cascadia Mono SemiLight" panose="020B0609020000020004" pitchFamily="49" charset="0"/>
+              <a:cs typeface="Cascadia Mono SemiLight" panose="020B0609020000020004" pitchFamily="49" charset="0"/>
+            </a:endParaRPr>
+          </a:p>
+          <a:p>
+            <a:pPr marL="914400" lvl="2" indent="0">
+              <a:lnSpc>
+                <a:spcPct val="100000"/>
+              </a:lnSpc>
+              <a:spcBef>
+                <a:spcPts val="0"/>
+              </a:spcBef>
+              <a:buNone/>
+            </a:pPr>
+            <a:r>
+              <a:rPr lang="en-AU" sz="2400" dirty="0">
+                <a:latin typeface="Consolas" panose="020B0609020204030204" pitchFamily="49" charset="0"/>
+                <a:ea typeface="Cascadia Mono SemiLight" panose="020B0609020000020004" pitchFamily="49" charset="0"/>
+                <a:cs typeface="Cascadia Mono SemiLight" panose="020B0609020000020004" pitchFamily="49" charset="0"/>
+              </a:rPr>
+              <a:t>self.__</a:t>
+            </a:r>
+            <a:r>
+              <a:rPr lang="en-AU" sz="2400" dirty="0" err="1">
+                <a:latin typeface="Consolas" panose="020B0609020204030204" pitchFamily="49" charset="0"/>
+                <a:ea typeface="Cascadia Mono SemiLight" panose="020B0609020000020004" pitchFamily="49" charset="0"/>
+                <a:cs typeface="Cascadia Mono SemiLight" panose="020B0609020000020004" pitchFamily="49" charset="0"/>
+              </a:rPr>
+              <a:t>Car_Red</a:t>
+            </a:r>
+            <a:r>
+              <a:rPr lang="en-AU" sz="2400" dirty="0">
+                <a:latin typeface="Consolas" panose="020B0609020204030204" pitchFamily="49" charset="0"/>
+                <a:ea typeface="Cascadia Mono SemiLight" panose="020B0609020000020004" pitchFamily="49" charset="0"/>
+                <a:cs typeface="Cascadia Mono SemiLight" panose="020B0609020000020004" pitchFamily="49" charset="0"/>
+              </a:rPr>
+              <a:t> = </a:t>
+            </a:r>
+            <a:r>
+              <a:rPr lang="en-AU" sz="2400" dirty="0" err="1">
+                <a:latin typeface="Consolas" panose="020B0609020204030204" pitchFamily="49" charset="0"/>
+                <a:ea typeface="Cascadia Mono SemiLight" panose="020B0609020000020004" pitchFamily="49" charset="0"/>
+                <a:cs typeface="Cascadia Mono SemiLight" panose="020B0609020000020004" pitchFamily="49" charset="0"/>
+              </a:rPr>
+              <a:t>car_red</a:t>
+            </a:r>
+            <a:endParaRPr lang="en-AU" sz="2400" dirty="0">
+              <a:latin typeface="Consolas" panose="020B0609020204030204" pitchFamily="49" charset="0"/>
+              <a:ea typeface="Cascadia Mono SemiLight" panose="020B0609020000020004" pitchFamily="49" charset="0"/>
+              <a:cs typeface="Cascadia Mono SemiLight" panose="020B0609020000020004" pitchFamily="49" charset="0"/>
+            </a:endParaRPr>
+          </a:p>
+          <a:p>
+            <a:pPr marL="914400" lvl="2" indent="0">
+              <a:lnSpc>
+                <a:spcPct val="100000"/>
+              </a:lnSpc>
+              <a:spcBef>
+                <a:spcPts val="0"/>
+              </a:spcBef>
+              <a:buNone/>
+            </a:pPr>
+            <a:r>
+              <a:rPr lang="en-AU" sz="2400" dirty="0">
+                <a:latin typeface="Consolas" panose="020B0609020204030204" pitchFamily="49" charset="0"/>
+                <a:ea typeface="Cascadia Mono SemiLight" panose="020B0609020000020004" pitchFamily="49" charset="0"/>
+                <a:cs typeface="Cascadia Mono SemiLight" panose="020B0609020000020004" pitchFamily="49" charset="0"/>
+              </a:rPr>
+              <a:t>self.__</a:t>
+            </a:r>
+            <a:r>
+              <a:rPr lang="en-AU" sz="2400" dirty="0" err="1">
+                <a:latin typeface="Consolas" panose="020B0609020204030204" pitchFamily="49" charset="0"/>
+                <a:ea typeface="Cascadia Mono SemiLight" panose="020B0609020000020004" pitchFamily="49" charset="0"/>
+                <a:cs typeface="Cascadia Mono SemiLight" panose="020B0609020000020004" pitchFamily="49" charset="0"/>
+              </a:rPr>
+              <a:t>Car_Amber</a:t>
+            </a:r>
+            <a:r>
+              <a:rPr lang="en-AU" sz="2400" dirty="0">
+                <a:latin typeface="Consolas" panose="020B0609020204030204" pitchFamily="49" charset="0"/>
+                <a:ea typeface="Cascadia Mono SemiLight" panose="020B0609020000020004" pitchFamily="49" charset="0"/>
+                <a:cs typeface="Cascadia Mono SemiLight" panose="020B0609020000020004" pitchFamily="49" charset="0"/>
+              </a:rPr>
+              <a:t> = </a:t>
+            </a:r>
+            <a:r>
+              <a:rPr lang="en-AU" sz="2400" dirty="0" err="1">
+                <a:latin typeface="Consolas" panose="020B0609020204030204" pitchFamily="49" charset="0"/>
+                <a:ea typeface="Cascadia Mono SemiLight" panose="020B0609020000020004" pitchFamily="49" charset="0"/>
+                <a:cs typeface="Cascadia Mono SemiLight" panose="020B0609020000020004" pitchFamily="49" charset="0"/>
+              </a:rPr>
+              <a:t>car_amber</a:t>
+            </a:r>
+            <a:endParaRPr lang="en-AU" sz="2400" dirty="0">
+              <a:latin typeface="Consolas" panose="020B0609020204030204" pitchFamily="49" charset="0"/>
+              <a:ea typeface="Cascadia Mono SemiLight" panose="020B0609020000020004" pitchFamily="49" charset="0"/>
+              <a:cs typeface="Cascadia Mono SemiLight" panose="020B0609020000020004" pitchFamily="49" charset="0"/>
+            </a:endParaRPr>
+          </a:p>
+          <a:p>
+            <a:pPr marL="914400" lvl="2" indent="0">
+              <a:lnSpc>
+                <a:spcPct val="100000"/>
+              </a:lnSpc>
+              <a:spcBef>
+                <a:spcPts val="0"/>
+              </a:spcBef>
+              <a:buNone/>
+            </a:pPr>
+            <a:r>
+              <a:rPr lang="en-AU" sz="2400" dirty="0">
+                <a:latin typeface="Consolas" panose="020B0609020204030204" pitchFamily="49" charset="0"/>
+                <a:ea typeface="Cascadia Mono SemiLight" panose="020B0609020000020004" pitchFamily="49" charset="0"/>
+                <a:cs typeface="Cascadia Mono SemiLight" panose="020B0609020000020004" pitchFamily="49" charset="0"/>
+              </a:rPr>
+              <a:t>self.__</a:t>
+            </a:r>
+            <a:r>
+              <a:rPr lang="en-AU" sz="2400" dirty="0" err="1">
+                <a:latin typeface="Consolas" panose="020B0609020204030204" pitchFamily="49" charset="0"/>
+                <a:ea typeface="Cascadia Mono SemiLight" panose="020B0609020000020004" pitchFamily="49" charset="0"/>
+                <a:cs typeface="Cascadia Mono SemiLight" panose="020B0609020000020004" pitchFamily="49" charset="0"/>
+              </a:rPr>
+              <a:t>Car_Green</a:t>
+            </a:r>
+            <a:r>
+              <a:rPr lang="en-AU" sz="2400" dirty="0">
+                <a:latin typeface="Consolas" panose="020B0609020204030204" pitchFamily="49" charset="0"/>
+                <a:ea typeface="Cascadia Mono SemiLight" panose="020B0609020000020004" pitchFamily="49" charset="0"/>
+                <a:cs typeface="Cascadia Mono SemiLight" panose="020B0609020000020004" pitchFamily="49" charset="0"/>
+              </a:rPr>
+              <a:t> = </a:t>
+            </a:r>
+            <a:r>
+              <a:rPr lang="en-AU" sz="2400" dirty="0" err="1">
+                <a:latin typeface="Consolas" panose="020B0609020204030204" pitchFamily="49" charset="0"/>
+                <a:ea typeface="Cascadia Mono SemiLight" panose="020B0609020000020004" pitchFamily="49" charset="0"/>
+                <a:cs typeface="Cascadia Mono SemiLight" panose="020B0609020000020004" pitchFamily="49" charset="0"/>
+              </a:rPr>
+              <a:t>car_green</a:t>
+            </a:r>
+            <a:endParaRPr lang="en-AU" sz="2400" dirty="0">
+              <a:latin typeface="Consolas" panose="020B0609020204030204" pitchFamily="49" charset="0"/>
+              <a:ea typeface="Cascadia Mono SemiLight" panose="020B0609020000020004" pitchFamily="49" charset="0"/>
+              <a:cs typeface="Cascadia Mono SemiLight" panose="020B0609020000020004" pitchFamily="49" charset="0"/>
+            </a:endParaRPr>
+          </a:p>
+          <a:p>
+            <a:pPr marL="914400" lvl="2" indent="0">
+              <a:lnSpc>
+                <a:spcPct val="100000"/>
+              </a:lnSpc>
+              <a:spcBef>
+                <a:spcPts val="0"/>
+              </a:spcBef>
+              <a:buNone/>
+            </a:pPr>
+            <a:r>
+              <a:rPr lang="en-AU" sz="2400" dirty="0" err="1">
+                <a:latin typeface="Consolas" panose="020B0609020204030204" pitchFamily="49" charset="0"/>
+                <a:ea typeface="Cascadia Mono SemiLight" panose="020B0609020000020004" pitchFamily="49" charset="0"/>
+                <a:cs typeface="Cascadia Mono SemiLight" panose="020B0609020000020004" pitchFamily="49" charset="0"/>
+              </a:rPr>
+              <a:t>self.__Buzzer</a:t>
+            </a:r>
+            <a:r>
+              <a:rPr lang="en-AU" sz="2400" dirty="0">
+                <a:latin typeface="Consolas" panose="020B0609020204030204" pitchFamily="49" charset="0"/>
+                <a:ea typeface="Cascadia Mono SemiLight" panose="020B0609020000020004" pitchFamily="49" charset="0"/>
+                <a:cs typeface="Cascadia Mono SemiLight" panose="020B0609020000020004" pitchFamily="49" charset="0"/>
+              </a:rPr>
+              <a:t> = buzzer</a:t>
+            </a:r>
+          </a:p>
+          <a:p>
+            <a:pPr marL="914400" lvl="2" indent="0">
+              <a:lnSpc>
+                <a:spcPct val="100000"/>
+              </a:lnSpc>
+              <a:spcBef>
+                <a:spcPts val="0"/>
+              </a:spcBef>
+              <a:buNone/>
+            </a:pPr>
+            <a:r>
+              <a:rPr lang="en-AU" sz="2400" dirty="0" err="1">
+                <a:latin typeface="Consolas" panose="020B0609020204030204" pitchFamily="49" charset="0"/>
+                <a:ea typeface="Cascadia Mono SemiLight" panose="020B0609020000020004" pitchFamily="49" charset="0"/>
+                <a:cs typeface="Cascadia Mono SemiLight" panose="020B0609020000020004" pitchFamily="49" charset="0"/>
+              </a:rPr>
+              <a:t>self.__Button</a:t>
+            </a:r>
+            <a:r>
+              <a:rPr lang="en-AU" sz="2400" dirty="0">
+                <a:latin typeface="Consolas" panose="020B0609020204030204" pitchFamily="49" charset="0"/>
+                <a:ea typeface="Cascadia Mono SemiLight" panose="020B0609020000020004" pitchFamily="49" charset="0"/>
+                <a:cs typeface="Cascadia Mono SemiLight" panose="020B0609020000020004" pitchFamily="49" charset="0"/>
+              </a:rPr>
+              <a:t> = button</a:t>
+            </a:r>
+          </a:p>
+          <a:p>
+            <a:pPr marL="914400" lvl="2" indent="0">
+              <a:lnSpc>
+                <a:spcPct val="100000"/>
+              </a:lnSpc>
+              <a:spcBef>
+                <a:spcPts val="0"/>
+              </a:spcBef>
+              <a:buNone/>
+            </a:pPr>
+            <a:r>
+              <a:rPr lang="en-AU" sz="2400" dirty="0" err="1">
+                <a:latin typeface="Consolas" panose="020B0609020204030204" pitchFamily="49" charset="0"/>
+                <a:ea typeface="Cascadia Mono SemiLight" panose="020B0609020000020004" pitchFamily="49" charset="0"/>
+                <a:cs typeface="Cascadia Mono SemiLight" panose="020B0609020000020004" pitchFamily="49" charset="0"/>
+              </a:rPr>
+              <a:t>self.__debug</a:t>
+            </a:r>
+            <a:r>
+              <a:rPr lang="en-AU" sz="2400" dirty="0">
+                <a:latin typeface="Consolas" panose="020B0609020204030204" pitchFamily="49" charset="0"/>
+                <a:ea typeface="Cascadia Mono SemiLight" panose="020B0609020000020004" pitchFamily="49" charset="0"/>
+                <a:cs typeface="Cascadia Mono SemiLight" panose="020B0609020000020004" pitchFamily="49" charset="0"/>
+              </a:rPr>
+              <a:t> = debug</a:t>
+            </a:r>
+          </a:p>
+        </p:txBody>
+      </p:sp>
+    </p:spTree>
+    <p:extLst>
+      <p:ext uri="{BB962C8B-B14F-4D97-AF65-F5344CB8AC3E}">
+        <p14:creationId xmlns:p14="http://schemas.microsoft.com/office/powerpoint/2010/main" val="1196129529"/>
+      </p:ext>
+    </p:extLst>
+  </p:cSld>
+  <p:clrMapOvr>
+    <a:masterClrMapping/>
+  </p:clrMapOvr>
+</p:sld>
+</file>
+
+<file path=ppt/slides/slide13.xml><?xml version="1.0" encoding="utf-8"?>
+<p:sld xmlns:a="http://schemas.openxmlformats.org/drawingml/2006/main" xmlns:r="http://schemas.openxmlformats.org/officeDocument/2006/relationships" xmlns:p="http://schemas.openxmlformats.org/presentationml/2006/main">
+  <p:cSld>
+    <p:spTree>
+      <p:nvGrpSpPr>
+        <p:cNvPr id="1" name=""/>
+        <p:cNvGrpSpPr/>
+        <p:nvPr/>
+      </p:nvGrpSpPr>
+      <p:grpSpPr>
+        <a:xfrm>
+          <a:off x="0" y="0"/>
+          <a:ext cx="0" cy="0"/>
+          <a:chOff x="0" y="0"/>
+          <a:chExt cx="0" cy="0"/>
+        </a:xfrm>
+      </p:grpSpPr>
+      <p:sp>
+        <p:nvSpPr>
+          <p:cNvPr id="2" name="Title 1">
+            <a:extLst>
+              <a:ext uri="{FF2B5EF4-FFF2-40B4-BE49-F238E27FC236}">
+                <a16:creationId xmlns:a16="http://schemas.microsoft.com/office/drawing/2014/main" id="{CA2FB80A-4EE0-DBC7-D40A-40949C4EF7CE}"/>
+              </a:ext>
+            </a:extLst>
+          </p:cNvPr>
+          <p:cNvSpPr>
+            <a:spLocks noGrp="1"/>
+          </p:cNvSpPr>
+          <p:nvPr>
+            <p:ph type="title"/>
+          </p:nvPr>
+        </p:nvSpPr>
+        <p:spPr/>
+        <p:txBody>
+          <a:bodyPr/>
+          <a:lstStyle/>
+          <a:p>
+            <a:r>
+              <a:rPr lang="en-AU" dirty="0"/>
+              <a:t>Create a method for each state</a:t>
+            </a:r>
+          </a:p>
+        </p:txBody>
+      </p:sp>
+      <p:sp>
+        <p:nvSpPr>
+          <p:cNvPr id="3" name="Content Placeholder 2">
+            <a:extLst>
+              <a:ext uri="{FF2B5EF4-FFF2-40B4-BE49-F238E27FC236}">
+                <a16:creationId xmlns:a16="http://schemas.microsoft.com/office/drawing/2014/main" id="{A14AA290-EFBC-2399-CBD2-0F445A3A75CB}"/>
+              </a:ext>
+            </a:extLst>
+          </p:cNvPr>
+          <p:cNvSpPr>
+            <a:spLocks noGrp="1"/>
+          </p:cNvSpPr>
+          <p:nvPr>
+            <p:ph idx="1"/>
+          </p:nvPr>
+        </p:nvSpPr>
+        <p:spPr/>
+        <p:txBody>
+          <a:bodyPr>
+            <a:normAutofit/>
+          </a:bodyPr>
+          <a:lstStyle/>
+          <a:p>
+            <a:pPr marL="0" indent="0">
+              <a:lnSpc>
+                <a:spcPct val="110000"/>
+              </a:lnSpc>
+              <a:spcBef>
+                <a:spcPts val="0"/>
+              </a:spcBef>
+              <a:buNone/>
+            </a:pPr>
+            <a:r>
+              <a:rPr lang="en-AU" sz="2400" dirty="0">
+                <a:latin typeface="Consolas" panose="020B0609020204030204" pitchFamily="49" charset="0"/>
+              </a:rPr>
+              <a:t>def idle(self):</a:t>
+            </a:r>
+          </a:p>
+          <a:p>
+            <a:pPr marL="0" indent="0">
+              <a:lnSpc>
+                <a:spcPct val="110000"/>
+              </a:lnSpc>
+              <a:spcBef>
+                <a:spcPts val="0"/>
+              </a:spcBef>
+              <a:buNone/>
+            </a:pPr>
+            <a:endParaRPr lang="en-AU" sz="2400" dirty="0">
+              <a:latin typeface="Consolas" panose="020B0609020204030204" pitchFamily="49" charset="0"/>
+            </a:endParaRPr>
+          </a:p>
+          <a:p>
+            <a:pPr marL="0" indent="0">
+              <a:lnSpc>
+                <a:spcPct val="110000"/>
+              </a:lnSpc>
+              <a:spcBef>
+                <a:spcPts val="0"/>
+              </a:spcBef>
+              <a:buNone/>
+            </a:pPr>
+            <a:r>
+              <a:rPr lang="en-AU" sz="2400" dirty="0">
+                <a:latin typeface="Consolas" panose="020B0609020204030204" pitchFamily="49" charset="0"/>
+              </a:rPr>
+              <a:t>def change(self):</a:t>
+            </a:r>
+          </a:p>
+          <a:p>
+            <a:pPr marL="0" indent="0">
+              <a:lnSpc>
+                <a:spcPct val="110000"/>
+              </a:lnSpc>
+              <a:spcBef>
+                <a:spcPts val="0"/>
+              </a:spcBef>
+              <a:buNone/>
+            </a:pPr>
+            <a:endParaRPr lang="en-AU" sz="2400" dirty="0">
+              <a:latin typeface="Consolas" panose="020B0609020204030204" pitchFamily="49" charset="0"/>
+            </a:endParaRPr>
+          </a:p>
+          <a:p>
+            <a:pPr marL="0" indent="0">
+              <a:lnSpc>
+                <a:spcPct val="110000"/>
+              </a:lnSpc>
+              <a:spcBef>
+                <a:spcPts val="0"/>
+              </a:spcBef>
+              <a:buNone/>
+            </a:pPr>
+            <a:r>
+              <a:rPr lang="en-AU" sz="2400" dirty="0">
+                <a:latin typeface="Consolas" panose="020B0609020204030204" pitchFamily="49" charset="0"/>
+              </a:rPr>
+              <a:t>def walk(self):</a:t>
+            </a:r>
+          </a:p>
+          <a:p>
+            <a:pPr marL="0" indent="0">
+              <a:lnSpc>
+                <a:spcPct val="110000"/>
+              </a:lnSpc>
+              <a:spcBef>
+                <a:spcPts val="0"/>
+              </a:spcBef>
+              <a:buNone/>
+            </a:pPr>
+            <a:endParaRPr lang="en-AU" sz="2400" dirty="0">
+              <a:latin typeface="Consolas" panose="020B0609020204030204" pitchFamily="49" charset="0"/>
+            </a:endParaRPr>
+          </a:p>
+          <a:p>
+            <a:pPr marL="0" indent="0">
+              <a:lnSpc>
+                <a:spcPct val="110000"/>
+              </a:lnSpc>
+              <a:spcBef>
+                <a:spcPts val="0"/>
+              </a:spcBef>
+              <a:buNone/>
+            </a:pPr>
+            <a:r>
+              <a:rPr lang="en-AU" sz="2400" dirty="0">
+                <a:latin typeface="Consolas" panose="020B0609020204030204" pitchFamily="49" charset="0"/>
+              </a:rPr>
+              <a:t>def </a:t>
+            </a:r>
+            <a:r>
+              <a:rPr lang="en-AU" sz="2400" dirty="0" err="1">
+                <a:latin typeface="Consolas" panose="020B0609020204030204" pitchFamily="49" charset="0"/>
+              </a:rPr>
+              <a:t>walk_warning</a:t>
+            </a:r>
+            <a:r>
+              <a:rPr lang="en-AU" sz="2400" dirty="0">
+                <a:latin typeface="Consolas" panose="020B0609020204030204" pitchFamily="49" charset="0"/>
+              </a:rPr>
+              <a:t>(self):</a:t>
+            </a:r>
+          </a:p>
+          <a:p>
+            <a:pPr marL="0" indent="0">
+              <a:buNone/>
+            </a:pPr>
+            <a:endParaRPr lang="en-AU" sz="2400" dirty="0">
+              <a:latin typeface="Consolas" panose="020B0609020204030204" pitchFamily="49" charset="0"/>
+            </a:endParaRPr>
+          </a:p>
+          <a:p>
+            <a:pPr marL="0" indent="0">
+              <a:buNone/>
+            </a:pPr>
+            <a:r>
+              <a:rPr lang="en-AU" sz="2400" dirty="0"/>
+              <a:t>Pause the video, design your states, then check your states against my suggested states.</a:t>
+            </a:r>
+          </a:p>
+          <a:p>
+            <a:pPr marL="0" indent="0">
+              <a:buNone/>
+            </a:pPr>
+            <a:endParaRPr lang="en-AU" sz="2400" dirty="0">
+              <a:latin typeface="Consolas" panose="020B0609020204030204" pitchFamily="49" charset="0"/>
+            </a:endParaRPr>
+          </a:p>
+        </p:txBody>
+      </p:sp>
+    </p:spTree>
+    <p:extLst>
+      <p:ext uri="{BB962C8B-B14F-4D97-AF65-F5344CB8AC3E}">
+        <p14:creationId xmlns:p14="http://schemas.microsoft.com/office/powerpoint/2010/main" val="2493538128"/>
+      </p:ext>
+    </p:extLst>
+  </p:cSld>
+  <p:clrMapOvr>
+    <a:masterClrMapping/>
+  </p:clrMapOvr>
+</p:sld>
+</file>
+
 <file path=ppt/slides/slide2.xml><?xml version="1.0" encoding="utf-8"?>
 <p:sld xmlns:a="http://schemas.openxmlformats.org/drawingml/2006/main" xmlns:r="http://schemas.openxmlformats.org/officeDocument/2006/relationships" xmlns:p="http://schemas.openxmlformats.org/presentationml/2006/main">
   <p:cSld>
@@ -5091,8 +6825,8 @@
         </p:blipFill>
         <p:spPr>
           <a:xfrm>
-            <a:off x="6285324" y="783235"/>
-            <a:ext cx="4542971" cy="5291530"/>
+            <a:off x="6574392" y="783235"/>
+            <a:ext cx="3964835" cy="5291530"/>
           </a:xfrm>
           <a:prstGeom prst="rect">
             <a:avLst/>
@@ -5293,7 +7027,7 @@
           <a:p>
             <a:r>
               <a:rPr lang="en-US" dirty="0"/>
-              <a:t>Association in Object-Oriented Programming (OOP) describes the relationship between two separate classes that are connected, but neither "owns" the other. It simply means that objects of one class use or interact with objects of another class.</a:t>
+              <a:t>Association in Object-Oriented Programming (OOP) describes the relationship between two separate classes that are connected, but neither “inherits" the other. It simply means that objects of one class interact with or use objects of another class.</a:t>
             </a:r>
           </a:p>
           <a:p>
@@ -5415,7 +7149,7 @@
         <p:spPr/>
         <p:txBody>
           <a:bodyPr>
-            <a:normAutofit lnSpcReduction="10000"/>
+            <a:normAutofit/>
           </a:bodyPr>
           <a:lstStyle/>
           <a:p>
@@ -5448,21 +7182,6 @@
             <a:r>
               <a:rPr lang="en-US" dirty="0"/>
               <a:t>” in which the green lights are on() while both the red and amber lights are off().</a:t>
-            </a:r>
-          </a:p>
-          <a:p>
-            <a:pPr marL="0" indent="0">
-              <a:buNone/>
-            </a:pPr>
-            <a:endParaRPr lang="en-US" b="1" dirty="0"/>
-          </a:p>
-          <a:p>
-            <a:pPr marL="0" indent="0">
-              <a:buNone/>
-            </a:pPr>
-            <a:r>
-              <a:rPr lang="en-AU" b="1" dirty="0"/>
-              <a:t>Run v15.py</a:t>
             </a:r>
           </a:p>
         </p:txBody>
@@ -5471,6 +7190,633 @@
     <p:extLst>
       <p:ext uri="{BB962C8B-B14F-4D97-AF65-F5344CB8AC3E}">
         <p14:creationId xmlns:p14="http://schemas.microsoft.com/office/powerpoint/2010/main" val="1175822862"/>
+      </p:ext>
+    </p:extLst>
+  </p:cSld>
+  <p:clrMapOvr>
+    <a:masterClrMapping/>
+  </p:clrMapOvr>
+</p:sld>
+</file>
+
+<file path=ppt/slides/slide8.xml><?xml version="1.0" encoding="utf-8"?>
+<p:sld xmlns:a="http://schemas.openxmlformats.org/drawingml/2006/main" xmlns:r="http://schemas.openxmlformats.org/officeDocument/2006/relationships" xmlns:p="http://schemas.openxmlformats.org/presentationml/2006/main">
+  <p:cSld>
+    <p:bg>
+      <p:bgPr>
+        <a:solidFill>
+          <a:schemeClr val="bg1"/>
+        </a:solidFill>
+        <a:effectLst/>
+      </p:bgPr>
+    </p:bg>
+    <p:spTree>
+      <p:nvGrpSpPr>
+        <p:cNvPr id="1" name="">
+          <a:extLst>
+            <a:ext uri="{FF2B5EF4-FFF2-40B4-BE49-F238E27FC236}">
+              <a16:creationId xmlns:a16="http://schemas.microsoft.com/office/drawing/2014/main" id="{EA5E56FC-DEC0-2924-7974-748D6809811B}"/>
+            </a:ext>
+          </a:extLst>
+        </p:cNvPr>
+        <p:cNvGrpSpPr/>
+        <p:nvPr/>
+      </p:nvGrpSpPr>
+      <p:grpSpPr>
+        <a:xfrm>
+          <a:off x="0" y="0"/>
+          <a:ext cx="0" cy="0"/>
+          <a:chOff x="0" y="0"/>
+          <a:chExt cx="0" cy="0"/>
+        </a:xfrm>
+      </p:grpSpPr>
+      <p:sp useBgFill="1">
+        <p:nvSpPr>
+          <p:cNvPr id="13" name="Rectangle 12">
+            <a:extLst>
+              <a:ext uri="{FF2B5EF4-FFF2-40B4-BE49-F238E27FC236}">
+                <a16:creationId xmlns:a16="http://schemas.microsoft.com/office/drawing/2014/main" id="{83C1B41B-67CF-3EE8-0D93-B9B43F709717}"/>
+              </a:ext>
+              <a:ext uri="{C183D7F6-B498-43B3-948B-1728B52AA6E4}">
+                <adec:decorative xmlns:adec="http://schemas.microsoft.com/office/drawing/2017/decorative" val="1"/>
+              </a:ext>
+            </a:extLst>
+          </p:cNvPr>
+          <p:cNvSpPr>
+            <a:spLocks noGrp="1" noRot="1" noChangeAspect="1" noMove="1" noResize="1" noEditPoints="1" noAdjustHandles="1" noChangeArrowheads="1" noChangeShapeType="1" noTextEdit="1"/>
+          </p:cNvSpPr>
+          <p:nvPr>
+            <p:extLst>
+              <p:ext uri="{386F3935-93C4-4BCD-93E2-E3B085C9AB24}">
+                <p16:designElem xmlns:p16="http://schemas.microsoft.com/office/powerpoint/2015/main" val="1"/>
+              </p:ext>
+            </p:extLst>
+          </p:nvPr>
+        </p:nvSpPr>
+        <p:spPr>
+          <a:xfrm>
+            <a:off x="3049" y="0"/>
+            <a:ext cx="12188952" cy="6858000"/>
+          </a:xfrm>
+          <a:prstGeom prst="rect">
+            <a:avLst/>
+          </a:prstGeom>
+          <a:ln>
+            <a:noFill/>
+          </a:ln>
+        </p:spPr>
+        <p:style>
+          <a:lnRef idx="2">
+            <a:schemeClr val="accent1">
+              <a:shade val="50000"/>
+            </a:schemeClr>
+          </a:lnRef>
+          <a:fillRef idx="1">
+            <a:schemeClr val="accent1"/>
+          </a:fillRef>
+          <a:effectRef idx="0">
+            <a:schemeClr val="accent1"/>
+          </a:effectRef>
+          <a:fontRef idx="minor">
+            <a:schemeClr val="lt1"/>
+          </a:fontRef>
+        </p:style>
+        <p:txBody>
+          <a:bodyPr rtlCol="0" anchor="ctr"/>
+          <a:lstStyle/>
+          <a:p>
+            <a:pPr algn="ctr"/>
+            <a:endParaRPr lang="en-US"/>
+          </a:p>
+        </p:txBody>
+      </p:sp>
+      <p:pic>
+        <p:nvPicPr>
+          <p:cNvPr id="8" name="Content Placeholder 7">
+            <a:extLst>
+              <a:ext uri="{FF2B5EF4-FFF2-40B4-BE49-F238E27FC236}">
+                <a16:creationId xmlns:a16="http://schemas.microsoft.com/office/drawing/2014/main" id="{79FE27FE-8174-94C0-D07C-1A6D16A75C75}"/>
+              </a:ext>
+            </a:extLst>
+          </p:cNvPr>
+          <p:cNvPicPr>
+            <a:picLocks noGrp="1" noChangeAspect="1"/>
+          </p:cNvPicPr>
+          <p:nvPr>
+            <p:ph idx="1"/>
+          </p:nvPr>
+        </p:nvPicPr>
+        <p:blipFill>
+          <a:blip r:embed="rId2"/>
+          <a:srcRect l="9571" r="25922" b="-1"/>
+          <a:stretch>
+            <a:fillRect/>
+          </a:stretch>
+        </p:blipFill>
+        <p:spPr>
+          <a:xfrm>
+            <a:off x="2522356" y="10"/>
+            <a:ext cx="9669642" cy="6857990"/>
+          </a:xfrm>
+          <a:prstGeom prst="rect">
+            <a:avLst/>
+          </a:prstGeom>
+        </p:spPr>
+      </p:pic>
+      <p:sp>
+        <p:nvSpPr>
+          <p:cNvPr id="15" name="Rectangle 14">
+            <a:extLst>
+              <a:ext uri="{FF2B5EF4-FFF2-40B4-BE49-F238E27FC236}">
+                <a16:creationId xmlns:a16="http://schemas.microsoft.com/office/drawing/2014/main" id="{36A5A6A6-930E-535D-C781-C8304254EA45}"/>
+              </a:ext>
+              <a:ext uri="{C183D7F6-B498-43B3-948B-1728B52AA6E4}">
+                <adec:decorative xmlns:adec="http://schemas.microsoft.com/office/drawing/2017/decorative" val="1"/>
+              </a:ext>
+            </a:extLst>
+          </p:cNvPr>
+          <p:cNvSpPr>
+            <a:spLocks noGrp="1" noRot="1" noChangeAspect="1" noMove="1" noResize="1" noEditPoints="1" noAdjustHandles="1" noChangeArrowheads="1" noChangeShapeType="1" noTextEdit="1"/>
+          </p:cNvSpPr>
+          <p:nvPr>
+            <p:extLst>
+              <p:ext uri="{386F3935-93C4-4BCD-93E2-E3B085C9AB24}">
+                <p16:designElem xmlns:p16="http://schemas.microsoft.com/office/powerpoint/2015/main" val="1"/>
+              </p:ext>
+            </p:extLst>
+          </p:nvPr>
+        </p:nvSpPr>
+        <p:spPr>
+          <a:xfrm>
+            <a:off x="-1" y="0"/>
+            <a:ext cx="7390263" cy="6858000"/>
+          </a:xfrm>
+          <a:prstGeom prst="rect">
+            <a:avLst/>
+          </a:prstGeom>
+          <a:gradFill>
+            <a:gsLst>
+              <a:gs pos="48000">
+                <a:schemeClr val="bg1"/>
+              </a:gs>
+              <a:gs pos="35000">
+                <a:schemeClr val="bg1">
+                  <a:alpha val="77000"/>
+                </a:schemeClr>
+              </a:gs>
+              <a:gs pos="19000">
+                <a:schemeClr val="bg1">
+                  <a:alpha val="38000"/>
+                </a:schemeClr>
+              </a:gs>
+              <a:gs pos="0">
+                <a:schemeClr val="bg1">
+                  <a:alpha val="0"/>
+                </a:schemeClr>
+              </a:gs>
+              <a:gs pos="100000">
+                <a:schemeClr val="bg1"/>
+              </a:gs>
+            </a:gsLst>
+            <a:lin ang="10800000" scaled="0"/>
+          </a:gradFill>
+          <a:ln>
+            <a:noFill/>
+          </a:ln>
+        </p:spPr>
+        <p:style>
+          <a:lnRef idx="2">
+            <a:schemeClr val="accent1">
+              <a:shade val="50000"/>
+            </a:schemeClr>
+          </a:lnRef>
+          <a:fillRef idx="1">
+            <a:schemeClr val="accent1"/>
+          </a:fillRef>
+          <a:effectRef idx="0">
+            <a:schemeClr val="accent1"/>
+          </a:effectRef>
+          <a:fontRef idx="minor">
+            <a:schemeClr val="lt1"/>
+          </a:fontRef>
+        </p:style>
+        <p:txBody>
+          <a:bodyPr rtlCol="0" anchor="ctr"/>
+          <a:lstStyle/>
+          <a:p>
+            <a:pPr algn="ctr"/>
+            <a:endParaRPr lang="en-US" dirty="0"/>
+          </a:p>
+        </p:txBody>
+      </p:sp>
+      <p:sp>
+        <p:nvSpPr>
+          <p:cNvPr id="4" name="Title 3">
+            <a:extLst>
+              <a:ext uri="{FF2B5EF4-FFF2-40B4-BE49-F238E27FC236}">
+                <a16:creationId xmlns:a16="http://schemas.microsoft.com/office/drawing/2014/main" id="{B4F03DDF-EE8A-5A48-C2BE-01484C430635}"/>
+              </a:ext>
+            </a:extLst>
+          </p:cNvPr>
+          <p:cNvSpPr>
+            <a:spLocks noGrp="1"/>
+          </p:cNvSpPr>
+          <p:nvPr>
+            <p:ph type="title"/>
+          </p:nvPr>
+        </p:nvSpPr>
+        <p:spPr>
+          <a:xfrm>
+            <a:off x="838200" y="365125"/>
+            <a:ext cx="3822189" cy="1899912"/>
+          </a:xfrm>
+        </p:spPr>
+        <p:txBody>
+          <a:bodyPr vert="horz" lIns="91440" tIns="45720" rIns="91440" bIns="45720" rtlCol="0" anchor="ctr">
+            <a:normAutofit/>
+          </a:bodyPr>
+          <a:lstStyle/>
+          <a:p>
+            <a:r>
+              <a:rPr lang="en-US" sz="4000" dirty="0"/>
+              <a:t>Describe the states</a:t>
+            </a:r>
+          </a:p>
+        </p:txBody>
+      </p:sp>
+      <p:sp>
+        <p:nvSpPr>
+          <p:cNvPr id="6" name="Text Placeholder 5">
+            <a:extLst>
+              <a:ext uri="{FF2B5EF4-FFF2-40B4-BE49-F238E27FC236}">
+                <a16:creationId xmlns:a16="http://schemas.microsoft.com/office/drawing/2014/main" id="{B41CF516-A4D1-D613-1F4D-D8B13508C42D}"/>
+              </a:ext>
+            </a:extLst>
+          </p:cNvPr>
+          <p:cNvSpPr>
+            <a:spLocks noGrp="1"/>
+          </p:cNvSpPr>
+          <p:nvPr>
+            <p:ph type="body" sz="half" idx="2"/>
+          </p:nvPr>
+        </p:nvSpPr>
+        <p:spPr>
+          <a:xfrm>
+            <a:off x="838200" y="2434201"/>
+            <a:ext cx="3822189" cy="3742762"/>
+          </a:xfrm>
+        </p:spPr>
+        <p:txBody>
+          <a:bodyPr vert="horz" lIns="91440" tIns="45720" rIns="91440" bIns="45720" rtlCol="0">
+            <a:normAutofit/>
+          </a:bodyPr>
+          <a:lstStyle/>
+          <a:p>
+            <a:pPr marL="324000" indent="-324000">
+              <a:buFont typeface="Arial" panose="020B0604020202020204" pitchFamily="34" charset="0"/>
+              <a:buChar char="•"/>
+            </a:pPr>
+            <a:r>
+              <a:rPr lang="en-US" sz="2000" dirty="0"/>
+              <a:t>Think about this system and describe the states and to triggers for each </a:t>
+            </a:r>
+            <a:r>
+              <a:rPr lang="en-US" sz="2000" dirty="0" err="1"/>
+              <a:t>statte</a:t>
+            </a:r>
+            <a:endParaRPr lang="en-US" sz="2000" dirty="0"/>
+          </a:p>
+        </p:txBody>
+      </p:sp>
+    </p:spTree>
+    <p:extLst>
+      <p:ext uri="{BB962C8B-B14F-4D97-AF65-F5344CB8AC3E}">
+        <p14:creationId xmlns:p14="http://schemas.microsoft.com/office/powerpoint/2010/main" val="1075762417"/>
+      </p:ext>
+    </p:extLst>
+  </p:cSld>
+  <p:clrMapOvr>
+    <a:masterClrMapping/>
+  </p:clrMapOvr>
+</p:sld>
+</file>
+
+<file path=ppt/slides/slide9.xml><?xml version="1.0" encoding="utf-8"?>
+<p:sld xmlns:a="http://schemas.openxmlformats.org/drawingml/2006/main" xmlns:r="http://schemas.openxmlformats.org/officeDocument/2006/relationships" xmlns:p="http://schemas.openxmlformats.org/presentationml/2006/main">
+  <p:cSld>
+    <p:spTree>
+      <p:nvGrpSpPr>
+        <p:cNvPr id="1" name=""/>
+        <p:cNvGrpSpPr/>
+        <p:nvPr/>
+      </p:nvGrpSpPr>
+      <p:grpSpPr>
+        <a:xfrm>
+          <a:off x="0" y="0"/>
+          <a:ext cx="0" cy="0"/>
+          <a:chOff x="0" y="0"/>
+          <a:chExt cx="0" cy="0"/>
+        </a:xfrm>
+      </p:grpSpPr>
+      <p:sp>
+        <p:nvSpPr>
+          <p:cNvPr id="5" name="Title 4">
+            <a:extLst>
+              <a:ext uri="{FF2B5EF4-FFF2-40B4-BE49-F238E27FC236}">
+                <a16:creationId xmlns:a16="http://schemas.microsoft.com/office/drawing/2014/main" id="{B154D516-A7B8-9725-7B02-36F1010DA5A4}"/>
+              </a:ext>
+            </a:extLst>
+          </p:cNvPr>
+          <p:cNvSpPr>
+            <a:spLocks noGrp="1"/>
+          </p:cNvSpPr>
+          <p:nvPr>
+            <p:ph type="title"/>
+          </p:nvPr>
+        </p:nvSpPr>
+        <p:spPr/>
+        <p:txBody>
+          <a:bodyPr/>
+          <a:lstStyle/>
+          <a:p>
+            <a:r>
+              <a:rPr lang="en-AU" dirty="0"/>
+              <a:t>States</a:t>
+            </a:r>
+          </a:p>
+        </p:txBody>
+      </p:sp>
+      <p:graphicFrame>
+        <p:nvGraphicFramePr>
+          <p:cNvPr id="7" name="Content Placeholder 6">
+            <a:extLst>
+              <a:ext uri="{FF2B5EF4-FFF2-40B4-BE49-F238E27FC236}">
+                <a16:creationId xmlns:a16="http://schemas.microsoft.com/office/drawing/2014/main" id="{88CE69C3-4900-99C8-7F6B-AC75A34EFB3C}"/>
+              </a:ext>
+            </a:extLst>
+          </p:cNvPr>
+          <p:cNvGraphicFramePr>
+            <a:graphicFrameLocks noGrp="1"/>
+          </p:cNvGraphicFramePr>
+          <p:nvPr>
+            <p:ph idx="1"/>
+            <p:extLst>
+              <p:ext uri="{D42A27DB-BD31-4B8C-83A1-F6EECF244321}">
+                <p14:modId xmlns:p14="http://schemas.microsoft.com/office/powerpoint/2010/main" val="157639581"/>
+              </p:ext>
+            </p:extLst>
+          </p:nvPr>
+        </p:nvGraphicFramePr>
+        <p:xfrm>
+          <a:off x="838200" y="1825625"/>
+          <a:ext cx="10515597" cy="1854200"/>
+        </p:xfrm>
+        <a:graphic>
+          <a:graphicData uri="http://schemas.openxmlformats.org/drawingml/2006/table">
+            <a:tbl>
+              <a:tblPr firstRow="1" bandRow="1">
+                <a:tableStyleId>{5C22544A-7EE6-4342-B048-85BDC9FD1C3A}</a:tableStyleId>
+              </a:tblPr>
+              <a:tblGrid>
+                <a:gridCol w="3505199">
+                  <a:extLst>
+                    <a:ext uri="{9D8B030D-6E8A-4147-A177-3AD203B41FA5}">
+                      <a16:colId xmlns:a16="http://schemas.microsoft.com/office/drawing/2014/main" val="4001819843"/>
+                    </a:ext>
+                  </a:extLst>
+                </a:gridCol>
+                <a:gridCol w="3505199">
+                  <a:extLst>
+                    <a:ext uri="{9D8B030D-6E8A-4147-A177-3AD203B41FA5}">
+                      <a16:colId xmlns:a16="http://schemas.microsoft.com/office/drawing/2014/main" val="1120402835"/>
+                    </a:ext>
+                  </a:extLst>
+                </a:gridCol>
+                <a:gridCol w="3505199">
+                  <a:extLst>
+                    <a:ext uri="{9D8B030D-6E8A-4147-A177-3AD203B41FA5}">
+                      <a16:colId xmlns:a16="http://schemas.microsoft.com/office/drawing/2014/main" val="3453965507"/>
+                    </a:ext>
+                  </a:extLst>
+                </a:gridCol>
+              </a:tblGrid>
+              <a:tr h="370840">
+                <a:tc>
+                  <a:txBody>
+                    <a:bodyPr/>
+                    <a:lstStyle/>
+                    <a:p>
+                      <a:r>
+                        <a:rPr lang="en-AU" dirty="0"/>
+                        <a:t>State</a:t>
+                      </a:r>
+                    </a:p>
+                  </a:txBody>
+                  <a:tcPr/>
+                </a:tc>
+                <a:tc>
+                  <a:txBody>
+                    <a:bodyPr/>
+                    <a:lstStyle/>
+                    <a:p>
+                      <a:r>
+                        <a:rPr lang="en-AU" dirty="0"/>
+                        <a:t>Trigger</a:t>
+                      </a:r>
+                    </a:p>
+                  </a:txBody>
+                  <a:tcPr/>
+                </a:tc>
+                <a:tc>
+                  <a:txBody>
+                    <a:bodyPr/>
+                    <a:lstStyle/>
+                    <a:p>
+                      <a:r>
+                        <a:rPr lang="en-AU" dirty="0"/>
+                        <a:t>Light Pattern</a:t>
+                      </a:r>
+                    </a:p>
+                  </a:txBody>
+                  <a:tcPr/>
+                </a:tc>
+                <a:extLst>
+                  <a:ext uri="{0D108BD9-81ED-4DB2-BD59-A6C34878D82A}">
+                    <a16:rowId xmlns:a16="http://schemas.microsoft.com/office/drawing/2014/main" val="4097188194"/>
+                  </a:ext>
+                </a:extLst>
+              </a:tr>
+              <a:tr h="370840">
+                <a:tc>
+                  <a:txBody>
+                    <a:bodyPr/>
+                    <a:lstStyle/>
+                    <a:p>
+                      <a:r>
+                        <a:rPr lang="en-AU" dirty="0"/>
+                        <a:t>Idle</a:t>
+                      </a:r>
+                    </a:p>
+                  </a:txBody>
+                  <a:tcPr/>
+                </a:tc>
+                <a:tc>
+                  <a:txBody>
+                    <a:bodyPr/>
+                    <a:lstStyle/>
+                    <a:p>
+                      <a:r>
+                        <a:rPr lang="en-AU" dirty="0"/>
+                        <a:t>Button Press</a:t>
+                      </a:r>
+                    </a:p>
+                  </a:txBody>
+                  <a:tcPr/>
+                </a:tc>
+                <a:tc>
+                  <a:txBody>
+                    <a:bodyPr/>
+                    <a:lstStyle/>
+                    <a:p>
+                      <a:endParaRPr lang="en-AU"/>
+                    </a:p>
+                  </a:txBody>
+                  <a:tcPr/>
+                </a:tc>
+                <a:extLst>
+                  <a:ext uri="{0D108BD9-81ED-4DB2-BD59-A6C34878D82A}">
+                    <a16:rowId xmlns:a16="http://schemas.microsoft.com/office/drawing/2014/main" val="792290718"/>
+                  </a:ext>
+                </a:extLst>
+              </a:tr>
+              <a:tr h="370840">
+                <a:tc>
+                  <a:txBody>
+                    <a:bodyPr/>
+                    <a:lstStyle/>
+                    <a:p>
+                      <a:r>
+                        <a:rPr lang="en-AU" dirty="0"/>
+                        <a:t>Changing</a:t>
+                      </a:r>
+                    </a:p>
+                  </a:txBody>
+                  <a:tcPr/>
+                </a:tc>
+                <a:tc>
+                  <a:txBody>
+                    <a:bodyPr/>
+                    <a:lstStyle/>
+                    <a:p>
+                      <a:endParaRPr lang="en-AU" dirty="0"/>
+                    </a:p>
+                  </a:txBody>
+                  <a:tcPr/>
+                </a:tc>
+                <a:tc>
+                  <a:txBody>
+                    <a:bodyPr/>
+                    <a:lstStyle/>
+                    <a:p>
+                      <a:endParaRPr lang="en-AU" dirty="0"/>
+                    </a:p>
+                  </a:txBody>
+                  <a:tcPr/>
+                </a:tc>
+                <a:extLst>
+                  <a:ext uri="{0D108BD9-81ED-4DB2-BD59-A6C34878D82A}">
+                    <a16:rowId xmlns:a16="http://schemas.microsoft.com/office/drawing/2014/main" val="1835098462"/>
+                  </a:ext>
+                </a:extLst>
+              </a:tr>
+              <a:tr h="370840">
+                <a:tc>
+                  <a:txBody>
+                    <a:bodyPr/>
+                    <a:lstStyle/>
+                    <a:p>
+                      <a:r>
+                        <a:rPr lang="en-AU" dirty="0"/>
+                        <a:t>Walk</a:t>
+                      </a:r>
+                    </a:p>
+                  </a:txBody>
+                  <a:tcPr/>
+                </a:tc>
+                <a:tc>
+                  <a:txBody>
+                    <a:bodyPr/>
+                    <a:lstStyle/>
+                    <a:p>
+                      <a:endParaRPr lang="en-AU" dirty="0"/>
+                    </a:p>
+                  </a:txBody>
+                  <a:tcPr/>
+                </a:tc>
+                <a:tc>
+                  <a:txBody>
+                    <a:bodyPr/>
+                    <a:lstStyle/>
+                    <a:p>
+                      <a:endParaRPr lang="en-AU"/>
+                    </a:p>
+                  </a:txBody>
+                  <a:tcPr/>
+                </a:tc>
+                <a:extLst>
+                  <a:ext uri="{0D108BD9-81ED-4DB2-BD59-A6C34878D82A}">
+                    <a16:rowId xmlns:a16="http://schemas.microsoft.com/office/drawing/2014/main" val="2410609063"/>
+                  </a:ext>
+                </a:extLst>
+              </a:tr>
+              <a:tr h="370840">
+                <a:tc>
+                  <a:txBody>
+                    <a:bodyPr/>
+                    <a:lstStyle/>
+                    <a:p>
+                      <a:r>
+                        <a:rPr lang="en-AU" dirty="0"/>
+                        <a:t>Walk stop warning</a:t>
+                      </a:r>
+                    </a:p>
+                  </a:txBody>
+                  <a:tcPr/>
+                </a:tc>
+                <a:tc>
+                  <a:txBody>
+                    <a:bodyPr/>
+                    <a:lstStyle/>
+                    <a:p>
+                      <a:endParaRPr lang="en-AU" dirty="0"/>
+                    </a:p>
+                  </a:txBody>
+                  <a:tcPr/>
+                </a:tc>
+                <a:tc>
+                  <a:txBody>
+                    <a:bodyPr/>
+                    <a:lstStyle/>
+                    <a:p>
+                      <a:endParaRPr lang="en-AU" dirty="0"/>
+                    </a:p>
+                  </a:txBody>
+                  <a:tcPr/>
+                </a:tc>
+                <a:extLst>
+                  <a:ext uri="{0D108BD9-81ED-4DB2-BD59-A6C34878D82A}">
+                    <a16:rowId xmlns:a16="http://schemas.microsoft.com/office/drawing/2014/main" val="1630014751"/>
+                  </a:ext>
+                </a:extLst>
+              </a:tr>
+            </a:tbl>
+          </a:graphicData>
+        </a:graphic>
+      </p:graphicFrame>
+    </p:spTree>
+    <p:extLst>
+      <p:ext uri="{BB962C8B-B14F-4D97-AF65-F5344CB8AC3E}">
+        <p14:creationId xmlns:p14="http://schemas.microsoft.com/office/powerpoint/2010/main" val="608726658"/>
       </p:ext>
     </p:extLst>
   </p:cSld>

--- a/tutorials/presentations/Lecture6.pptx
+++ b/tutorials/presentations/Lecture6.pptx
@@ -4,6 +4,9 @@
   <p:sldMasterIdLst>
     <p:sldMasterId id="2147483648" r:id="rId1"/>
   </p:sldMasterIdLst>
+  <p:notesMasterIdLst>
+    <p:notesMasterId r:id="rId15"/>
+  </p:notesMasterIdLst>
   <p:sldIdLst>
     <p:sldId id="256" r:id="rId2"/>
     <p:sldId id="257" r:id="rId3"/>
@@ -127,13 +130,565 @@
 <file path=ppt/revisionInfo.xml><?xml version="1.0" encoding="utf-8"?>
 <p1510:revInfo xmlns:a="http://schemas.openxmlformats.org/drawingml/2006/main" xmlns:r="http://schemas.openxmlformats.org/officeDocument/2006/relationships" xmlns:p1510="http://schemas.microsoft.com/office/powerpoint/2015/10/main">
   <p1510:revLst>
-    <p1510:client id="{F14E1553-4719-4867-AD3F-20360ABEDCD1}" v="13" dt="2025-06-11T12:36:54.127"/>
+    <p1510:client id="{F14E1553-4719-4867-AD3F-20360ABEDCD1}" v="19" dt="2025-06-14T07:47:04.306"/>
   </p1510:revLst>
 </p1510:revInfo>
 </file>
 
 <file path=ppt/changesInfos/changesInfo1.xml><?xml version="1.0" encoding="utf-8"?>
 <pc:chgInfo xmlns:a="http://schemas.openxmlformats.org/drawingml/2006/main" xmlns:r="http://schemas.openxmlformats.org/officeDocument/2006/relationships" xmlns:ac="http://schemas.microsoft.com/office/drawing/2013/main/command" xmlns:pc="http://schemas.microsoft.com/office/powerpoint/2013/main/command">
+  <pc:docChgLst>
+    <pc:chgData name="Ben Jones (Ben Jones)" userId="e6e8a0f3-34fe-4d14-b7ab-3a9f1769fff2" providerId="ADAL" clId="{F14E1553-4719-4867-AD3F-20360ABEDCD1}"/>
+    <pc:docChg chg="undo custSel addSld delSld modSld sldOrd">
+      <pc:chgData name="Ben Jones (Ben Jones)" userId="e6e8a0f3-34fe-4d14-b7ab-3a9f1769fff2" providerId="ADAL" clId="{F14E1553-4719-4867-AD3F-20360ABEDCD1}" dt="2025-06-14T07:47:04.306" v="803"/>
+      <pc:docMkLst>
+        <pc:docMk/>
+      </pc:docMkLst>
+      <pc:sldChg chg="addSp delSp modSp mod">
+        <pc:chgData name="Ben Jones (Ben Jones)" userId="e6e8a0f3-34fe-4d14-b7ab-3a9f1769fff2" providerId="ADAL" clId="{F14E1553-4719-4867-AD3F-20360ABEDCD1}" dt="2025-06-13T10:58:43.125" v="799" actId="20577"/>
+        <pc:sldMkLst>
+          <pc:docMk/>
+          <pc:sldMk cId="4046351447" sldId="256"/>
+        </pc:sldMkLst>
+        <pc:spChg chg="del">
+          <ac:chgData name="Ben Jones (Ben Jones)" userId="e6e8a0f3-34fe-4d14-b7ab-3a9f1769fff2" providerId="ADAL" clId="{F14E1553-4719-4867-AD3F-20360ABEDCD1}" dt="2025-06-13T10:58:20.005" v="796" actId="478"/>
+          <ac:spMkLst>
+            <pc:docMk/>
+            <pc:sldMk cId="4046351447" sldId="256"/>
+            <ac:spMk id="2" creationId="{6C98E736-9C14-8B47-35EB-BD2CF5EF91B8}"/>
+          </ac:spMkLst>
+        </pc:spChg>
+        <pc:spChg chg="del">
+          <ac:chgData name="Ben Jones (Ben Jones)" userId="e6e8a0f3-34fe-4d14-b7ab-3a9f1769fff2" providerId="ADAL" clId="{F14E1553-4719-4867-AD3F-20360ABEDCD1}" dt="2025-06-13T10:58:20.005" v="796" actId="478"/>
+          <ac:spMkLst>
+            <pc:docMk/>
+            <pc:sldMk cId="4046351447" sldId="256"/>
+            <ac:spMk id="3" creationId="{2007677D-E31B-D163-E787-0648982398C7}"/>
+          </ac:spMkLst>
+        </pc:spChg>
+        <pc:spChg chg="add mod">
+          <ac:chgData name="Ben Jones (Ben Jones)" userId="e6e8a0f3-34fe-4d14-b7ab-3a9f1769fff2" providerId="ADAL" clId="{F14E1553-4719-4867-AD3F-20360ABEDCD1}" dt="2025-06-13T10:58:20.005" v="796" actId="478"/>
+          <ac:spMkLst>
+            <pc:docMk/>
+            <pc:sldMk cId="4046351447" sldId="256"/>
+            <ac:spMk id="6" creationId="{9923057F-DEDF-79C5-D892-1E85F0BEC0CD}"/>
+          </ac:spMkLst>
+        </pc:spChg>
+        <pc:spChg chg="add mod">
+          <ac:chgData name="Ben Jones (Ben Jones)" userId="e6e8a0f3-34fe-4d14-b7ab-3a9f1769fff2" providerId="ADAL" clId="{F14E1553-4719-4867-AD3F-20360ABEDCD1}" dt="2025-06-13T10:58:20.005" v="796" actId="478"/>
+          <ac:spMkLst>
+            <pc:docMk/>
+            <pc:sldMk cId="4046351447" sldId="256"/>
+            <ac:spMk id="8" creationId="{DD37674A-48F2-A897-01FD-40E9B7DA2466}"/>
+          </ac:spMkLst>
+        </pc:spChg>
+        <pc:spChg chg="add mod">
+          <ac:chgData name="Ben Jones (Ben Jones)" userId="e6e8a0f3-34fe-4d14-b7ab-3a9f1769fff2" providerId="ADAL" clId="{F14E1553-4719-4867-AD3F-20360ABEDCD1}" dt="2025-06-13T10:58:20.738" v="797"/>
+          <ac:spMkLst>
+            <pc:docMk/>
+            <pc:sldMk cId="4046351447" sldId="256"/>
+            <ac:spMk id="9" creationId="{CF7EDA0B-8DB3-FE69-E094-5F082C983A3E}"/>
+          </ac:spMkLst>
+        </pc:spChg>
+        <pc:spChg chg="add mod">
+          <ac:chgData name="Ben Jones (Ben Jones)" userId="e6e8a0f3-34fe-4d14-b7ab-3a9f1769fff2" providerId="ADAL" clId="{F14E1553-4719-4867-AD3F-20360ABEDCD1}" dt="2025-06-13T10:58:20.738" v="797"/>
+          <ac:spMkLst>
+            <pc:docMk/>
+            <pc:sldMk cId="4046351447" sldId="256"/>
+            <ac:spMk id="11" creationId="{1B863F7F-8A17-FF6F-6395-E2DD869865DE}"/>
+          </ac:spMkLst>
+        </pc:spChg>
+        <pc:spChg chg="add mod">
+          <ac:chgData name="Ben Jones (Ben Jones)" userId="e6e8a0f3-34fe-4d14-b7ab-3a9f1769fff2" providerId="ADAL" clId="{F14E1553-4719-4867-AD3F-20360ABEDCD1}" dt="2025-06-13T10:58:20.738" v="797"/>
+          <ac:spMkLst>
+            <pc:docMk/>
+            <pc:sldMk cId="4046351447" sldId="256"/>
+            <ac:spMk id="12" creationId="{AAE27C33-2D85-9330-B9C0-E5835CB227AC}"/>
+          </ac:spMkLst>
+        </pc:spChg>
+        <pc:spChg chg="add mod">
+          <ac:chgData name="Ben Jones (Ben Jones)" userId="e6e8a0f3-34fe-4d14-b7ab-3a9f1769fff2" providerId="ADAL" clId="{F14E1553-4719-4867-AD3F-20360ABEDCD1}" dt="2025-06-13T10:58:43.125" v="799" actId="20577"/>
+          <ac:spMkLst>
+            <pc:docMk/>
+            <pc:sldMk cId="4046351447" sldId="256"/>
+            <ac:spMk id="13" creationId="{C0BDD3C6-2039-E596-C54A-80D053C16868}"/>
+          </ac:spMkLst>
+        </pc:spChg>
+        <pc:picChg chg="add del mod">
+          <ac:chgData name="Ben Jones (Ben Jones)" userId="e6e8a0f3-34fe-4d14-b7ab-3a9f1769fff2" providerId="ADAL" clId="{F14E1553-4719-4867-AD3F-20360ABEDCD1}" dt="2025-06-13T10:58:20.005" v="796" actId="478"/>
+          <ac:picMkLst>
+            <pc:docMk/>
+            <pc:sldMk cId="4046351447" sldId="256"/>
+            <ac:picMk id="4" creationId="{B1B3FF8B-5320-22DD-18D7-5E17E33118E6}"/>
+          </ac:picMkLst>
+        </pc:picChg>
+        <pc:picChg chg="add mod">
+          <ac:chgData name="Ben Jones (Ben Jones)" userId="e6e8a0f3-34fe-4d14-b7ab-3a9f1769fff2" providerId="ADAL" clId="{F14E1553-4719-4867-AD3F-20360ABEDCD1}" dt="2025-06-13T10:58:20.738" v="797"/>
+          <ac:picMkLst>
+            <pc:docMk/>
+            <pc:sldMk cId="4046351447" sldId="256"/>
+            <ac:picMk id="10" creationId="{F1AB71B0-F59F-62A7-BB28-BAEBDCED9445}"/>
+          </ac:picMkLst>
+        </pc:picChg>
+        <pc:picChg chg="add mod">
+          <ac:chgData name="Ben Jones (Ben Jones)" userId="e6e8a0f3-34fe-4d14-b7ab-3a9f1769fff2" providerId="ADAL" clId="{F14E1553-4719-4867-AD3F-20360ABEDCD1}" dt="2025-06-13T10:58:20.738" v="797"/>
+          <ac:picMkLst>
+            <pc:docMk/>
+            <pc:sldMk cId="4046351447" sldId="256"/>
+            <ac:picMk id="14" creationId="{7E4DABE1-BB3F-0AFA-2430-5B9A6F718FF4}"/>
+          </ac:picMkLst>
+        </pc:picChg>
+      </pc:sldChg>
+      <pc:sldChg chg="modSp mod">
+        <pc:chgData name="Ben Jones (Ben Jones)" userId="e6e8a0f3-34fe-4d14-b7ab-3a9f1769fff2" providerId="ADAL" clId="{F14E1553-4719-4867-AD3F-20360ABEDCD1}" dt="2025-06-11T12:17:20.965" v="43" actId="20577"/>
+        <pc:sldMkLst>
+          <pc:docMk/>
+          <pc:sldMk cId="3539071505" sldId="261"/>
+        </pc:sldMkLst>
+        <pc:spChg chg="mod">
+          <ac:chgData name="Ben Jones (Ben Jones)" userId="e6e8a0f3-34fe-4d14-b7ab-3a9f1769fff2" providerId="ADAL" clId="{F14E1553-4719-4867-AD3F-20360ABEDCD1}" dt="2025-06-11T12:17:20.965" v="43" actId="20577"/>
+          <ac:spMkLst>
+            <pc:docMk/>
+            <pc:sldMk cId="3539071505" sldId="261"/>
+            <ac:spMk id="3" creationId="{B00A36C3-101F-B0AB-F123-C6EFEF11ABE2}"/>
+          </ac:spMkLst>
+        </pc:spChg>
+      </pc:sldChg>
+      <pc:sldChg chg="modSp mod">
+        <pc:chgData name="Ben Jones (Ben Jones)" userId="e6e8a0f3-34fe-4d14-b7ab-3a9f1769fff2" providerId="ADAL" clId="{F14E1553-4719-4867-AD3F-20360ABEDCD1}" dt="2025-06-11T12:17:47.574" v="46" actId="20577"/>
+        <pc:sldMkLst>
+          <pc:docMk/>
+          <pc:sldMk cId="1175822862" sldId="263"/>
+        </pc:sldMkLst>
+        <pc:spChg chg="mod">
+          <ac:chgData name="Ben Jones (Ben Jones)" userId="e6e8a0f3-34fe-4d14-b7ab-3a9f1769fff2" providerId="ADAL" clId="{F14E1553-4719-4867-AD3F-20360ABEDCD1}" dt="2025-06-11T12:17:47.574" v="46" actId="20577"/>
+          <ac:spMkLst>
+            <pc:docMk/>
+            <pc:sldMk cId="1175822862" sldId="263"/>
+            <ac:spMk id="8" creationId="{A8D1847C-4AD3-1D2C-43B8-828394D9FF0E}"/>
+          </ac:spMkLst>
+        </pc:spChg>
+      </pc:sldChg>
+      <pc:sldChg chg="addSp modSp add mod modAnim">
+        <pc:chgData name="Ben Jones (Ben Jones)" userId="e6e8a0f3-34fe-4d14-b7ab-3a9f1769fff2" providerId="ADAL" clId="{F14E1553-4719-4867-AD3F-20360ABEDCD1}" dt="2025-06-14T07:47:04.306" v="803"/>
+        <pc:sldMkLst>
+          <pc:docMk/>
+          <pc:sldMk cId="549990195" sldId="264"/>
+        </pc:sldMkLst>
+        <pc:spChg chg="mod">
+          <ac:chgData name="Ben Jones (Ben Jones)" userId="e6e8a0f3-34fe-4d14-b7ab-3a9f1769fff2" providerId="ADAL" clId="{F14E1553-4719-4867-AD3F-20360ABEDCD1}" dt="2025-06-11T12:14:47.087" v="12" actId="20577"/>
+          <ac:spMkLst>
+            <pc:docMk/>
+            <pc:sldMk cId="549990195" sldId="264"/>
+            <ac:spMk id="10" creationId="{400FA594-97CE-8BD3-D0B0-58075BCDEA2F}"/>
+          </ac:spMkLst>
+        </pc:spChg>
+        <pc:picChg chg="add mod">
+          <ac:chgData name="Ben Jones (Ben Jones)" userId="e6e8a0f3-34fe-4d14-b7ab-3a9f1769fff2" providerId="ADAL" clId="{F14E1553-4719-4867-AD3F-20360ABEDCD1}" dt="2025-06-14T07:47:04.306" v="803"/>
+          <ac:picMkLst>
+            <pc:docMk/>
+            <pc:sldMk cId="549990195" sldId="264"/>
+            <ac:picMk id="2" creationId="{164E5E17-7671-5033-3315-DBC0F3ABA258}"/>
+          </ac:picMkLst>
+        </pc:picChg>
+        <pc:picChg chg="mod">
+          <ac:chgData name="Ben Jones (Ben Jones)" userId="e6e8a0f3-34fe-4d14-b7ab-3a9f1769fff2" providerId="ADAL" clId="{F14E1553-4719-4867-AD3F-20360ABEDCD1}" dt="2025-06-11T12:16:40.094" v="13" actId="14826"/>
+          <ac:picMkLst>
+            <pc:docMk/>
+            <pc:sldMk cId="549990195" sldId="264"/>
+            <ac:picMk id="3" creationId="{0A4946D7-D489-5D8A-F199-89C94DED1838}"/>
+          </ac:picMkLst>
+        </pc:picChg>
+      </pc:sldChg>
+      <pc:sldChg chg="delSp add del setBg delDesignElem">
+        <pc:chgData name="Ben Jones (Ben Jones)" userId="e6e8a0f3-34fe-4d14-b7ab-3a9f1769fff2" providerId="ADAL" clId="{F14E1553-4719-4867-AD3F-20360ABEDCD1}" dt="2025-06-11T12:18:33.305" v="54" actId="47"/>
+        <pc:sldMkLst>
+          <pc:docMk/>
+          <pc:sldMk cId="3614926292" sldId="266"/>
+        </pc:sldMkLst>
+      </pc:sldChg>
+      <pc:sldChg chg="delSp add del setBg delDesignElem">
+        <pc:chgData name="Ben Jones (Ben Jones)" userId="e6e8a0f3-34fe-4d14-b7ab-3a9f1769fff2" providerId="ADAL" clId="{F14E1553-4719-4867-AD3F-20360ABEDCD1}" dt="2025-06-11T12:18:33.305" v="54" actId="47"/>
+        <pc:sldMkLst>
+          <pc:docMk/>
+          <pc:sldMk cId="289399125" sldId="267"/>
+        </pc:sldMkLst>
+      </pc:sldChg>
+      <pc:sldChg chg="modSp add mod ord">
+        <pc:chgData name="Ben Jones (Ben Jones)" userId="e6e8a0f3-34fe-4d14-b7ab-3a9f1769fff2" providerId="ADAL" clId="{F14E1553-4719-4867-AD3F-20360ABEDCD1}" dt="2025-06-11T12:19:19.819" v="182" actId="20577"/>
+        <pc:sldMkLst>
+          <pc:docMk/>
+          <pc:sldMk cId="1075762417" sldId="268"/>
+        </pc:sldMkLst>
+        <pc:spChg chg="mod">
+          <ac:chgData name="Ben Jones (Ben Jones)" userId="e6e8a0f3-34fe-4d14-b7ab-3a9f1769fff2" providerId="ADAL" clId="{F14E1553-4719-4867-AD3F-20360ABEDCD1}" dt="2025-06-11T12:18:48.001" v="78" actId="20577"/>
+          <ac:spMkLst>
+            <pc:docMk/>
+            <pc:sldMk cId="1075762417" sldId="268"/>
+            <ac:spMk id="4" creationId="{B4F03DDF-EE8A-5A48-C2BE-01484C430635}"/>
+          </ac:spMkLst>
+        </pc:spChg>
+        <pc:spChg chg="mod">
+          <ac:chgData name="Ben Jones (Ben Jones)" userId="e6e8a0f3-34fe-4d14-b7ab-3a9f1769fff2" providerId="ADAL" clId="{F14E1553-4719-4867-AD3F-20360ABEDCD1}" dt="2025-06-11T12:19:19.819" v="182" actId="20577"/>
+          <ac:spMkLst>
+            <pc:docMk/>
+            <pc:sldMk cId="1075762417" sldId="268"/>
+            <ac:spMk id="6" creationId="{B41CF516-A4D1-D613-1F4D-D8B13508C42D}"/>
+          </ac:spMkLst>
+        </pc:spChg>
+      </pc:sldChg>
+      <pc:sldChg chg="addSp delSp modSp new mod modClrScheme chgLayout">
+        <pc:chgData name="Ben Jones (Ben Jones)" userId="e6e8a0f3-34fe-4d14-b7ab-3a9f1769fff2" providerId="ADAL" clId="{F14E1553-4719-4867-AD3F-20360ABEDCD1}" dt="2025-06-11T12:23:04.096" v="464" actId="6549"/>
+        <pc:sldMkLst>
+          <pc:docMk/>
+          <pc:sldMk cId="608726658" sldId="269"/>
+        </pc:sldMkLst>
+        <pc:spChg chg="add mod ord">
+          <ac:chgData name="Ben Jones (Ben Jones)" userId="e6e8a0f3-34fe-4d14-b7ab-3a9f1769fff2" providerId="ADAL" clId="{F14E1553-4719-4867-AD3F-20360ABEDCD1}" dt="2025-06-11T12:19:35.593" v="192" actId="20577"/>
+          <ac:spMkLst>
+            <pc:docMk/>
+            <pc:sldMk cId="608726658" sldId="269"/>
+            <ac:spMk id="5" creationId="{B154D516-A7B8-9725-7B02-36F1010DA5A4}"/>
+          </ac:spMkLst>
+        </pc:spChg>
+        <pc:graphicFrameChg chg="add mod ord modGraphic">
+          <ac:chgData name="Ben Jones (Ben Jones)" userId="e6e8a0f3-34fe-4d14-b7ab-3a9f1769fff2" providerId="ADAL" clId="{F14E1553-4719-4867-AD3F-20360ABEDCD1}" dt="2025-06-11T12:23:04.096" v="464" actId="6549"/>
+          <ac:graphicFrameMkLst>
+            <pc:docMk/>
+            <pc:sldMk cId="608726658" sldId="269"/>
+            <ac:graphicFrameMk id="7" creationId="{88CE69C3-4900-99C8-7F6B-AC75A34EFB3C}"/>
+          </ac:graphicFrameMkLst>
+        </pc:graphicFrameChg>
+      </pc:sldChg>
+      <pc:sldChg chg="modSp add mod">
+        <pc:chgData name="Ben Jones (Ben Jones)" userId="e6e8a0f3-34fe-4d14-b7ab-3a9f1769fff2" providerId="ADAL" clId="{F14E1553-4719-4867-AD3F-20360ABEDCD1}" dt="2025-06-11T12:26:22.737" v="609" actId="20577"/>
+        <pc:sldMkLst>
+          <pc:docMk/>
+          <pc:sldMk cId="703839872" sldId="270"/>
+        </pc:sldMkLst>
+        <pc:graphicFrameChg chg="mod modGraphic">
+          <ac:chgData name="Ben Jones (Ben Jones)" userId="e6e8a0f3-34fe-4d14-b7ab-3a9f1769fff2" providerId="ADAL" clId="{F14E1553-4719-4867-AD3F-20360ABEDCD1}" dt="2025-06-11T12:26:22.737" v="609" actId="20577"/>
+          <ac:graphicFrameMkLst>
+            <pc:docMk/>
+            <pc:sldMk cId="703839872" sldId="270"/>
+            <ac:graphicFrameMk id="7" creationId="{14049190-61A1-D38A-DF3C-6FB08CAC9AED}"/>
+          </ac:graphicFrameMkLst>
+        </pc:graphicFrameChg>
+      </pc:sldChg>
+      <pc:sldChg chg="modSp new del mod">
+        <pc:chgData name="Ben Jones (Ben Jones)" userId="e6e8a0f3-34fe-4d14-b7ab-3a9f1769fff2" providerId="ADAL" clId="{F14E1553-4719-4867-AD3F-20360ABEDCD1}" dt="2025-06-11T12:36:41.762" v="767" actId="2696"/>
+        <pc:sldMkLst>
+          <pc:docMk/>
+          <pc:sldMk cId="1558367712" sldId="271"/>
+        </pc:sldMkLst>
+      </pc:sldChg>
+      <pc:sldChg chg="new del">
+        <pc:chgData name="Ben Jones (Ben Jones)" userId="e6e8a0f3-34fe-4d14-b7ab-3a9f1769fff2" providerId="ADAL" clId="{F14E1553-4719-4867-AD3F-20360ABEDCD1}" dt="2025-06-11T12:37:14.410" v="789" actId="2696"/>
+        <pc:sldMkLst>
+          <pc:docMk/>
+          <pc:sldMk cId="4222379563" sldId="272"/>
+        </pc:sldMkLst>
+      </pc:sldChg>
+      <pc:sldChg chg="addSp modSp add mod modAnim">
+        <pc:chgData name="Ben Jones (Ben Jones)" userId="e6e8a0f3-34fe-4d14-b7ab-3a9f1769fff2" providerId="ADAL" clId="{F14E1553-4719-4867-AD3F-20360ABEDCD1}" dt="2025-06-14T07:46:42.701" v="800"/>
+        <pc:sldMkLst>
+          <pc:docMk/>
+          <pc:sldMk cId="4286823996" sldId="273"/>
+        </pc:sldMkLst>
+        <pc:spChg chg="mod">
+          <ac:chgData name="Ben Jones (Ben Jones)" userId="e6e8a0f3-34fe-4d14-b7ab-3a9f1769fff2" providerId="ADAL" clId="{F14E1553-4719-4867-AD3F-20360ABEDCD1}" dt="2025-06-11T13:09:11.606" v="790" actId="948"/>
+          <ac:spMkLst>
+            <pc:docMk/>
+            <pc:sldMk cId="4286823996" sldId="273"/>
+            <ac:spMk id="3" creationId="{10BF6715-B6F1-BE80-23EB-752BDCA181D5}"/>
+          </ac:spMkLst>
+        </pc:spChg>
+        <pc:picChg chg="add mod">
+          <ac:chgData name="Ben Jones (Ben Jones)" userId="e6e8a0f3-34fe-4d14-b7ab-3a9f1769fff2" providerId="ADAL" clId="{F14E1553-4719-4867-AD3F-20360ABEDCD1}" dt="2025-06-14T07:46:42.701" v="800"/>
+          <ac:picMkLst>
+            <pc:docMk/>
+            <pc:sldMk cId="4286823996" sldId="273"/>
+            <ac:picMk id="4" creationId="{E3E72364-355B-5F6E-8DD5-80C48FA7932B}"/>
+          </ac:picMkLst>
+        </pc:picChg>
+      </pc:sldChg>
+      <pc:sldChg chg="addSp modSp new mod modAnim">
+        <pc:chgData name="Ben Jones (Ben Jones)" userId="e6e8a0f3-34fe-4d14-b7ab-3a9f1769fff2" providerId="ADAL" clId="{F14E1553-4719-4867-AD3F-20360ABEDCD1}" dt="2025-06-14T07:46:48.832" v="802"/>
+        <pc:sldMkLst>
+          <pc:docMk/>
+          <pc:sldMk cId="2493538128" sldId="274"/>
+        </pc:sldMkLst>
+        <pc:spChg chg="mod">
+          <ac:chgData name="Ben Jones (Ben Jones)" userId="e6e8a0f3-34fe-4d14-b7ab-3a9f1769fff2" providerId="ADAL" clId="{F14E1553-4719-4867-AD3F-20360ABEDCD1}" dt="2025-06-11T12:31:46.447" v="732" actId="20577"/>
+          <ac:spMkLst>
+            <pc:docMk/>
+            <pc:sldMk cId="2493538128" sldId="274"/>
+            <ac:spMk id="2" creationId="{CA2FB80A-4EE0-DBC7-D40A-40949C4EF7CE}"/>
+          </ac:spMkLst>
+        </pc:spChg>
+        <pc:spChg chg="mod">
+          <ac:chgData name="Ben Jones (Ben Jones)" userId="e6e8a0f3-34fe-4d14-b7ab-3a9f1769fff2" providerId="ADAL" clId="{F14E1553-4719-4867-AD3F-20360ABEDCD1}" dt="2025-06-11T13:09:31.135" v="793" actId="27636"/>
+          <ac:spMkLst>
+            <pc:docMk/>
+            <pc:sldMk cId="2493538128" sldId="274"/>
+            <ac:spMk id="3" creationId="{A14AA290-EFBC-2399-CBD2-0F445A3A75CB}"/>
+          </ac:spMkLst>
+        </pc:spChg>
+        <pc:picChg chg="add mod">
+          <ac:chgData name="Ben Jones (Ben Jones)" userId="e6e8a0f3-34fe-4d14-b7ab-3a9f1769fff2" providerId="ADAL" clId="{F14E1553-4719-4867-AD3F-20360ABEDCD1}" dt="2025-06-14T07:46:48.832" v="802"/>
+          <ac:picMkLst>
+            <pc:docMk/>
+            <pc:sldMk cId="2493538128" sldId="274"/>
+            <ac:picMk id="4" creationId="{5AD057BE-EF36-837F-C7FE-38847E1B6C0E}"/>
+          </ac:picMkLst>
+        </pc:picChg>
+      </pc:sldChg>
+      <pc:sldChg chg="addSp modSp add mod modAnim">
+        <pc:chgData name="Ben Jones (Ben Jones)" userId="e6e8a0f3-34fe-4d14-b7ab-3a9f1769fff2" providerId="ADAL" clId="{F14E1553-4719-4867-AD3F-20360ABEDCD1}" dt="2025-06-14T07:46:45.633" v="801"/>
+        <pc:sldMkLst>
+          <pc:docMk/>
+          <pc:sldMk cId="1196129529" sldId="275"/>
+        </pc:sldMkLst>
+        <pc:spChg chg="mod">
+          <ac:chgData name="Ben Jones (Ben Jones)" userId="e6e8a0f3-34fe-4d14-b7ab-3a9f1769fff2" providerId="ADAL" clId="{F14E1553-4719-4867-AD3F-20360ABEDCD1}" dt="2025-06-11T13:09:20.299" v="791" actId="948"/>
+          <ac:spMkLst>
+            <pc:docMk/>
+            <pc:sldMk cId="1196129529" sldId="275"/>
+            <ac:spMk id="3" creationId="{F17B0C28-707C-22FC-8646-0D0488285642}"/>
+          </ac:spMkLst>
+        </pc:spChg>
+        <pc:picChg chg="add mod">
+          <ac:chgData name="Ben Jones (Ben Jones)" userId="e6e8a0f3-34fe-4d14-b7ab-3a9f1769fff2" providerId="ADAL" clId="{F14E1553-4719-4867-AD3F-20360ABEDCD1}" dt="2025-06-14T07:46:45.633" v="801"/>
+          <ac:picMkLst>
+            <pc:docMk/>
+            <pc:sldMk cId="1196129529" sldId="275"/>
+            <ac:picMk id="4" creationId="{1FD2F79E-EEBC-E3B1-B9B2-BC1E3F309060}"/>
+          </ac:picMkLst>
+        </pc:picChg>
+      </pc:sldChg>
+    </pc:docChg>
+  </pc:docChgLst>
+  <pc:docChgLst>
+    <pc:chgData name="Ben Jones (Ben Jones)" userId="e6e8a0f3-34fe-4d14-b7ab-3a9f1769fff2" providerId="ADAL" clId="{78C1D944-C5E2-4D33-BE3A-5C243E175D98}"/>
+    <pc:docChg chg="undo custSel addSld modSld">
+      <pc:chgData name="Ben Jones (Ben Jones)" userId="e6e8a0f3-34fe-4d14-b7ab-3a9f1769fff2" providerId="ADAL" clId="{78C1D944-C5E2-4D33-BE3A-5C243E175D98}" dt="2025-06-10T10:39:40.222" v="850" actId="20577"/>
+      <pc:docMkLst>
+        <pc:docMk/>
+      </pc:docMkLst>
+      <pc:sldChg chg="addSp delSp modSp new mod modClrScheme chgLayout">
+        <pc:chgData name="Ben Jones (Ben Jones)" userId="e6e8a0f3-34fe-4d14-b7ab-3a9f1769fff2" providerId="ADAL" clId="{78C1D944-C5E2-4D33-BE3A-5C243E175D98}" dt="2025-06-10T10:18:29.456" v="9" actId="20577"/>
+        <pc:sldMkLst>
+          <pc:docMk/>
+          <pc:sldMk cId="3635014069" sldId="258"/>
+        </pc:sldMkLst>
+        <pc:spChg chg="add mod ord">
+          <ac:chgData name="Ben Jones (Ben Jones)" userId="e6e8a0f3-34fe-4d14-b7ab-3a9f1769fff2" providerId="ADAL" clId="{78C1D944-C5E2-4D33-BE3A-5C243E175D98}" dt="2025-06-10T10:18:24.928" v="6" actId="20577"/>
+          <ac:spMkLst>
+            <pc:docMk/>
+            <pc:sldMk cId="3635014069" sldId="258"/>
+            <ac:spMk id="5" creationId="{3A179642-EA8A-3ADF-9E0E-56E7F6E9C340}"/>
+          </ac:spMkLst>
+        </pc:spChg>
+        <pc:spChg chg="add mod ord">
+          <ac:chgData name="Ben Jones (Ben Jones)" userId="e6e8a0f3-34fe-4d14-b7ab-3a9f1769fff2" providerId="ADAL" clId="{78C1D944-C5E2-4D33-BE3A-5C243E175D98}" dt="2025-06-10T10:18:29.456" v="9" actId="20577"/>
+          <ac:spMkLst>
+            <pc:docMk/>
+            <pc:sldMk cId="3635014069" sldId="258"/>
+            <ac:spMk id="6" creationId="{1E0B453A-CD21-CEA9-19F5-A9097CDD28B8}"/>
+          </ac:spMkLst>
+        </pc:spChg>
+      </pc:sldChg>
+      <pc:sldChg chg="addSp delSp modSp new mod modClrScheme chgLayout">
+        <pc:chgData name="Ben Jones (Ben Jones)" userId="e6e8a0f3-34fe-4d14-b7ab-3a9f1769fff2" providerId="ADAL" clId="{78C1D944-C5E2-4D33-BE3A-5C243E175D98}" dt="2025-06-10T10:26:42.249" v="156" actId="27636"/>
+        <pc:sldMkLst>
+          <pc:docMk/>
+          <pc:sldMk cId="3761732179" sldId="259"/>
+        </pc:sldMkLst>
+      </pc:sldChg>
+      <pc:sldChg chg="addSp delSp modSp new mod modClrScheme chgLayout">
+        <pc:chgData name="Ben Jones (Ben Jones)" userId="e6e8a0f3-34fe-4d14-b7ab-3a9f1769fff2" providerId="ADAL" clId="{78C1D944-C5E2-4D33-BE3A-5C243E175D98}" dt="2025-06-10T10:27:03.572" v="160"/>
+        <pc:sldMkLst>
+          <pc:docMk/>
+          <pc:sldMk cId="119910343" sldId="260"/>
+        </pc:sldMkLst>
+      </pc:sldChg>
+      <pc:sldChg chg="addSp delSp modSp new mod modClrScheme chgLayout">
+        <pc:chgData name="Ben Jones (Ben Jones)" userId="e6e8a0f3-34fe-4d14-b7ab-3a9f1769fff2" providerId="ADAL" clId="{78C1D944-C5E2-4D33-BE3A-5C243E175D98}" dt="2025-06-10T10:36:06.225" v="793" actId="20577"/>
+        <pc:sldMkLst>
+          <pc:docMk/>
+          <pc:sldMk cId="3539071505" sldId="261"/>
+        </pc:sldMkLst>
+        <pc:spChg chg="add mod ord">
+          <ac:chgData name="Ben Jones (Ben Jones)" userId="e6e8a0f3-34fe-4d14-b7ab-3a9f1769fff2" providerId="ADAL" clId="{78C1D944-C5E2-4D33-BE3A-5C243E175D98}" dt="2025-06-10T10:36:06.225" v="793" actId="20577"/>
+          <ac:spMkLst>
+            <pc:docMk/>
+            <pc:sldMk cId="3539071505" sldId="261"/>
+            <ac:spMk id="5" creationId="{D486937B-AE08-CEA9-288B-A7E12B6EEC9E}"/>
+          </ac:spMkLst>
+        </pc:spChg>
+      </pc:sldChg>
+      <pc:sldChg chg="modSp add mod">
+        <pc:chgData name="Ben Jones (Ben Jones)" userId="e6e8a0f3-34fe-4d14-b7ab-3a9f1769fff2" providerId="ADAL" clId="{78C1D944-C5E2-4D33-BE3A-5C243E175D98}" dt="2025-06-10T10:32:56.914" v="738" actId="20577"/>
+        <pc:sldMkLst>
+          <pc:docMk/>
+          <pc:sldMk cId="3768076261" sldId="262"/>
+        </pc:sldMkLst>
+      </pc:sldChg>
+      <pc:sldChg chg="addSp delSp modSp new mod modClrScheme chgLayout">
+        <pc:chgData name="Ben Jones (Ben Jones)" userId="e6e8a0f3-34fe-4d14-b7ab-3a9f1769fff2" providerId="ADAL" clId="{78C1D944-C5E2-4D33-BE3A-5C243E175D98}" dt="2025-06-10T10:39:35.454" v="845" actId="20577"/>
+        <pc:sldMkLst>
+          <pc:docMk/>
+          <pc:sldMk cId="1175822862" sldId="263"/>
+        </pc:sldMkLst>
+        <pc:spChg chg="add mod ord">
+          <ac:chgData name="Ben Jones (Ben Jones)" userId="e6e8a0f3-34fe-4d14-b7ab-3a9f1769fff2" providerId="ADAL" clId="{78C1D944-C5E2-4D33-BE3A-5C243E175D98}" dt="2025-06-10T10:36:36.547" v="798" actId="20577"/>
+          <ac:spMkLst>
+            <pc:docMk/>
+            <pc:sldMk cId="1175822862" sldId="263"/>
+            <ac:spMk id="7" creationId="{56C6F239-F5E8-6417-880B-0B56CE59D207}"/>
+          </ac:spMkLst>
+        </pc:spChg>
+        <pc:spChg chg="add mod ord">
+          <ac:chgData name="Ben Jones (Ben Jones)" userId="e6e8a0f3-34fe-4d14-b7ab-3a9f1769fff2" providerId="ADAL" clId="{78C1D944-C5E2-4D33-BE3A-5C243E175D98}" dt="2025-06-10T10:39:35.454" v="845" actId="20577"/>
+          <ac:spMkLst>
+            <pc:docMk/>
+            <pc:sldMk cId="1175822862" sldId="263"/>
+            <ac:spMk id="8" creationId="{A8D1847C-4AD3-1D2C-43B8-828394D9FF0E}"/>
+          </ac:spMkLst>
+        </pc:spChg>
+      </pc:sldChg>
+      <pc:sldChg chg="addSp delSp modSp new mod modClrScheme chgLayout">
+        <pc:chgData name="Ben Jones (Ben Jones)" userId="e6e8a0f3-34fe-4d14-b7ab-3a9f1769fff2" providerId="ADAL" clId="{78C1D944-C5E2-4D33-BE3A-5C243E175D98}" dt="2025-06-10T10:39:40.222" v="850" actId="20577"/>
+        <pc:sldMkLst>
+          <pc:docMk/>
+          <pc:sldMk cId="549990195" sldId="264"/>
+        </pc:sldMkLst>
+        <pc:spChg chg="add mod ord">
+          <ac:chgData name="Ben Jones (Ben Jones)" userId="e6e8a0f3-34fe-4d14-b7ab-3a9f1769fff2" providerId="ADAL" clId="{78C1D944-C5E2-4D33-BE3A-5C243E175D98}" dt="2025-06-10T10:38:58.284" v="832" actId="700"/>
+          <ac:spMkLst>
+            <pc:docMk/>
+            <pc:sldMk cId="549990195" sldId="264"/>
+            <ac:spMk id="7" creationId="{A5E19FFB-3D8F-DB03-B38B-27FE43EC06C8}"/>
+          </ac:spMkLst>
+        </pc:spChg>
+        <pc:spChg chg="add mod ord">
+          <ac:chgData name="Ben Jones (Ben Jones)" userId="e6e8a0f3-34fe-4d14-b7ab-3a9f1769fff2" providerId="ADAL" clId="{78C1D944-C5E2-4D33-BE3A-5C243E175D98}" dt="2025-06-10T10:39:40.222" v="850" actId="20577"/>
+          <ac:spMkLst>
+            <pc:docMk/>
+            <pc:sldMk cId="549990195" sldId="264"/>
+            <ac:spMk id="10" creationId="{400FA594-97CE-8BD3-D0B0-58075BCDEA2F}"/>
+          </ac:spMkLst>
+        </pc:spChg>
+      </pc:sldChg>
+    </pc:docChg>
+  </pc:docChgLst>
+  <pc:docChgLst>
+    <pc:chgData name="Ben Jones (Ben Jones)" userId="e6e8a0f3-34fe-4d14-b7ab-3a9f1769fff2" providerId="ADAL" clId="{396263FC-BA5A-446B-8FBA-B9B8363490D3}"/>
+    <pc:docChg chg="custSel delSld modSld">
+      <pc:chgData name="Ben Jones (Ben Jones)" userId="e6e8a0f3-34fe-4d14-b7ab-3a9f1769fff2" providerId="ADAL" clId="{396263FC-BA5A-446B-8FBA-B9B8363490D3}" dt="2025-06-11T11:57:51.502" v="250" actId="2696"/>
+      <pc:docMkLst>
+        <pc:docMk/>
+      </pc:docMkLst>
+      <pc:sldChg chg="modSp mod">
+        <pc:chgData name="Ben Jones (Ben Jones)" userId="e6e8a0f3-34fe-4d14-b7ab-3a9f1769fff2" providerId="ADAL" clId="{396263FC-BA5A-446B-8FBA-B9B8363490D3}" dt="2025-06-10T12:06:33.659" v="0"/>
+        <pc:sldMkLst>
+          <pc:docMk/>
+          <pc:sldMk cId="3635014069" sldId="258"/>
+        </pc:sldMkLst>
+        <pc:spChg chg="mod">
+          <ac:chgData name="Ben Jones (Ben Jones)" userId="e6e8a0f3-34fe-4d14-b7ab-3a9f1769fff2" providerId="ADAL" clId="{396263FC-BA5A-446B-8FBA-B9B8363490D3}" dt="2025-06-10T12:06:33.659" v="0"/>
+          <ac:spMkLst>
+            <pc:docMk/>
+            <pc:sldMk cId="3635014069" sldId="258"/>
+            <ac:spMk id="6" creationId="{1E0B453A-CD21-CEA9-19F5-A9097CDD28B8}"/>
+          </ac:spMkLst>
+        </pc:spChg>
+      </pc:sldChg>
+      <pc:sldChg chg="addSp delSp modSp mod modClrScheme chgLayout">
+        <pc:chgData name="Ben Jones (Ben Jones)" userId="e6e8a0f3-34fe-4d14-b7ab-3a9f1769fff2" providerId="ADAL" clId="{396263FC-BA5A-446B-8FBA-B9B8363490D3}" dt="2025-06-10T12:12:02.762" v="19" actId="22"/>
+        <pc:sldMkLst>
+          <pc:docMk/>
+          <pc:sldMk cId="3539071505" sldId="261"/>
+        </pc:sldMkLst>
+        <pc:spChg chg="add mod ord">
+          <ac:chgData name="Ben Jones (Ben Jones)" userId="e6e8a0f3-34fe-4d14-b7ab-3a9f1769fff2" providerId="ADAL" clId="{396263FC-BA5A-446B-8FBA-B9B8363490D3}" dt="2025-06-10T12:11:52.516" v="17" actId="20577"/>
+          <ac:spMkLst>
+            <pc:docMk/>
+            <pc:sldMk cId="3539071505" sldId="261"/>
+            <ac:spMk id="3" creationId="{B00A36C3-101F-B0AB-F123-C6EFEF11ABE2}"/>
+          </ac:spMkLst>
+        </pc:spChg>
+        <pc:spChg chg="mod ord">
+          <ac:chgData name="Ben Jones (Ben Jones)" userId="e6e8a0f3-34fe-4d14-b7ab-3a9f1769fff2" providerId="ADAL" clId="{396263FC-BA5A-446B-8FBA-B9B8363490D3}" dt="2025-06-10T12:11:44.844" v="14" actId="700"/>
+          <ac:spMkLst>
+            <pc:docMk/>
+            <pc:sldMk cId="3539071505" sldId="261"/>
+            <ac:spMk id="5" creationId="{D486937B-AE08-CEA9-288B-A7E12B6EEC9E}"/>
+          </ac:spMkLst>
+        </pc:spChg>
+        <pc:picChg chg="add mod ord">
+          <ac:chgData name="Ben Jones (Ben Jones)" userId="e6e8a0f3-34fe-4d14-b7ab-3a9f1769fff2" providerId="ADAL" clId="{396263FC-BA5A-446B-8FBA-B9B8363490D3}" dt="2025-06-10T12:12:02.762" v="19" actId="22"/>
+          <ac:picMkLst>
+            <pc:docMk/>
+            <pc:sldMk cId="3539071505" sldId="261"/>
+            <ac:picMk id="8" creationId="{2EDE6368-5BA7-49E4-1EEC-877844497550}"/>
+          </ac:picMkLst>
+        </pc:picChg>
+      </pc:sldChg>
+      <pc:sldChg chg="modSp mod">
+        <pc:chgData name="Ben Jones (Ben Jones)" userId="e6e8a0f3-34fe-4d14-b7ab-3a9f1769fff2" providerId="ADAL" clId="{396263FC-BA5A-446B-8FBA-B9B8363490D3}" dt="2025-06-10T12:20:17.951" v="248" actId="27636"/>
+        <pc:sldMkLst>
+          <pc:docMk/>
+          <pc:sldMk cId="1175822862" sldId="263"/>
+        </pc:sldMkLst>
+        <pc:spChg chg="mod">
+          <ac:chgData name="Ben Jones (Ben Jones)" userId="e6e8a0f3-34fe-4d14-b7ab-3a9f1769fff2" providerId="ADAL" clId="{396263FC-BA5A-446B-8FBA-B9B8363490D3}" dt="2025-06-10T12:12:36.530" v="42" actId="20577"/>
+          <ac:spMkLst>
+            <pc:docMk/>
+            <pc:sldMk cId="1175822862" sldId="263"/>
+            <ac:spMk id="7" creationId="{56C6F239-F5E8-6417-880B-0B56CE59D207}"/>
+          </ac:spMkLst>
+        </pc:spChg>
+        <pc:spChg chg="mod">
+          <ac:chgData name="Ben Jones (Ben Jones)" userId="e6e8a0f3-34fe-4d14-b7ab-3a9f1769fff2" providerId="ADAL" clId="{396263FC-BA5A-446B-8FBA-B9B8363490D3}" dt="2025-06-10T12:20:17.951" v="248" actId="27636"/>
+          <ac:spMkLst>
+            <pc:docMk/>
+            <pc:sldMk cId="1175822862" sldId="263"/>
+            <ac:spMk id="8" creationId="{A8D1847C-4AD3-1D2C-43B8-828394D9FF0E}"/>
+          </ac:spMkLst>
+        </pc:spChg>
+      </pc:sldChg>
+      <pc:sldChg chg="modSp mod">
+        <pc:chgData name="Ben Jones (Ben Jones)" userId="e6e8a0f3-34fe-4d14-b7ab-3a9f1769fff2" providerId="ADAL" clId="{396263FC-BA5A-446B-8FBA-B9B8363490D3}" dt="2025-06-10T12:07:36.276" v="6" actId="113"/>
+        <pc:sldMkLst>
+          <pc:docMk/>
+          <pc:sldMk cId="2546578239" sldId="265"/>
+        </pc:sldMkLst>
+        <pc:spChg chg="mod">
+          <ac:chgData name="Ben Jones (Ben Jones)" userId="e6e8a0f3-34fe-4d14-b7ab-3a9f1769fff2" providerId="ADAL" clId="{396263FC-BA5A-446B-8FBA-B9B8363490D3}" dt="2025-06-10T12:06:40.781" v="1"/>
+          <ac:spMkLst>
+            <pc:docMk/>
+            <pc:sldMk cId="2546578239" sldId="265"/>
+            <ac:spMk id="2" creationId="{698432A2-2D2E-3F70-F830-5A67ED205318}"/>
+          </ac:spMkLst>
+        </pc:spChg>
+      </pc:sldChg>
+      <pc:sldChg chg="del">
+        <pc:chgData name="Ben Jones (Ben Jones)" userId="e6e8a0f3-34fe-4d14-b7ab-3a9f1769fff2" providerId="ADAL" clId="{396263FC-BA5A-446B-8FBA-B9B8363490D3}" dt="2025-06-11T11:57:51.502" v="250" actId="2696"/>
+        <pc:sldMkLst>
+          <pc:docMk/>
+          <pc:sldMk cId="2628338777" sldId="266"/>
+        </pc:sldMkLst>
+      </pc:sldChg>
+      <pc:sldChg chg="del">
+        <pc:chgData name="Ben Jones (Ben Jones)" userId="e6e8a0f3-34fe-4d14-b7ab-3a9f1769fff2" providerId="ADAL" clId="{396263FC-BA5A-446B-8FBA-B9B8363490D3}" dt="2025-06-10T12:20:37.321" v="249" actId="2696"/>
+        <pc:sldMkLst>
+          <pc:docMk/>
+          <pc:sldMk cId="525501252" sldId="267"/>
+        </pc:sldMkLst>
+      </pc:sldChg>
+    </pc:docChg>
+  </pc:docChgLst>
   <pc:docChgLst>
     <pc:chgData name="Ben Jones (Ben Jones)" userId="e6e8a0f3-34fe-4d14-b7ab-3a9f1769fff2" providerId="ADAL" clId="{2A4F3FF4-B48F-4BF2-8996-C16EAC4E46EE}"/>
     <pc:docChg chg="undo custSel addSld delSld modSld">
@@ -147,14 +702,6 @@
           <pc:docMk/>
           <pc:sldMk cId="4046351447" sldId="256"/>
         </pc:sldMkLst>
-        <pc:spChg chg="mod">
-          <ac:chgData name="Ben Jones (Ben Jones)" userId="e6e8a0f3-34fe-4d14-b7ab-3a9f1769fff2" providerId="ADAL" clId="{2A4F3FF4-B48F-4BF2-8996-C16EAC4E46EE}" dt="2025-06-10T10:43:28.350" v="1" actId="20577"/>
-          <ac:spMkLst>
-            <pc:docMk/>
-            <pc:sldMk cId="4046351447" sldId="256"/>
-            <ac:spMk id="3" creationId="{2007677D-E31B-D163-E787-0648982398C7}"/>
-          </ac:spMkLst>
-        </pc:spChg>
       </pc:sldChg>
       <pc:sldChg chg="modSp mod">
         <pc:chgData name="Ben Jones (Ben Jones)" userId="e6e8a0f3-34fe-4d14-b7ab-3a9f1769fff2" providerId="ADAL" clId="{2A4F3FF4-B48F-4BF2-8996-C16EAC4E46EE}" dt="2025-06-10T10:43:40.432" v="3" actId="20577"/>
@@ -214,38 +761,6 @@
             <ac:spMk id="5" creationId="{D486937B-AE08-CEA9-288B-A7E12B6EEC9E}"/>
           </ac:spMkLst>
         </pc:spChg>
-        <pc:spChg chg="del mod ord">
-          <ac:chgData name="Ben Jones (Ben Jones)" userId="e6e8a0f3-34fe-4d14-b7ab-3a9f1769fff2" providerId="ADAL" clId="{2A4F3FF4-B48F-4BF2-8996-C16EAC4E46EE}" dt="2025-06-10T10:45:29.037" v="31" actId="478"/>
-          <ac:spMkLst>
-            <pc:docMk/>
-            <pc:sldMk cId="3539071505" sldId="261"/>
-            <ac:spMk id="7" creationId="{EFEA9320-0444-71FB-F85F-FBA13C9156C9}"/>
-          </ac:spMkLst>
-        </pc:spChg>
-        <pc:spChg chg="mod ord">
-          <ac:chgData name="Ben Jones (Ben Jones)" userId="e6e8a0f3-34fe-4d14-b7ab-3a9f1769fff2" providerId="ADAL" clId="{2A4F3FF4-B48F-4BF2-8996-C16EAC4E46EE}" dt="2025-06-10T11:17:22.097" v="361" actId="20577"/>
-          <ac:spMkLst>
-            <pc:docMk/>
-            <pc:sldMk cId="3539071505" sldId="261"/>
-            <ac:spMk id="8" creationId="{359FE974-4D1E-3967-5B90-8562E74CE499}"/>
-          </ac:spMkLst>
-        </pc:spChg>
-        <pc:spChg chg="del mod ord">
-          <ac:chgData name="Ben Jones (Ben Jones)" userId="e6e8a0f3-34fe-4d14-b7ab-3a9f1769fff2" providerId="ADAL" clId="{2A4F3FF4-B48F-4BF2-8996-C16EAC4E46EE}" dt="2025-06-10T10:45:30.785" v="32" actId="478"/>
-          <ac:spMkLst>
-            <pc:docMk/>
-            <pc:sldMk cId="3539071505" sldId="261"/>
-            <ac:spMk id="9" creationId="{D6523559-2C61-8EBE-6F77-9D95DA6B8E76}"/>
-          </ac:spMkLst>
-        </pc:spChg>
-        <pc:spChg chg="del mod">
-          <ac:chgData name="Ben Jones (Ben Jones)" userId="e6e8a0f3-34fe-4d14-b7ab-3a9f1769fff2" providerId="ADAL" clId="{2A4F3FF4-B48F-4BF2-8996-C16EAC4E46EE}" dt="2025-06-10T10:45:25.763" v="29" actId="700"/>
-          <ac:spMkLst>
-            <pc:docMk/>
-            <pc:sldMk cId="3539071505" sldId="261"/>
-            <ac:spMk id="10" creationId="{84DCB01C-1983-9701-C36D-97E70AE72B48}"/>
-          </ac:spMkLst>
-        </pc:spChg>
       </pc:sldChg>
       <pc:sldChg chg="del">
         <pc:chgData name="Ben Jones (Ben Jones)" userId="e6e8a0f3-34fe-4d14-b7ab-3a9f1769fff2" providerId="ADAL" clId="{2A4F3FF4-B48F-4BF2-8996-C16EAC4E46EE}" dt="2025-06-10T10:44:13.831" v="6" actId="47"/>
@@ -298,38 +813,6 @@
             <ac:spMk id="2" creationId="{698432A2-2D2E-3F70-F830-5A67ED205318}"/>
           </ac:spMkLst>
         </pc:spChg>
-        <pc:spChg chg="del mod ord">
-          <ac:chgData name="Ben Jones (Ben Jones)" userId="e6e8a0f3-34fe-4d14-b7ab-3a9f1769fff2" providerId="ADAL" clId="{2A4F3FF4-B48F-4BF2-8996-C16EAC4E46EE}" dt="2025-06-10T11:11:28.733" v="37" actId="700"/>
-          <ac:spMkLst>
-            <pc:docMk/>
-            <pc:sldMk cId="2546578239" sldId="265"/>
-            <ac:spMk id="3" creationId="{9B60F964-28BA-D26A-38DB-B6D58D727FF9}"/>
-          </ac:spMkLst>
-        </pc:spChg>
-        <pc:spChg chg="add del mod ord">
-          <ac:chgData name="Ben Jones (Ben Jones)" userId="e6e8a0f3-34fe-4d14-b7ab-3a9f1769fff2" providerId="ADAL" clId="{2A4F3FF4-B48F-4BF2-8996-C16EAC4E46EE}" dt="2025-06-10T11:11:31.226" v="38" actId="22"/>
-          <ac:spMkLst>
-            <pc:docMk/>
-            <pc:sldMk cId="2546578239" sldId="265"/>
-            <ac:spMk id="4" creationId="{A899754A-4534-E79A-73FA-E04C4234E204}"/>
-          </ac:spMkLst>
-        </pc:spChg>
-        <pc:spChg chg="add mod ord">
-          <ac:chgData name="Ben Jones (Ben Jones)" userId="e6e8a0f3-34fe-4d14-b7ab-3a9f1769fff2" providerId="ADAL" clId="{2A4F3FF4-B48F-4BF2-8996-C16EAC4E46EE}" dt="2025-06-10T11:12:14.588" v="58" actId="113"/>
-          <ac:spMkLst>
-            <pc:docMk/>
-            <pc:sldMk cId="2546578239" sldId="265"/>
-            <ac:spMk id="5" creationId="{24677B90-A9AF-EC0B-A47C-BB671119F84D}"/>
-          </ac:spMkLst>
-        </pc:spChg>
-        <pc:picChg chg="add mod ord">
-          <ac:chgData name="Ben Jones (Ben Jones)" userId="e6e8a0f3-34fe-4d14-b7ab-3a9f1769fff2" providerId="ADAL" clId="{2A4F3FF4-B48F-4BF2-8996-C16EAC4E46EE}" dt="2025-06-10T11:11:37.996" v="40" actId="1076"/>
-          <ac:picMkLst>
-            <pc:docMk/>
-            <pc:sldMk cId="2546578239" sldId="265"/>
-            <ac:picMk id="7" creationId="{DA9346F2-BD5F-D909-036A-067426C4A237}"/>
-          </ac:picMkLst>
-        </pc:picChg>
       </pc:sldChg>
       <pc:sldChg chg="addSp delSp modSp new mod modClrScheme chgLayout">
         <pc:chgData name="Ben Jones (Ben Jones)" userId="e6e8a0f3-34fe-4d14-b7ab-3a9f1769fff2" providerId="ADAL" clId="{2A4F3FF4-B48F-4BF2-8996-C16EAC4E46EE}" dt="2025-06-10T11:14:57.891" v="96" actId="20577"/>
@@ -337,79 +820,137 @@
           <pc:docMk/>
           <pc:sldMk cId="2628338777" sldId="266"/>
         </pc:sldMkLst>
-        <pc:spChg chg="del mod ord">
-          <ac:chgData name="Ben Jones (Ben Jones)" userId="e6e8a0f3-34fe-4d14-b7ab-3a9f1769fff2" providerId="ADAL" clId="{2A4F3FF4-B48F-4BF2-8996-C16EAC4E46EE}" dt="2025-06-10T11:14:02.105" v="60" actId="700"/>
-          <ac:spMkLst>
-            <pc:docMk/>
-            <pc:sldMk cId="2628338777" sldId="266"/>
-            <ac:spMk id="2" creationId="{1CBD55B7-D0D6-FD4A-21EC-882E0FE8BF20}"/>
-          </ac:spMkLst>
-        </pc:spChg>
-        <pc:spChg chg="del mod ord">
-          <ac:chgData name="Ben Jones (Ben Jones)" userId="e6e8a0f3-34fe-4d14-b7ab-3a9f1769fff2" providerId="ADAL" clId="{2A4F3FF4-B48F-4BF2-8996-C16EAC4E46EE}" dt="2025-06-10T11:14:02.105" v="60" actId="700"/>
-          <ac:spMkLst>
-            <pc:docMk/>
-            <pc:sldMk cId="2628338777" sldId="266"/>
-            <ac:spMk id="3" creationId="{E0EF99E6-E35A-9306-6B59-A5517523FDCF}"/>
-          </ac:spMkLst>
-        </pc:spChg>
-        <pc:spChg chg="del">
-          <ac:chgData name="Ben Jones (Ben Jones)" userId="e6e8a0f3-34fe-4d14-b7ab-3a9f1769fff2" providerId="ADAL" clId="{2A4F3FF4-B48F-4BF2-8996-C16EAC4E46EE}" dt="2025-06-10T11:14:02.105" v="60" actId="700"/>
-          <ac:spMkLst>
-            <pc:docMk/>
-            <pc:sldMk cId="2628338777" sldId="266"/>
-            <ac:spMk id="4" creationId="{801A868C-7E78-3328-F82B-ED6E73D509D2}"/>
-          </ac:spMkLst>
-        </pc:spChg>
-        <pc:spChg chg="add mod ord">
-          <ac:chgData name="Ben Jones (Ben Jones)" userId="e6e8a0f3-34fe-4d14-b7ab-3a9f1769fff2" providerId="ADAL" clId="{2A4F3FF4-B48F-4BF2-8996-C16EAC4E46EE}" dt="2025-06-10T11:14:12.444" v="83" actId="20577"/>
-          <ac:spMkLst>
-            <pc:docMk/>
-            <pc:sldMk cId="2628338777" sldId="266"/>
-            <ac:spMk id="5" creationId="{96EBD5BC-A418-B3D5-F3BE-15BADC7685D9}"/>
-          </ac:spMkLst>
-        </pc:spChg>
-        <pc:spChg chg="add mod ord">
-          <ac:chgData name="Ben Jones (Ben Jones)" userId="e6e8a0f3-34fe-4d14-b7ab-3a9f1769fff2" providerId="ADAL" clId="{2A4F3FF4-B48F-4BF2-8996-C16EAC4E46EE}" dt="2025-06-10T11:14:57.891" v="96" actId="20577"/>
-          <ac:spMkLst>
-            <pc:docMk/>
-            <pc:sldMk cId="2628338777" sldId="266"/>
-            <ac:spMk id="6" creationId="{95A9DC49-463E-4EFF-BD3E-E4AEF9DAF757}"/>
-          </ac:spMkLst>
-        </pc:spChg>
       </pc:sldChg>
     </pc:docChg>
   </pc:docChgLst>
   <pc:docChgLst>
-    <pc:chgData name="Ben Jones (Ben Jones)" userId="e6e8a0f3-34fe-4d14-b7ab-3a9f1769fff2" providerId="ADAL" clId="{F14E1553-4719-4867-AD3F-20360ABEDCD1}"/>
-    <pc:docChg chg="undo custSel addSld delSld modSld sldOrd">
-      <pc:chgData name="Ben Jones (Ben Jones)" userId="e6e8a0f3-34fe-4d14-b7ab-3a9f1769fff2" providerId="ADAL" clId="{F14E1553-4719-4867-AD3F-20360ABEDCD1}" dt="2025-06-11T13:09:31.135" v="793" actId="27636"/>
+    <pc:chgData name="Ben Jones (Ben Jones)" userId="e6e8a0f3-34fe-4d14-b7ab-3a9f1769fff2" providerId="ADAL" clId="{B4CEFEB5-4DB9-43B9-801B-D2BCB53064BD}"/>
+    <pc:docChg chg="undo custSel addSld delSld modSld">
+      <pc:chgData name="Ben Jones (Ben Jones)" userId="e6e8a0f3-34fe-4d14-b7ab-3a9f1769fff2" providerId="ADAL" clId="{B4CEFEB5-4DB9-43B9-801B-D2BCB53064BD}" dt="2025-06-12T05:09:28.262" v="554" actId="2696"/>
+      <pc:docMkLst>
+        <pc:docMk/>
+      </pc:docMkLst>
+      <pc:sldChg chg="modNotesTx">
+        <pc:chgData name="Ben Jones (Ben Jones)" userId="e6e8a0f3-34fe-4d14-b7ab-3a9f1769fff2" providerId="ADAL" clId="{B4CEFEB5-4DB9-43B9-801B-D2BCB53064BD}" dt="2025-06-12T05:02:50.444" v="73" actId="20577"/>
+        <pc:sldMkLst>
+          <pc:docMk/>
+          <pc:sldMk cId="4046351447" sldId="256"/>
+        </pc:sldMkLst>
+      </pc:sldChg>
+      <pc:sldChg chg="modNotesTx">
+        <pc:chgData name="Ben Jones (Ben Jones)" userId="e6e8a0f3-34fe-4d14-b7ab-3a9f1769fff2" providerId="ADAL" clId="{B4CEFEB5-4DB9-43B9-801B-D2BCB53064BD}" dt="2025-06-12T05:05:46.164" v="425" actId="20577"/>
+        <pc:sldMkLst>
+          <pc:docMk/>
+          <pc:sldMk cId="137375155" sldId="257"/>
+        </pc:sldMkLst>
+      </pc:sldChg>
+      <pc:sldChg chg="modNotesTx">
+        <pc:chgData name="Ben Jones (Ben Jones)" userId="e6e8a0f3-34fe-4d14-b7ab-3a9f1769fff2" providerId="ADAL" clId="{B4CEFEB5-4DB9-43B9-801B-D2BCB53064BD}" dt="2025-06-12T05:06:38.665" v="521" actId="313"/>
+        <pc:sldMkLst>
+          <pc:docMk/>
+          <pc:sldMk cId="3635014069" sldId="258"/>
+        </pc:sldMkLst>
+      </pc:sldChg>
+      <pc:sldChg chg="addSp delSp modSp mod modClrScheme chgLayout">
+        <pc:chgData name="Ben Jones (Ben Jones)" userId="e6e8a0f3-34fe-4d14-b7ab-3a9f1769fff2" providerId="ADAL" clId="{B4CEFEB5-4DB9-43B9-801B-D2BCB53064BD}" dt="2025-06-12T05:09:22.103" v="553" actId="22"/>
+        <pc:sldMkLst>
+          <pc:docMk/>
+          <pc:sldMk cId="2546578239" sldId="265"/>
+        </pc:sldMkLst>
+        <pc:spChg chg="mod ord">
+          <ac:chgData name="Ben Jones (Ben Jones)" userId="e6e8a0f3-34fe-4d14-b7ab-3a9f1769fff2" providerId="ADAL" clId="{B4CEFEB5-4DB9-43B9-801B-D2BCB53064BD}" dt="2025-06-12T05:09:03.820" v="545" actId="700"/>
+          <ac:spMkLst>
+            <pc:docMk/>
+            <pc:sldMk cId="2546578239" sldId="265"/>
+            <ac:spMk id="2" creationId="{698432A2-2D2E-3F70-F830-5A67ED205318}"/>
+          </ac:spMkLst>
+        </pc:spChg>
+        <pc:spChg chg="add mod ord">
+          <ac:chgData name="Ben Jones (Ben Jones)" userId="e6e8a0f3-34fe-4d14-b7ab-3a9f1769fff2" providerId="ADAL" clId="{B4CEFEB5-4DB9-43B9-801B-D2BCB53064BD}" dt="2025-06-12T05:09:13.023" v="549"/>
+          <ac:spMkLst>
+            <pc:docMk/>
+            <pc:sldMk cId="2546578239" sldId="265"/>
+            <ac:spMk id="3" creationId="{AB928303-8290-6274-DE9A-9BDA67DA67B7}"/>
+          </ac:spMkLst>
+        </pc:spChg>
+        <pc:picChg chg="add mod ord">
+          <ac:chgData name="Ben Jones (Ben Jones)" userId="e6e8a0f3-34fe-4d14-b7ab-3a9f1769fff2" providerId="ADAL" clId="{B4CEFEB5-4DB9-43B9-801B-D2BCB53064BD}" dt="2025-06-12T05:09:22.103" v="553" actId="22"/>
+          <ac:picMkLst>
+            <pc:docMk/>
+            <pc:sldMk cId="2546578239" sldId="265"/>
+            <ac:picMk id="10" creationId="{CAC91E7E-55EB-B79D-220B-E82B5F1EC91C}"/>
+          </ac:picMkLst>
+        </pc:picChg>
+      </pc:sldChg>
+      <pc:sldChg chg="new del">
+        <pc:chgData name="Ben Jones (Ben Jones)" userId="e6e8a0f3-34fe-4d14-b7ab-3a9f1769fff2" providerId="ADAL" clId="{B4CEFEB5-4DB9-43B9-801B-D2BCB53064BD}" dt="2025-06-12T05:09:28.262" v="554" actId="2696"/>
+        <pc:sldMkLst>
+          <pc:docMk/>
+          <pc:sldMk cId="619939242" sldId="276"/>
+        </pc:sldMkLst>
+      </pc:sldChg>
+    </pc:docChg>
+  </pc:docChgLst>
+  <pc:docChgLst>
+    <pc:chgData name="Ben Jones (Ben Jones)" userId="e6e8a0f3-34fe-4d14-b7ab-3a9f1769fff2" providerId="ADAL" clId="{B204C6DB-D499-4973-8E04-3A79F73ABFFA}"/>
+    <pc:docChg chg="undo custSel addSld modSld">
+      <pc:chgData name="Ben Jones (Ben Jones)" userId="e6e8a0f3-34fe-4d14-b7ab-3a9f1769fff2" providerId="ADAL" clId="{B204C6DB-D499-4973-8E04-3A79F73ABFFA}" dt="2025-06-10T12:01:58.119" v="224" actId="113"/>
       <pc:docMkLst>
         <pc:docMk/>
       </pc:docMkLst>
       <pc:sldChg chg="modSp mod">
-        <pc:chgData name="Ben Jones (Ben Jones)" userId="e6e8a0f3-34fe-4d14-b7ab-3a9f1769fff2" providerId="ADAL" clId="{F14E1553-4719-4867-AD3F-20360ABEDCD1}" dt="2025-06-11T12:17:20.965" v="43" actId="20577"/>
+        <pc:chgData name="Ben Jones (Ben Jones)" userId="e6e8a0f3-34fe-4d14-b7ab-3a9f1769fff2" providerId="ADAL" clId="{B204C6DB-D499-4973-8E04-3A79F73ABFFA}" dt="2025-06-10T11:46:30.913" v="35" actId="20577"/>
+        <pc:sldMkLst>
+          <pc:docMk/>
+          <pc:sldMk cId="4046351447" sldId="256"/>
+        </pc:sldMkLst>
+      </pc:sldChg>
+      <pc:sldChg chg="modSp mod">
+        <pc:chgData name="Ben Jones (Ben Jones)" userId="e6e8a0f3-34fe-4d14-b7ab-3a9f1769fff2" providerId="ADAL" clId="{B204C6DB-D499-4973-8E04-3A79F73ABFFA}" dt="2025-06-10T11:41:20.629" v="10" actId="6549"/>
+        <pc:sldMkLst>
+          <pc:docMk/>
+          <pc:sldMk cId="3635014069" sldId="258"/>
+        </pc:sldMkLst>
+        <pc:spChg chg="mod">
+          <ac:chgData name="Ben Jones (Ben Jones)" userId="e6e8a0f3-34fe-4d14-b7ab-3a9f1769fff2" providerId="ADAL" clId="{B204C6DB-D499-4973-8E04-3A79F73ABFFA}" dt="2025-06-10T11:41:20.629" v="10" actId="6549"/>
+          <ac:spMkLst>
+            <pc:docMk/>
+            <pc:sldMk cId="3635014069" sldId="258"/>
+            <ac:spMk id="6" creationId="{1E0B453A-CD21-CEA9-19F5-A9097CDD28B8}"/>
+          </ac:spMkLst>
+        </pc:spChg>
+      </pc:sldChg>
+      <pc:sldChg chg="addSp delSp modSp mod chgLayout">
+        <pc:chgData name="Ben Jones (Ben Jones)" userId="e6e8a0f3-34fe-4d14-b7ab-3a9f1769fff2" providerId="ADAL" clId="{B204C6DB-D499-4973-8E04-3A79F73ABFFA}" dt="2025-06-10T11:51:43.168" v="159" actId="113"/>
         <pc:sldMkLst>
           <pc:docMk/>
           <pc:sldMk cId="3539071505" sldId="261"/>
         </pc:sldMkLst>
-        <pc:spChg chg="mod">
-          <ac:chgData name="Ben Jones (Ben Jones)" userId="e6e8a0f3-34fe-4d14-b7ab-3a9f1769fff2" providerId="ADAL" clId="{F14E1553-4719-4867-AD3F-20360ABEDCD1}" dt="2025-06-11T12:17:20.965" v="43" actId="20577"/>
+        <pc:spChg chg="mod ord">
+          <ac:chgData name="Ben Jones (Ben Jones)" userId="e6e8a0f3-34fe-4d14-b7ab-3a9f1769fff2" providerId="ADAL" clId="{B204C6DB-D499-4973-8E04-3A79F73ABFFA}" dt="2025-06-10T11:48:59.577" v="114" actId="700"/>
           <ac:spMkLst>
             <pc:docMk/>
             <pc:sldMk cId="3539071505" sldId="261"/>
-            <ac:spMk id="3" creationId="{B00A36C3-101F-B0AB-F123-C6EFEF11ABE2}"/>
+            <ac:spMk id="5" creationId="{D486937B-AE08-CEA9-288B-A7E12B6EEC9E}"/>
           </ac:spMkLst>
         </pc:spChg>
       </pc:sldChg>
       <pc:sldChg chg="modSp mod">
-        <pc:chgData name="Ben Jones (Ben Jones)" userId="e6e8a0f3-34fe-4d14-b7ab-3a9f1769fff2" providerId="ADAL" clId="{F14E1553-4719-4867-AD3F-20360ABEDCD1}" dt="2025-06-11T12:17:47.574" v="46" actId="20577"/>
+        <pc:chgData name="Ben Jones (Ben Jones)" userId="e6e8a0f3-34fe-4d14-b7ab-3a9f1769fff2" providerId="ADAL" clId="{B204C6DB-D499-4973-8E04-3A79F73ABFFA}" dt="2025-06-10T12:00:53.307" v="204" actId="20577"/>
         <pc:sldMkLst>
           <pc:docMk/>
           <pc:sldMk cId="1175822862" sldId="263"/>
         </pc:sldMkLst>
         <pc:spChg chg="mod">
-          <ac:chgData name="Ben Jones (Ben Jones)" userId="e6e8a0f3-34fe-4d14-b7ab-3a9f1769fff2" providerId="ADAL" clId="{F14E1553-4719-4867-AD3F-20360ABEDCD1}" dt="2025-06-11T12:17:47.574" v="46" actId="20577"/>
+          <ac:chgData name="Ben Jones (Ben Jones)" userId="e6e8a0f3-34fe-4d14-b7ab-3a9f1769fff2" providerId="ADAL" clId="{B204C6DB-D499-4973-8E04-3A79F73ABFFA}" dt="2025-06-10T11:52:09.481" v="188" actId="20577"/>
+          <ac:spMkLst>
+            <pc:docMk/>
+            <pc:sldMk cId="1175822862" sldId="263"/>
+            <ac:spMk id="7" creationId="{56C6F239-F5E8-6417-880B-0B56CE59D207}"/>
+          </ac:spMkLst>
+        </pc:spChg>
+        <pc:spChg chg="mod">
+          <ac:chgData name="Ben Jones (Ben Jones)" userId="e6e8a0f3-34fe-4d14-b7ab-3a9f1769fff2" providerId="ADAL" clId="{B204C6DB-D499-4973-8E04-3A79F73ABFFA}" dt="2025-06-10T12:00:53.307" v="204" actId="20577"/>
           <ac:spMkLst>
             <pc:docMk/>
             <pc:sldMk cId="1175822862" sldId="263"/>
@@ -417,831 +958,34 @@
           </ac:spMkLst>
         </pc:spChg>
       </pc:sldChg>
-      <pc:sldChg chg="modSp add mod">
-        <pc:chgData name="Ben Jones (Ben Jones)" userId="e6e8a0f3-34fe-4d14-b7ab-3a9f1769fff2" providerId="ADAL" clId="{F14E1553-4719-4867-AD3F-20360ABEDCD1}" dt="2025-06-11T12:16:40.094" v="13" actId="14826"/>
-        <pc:sldMkLst>
-          <pc:docMk/>
-          <pc:sldMk cId="549990195" sldId="264"/>
-        </pc:sldMkLst>
-        <pc:spChg chg="mod">
-          <ac:chgData name="Ben Jones (Ben Jones)" userId="e6e8a0f3-34fe-4d14-b7ab-3a9f1769fff2" providerId="ADAL" clId="{F14E1553-4719-4867-AD3F-20360ABEDCD1}" dt="2025-06-11T12:14:47.087" v="12" actId="20577"/>
-          <ac:spMkLst>
-            <pc:docMk/>
-            <pc:sldMk cId="549990195" sldId="264"/>
-            <ac:spMk id="10" creationId="{400FA594-97CE-8BD3-D0B0-58075BCDEA2F}"/>
-          </ac:spMkLst>
-        </pc:spChg>
-        <pc:picChg chg="mod">
-          <ac:chgData name="Ben Jones (Ben Jones)" userId="e6e8a0f3-34fe-4d14-b7ab-3a9f1769fff2" providerId="ADAL" clId="{F14E1553-4719-4867-AD3F-20360ABEDCD1}" dt="2025-06-11T12:16:40.094" v="13" actId="14826"/>
-          <ac:picMkLst>
-            <pc:docMk/>
-            <pc:sldMk cId="549990195" sldId="264"/>
-            <ac:picMk id="3" creationId="{0A4946D7-D489-5D8A-F199-89C94DED1838}"/>
-          </ac:picMkLst>
-        </pc:picChg>
-      </pc:sldChg>
-      <pc:sldChg chg="delSp add del setBg delDesignElem">
-        <pc:chgData name="Ben Jones (Ben Jones)" userId="e6e8a0f3-34fe-4d14-b7ab-3a9f1769fff2" providerId="ADAL" clId="{F14E1553-4719-4867-AD3F-20360ABEDCD1}" dt="2025-06-11T12:18:33.305" v="54" actId="47"/>
-        <pc:sldMkLst>
-          <pc:docMk/>
-          <pc:sldMk cId="3614926292" sldId="266"/>
-        </pc:sldMkLst>
-        <pc:spChg chg="del">
-          <ac:chgData name="Ben Jones (Ben Jones)" userId="e6e8a0f3-34fe-4d14-b7ab-3a9f1769fff2" providerId="ADAL" clId="{F14E1553-4719-4867-AD3F-20360ABEDCD1}" dt="2025-06-11T12:18:06.270" v="48"/>
-          <ac:spMkLst>
-            <pc:docMk/>
-            <pc:sldMk cId="3614926292" sldId="266"/>
-            <ac:spMk id="13" creationId="{1386D5CC-223C-D584-4239-0189FC7DC169}"/>
-          </ac:spMkLst>
-        </pc:spChg>
-        <pc:spChg chg="del">
-          <ac:chgData name="Ben Jones (Ben Jones)" userId="e6e8a0f3-34fe-4d14-b7ab-3a9f1769fff2" providerId="ADAL" clId="{F14E1553-4719-4867-AD3F-20360ABEDCD1}" dt="2025-06-11T12:18:06.270" v="48"/>
-          <ac:spMkLst>
-            <pc:docMk/>
-            <pc:sldMk cId="3614926292" sldId="266"/>
-            <ac:spMk id="15" creationId="{59A88DDD-9168-EC16-A536-51D3FB213B96}"/>
-          </ac:spMkLst>
-        </pc:spChg>
-      </pc:sldChg>
-      <pc:sldChg chg="delSp add del setBg delDesignElem">
-        <pc:chgData name="Ben Jones (Ben Jones)" userId="e6e8a0f3-34fe-4d14-b7ab-3a9f1769fff2" providerId="ADAL" clId="{F14E1553-4719-4867-AD3F-20360ABEDCD1}" dt="2025-06-11T12:18:33.305" v="54" actId="47"/>
-        <pc:sldMkLst>
-          <pc:docMk/>
-          <pc:sldMk cId="289399125" sldId="267"/>
-        </pc:sldMkLst>
-        <pc:spChg chg="del">
-          <ac:chgData name="Ben Jones (Ben Jones)" userId="e6e8a0f3-34fe-4d14-b7ab-3a9f1769fff2" providerId="ADAL" clId="{F14E1553-4719-4867-AD3F-20360ABEDCD1}" dt="2025-06-11T12:18:15.037" v="50"/>
-          <ac:spMkLst>
-            <pc:docMk/>
-            <pc:sldMk cId="289399125" sldId="267"/>
-            <ac:spMk id="13" creationId="{E941FA9C-8CA2-2A5C-29C0-676B9E1A018A}"/>
-          </ac:spMkLst>
-        </pc:spChg>
-        <pc:spChg chg="del">
-          <ac:chgData name="Ben Jones (Ben Jones)" userId="e6e8a0f3-34fe-4d14-b7ab-3a9f1769fff2" providerId="ADAL" clId="{F14E1553-4719-4867-AD3F-20360ABEDCD1}" dt="2025-06-11T12:18:15.037" v="50"/>
-          <ac:spMkLst>
-            <pc:docMk/>
-            <pc:sldMk cId="289399125" sldId="267"/>
-            <ac:spMk id="15" creationId="{F7F8EC40-D06E-9E95-129D-7D1A798B29EA}"/>
-          </ac:spMkLst>
-        </pc:spChg>
-      </pc:sldChg>
-      <pc:sldChg chg="modSp add mod ord">
-        <pc:chgData name="Ben Jones (Ben Jones)" userId="e6e8a0f3-34fe-4d14-b7ab-3a9f1769fff2" providerId="ADAL" clId="{F14E1553-4719-4867-AD3F-20360ABEDCD1}" dt="2025-06-11T12:19:19.819" v="182" actId="20577"/>
-        <pc:sldMkLst>
-          <pc:docMk/>
-          <pc:sldMk cId="1075762417" sldId="268"/>
-        </pc:sldMkLst>
-        <pc:spChg chg="mod">
-          <ac:chgData name="Ben Jones (Ben Jones)" userId="e6e8a0f3-34fe-4d14-b7ab-3a9f1769fff2" providerId="ADAL" clId="{F14E1553-4719-4867-AD3F-20360ABEDCD1}" dt="2025-06-11T12:18:48.001" v="78" actId="20577"/>
-          <ac:spMkLst>
-            <pc:docMk/>
-            <pc:sldMk cId="1075762417" sldId="268"/>
-            <ac:spMk id="4" creationId="{B4F03DDF-EE8A-5A48-C2BE-01484C430635}"/>
-          </ac:spMkLst>
-        </pc:spChg>
-        <pc:spChg chg="mod">
-          <ac:chgData name="Ben Jones (Ben Jones)" userId="e6e8a0f3-34fe-4d14-b7ab-3a9f1769fff2" providerId="ADAL" clId="{F14E1553-4719-4867-AD3F-20360ABEDCD1}" dt="2025-06-11T12:19:19.819" v="182" actId="20577"/>
-          <ac:spMkLst>
-            <pc:docMk/>
-            <pc:sldMk cId="1075762417" sldId="268"/>
-            <ac:spMk id="6" creationId="{B41CF516-A4D1-D613-1F4D-D8B13508C42D}"/>
-          </ac:spMkLst>
-        </pc:spChg>
-      </pc:sldChg>
-      <pc:sldChg chg="addSp delSp modSp new mod modClrScheme chgLayout">
-        <pc:chgData name="Ben Jones (Ben Jones)" userId="e6e8a0f3-34fe-4d14-b7ab-3a9f1769fff2" providerId="ADAL" clId="{F14E1553-4719-4867-AD3F-20360ABEDCD1}" dt="2025-06-11T12:23:04.096" v="464" actId="6549"/>
-        <pc:sldMkLst>
-          <pc:docMk/>
-          <pc:sldMk cId="608726658" sldId="269"/>
-        </pc:sldMkLst>
-        <pc:spChg chg="del mod ord">
-          <ac:chgData name="Ben Jones (Ben Jones)" userId="e6e8a0f3-34fe-4d14-b7ab-3a9f1769fff2" providerId="ADAL" clId="{F14E1553-4719-4867-AD3F-20360ABEDCD1}" dt="2025-06-11T12:19:31.084" v="184" actId="700"/>
-          <ac:spMkLst>
-            <pc:docMk/>
-            <pc:sldMk cId="608726658" sldId="269"/>
-            <ac:spMk id="2" creationId="{A5205B0F-3F8A-FB33-2CF8-E3B141543B9B}"/>
-          </ac:spMkLst>
-        </pc:spChg>
-        <pc:spChg chg="del mod ord">
-          <ac:chgData name="Ben Jones (Ben Jones)" userId="e6e8a0f3-34fe-4d14-b7ab-3a9f1769fff2" providerId="ADAL" clId="{F14E1553-4719-4867-AD3F-20360ABEDCD1}" dt="2025-06-11T12:19:31.084" v="184" actId="700"/>
-          <ac:spMkLst>
-            <pc:docMk/>
-            <pc:sldMk cId="608726658" sldId="269"/>
-            <ac:spMk id="3" creationId="{FBEBC97C-A5EF-DB0C-6287-FF0FC41A7DD8}"/>
-          </ac:spMkLst>
-        </pc:spChg>
-        <pc:spChg chg="del">
-          <ac:chgData name="Ben Jones (Ben Jones)" userId="e6e8a0f3-34fe-4d14-b7ab-3a9f1769fff2" providerId="ADAL" clId="{F14E1553-4719-4867-AD3F-20360ABEDCD1}" dt="2025-06-11T12:19:31.084" v="184" actId="700"/>
-          <ac:spMkLst>
-            <pc:docMk/>
-            <pc:sldMk cId="608726658" sldId="269"/>
-            <ac:spMk id="4" creationId="{BDBC90A1-F04E-DE48-0C32-5415FDC7E36A}"/>
-          </ac:spMkLst>
-        </pc:spChg>
-        <pc:spChg chg="add mod ord">
-          <ac:chgData name="Ben Jones (Ben Jones)" userId="e6e8a0f3-34fe-4d14-b7ab-3a9f1769fff2" providerId="ADAL" clId="{F14E1553-4719-4867-AD3F-20360ABEDCD1}" dt="2025-06-11T12:19:35.593" v="192" actId="20577"/>
-          <ac:spMkLst>
-            <pc:docMk/>
-            <pc:sldMk cId="608726658" sldId="269"/>
-            <ac:spMk id="5" creationId="{B154D516-A7B8-9725-7B02-36F1010DA5A4}"/>
-          </ac:spMkLst>
-        </pc:spChg>
-        <pc:spChg chg="add del mod ord">
-          <ac:chgData name="Ben Jones (Ben Jones)" userId="e6e8a0f3-34fe-4d14-b7ab-3a9f1769fff2" providerId="ADAL" clId="{F14E1553-4719-4867-AD3F-20360ABEDCD1}" dt="2025-06-11T12:19:49.333" v="193" actId="3680"/>
-          <ac:spMkLst>
-            <pc:docMk/>
-            <pc:sldMk cId="608726658" sldId="269"/>
-            <ac:spMk id="6" creationId="{E1955689-A406-8F9A-8B43-CE673F363343}"/>
-          </ac:spMkLst>
-        </pc:spChg>
-        <pc:graphicFrameChg chg="add mod ord modGraphic">
-          <ac:chgData name="Ben Jones (Ben Jones)" userId="e6e8a0f3-34fe-4d14-b7ab-3a9f1769fff2" providerId="ADAL" clId="{F14E1553-4719-4867-AD3F-20360ABEDCD1}" dt="2025-06-11T12:23:04.096" v="464" actId="6549"/>
-          <ac:graphicFrameMkLst>
-            <pc:docMk/>
-            <pc:sldMk cId="608726658" sldId="269"/>
-            <ac:graphicFrameMk id="7" creationId="{88CE69C3-4900-99C8-7F6B-AC75A34EFB3C}"/>
-          </ac:graphicFrameMkLst>
-        </pc:graphicFrameChg>
-      </pc:sldChg>
-      <pc:sldChg chg="modSp add mod">
-        <pc:chgData name="Ben Jones (Ben Jones)" userId="e6e8a0f3-34fe-4d14-b7ab-3a9f1769fff2" providerId="ADAL" clId="{F14E1553-4719-4867-AD3F-20360ABEDCD1}" dt="2025-06-11T12:26:22.737" v="609" actId="20577"/>
-        <pc:sldMkLst>
-          <pc:docMk/>
-          <pc:sldMk cId="703839872" sldId="270"/>
-        </pc:sldMkLst>
-        <pc:graphicFrameChg chg="mod modGraphic">
-          <ac:chgData name="Ben Jones (Ben Jones)" userId="e6e8a0f3-34fe-4d14-b7ab-3a9f1769fff2" providerId="ADAL" clId="{F14E1553-4719-4867-AD3F-20360ABEDCD1}" dt="2025-06-11T12:26:22.737" v="609" actId="20577"/>
-          <ac:graphicFrameMkLst>
-            <pc:docMk/>
-            <pc:sldMk cId="703839872" sldId="270"/>
-            <ac:graphicFrameMk id="7" creationId="{14049190-61A1-D38A-DF3C-6FB08CAC9AED}"/>
-          </ac:graphicFrameMkLst>
-        </pc:graphicFrameChg>
-      </pc:sldChg>
-      <pc:sldChg chg="modSp new del mod">
-        <pc:chgData name="Ben Jones (Ben Jones)" userId="e6e8a0f3-34fe-4d14-b7ab-3a9f1769fff2" providerId="ADAL" clId="{F14E1553-4719-4867-AD3F-20360ABEDCD1}" dt="2025-06-11T12:36:41.762" v="767" actId="2696"/>
-        <pc:sldMkLst>
-          <pc:docMk/>
-          <pc:sldMk cId="1558367712" sldId="271"/>
-        </pc:sldMkLst>
-        <pc:spChg chg="mod">
-          <ac:chgData name="Ben Jones (Ben Jones)" userId="e6e8a0f3-34fe-4d14-b7ab-3a9f1769fff2" providerId="ADAL" clId="{F14E1553-4719-4867-AD3F-20360ABEDCD1}" dt="2025-06-11T12:27:22.824" v="611"/>
-          <ac:spMkLst>
-            <pc:docMk/>
-            <pc:sldMk cId="1558367712" sldId="271"/>
-            <ac:spMk id="2" creationId="{777C0F3B-6562-ADE5-E1C7-0E0FFD83519D}"/>
-          </ac:spMkLst>
-        </pc:spChg>
-        <pc:spChg chg="mod">
-          <ac:chgData name="Ben Jones (Ben Jones)" userId="e6e8a0f3-34fe-4d14-b7ab-3a9f1769fff2" providerId="ADAL" clId="{F14E1553-4719-4867-AD3F-20360ABEDCD1}" dt="2025-06-11T12:27:34.952" v="649" actId="20577"/>
-          <ac:spMkLst>
-            <pc:docMk/>
-            <pc:sldMk cId="1558367712" sldId="271"/>
-            <ac:spMk id="3" creationId="{2CEF4221-C3B2-EEF5-9479-C5CAAFD6C67C}"/>
-          </ac:spMkLst>
-        </pc:spChg>
-      </pc:sldChg>
-      <pc:sldChg chg="new del">
-        <pc:chgData name="Ben Jones (Ben Jones)" userId="e6e8a0f3-34fe-4d14-b7ab-3a9f1769fff2" providerId="ADAL" clId="{F14E1553-4719-4867-AD3F-20360ABEDCD1}" dt="2025-06-11T12:37:14.410" v="789" actId="2696"/>
-        <pc:sldMkLst>
-          <pc:docMk/>
-          <pc:sldMk cId="4222379563" sldId="272"/>
-        </pc:sldMkLst>
-      </pc:sldChg>
-      <pc:sldChg chg="modSp add mod">
-        <pc:chgData name="Ben Jones (Ben Jones)" userId="e6e8a0f3-34fe-4d14-b7ab-3a9f1769fff2" providerId="ADAL" clId="{F14E1553-4719-4867-AD3F-20360ABEDCD1}" dt="2025-06-11T13:09:11.606" v="790" actId="948"/>
-        <pc:sldMkLst>
-          <pc:docMk/>
-          <pc:sldMk cId="4286823996" sldId="273"/>
-        </pc:sldMkLst>
-        <pc:spChg chg="mod">
-          <ac:chgData name="Ben Jones (Ben Jones)" userId="e6e8a0f3-34fe-4d14-b7ab-3a9f1769fff2" providerId="ADAL" clId="{F14E1553-4719-4867-AD3F-20360ABEDCD1}" dt="2025-06-11T13:09:11.606" v="790" actId="948"/>
-          <ac:spMkLst>
-            <pc:docMk/>
-            <pc:sldMk cId="4286823996" sldId="273"/>
-            <ac:spMk id="3" creationId="{10BF6715-B6F1-BE80-23EB-752BDCA181D5}"/>
-          </ac:spMkLst>
-        </pc:spChg>
-      </pc:sldChg>
-      <pc:sldChg chg="modSp new mod">
-        <pc:chgData name="Ben Jones (Ben Jones)" userId="e6e8a0f3-34fe-4d14-b7ab-3a9f1769fff2" providerId="ADAL" clId="{F14E1553-4719-4867-AD3F-20360ABEDCD1}" dt="2025-06-11T13:09:31.135" v="793" actId="27636"/>
-        <pc:sldMkLst>
-          <pc:docMk/>
-          <pc:sldMk cId="2493538128" sldId="274"/>
-        </pc:sldMkLst>
-        <pc:spChg chg="mod">
-          <ac:chgData name="Ben Jones (Ben Jones)" userId="e6e8a0f3-34fe-4d14-b7ab-3a9f1769fff2" providerId="ADAL" clId="{F14E1553-4719-4867-AD3F-20360ABEDCD1}" dt="2025-06-11T12:31:46.447" v="732" actId="20577"/>
-          <ac:spMkLst>
-            <pc:docMk/>
-            <pc:sldMk cId="2493538128" sldId="274"/>
-            <ac:spMk id="2" creationId="{CA2FB80A-4EE0-DBC7-D40A-40949C4EF7CE}"/>
-          </ac:spMkLst>
-        </pc:spChg>
-        <pc:spChg chg="mod">
-          <ac:chgData name="Ben Jones (Ben Jones)" userId="e6e8a0f3-34fe-4d14-b7ab-3a9f1769fff2" providerId="ADAL" clId="{F14E1553-4719-4867-AD3F-20360ABEDCD1}" dt="2025-06-11T13:09:31.135" v="793" actId="27636"/>
-          <ac:spMkLst>
-            <pc:docMk/>
-            <pc:sldMk cId="2493538128" sldId="274"/>
-            <ac:spMk id="3" creationId="{A14AA290-EFBC-2399-CBD2-0F445A3A75CB}"/>
-          </ac:spMkLst>
-        </pc:spChg>
-      </pc:sldChg>
-      <pc:sldChg chg="modSp add mod">
-        <pc:chgData name="Ben Jones (Ben Jones)" userId="e6e8a0f3-34fe-4d14-b7ab-3a9f1769fff2" providerId="ADAL" clId="{F14E1553-4719-4867-AD3F-20360ABEDCD1}" dt="2025-06-11T13:09:20.299" v="791" actId="948"/>
-        <pc:sldMkLst>
-          <pc:docMk/>
-          <pc:sldMk cId="1196129529" sldId="275"/>
-        </pc:sldMkLst>
-        <pc:spChg chg="mod">
-          <ac:chgData name="Ben Jones (Ben Jones)" userId="e6e8a0f3-34fe-4d14-b7ab-3a9f1769fff2" providerId="ADAL" clId="{F14E1553-4719-4867-AD3F-20360ABEDCD1}" dt="2025-06-11T13:09:20.299" v="791" actId="948"/>
-          <ac:spMkLst>
-            <pc:docMk/>
-            <pc:sldMk cId="1196129529" sldId="275"/>
-            <ac:spMk id="3" creationId="{F17B0C28-707C-22FC-8646-0D0488285642}"/>
-          </ac:spMkLst>
-        </pc:spChg>
-      </pc:sldChg>
-    </pc:docChg>
-  </pc:docChgLst>
-  <pc:docChgLst>
-    <pc:chgData name="Ben Jones (Ben Jones)" userId="e6e8a0f3-34fe-4d14-b7ab-3a9f1769fff2" providerId="ADAL" clId="{396263FC-BA5A-446B-8FBA-B9B8363490D3}"/>
-    <pc:docChg chg="custSel delSld modSld">
-      <pc:chgData name="Ben Jones (Ben Jones)" userId="e6e8a0f3-34fe-4d14-b7ab-3a9f1769fff2" providerId="ADAL" clId="{396263FC-BA5A-446B-8FBA-B9B8363490D3}" dt="2025-06-11T11:57:51.502" v="250" actId="2696"/>
-      <pc:docMkLst>
-        <pc:docMk/>
-      </pc:docMkLst>
-      <pc:sldChg chg="modSp mod">
-        <pc:chgData name="Ben Jones (Ben Jones)" userId="e6e8a0f3-34fe-4d14-b7ab-3a9f1769fff2" providerId="ADAL" clId="{396263FC-BA5A-446B-8FBA-B9B8363490D3}" dt="2025-06-10T12:06:33.659" v="0"/>
-        <pc:sldMkLst>
-          <pc:docMk/>
-          <pc:sldMk cId="3635014069" sldId="258"/>
-        </pc:sldMkLst>
-        <pc:spChg chg="mod">
-          <ac:chgData name="Ben Jones (Ben Jones)" userId="e6e8a0f3-34fe-4d14-b7ab-3a9f1769fff2" providerId="ADAL" clId="{396263FC-BA5A-446B-8FBA-B9B8363490D3}" dt="2025-06-10T12:06:33.659" v="0"/>
-          <ac:spMkLst>
-            <pc:docMk/>
-            <pc:sldMk cId="3635014069" sldId="258"/>
-            <ac:spMk id="6" creationId="{1E0B453A-CD21-CEA9-19F5-A9097CDD28B8}"/>
-          </ac:spMkLst>
-        </pc:spChg>
-      </pc:sldChg>
       <pc:sldChg chg="addSp delSp modSp mod modClrScheme chgLayout">
-        <pc:chgData name="Ben Jones (Ben Jones)" userId="e6e8a0f3-34fe-4d14-b7ab-3a9f1769fff2" providerId="ADAL" clId="{396263FC-BA5A-446B-8FBA-B9B8363490D3}" dt="2025-06-10T12:12:02.762" v="19" actId="22"/>
-        <pc:sldMkLst>
-          <pc:docMk/>
-          <pc:sldMk cId="3539071505" sldId="261"/>
-        </pc:sldMkLst>
-        <pc:spChg chg="del mod ord">
-          <ac:chgData name="Ben Jones (Ben Jones)" userId="e6e8a0f3-34fe-4d14-b7ab-3a9f1769fff2" providerId="ADAL" clId="{396263FC-BA5A-446B-8FBA-B9B8363490D3}" dt="2025-06-10T12:12:00.991" v="18" actId="478"/>
-          <ac:spMkLst>
-            <pc:docMk/>
-            <pc:sldMk cId="3539071505" sldId="261"/>
-            <ac:spMk id="2" creationId="{4481EFF5-5670-D5D5-E8BD-822601FCA247}"/>
-          </ac:spMkLst>
-        </pc:spChg>
-        <pc:spChg chg="add mod ord">
-          <ac:chgData name="Ben Jones (Ben Jones)" userId="e6e8a0f3-34fe-4d14-b7ab-3a9f1769fff2" providerId="ADAL" clId="{396263FC-BA5A-446B-8FBA-B9B8363490D3}" dt="2025-06-10T12:11:52.516" v="17" actId="20577"/>
-          <ac:spMkLst>
-            <pc:docMk/>
-            <pc:sldMk cId="3539071505" sldId="261"/>
-            <ac:spMk id="3" creationId="{B00A36C3-101F-B0AB-F123-C6EFEF11ABE2}"/>
-          </ac:spMkLst>
-        </pc:spChg>
-        <pc:spChg chg="mod ord">
-          <ac:chgData name="Ben Jones (Ben Jones)" userId="e6e8a0f3-34fe-4d14-b7ab-3a9f1769fff2" providerId="ADAL" clId="{396263FC-BA5A-446B-8FBA-B9B8363490D3}" dt="2025-06-10T12:11:44.844" v="14" actId="700"/>
-          <ac:spMkLst>
-            <pc:docMk/>
-            <pc:sldMk cId="3539071505" sldId="261"/>
-            <ac:spMk id="5" creationId="{D486937B-AE08-CEA9-288B-A7E12B6EEC9E}"/>
-          </ac:spMkLst>
-        </pc:spChg>
-        <pc:spChg chg="add del mod">
-          <ac:chgData name="Ben Jones (Ben Jones)" userId="e6e8a0f3-34fe-4d14-b7ab-3a9f1769fff2" providerId="ADAL" clId="{396263FC-BA5A-446B-8FBA-B9B8363490D3}" dt="2025-06-10T12:12:02.762" v="19" actId="22"/>
-          <ac:spMkLst>
-            <pc:docMk/>
-            <pc:sldMk cId="3539071505" sldId="261"/>
-            <ac:spMk id="6" creationId="{64C22B70-B1CA-5B5B-970C-6430F94C9AD5}"/>
-          </ac:spMkLst>
-        </pc:spChg>
-        <pc:picChg chg="add mod ord">
-          <ac:chgData name="Ben Jones (Ben Jones)" userId="e6e8a0f3-34fe-4d14-b7ab-3a9f1769fff2" providerId="ADAL" clId="{396263FC-BA5A-446B-8FBA-B9B8363490D3}" dt="2025-06-10T12:12:02.762" v="19" actId="22"/>
-          <ac:picMkLst>
-            <pc:docMk/>
-            <pc:sldMk cId="3539071505" sldId="261"/>
-            <ac:picMk id="8" creationId="{2EDE6368-5BA7-49E4-1EEC-877844497550}"/>
-          </ac:picMkLst>
-        </pc:picChg>
-      </pc:sldChg>
-      <pc:sldChg chg="modSp mod">
-        <pc:chgData name="Ben Jones (Ben Jones)" userId="e6e8a0f3-34fe-4d14-b7ab-3a9f1769fff2" providerId="ADAL" clId="{396263FC-BA5A-446B-8FBA-B9B8363490D3}" dt="2025-06-10T12:20:17.951" v="248" actId="27636"/>
-        <pc:sldMkLst>
-          <pc:docMk/>
-          <pc:sldMk cId="1175822862" sldId="263"/>
-        </pc:sldMkLst>
-        <pc:spChg chg="mod">
-          <ac:chgData name="Ben Jones (Ben Jones)" userId="e6e8a0f3-34fe-4d14-b7ab-3a9f1769fff2" providerId="ADAL" clId="{396263FC-BA5A-446B-8FBA-B9B8363490D3}" dt="2025-06-10T12:12:36.530" v="42" actId="20577"/>
-          <ac:spMkLst>
-            <pc:docMk/>
-            <pc:sldMk cId="1175822862" sldId="263"/>
-            <ac:spMk id="7" creationId="{56C6F239-F5E8-6417-880B-0B56CE59D207}"/>
-          </ac:spMkLst>
-        </pc:spChg>
-        <pc:spChg chg="mod">
-          <ac:chgData name="Ben Jones (Ben Jones)" userId="e6e8a0f3-34fe-4d14-b7ab-3a9f1769fff2" providerId="ADAL" clId="{396263FC-BA5A-446B-8FBA-B9B8363490D3}" dt="2025-06-10T12:20:17.951" v="248" actId="27636"/>
-          <ac:spMkLst>
-            <pc:docMk/>
-            <pc:sldMk cId="1175822862" sldId="263"/>
-            <ac:spMk id="8" creationId="{A8D1847C-4AD3-1D2C-43B8-828394D9FF0E}"/>
-          </ac:spMkLst>
-        </pc:spChg>
-      </pc:sldChg>
-      <pc:sldChg chg="modSp mod">
-        <pc:chgData name="Ben Jones (Ben Jones)" userId="e6e8a0f3-34fe-4d14-b7ab-3a9f1769fff2" providerId="ADAL" clId="{396263FC-BA5A-446B-8FBA-B9B8363490D3}" dt="2025-06-10T12:07:36.276" v="6" actId="113"/>
+        <pc:chgData name="Ben Jones (Ben Jones)" userId="e6e8a0f3-34fe-4d14-b7ab-3a9f1769fff2" providerId="ADAL" clId="{B204C6DB-D499-4973-8E04-3A79F73ABFFA}" dt="2025-06-10T11:46:13.333" v="34" actId="20577"/>
         <pc:sldMkLst>
           <pc:docMk/>
           <pc:sldMk cId="2546578239" sldId="265"/>
         </pc:sldMkLst>
-        <pc:spChg chg="mod">
-          <ac:chgData name="Ben Jones (Ben Jones)" userId="e6e8a0f3-34fe-4d14-b7ab-3a9f1769fff2" providerId="ADAL" clId="{396263FC-BA5A-446B-8FBA-B9B8363490D3}" dt="2025-06-10T12:06:40.781" v="1"/>
+        <pc:spChg chg="mod ord">
+          <ac:chgData name="Ben Jones (Ben Jones)" userId="e6e8a0f3-34fe-4d14-b7ab-3a9f1769fff2" providerId="ADAL" clId="{B204C6DB-D499-4973-8E04-3A79F73ABFFA}" dt="2025-06-10T11:42:31.386" v="18"/>
           <ac:spMkLst>
             <pc:docMk/>
             <pc:sldMk cId="2546578239" sldId="265"/>
             <ac:spMk id="2" creationId="{698432A2-2D2E-3F70-F830-5A67ED205318}"/>
           </ac:spMkLst>
         </pc:spChg>
-        <pc:spChg chg="mod">
-          <ac:chgData name="Ben Jones (Ben Jones)" userId="e6e8a0f3-34fe-4d14-b7ab-3a9f1769fff2" providerId="ADAL" clId="{396263FC-BA5A-446B-8FBA-B9B8363490D3}" dt="2025-06-10T12:07:36.276" v="6" actId="113"/>
-          <ac:spMkLst>
-            <pc:docMk/>
-            <pc:sldMk cId="2546578239" sldId="265"/>
-            <ac:spMk id="4" creationId="{E775B479-5750-95E9-CC66-C2F6F8180171}"/>
-          </ac:spMkLst>
-        </pc:spChg>
       </pc:sldChg>
-      <pc:sldChg chg="del">
-        <pc:chgData name="Ben Jones (Ben Jones)" userId="e6e8a0f3-34fe-4d14-b7ab-3a9f1769fff2" providerId="ADAL" clId="{396263FC-BA5A-446B-8FBA-B9B8363490D3}" dt="2025-06-11T11:57:51.502" v="250" actId="2696"/>
+      <pc:sldChg chg="addSp delSp modSp mod">
+        <pc:chgData name="Ben Jones (Ben Jones)" userId="e6e8a0f3-34fe-4d14-b7ab-3a9f1769fff2" providerId="ADAL" clId="{B204C6DB-D499-4973-8E04-3A79F73ABFFA}" dt="2025-06-10T11:47:58.532" v="89" actId="113"/>
         <pc:sldMkLst>
           <pc:docMk/>
           <pc:sldMk cId="2628338777" sldId="266"/>
         </pc:sldMkLst>
       </pc:sldChg>
-      <pc:sldChg chg="del">
-        <pc:chgData name="Ben Jones (Ben Jones)" userId="e6e8a0f3-34fe-4d14-b7ab-3a9f1769fff2" providerId="ADAL" clId="{396263FC-BA5A-446B-8FBA-B9B8363490D3}" dt="2025-06-10T12:20:37.321" v="249" actId="2696"/>
+      <pc:sldChg chg="modSp new mod">
+        <pc:chgData name="Ben Jones (Ben Jones)" userId="e6e8a0f3-34fe-4d14-b7ab-3a9f1769fff2" providerId="ADAL" clId="{B204C6DB-D499-4973-8E04-3A79F73ABFFA}" dt="2025-06-10T12:01:58.119" v="224" actId="113"/>
         <pc:sldMkLst>
           <pc:docMk/>
           <pc:sldMk cId="525501252" sldId="267"/>
         </pc:sldMkLst>
-      </pc:sldChg>
-    </pc:docChg>
-  </pc:docChgLst>
-  <pc:docChgLst>
-    <pc:chgData name="Ben Jones (Ben Jones)" userId="e6e8a0f3-34fe-4d14-b7ab-3a9f1769fff2" providerId="ADAL" clId="{78C1D944-C5E2-4D33-BE3A-5C243E175D98}"/>
-    <pc:docChg chg="undo custSel addSld modSld">
-      <pc:chgData name="Ben Jones (Ben Jones)" userId="e6e8a0f3-34fe-4d14-b7ab-3a9f1769fff2" providerId="ADAL" clId="{78C1D944-C5E2-4D33-BE3A-5C243E175D98}" dt="2025-06-10T10:39:40.222" v="850" actId="20577"/>
-      <pc:docMkLst>
-        <pc:docMk/>
-      </pc:docMkLst>
-      <pc:sldChg chg="addSp delSp modSp new mod modClrScheme chgLayout">
-        <pc:chgData name="Ben Jones (Ben Jones)" userId="e6e8a0f3-34fe-4d14-b7ab-3a9f1769fff2" providerId="ADAL" clId="{78C1D944-C5E2-4D33-BE3A-5C243E175D98}" dt="2025-06-10T10:18:29.456" v="9" actId="20577"/>
-        <pc:sldMkLst>
-          <pc:docMk/>
-          <pc:sldMk cId="3635014069" sldId="258"/>
-        </pc:sldMkLst>
-        <pc:spChg chg="del mod ord">
-          <ac:chgData name="Ben Jones (Ben Jones)" userId="e6e8a0f3-34fe-4d14-b7ab-3a9f1769fff2" providerId="ADAL" clId="{78C1D944-C5E2-4D33-BE3A-5C243E175D98}" dt="2025-06-10T10:18:22.469" v="1" actId="700"/>
-          <ac:spMkLst>
-            <pc:docMk/>
-            <pc:sldMk cId="3635014069" sldId="258"/>
-            <ac:spMk id="2" creationId="{433DCE4A-741B-0840-AB3D-6BCC0CF7A4DF}"/>
-          </ac:spMkLst>
-        </pc:spChg>
-        <pc:spChg chg="del mod ord">
-          <ac:chgData name="Ben Jones (Ben Jones)" userId="e6e8a0f3-34fe-4d14-b7ab-3a9f1769fff2" providerId="ADAL" clId="{78C1D944-C5E2-4D33-BE3A-5C243E175D98}" dt="2025-06-10T10:18:22.469" v="1" actId="700"/>
-          <ac:spMkLst>
-            <pc:docMk/>
-            <pc:sldMk cId="3635014069" sldId="258"/>
-            <ac:spMk id="3" creationId="{899E9525-4288-EB9D-AE0B-7E1D12803FCB}"/>
-          </ac:spMkLst>
-        </pc:spChg>
-        <pc:spChg chg="del">
-          <ac:chgData name="Ben Jones (Ben Jones)" userId="e6e8a0f3-34fe-4d14-b7ab-3a9f1769fff2" providerId="ADAL" clId="{78C1D944-C5E2-4D33-BE3A-5C243E175D98}" dt="2025-06-10T10:18:22.469" v="1" actId="700"/>
-          <ac:spMkLst>
-            <pc:docMk/>
-            <pc:sldMk cId="3635014069" sldId="258"/>
-            <ac:spMk id="4" creationId="{B4FF68E1-671A-D9B2-D9B2-431B35F8ED63}"/>
-          </ac:spMkLst>
-        </pc:spChg>
-        <pc:spChg chg="add mod ord">
-          <ac:chgData name="Ben Jones (Ben Jones)" userId="e6e8a0f3-34fe-4d14-b7ab-3a9f1769fff2" providerId="ADAL" clId="{78C1D944-C5E2-4D33-BE3A-5C243E175D98}" dt="2025-06-10T10:18:24.928" v="6" actId="20577"/>
-          <ac:spMkLst>
-            <pc:docMk/>
-            <pc:sldMk cId="3635014069" sldId="258"/>
-            <ac:spMk id="5" creationId="{3A179642-EA8A-3ADF-9E0E-56E7F6E9C340}"/>
-          </ac:spMkLst>
-        </pc:spChg>
-        <pc:spChg chg="add mod ord">
-          <ac:chgData name="Ben Jones (Ben Jones)" userId="e6e8a0f3-34fe-4d14-b7ab-3a9f1769fff2" providerId="ADAL" clId="{78C1D944-C5E2-4D33-BE3A-5C243E175D98}" dt="2025-06-10T10:18:29.456" v="9" actId="20577"/>
-          <ac:spMkLst>
-            <pc:docMk/>
-            <pc:sldMk cId="3635014069" sldId="258"/>
-            <ac:spMk id="6" creationId="{1E0B453A-CD21-CEA9-19F5-A9097CDD28B8}"/>
-          </ac:spMkLst>
-        </pc:spChg>
-      </pc:sldChg>
-      <pc:sldChg chg="addSp delSp modSp new mod modClrScheme chgLayout">
-        <pc:chgData name="Ben Jones (Ben Jones)" userId="e6e8a0f3-34fe-4d14-b7ab-3a9f1769fff2" providerId="ADAL" clId="{78C1D944-C5E2-4D33-BE3A-5C243E175D98}" dt="2025-06-10T10:26:42.249" v="156" actId="27636"/>
-        <pc:sldMkLst>
-          <pc:docMk/>
-          <pc:sldMk cId="3761732179" sldId="259"/>
-        </pc:sldMkLst>
-        <pc:spChg chg="del mod ord">
-          <ac:chgData name="Ben Jones (Ben Jones)" userId="e6e8a0f3-34fe-4d14-b7ab-3a9f1769fff2" providerId="ADAL" clId="{78C1D944-C5E2-4D33-BE3A-5C243E175D98}" dt="2025-06-10T10:20:37.666" v="11" actId="700"/>
-          <ac:spMkLst>
-            <pc:docMk/>
-            <pc:sldMk cId="3761732179" sldId="259"/>
-            <ac:spMk id="2" creationId="{6BC6F18A-50A0-5F01-FEAB-4F35D8C359A0}"/>
-          </ac:spMkLst>
-        </pc:spChg>
-        <pc:spChg chg="del mod ord">
-          <ac:chgData name="Ben Jones (Ben Jones)" userId="e6e8a0f3-34fe-4d14-b7ab-3a9f1769fff2" providerId="ADAL" clId="{78C1D944-C5E2-4D33-BE3A-5C243E175D98}" dt="2025-06-10T10:20:37.666" v="11" actId="700"/>
-          <ac:spMkLst>
-            <pc:docMk/>
-            <pc:sldMk cId="3761732179" sldId="259"/>
-            <ac:spMk id="3" creationId="{54CB68D8-3828-8D9F-5BA1-F26475E17F10}"/>
-          </ac:spMkLst>
-        </pc:spChg>
-        <pc:spChg chg="add mod ord">
-          <ac:chgData name="Ben Jones (Ben Jones)" userId="e6e8a0f3-34fe-4d14-b7ab-3a9f1769fff2" providerId="ADAL" clId="{78C1D944-C5E2-4D33-BE3A-5C243E175D98}" dt="2025-06-10T10:20:44.568" v="33" actId="20577"/>
-          <ac:spMkLst>
-            <pc:docMk/>
-            <pc:sldMk cId="3761732179" sldId="259"/>
-            <ac:spMk id="4" creationId="{34E858F3-6574-26AD-D895-9F4874EC3BF2}"/>
-          </ac:spMkLst>
-        </pc:spChg>
-        <pc:spChg chg="add del mod ord">
-          <ac:chgData name="Ben Jones (Ben Jones)" userId="e6e8a0f3-34fe-4d14-b7ab-3a9f1769fff2" providerId="ADAL" clId="{78C1D944-C5E2-4D33-BE3A-5C243E175D98}" dt="2025-06-10T10:22:49.706" v="130"/>
-          <ac:spMkLst>
-            <pc:docMk/>
-            <pc:sldMk cId="3761732179" sldId="259"/>
-            <ac:spMk id="5" creationId="{77DCFBFC-F0A8-F3A5-427B-4F924F194E43}"/>
-          </ac:spMkLst>
-        </pc:spChg>
-        <pc:spChg chg="add mod ord">
-          <ac:chgData name="Ben Jones (Ben Jones)" userId="e6e8a0f3-34fe-4d14-b7ab-3a9f1769fff2" providerId="ADAL" clId="{78C1D944-C5E2-4D33-BE3A-5C243E175D98}" dt="2025-06-10T10:26:42.249" v="156" actId="27636"/>
-          <ac:spMkLst>
-            <pc:docMk/>
-            <pc:sldMk cId="3761732179" sldId="259"/>
-            <ac:spMk id="6" creationId="{6922DC9A-D773-BD11-9F06-5446190100C7}"/>
-          </ac:spMkLst>
-        </pc:spChg>
-        <pc:picChg chg="add mod">
-          <ac:chgData name="Ben Jones (Ben Jones)" userId="e6e8a0f3-34fe-4d14-b7ab-3a9f1769fff2" providerId="ADAL" clId="{78C1D944-C5E2-4D33-BE3A-5C243E175D98}" dt="2025-06-10T10:22:53.604" v="131" actId="27614"/>
-          <ac:picMkLst>
-            <pc:docMk/>
-            <pc:sldMk cId="3761732179" sldId="259"/>
-            <ac:picMk id="8" creationId="{5026CB8D-2FD0-2434-C269-76F083701408}"/>
-          </ac:picMkLst>
-        </pc:picChg>
-      </pc:sldChg>
-      <pc:sldChg chg="addSp delSp modSp new mod modClrScheme chgLayout">
-        <pc:chgData name="Ben Jones (Ben Jones)" userId="e6e8a0f3-34fe-4d14-b7ab-3a9f1769fff2" providerId="ADAL" clId="{78C1D944-C5E2-4D33-BE3A-5C243E175D98}" dt="2025-06-10T10:27:03.572" v="160"/>
-        <pc:sldMkLst>
-          <pc:docMk/>
-          <pc:sldMk cId="119910343" sldId="260"/>
-        </pc:sldMkLst>
-        <pc:spChg chg="del mod ord">
-          <ac:chgData name="Ben Jones (Ben Jones)" userId="e6e8a0f3-34fe-4d14-b7ab-3a9f1769fff2" providerId="ADAL" clId="{78C1D944-C5E2-4D33-BE3A-5C243E175D98}" dt="2025-06-10T10:23:19.243" v="133" actId="700"/>
-          <ac:spMkLst>
-            <pc:docMk/>
-            <pc:sldMk cId="119910343" sldId="260"/>
-            <ac:spMk id="2" creationId="{7122FAA5-E19E-8A80-B4F2-16AE3A80892A}"/>
-          </ac:spMkLst>
-        </pc:spChg>
-        <pc:spChg chg="del mod ord">
-          <ac:chgData name="Ben Jones (Ben Jones)" userId="e6e8a0f3-34fe-4d14-b7ab-3a9f1769fff2" providerId="ADAL" clId="{78C1D944-C5E2-4D33-BE3A-5C243E175D98}" dt="2025-06-10T10:23:19.243" v="133" actId="700"/>
-          <ac:spMkLst>
-            <pc:docMk/>
-            <pc:sldMk cId="119910343" sldId="260"/>
-            <ac:spMk id="3" creationId="{576FB2C6-21C8-42FA-A68C-6805E5690CB3}"/>
-          </ac:spMkLst>
-        </pc:spChg>
-        <pc:spChg chg="del">
-          <ac:chgData name="Ben Jones (Ben Jones)" userId="e6e8a0f3-34fe-4d14-b7ab-3a9f1769fff2" providerId="ADAL" clId="{78C1D944-C5E2-4D33-BE3A-5C243E175D98}" dt="2025-06-10T10:23:19.243" v="133" actId="700"/>
-          <ac:spMkLst>
-            <pc:docMk/>
-            <pc:sldMk cId="119910343" sldId="260"/>
-            <ac:spMk id="4" creationId="{62C5E1C9-7BC1-3469-AFB1-1B216CBD00A6}"/>
-          </ac:spMkLst>
-        </pc:spChg>
-        <pc:spChg chg="add mod ord">
-          <ac:chgData name="Ben Jones (Ben Jones)" userId="e6e8a0f3-34fe-4d14-b7ab-3a9f1769fff2" providerId="ADAL" clId="{78C1D944-C5E2-4D33-BE3A-5C243E175D98}" dt="2025-06-10T10:26:03.616" v="152" actId="700"/>
-          <ac:spMkLst>
-            <pc:docMk/>
-            <pc:sldMk cId="119910343" sldId="260"/>
-            <ac:spMk id="5" creationId="{CAB6EDA1-5368-156C-E10E-309A274C4DC9}"/>
-          </ac:spMkLst>
-        </pc:spChg>
-        <pc:spChg chg="add del mod ord">
-          <ac:chgData name="Ben Jones (Ben Jones)" userId="e6e8a0f3-34fe-4d14-b7ab-3a9f1769fff2" providerId="ADAL" clId="{78C1D944-C5E2-4D33-BE3A-5C243E175D98}" dt="2025-06-10T10:26:03.616" v="152" actId="700"/>
-          <ac:spMkLst>
-            <pc:docMk/>
-            <pc:sldMk cId="119910343" sldId="260"/>
-            <ac:spMk id="6" creationId="{35749206-A58C-CBE0-6FC6-523123E0EF5C}"/>
-          </ac:spMkLst>
-        </pc:spChg>
-        <pc:spChg chg="add del mod ord">
-          <ac:chgData name="Ben Jones (Ben Jones)" userId="e6e8a0f3-34fe-4d14-b7ab-3a9f1769fff2" providerId="ADAL" clId="{78C1D944-C5E2-4D33-BE3A-5C243E175D98}" dt="2025-06-10T10:26:05.585" v="153" actId="22"/>
-          <ac:spMkLst>
-            <pc:docMk/>
-            <pc:sldMk cId="119910343" sldId="260"/>
-            <ac:spMk id="7" creationId="{E91E7BE5-7F9D-90B3-B90F-D80E25928A9A}"/>
-          </ac:spMkLst>
-        </pc:spChg>
-        <pc:spChg chg="add del mod ord">
-          <ac:chgData name="Ben Jones (Ben Jones)" userId="e6e8a0f3-34fe-4d14-b7ab-3a9f1769fff2" providerId="ADAL" clId="{78C1D944-C5E2-4D33-BE3A-5C243E175D98}" dt="2025-06-10T10:27:03.572" v="160"/>
-          <ac:spMkLst>
-            <pc:docMk/>
-            <pc:sldMk cId="119910343" sldId="260"/>
-            <ac:spMk id="8" creationId="{8B0B4C97-2535-9EAF-2C7C-8F0CAA91079E}"/>
-          </ac:spMkLst>
-        </pc:spChg>
-        <pc:spChg chg="add mod">
-          <ac:chgData name="Ben Jones (Ben Jones)" userId="e6e8a0f3-34fe-4d14-b7ab-3a9f1769fff2" providerId="ADAL" clId="{78C1D944-C5E2-4D33-BE3A-5C243E175D98}" dt="2025-06-10T10:27:01.151" v="158"/>
-          <ac:spMkLst>
-            <pc:docMk/>
-            <pc:sldMk cId="119910343" sldId="260"/>
-            <ac:spMk id="11" creationId="{6D037062-8BE8-F21E-33DA-F932ACA60810}"/>
-          </ac:spMkLst>
-        </pc:spChg>
-        <pc:picChg chg="add mod ord">
-          <ac:chgData name="Ben Jones (Ben Jones)" userId="e6e8a0f3-34fe-4d14-b7ab-3a9f1769fff2" providerId="ADAL" clId="{78C1D944-C5E2-4D33-BE3A-5C243E175D98}" dt="2025-06-10T10:26:05.585" v="153" actId="22"/>
-          <ac:picMkLst>
-            <pc:docMk/>
-            <pc:sldMk cId="119910343" sldId="260"/>
-            <ac:picMk id="10" creationId="{D2AF5855-D741-F058-7B7E-5BCEDAF86853}"/>
-          </ac:picMkLst>
-        </pc:picChg>
-      </pc:sldChg>
-      <pc:sldChg chg="addSp delSp modSp new mod modClrScheme chgLayout">
-        <pc:chgData name="Ben Jones (Ben Jones)" userId="e6e8a0f3-34fe-4d14-b7ab-3a9f1769fff2" providerId="ADAL" clId="{78C1D944-C5E2-4D33-BE3A-5C243E175D98}" dt="2025-06-10T10:36:06.225" v="793" actId="20577"/>
-        <pc:sldMkLst>
-          <pc:docMk/>
-          <pc:sldMk cId="3539071505" sldId="261"/>
-        </pc:sldMkLst>
-        <pc:spChg chg="del mod ord">
-          <ac:chgData name="Ben Jones (Ben Jones)" userId="e6e8a0f3-34fe-4d14-b7ab-3a9f1769fff2" providerId="ADAL" clId="{78C1D944-C5E2-4D33-BE3A-5C243E175D98}" dt="2025-06-10T10:33:39.344" v="739" actId="700"/>
-          <ac:spMkLst>
-            <pc:docMk/>
-            <pc:sldMk cId="3539071505" sldId="261"/>
-            <ac:spMk id="2" creationId="{552FCBC4-955F-8AE1-F8E4-1F21413CC949}"/>
-          </ac:spMkLst>
-        </pc:spChg>
-        <pc:spChg chg="del mod ord">
-          <ac:chgData name="Ben Jones (Ben Jones)" userId="e6e8a0f3-34fe-4d14-b7ab-3a9f1769fff2" providerId="ADAL" clId="{78C1D944-C5E2-4D33-BE3A-5C243E175D98}" dt="2025-06-10T10:33:39.344" v="739" actId="700"/>
-          <ac:spMkLst>
-            <pc:docMk/>
-            <pc:sldMk cId="3539071505" sldId="261"/>
-            <ac:spMk id="3" creationId="{7A0048FB-635A-D09C-3384-BF483F124939}"/>
-          </ac:spMkLst>
-        </pc:spChg>
-        <pc:spChg chg="del">
-          <ac:chgData name="Ben Jones (Ben Jones)" userId="e6e8a0f3-34fe-4d14-b7ab-3a9f1769fff2" providerId="ADAL" clId="{78C1D944-C5E2-4D33-BE3A-5C243E175D98}" dt="2025-06-10T10:33:39.344" v="739" actId="700"/>
-          <ac:spMkLst>
-            <pc:docMk/>
-            <pc:sldMk cId="3539071505" sldId="261"/>
-            <ac:spMk id="4" creationId="{1960A6A1-305E-85AC-9DCE-424B0FD3AD65}"/>
-          </ac:spMkLst>
-        </pc:spChg>
-        <pc:spChg chg="add mod ord">
-          <ac:chgData name="Ben Jones (Ben Jones)" userId="e6e8a0f3-34fe-4d14-b7ab-3a9f1769fff2" providerId="ADAL" clId="{78C1D944-C5E2-4D33-BE3A-5C243E175D98}" dt="2025-06-10T10:36:06.225" v="793" actId="20577"/>
-          <ac:spMkLst>
-            <pc:docMk/>
-            <pc:sldMk cId="3539071505" sldId="261"/>
-            <ac:spMk id="5" creationId="{D486937B-AE08-CEA9-288B-A7E12B6EEC9E}"/>
-          </ac:spMkLst>
-        </pc:spChg>
-        <pc:spChg chg="add del mod ord">
-          <ac:chgData name="Ben Jones (Ben Jones)" userId="e6e8a0f3-34fe-4d14-b7ab-3a9f1769fff2" providerId="ADAL" clId="{78C1D944-C5E2-4D33-BE3A-5C243E175D98}" dt="2025-06-10T10:34:10.174" v="769" actId="700"/>
-          <ac:spMkLst>
-            <pc:docMk/>
-            <pc:sldMk cId="3539071505" sldId="261"/>
-            <ac:spMk id="6" creationId="{51C6FAEF-D681-780C-98A5-7C89D373BDDF}"/>
-          </ac:spMkLst>
-        </pc:spChg>
-        <pc:spChg chg="add mod ord">
-          <ac:chgData name="Ben Jones (Ben Jones)" userId="e6e8a0f3-34fe-4d14-b7ab-3a9f1769fff2" providerId="ADAL" clId="{78C1D944-C5E2-4D33-BE3A-5C243E175D98}" dt="2025-06-10T10:35:42.310" v="780" actId="368"/>
-          <ac:spMkLst>
-            <pc:docMk/>
-            <pc:sldMk cId="3539071505" sldId="261"/>
-            <ac:spMk id="7" creationId="{EFEA9320-0444-71FB-F85F-FBA13C9156C9}"/>
-          </ac:spMkLst>
-        </pc:spChg>
-        <pc:spChg chg="add mod ord">
-          <ac:chgData name="Ben Jones (Ben Jones)" userId="e6e8a0f3-34fe-4d14-b7ab-3a9f1769fff2" providerId="ADAL" clId="{78C1D944-C5E2-4D33-BE3A-5C243E175D98}" dt="2025-06-10T10:34:19.461" v="774" actId="5793"/>
-          <ac:spMkLst>
-            <pc:docMk/>
-            <pc:sldMk cId="3539071505" sldId="261"/>
-            <ac:spMk id="8" creationId="{359FE974-4D1E-3967-5B90-8562E74CE499}"/>
-          </ac:spMkLst>
-        </pc:spChg>
-        <pc:spChg chg="add mod ord">
-          <ac:chgData name="Ben Jones (Ben Jones)" userId="e6e8a0f3-34fe-4d14-b7ab-3a9f1769fff2" providerId="ADAL" clId="{78C1D944-C5E2-4D33-BE3A-5C243E175D98}" dt="2025-06-10T10:34:35.839" v="777" actId="20577"/>
-          <ac:spMkLst>
-            <pc:docMk/>
-            <pc:sldMk cId="3539071505" sldId="261"/>
-            <ac:spMk id="9" creationId="{D6523559-2C61-8EBE-6F77-9D95DA6B8E76}"/>
-          </ac:spMkLst>
-        </pc:spChg>
-        <pc:spChg chg="add mod ord">
-          <ac:chgData name="Ben Jones (Ben Jones)" userId="e6e8a0f3-34fe-4d14-b7ab-3a9f1769fff2" providerId="ADAL" clId="{78C1D944-C5E2-4D33-BE3A-5C243E175D98}" dt="2025-06-10T10:34:38.996" v="779" actId="5793"/>
-          <ac:spMkLst>
-            <pc:docMk/>
-            <pc:sldMk cId="3539071505" sldId="261"/>
-            <ac:spMk id="10" creationId="{84DCB01C-1983-9701-C36D-97E70AE72B48}"/>
-          </ac:spMkLst>
-        </pc:spChg>
-      </pc:sldChg>
-      <pc:sldChg chg="modSp add mod">
-        <pc:chgData name="Ben Jones (Ben Jones)" userId="e6e8a0f3-34fe-4d14-b7ab-3a9f1769fff2" providerId="ADAL" clId="{78C1D944-C5E2-4D33-BE3A-5C243E175D98}" dt="2025-06-10T10:32:56.914" v="738" actId="20577"/>
-        <pc:sldMkLst>
-          <pc:docMk/>
-          <pc:sldMk cId="3768076261" sldId="262"/>
-        </pc:sldMkLst>
-        <pc:spChg chg="mod">
-          <ac:chgData name="Ben Jones (Ben Jones)" userId="e6e8a0f3-34fe-4d14-b7ab-3a9f1769fff2" providerId="ADAL" clId="{78C1D944-C5E2-4D33-BE3A-5C243E175D98}" dt="2025-06-10T10:27:55.180" v="180" actId="20577"/>
-          <ac:spMkLst>
-            <pc:docMk/>
-            <pc:sldMk cId="3768076261" sldId="262"/>
-            <ac:spMk id="5" creationId="{CB87B387-E9FE-C7F6-2747-83EEAC469951}"/>
-          </ac:spMkLst>
-        </pc:spChg>
-        <pc:spChg chg="mod">
-          <ac:chgData name="Ben Jones (Ben Jones)" userId="e6e8a0f3-34fe-4d14-b7ab-3a9f1769fff2" providerId="ADAL" clId="{78C1D944-C5E2-4D33-BE3A-5C243E175D98}" dt="2025-06-10T10:32:56.914" v="738" actId="20577"/>
-          <ac:spMkLst>
-            <pc:docMk/>
-            <pc:sldMk cId="3768076261" sldId="262"/>
-            <ac:spMk id="8" creationId="{7D7A5026-098C-E06D-AE74-C3BF1B1C95AA}"/>
-          </ac:spMkLst>
-        </pc:spChg>
-      </pc:sldChg>
-      <pc:sldChg chg="addSp delSp modSp new mod modClrScheme chgLayout">
-        <pc:chgData name="Ben Jones (Ben Jones)" userId="e6e8a0f3-34fe-4d14-b7ab-3a9f1769fff2" providerId="ADAL" clId="{78C1D944-C5E2-4D33-BE3A-5C243E175D98}" dt="2025-06-10T10:39:35.454" v="845" actId="20577"/>
-        <pc:sldMkLst>
-          <pc:docMk/>
-          <pc:sldMk cId="1175822862" sldId="263"/>
-        </pc:sldMkLst>
-        <pc:spChg chg="del mod ord">
-          <ac:chgData name="Ben Jones (Ben Jones)" userId="e6e8a0f3-34fe-4d14-b7ab-3a9f1769fff2" providerId="ADAL" clId="{78C1D944-C5E2-4D33-BE3A-5C243E175D98}" dt="2025-06-10T10:36:28.714" v="796" actId="700"/>
-          <ac:spMkLst>
-            <pc:docMk/>
-            <pc:sldMk cId="1175822862" sldId="263"/>
-            <ac:spMk id="2" creationId="{B36F7922-3FD2-5254-D6C9-A29D3EC83AA0}"/>
-          </ac:spMkLst>
-        </pc:spChg>
-        <pc:spChg chg="del">
-          <ac:chgData name="Ben Jones (Ben Jones)" userId="e6e8a0f3-34fe-4d14-b7ab-3a9f1769fff2" providerId="ADAL" clId="{78C1D944-C5E2-4D33-BE3A-5C243E175D98}" dt="2025-06-10T10:36:28.714" v="796" actId="700"/>
-          <ac:spMkLst>
-            <pc:docMk/>
-            <pc:sldMk cId="1175822862" sldId="263"/>
-            <ac:spMk id="3" creationId="{76FAADD7-01A6-BF9D-8973-7FC361281E9A}"/>
-          </ac:spMkLst>
-        </pc:spChg>
-        <pc:spChg chg="del mod ord">
-          <ac:chgData name="Ben Jones (Ben Jones)" userId="e6e8a0f3-34fe-4d14-b7ab-3a9f1769fff2" providerId="ADAL" clId="{78C1D944-C5E2-4D33-BE3A-5C243E175D98}" dt="2025-06-10T10:36:28.714" v="796" actId="700"/>
-          <ac:spMkLst>
-            <pc:docMk/>
-            <pc:sldMk cId="1175822862" sldId="263"/>
-            <ac:spMk id="4" creationId="{469B33A5-F61D-55B1-29EF-64A0B9EC6CEA}"/>
-          </ac:spMkLst>
-        </pc:spChg>
-        <pc:spChg chg="del">
-          <ac:chgData name="Ben Jones (Ben Jones)" userId="e6e8a0f3-34fe-4d14-b7ab-3a9f1769fff2" providerId="ADAL" clId="{78C1D944-C5E2-4D33-BE3A-5C243E175D98}" dt="2025-06-10T10:36:28.714" v="796" actId="700"/>
-          <ac:spMkLst>
-            <pc:docMk/>
-            <pc:sldMk cId="1175822862" sldId="263"/>
-            <ac:spMk id="5" creationId="{8E616ABA-FB50-2BEE-2BA7-350C3EEF918E}"/>
-          </ac:spMkLst>
-        </pc:spChg>
-        <pc:spChg chg="del">
-          <ac:chgData name="Ben Jones (Ben Jones)" userId="e6e8a0f3-34fe-4d14-b7ab-3a9f1769fff2" providerId="ADAL" clId="{78C1D944-C5E2-4D33-BE3A-5C243E175D98}" dt="2025-06-10T10:36:28.714" v="796" actId="700"/>
-          <ac:spMkLst>
-            <pc:docMk/>
-            <pc:sldMk cId="1175822862" sldId="263"/>
-            <ac:spMk id="6" creationId="{EE2C01EF-8D67-4170-14B9-59272CE770C8}"/>
-          </ac:spMkLst>
-        </pc:spChg>
-        <pc:spChg chg="add mod ord">
-          <ac:chgData name="Ben Jones (Ben Jones)" userId="e6e8a0f3-34fe-4d14-b7ab-3a9f1769fff2" providerId="ADAL" clId="{78C1D944-C5E2-4D33-BE3A-5C243E175D98}" dt="2025-06-10T10:36:36.547" v="798" actId="20577"/>
-          <ac:spMkLst>
-            <pc:docMk/>
-            <pc:sldMk cId="1175822862" sldId="263"/>
-            <ac:spMk id="7" creationId="{56C6F239-F5E8-6417-880B-0B56CE59D207}"/>
-          </ac:spMkLst>
-        </pc:spChg>
-        <pc:spChg chg="add mod ord">
-          <ac:chgData name="Ben Jones (Ben Jones)" userId="e6e8a0f3-34fe-4d14-b7ab-3a9f1769fff2" providerId="ADAL" clId="{78C1D944-C5E2-4D33-BE3A-5C243E175D98}" dt="2025-06-10T10:39:35.454" v="845" actId="20577"/>
-          <ac:spMkLst>
-            <pc:docMk/>
-            <pc:sldMk cId="1175822862" sldId="263"/>
-            <ac:spMk id="8" creationId="{A8D1847C-4AD3-1D2C-43B8-828394D9FF0E}"/>
-          </ac:spMkLst>
-        </pc:spChg>
-      </pc:sldChg>
-      <pc:sldChg chg="addSp delSp modSp new mod modClrScheme chgLayout">
-        <pc:chgData name="Ben Jones (Ben Jones)" userId="e6e8a0f3-34fe-4d14-b7ab-3a9f1769fff2" providerId="ADAL" clId="{78C1D944-C5E2-4D33-BE3A-5C243E175D98}" dt="2025-06-10T10:39:40.222" v="850" actId="20577"/>
-        <pc:sldMkLst>
-          <pc:docMk/>
-          <pc:sldMk cId="549990195" sldId="264"/>
-        </pc:sldMkLst>
-        <pc:spChg chg="del mod ord">
-          <ac:chgData name="Ben Jones (Ben Jones)" userId="e6e8a0f3-34fe-4d14-b7ab-3a9f1769fff2" providerId="ADAL" clId="{78C1D944-C5E2-4D33-BE3A-5C243E175D98}" dt="2025-06-10T10:37:18.750" v="805" actId="700"/>
-          <ac:spMkLst>
-            <pc:docMk/>
-            <pc:sldMk cId="549990195" sldId="264"/>
-            <ac:spMk id="2" creationId="{A57EB72A-FAC9-5FF8-E6A3-8E830C23359A}"/>
-          </ac:spMkLst>
-        </pc:spChg>
-        <pc:spChg chg="del">
-          <ac:chgData name="Ben Jones (Ben Jones)" userId="e6e8a0f3-34fe-4d14-b7ab-3a9f1769fff2" providerId="ADAL" clId="{78C1D944-C5E2-4D33-BE3A-5C243E175D98}" dt="2025-06-10T10:37:18.750" v="805" actId="700"/>
-          <ac:spMkLst>
-            <pc:docMk/>
-            <pc:sldMk cId="549990195" sldId="264"/>
-            <ac:spMk id="3" creationId="{4B459B9A-A121-9FB8-3533-C68A5F13F534}"/>
-          </ac:spMkLst>
-        </pc:spChg>
-        <pc:spChg chg="del mod ord">
-          <ac:chgData name="Ben Jones (Ben Jones)" userId="e6e8a0f3-34fe-4d14-b7ab-3a9f1769fff2" providerId="ADAL" clId="{78C1D944-C5E2-4D33-BE3A-5C243E175D98}" dt="2025-06-10T10:37:18.750" v="805" actId="700"/>
-          <ac:spMkLst>
-            <pc:docMk/>
-            <pc:sldMk cId="549990195" sldId="264"/>
-            <ac:spMk id="4" creationId="{A399DAE5-01B5-FB06-16F1-C5755F25B1DD}"/>
-          </ac:spMkLst>
-        </pc:spChg>
-        <pc:spChg chg="del">
-          <ac:chgData name="Ben Jones (Ben Jones)" userId="e6e8a0f3-34fe-4d14-b7ab-3a9f1769fff2" providerId="ADAL" clId="{78C1D944-C5E2-4D33-BE3A-5C243E175D98}" dt="2025-06-10T10:37:18.750" v="805" actId="700"/>
-          <ac:spMkLst>
-            <pc:docMk/>
-            <pc:sldMk cId="549990195" sldId="264"/>
-            <ac:spMk id="5" creationId="{8F0B9F06-AFBD-49F7-9BE1-7B56FE216A71}"/>
-          </ac:spMkLst>
-        </pc:spChg>
-        <pc:spChg chg="del">
-          <ac:chgData name="Ben Jones (Ben Jones)" userId="e6e8a0f3-34fe-4d14-b7ab-3a9f1769fff2" providerId="ADAL" clId="{78C1D944-C5E2-4D33-BE3A-5C243E175D98}" dt="2025-06-10T10:37:18.750" v="805" actId="700"/>
-          <ac:spMkLst>
-            <pc:docMk/>
-            <pc:sldMk cId="549990195" sldId="264"/>
-            <ac:spMk id="6" creationId="{4DEE1672-B77F-9592-4653-CB3C8E0634AB}"/>
-          </ac:spMkLst>
-        </pc:spChg>
-        <pc:spChg chg="add mod ord">
-          <ac:chgData name="Ben Jones (Ben Jones)" userId="e6e8a0f3-34fe-4d14-b7ab-3a9f1769fff2" providerId="ADAL" clId="{78C1D944-C5E2-4D33-BE3A-5C243E175D98}" dt="2025-06-10T10:38:58.284" v="832" actId="700"/>
-          <ac:spMkLst>
-            <pc:docMk/>
-            <pc:sldMk cId="549990195" sldId="264"/>
-            <ac:spMk id="7" creationId="{A5E19FFB-3D8F-DB03-B38B-27FE43EC06C8}"/>
-          </ac:spMkLst>
-        </pc:spChg>
-        <pc:spChg chg="add del mod ord">
-          <ac:chgData name="Ben Jones (Ben Jones)" userId="e6e8a0f3-34fe-4d14-b7ab-3a9f1769fff2" providerId="ADAL" clId="{78C1D944-C5E2-4D33-BE3A-5C243E175D98}" dt="2025-06-10T10:39:13.668" v="837" actId="478"/>
-          <ac:spMkLst>
-            <pc:docMk/>
-            <pc:sldMk cId="549990195" sldId="264"/>
-            <ac:spMk id="8" creationId="{52A00011-1D95-177D-779A-39FDCBB8629F}"/>
-          </ac:spMkLst>
-        </pc:spChg>
-        <pc:spChg chg="add mod">
-          <ac:chgData name="Ben Jones (Ben Jones)" userId="e6e8a0f3-34fe-4d14-b7ab-3a9f1769fff2" providerId="ADAL" clId="{78C1D944-C5E2-4D33-BE3A-5C243E175D98}" dt="2025-06-10T10:37:21.829" v="808"/>
-          <ac:spMkLst>
-            <pc:docMk/>
-            <pc:sldMk cId="549990195" sldId="264"/>
-            <ac:spMk id="9" creationId="{80F65A99-08C1-A978-A12B-8BB44A1B9690}"/>
-          </ac:spMkLst>
-        </pc:spChg>
-        <pc:spChg chg="add mod ord">
-          <ac:chgData name="Ben Jones (Ben Jones)" userId="e6e8a0f3-34fe-4d14-b7ab-3a9f1769fff2" providerId="ADAL" clId="{78C1D944-C5E2-4D33-BE3A-5C243E175D98}" dt="2025-06-10T10:39:40.222" v="850" actId="20577"/>
-          <ac:spMkLst>
-            <pc:docMk/>
-            <pc:sldMk cId="549990195" sldId="264"/>
-            <ac:spMk id="10" creationId="{400FA594-97CE-8BD3-D0B0-58075BCDEA2F}"/>
-          </ac:spMkLst>
-        </pc:spChg>
-        <pc:spChg chg="add del mod">
-          <ac:chgData name="Ben Jones (Ben Jones)" userId="e6e8a0f3-34fe-4d14-b7ab-3a9f1769fff2" providerId="ADAL" clId="{78C1D944-C5E2-4D33-BE3A-5C243E175D98}" dt="2025-06-10T10:39:16.928" v="838"/>
-          <ac:spMkLst>
-            <pc:docMk/>
-            <pc:sldMk cId="549990195" sldId="264"/>
-            <ac:spMk id="12" creationId="{03DC8AE5-72E6-4166-0772-D20D28E06A87}"/>
-          </ac:spMkLst>
-        </pc:spChg>
-        <pc:picChg chg="add mod">
-          <ac:chgData name="Ben Jones (Ben Jones)" userId="e6e8a0f3-34fe-4d14-b7ab-3a9f1769fff2" providerId="ADAL" clId="{78C1D944-C5E2-4D33-BE3A-5C243E175D98}" dt="2025-06-10T10:39:16.928" v="838"/>
-          <ac:picMkLst>
-            <pc:docMk/>
-            <pc:sldMk cId="549990195" sldId="264"/>
-            <ac:picMk id="13" creationId="{618E47E8-A163-12CC-AB54-95BF75450C40}"/>
-          </ac:picMkLst>
-        </pc:picChg>
       </pc:sldChg>
     </pc:docChg>
   </pc:docChgLst>
@@ -1258,14 +1002,6 @@
           <pc:docMk/>
           <pc:sldMk cId="4046351447" sldId="256"/>
         </pc:sldMkLst>
-        <pc:spChg chg="mod">
-          <ac:chgData name="Ben Jones (Ben Jones)" userId="e6e8a0f3-34fe-4d14-b7ab-3a9f1769fff2" providerId="ADAL" clId="{014A208C-71D7-40A5-9295-D811E515A970}" dt="2025-06-10T03:38:29.012" v="9" actId="20577"/>
-          <ac:spMkLst>
-            <pc:docMk/>
-            <pc:sldMk cId="4046351447" sldId="256"/>
-            <ac:spMk id="3" creationId="{2007677D-E31B-D163-E787-0648982398C7}"/>
-          </ac:spMkLst>
-        </pc:spChg>
       </pc:sldChg>
       <pc:sldChg chg="del">
         <pc:chgData name="Ben Jones (Ben Jones)" userId="e6e8a0f3-34fe-4d14-b7ab-3a9f1769fff2" providerId="ADAL" clId="{014A208C-71D7-40A5-9295-D811E515A970}" dt="2025-06-10T03:38:31.765" v="10" actId="47"/>
@@ -1311,193 +1047,675 @@
       </pc:sldChg>
     </pc:docChg>
   </pc:docChgLst>
-  <pc:docChgLst>
-    <pc:chgData name="Ben Jones (Ben Jones)" userId="e6e8a0f3-34fe-4d14-b7ab-3a9f1769fff2" providerId="ADAL" clId="{B204C6DB-D499-4973-8E04-3A79F73ABFFA}"/>
-    <pc:docChg chg="undo custSel addSld modSld">
-      <pc:chgData name="Ben Jones (Ben Jones)" userId="e6e8a0f3-34fe-4d14-b7ab-3a9f1769fff2" providerId="ADAL" clId="{B204C6DB-D499-4973-8E04-3A79F73ABFFA}" dt="2025-06-10T12:01:58.119" v="224" actId="113"/>
-      <pc:docMkLst>
-        <pc:docMk/>
-      </pc:docMkLst>
-      <pc:sldChg chg="modSp mod">
-        <pc:chgData name="Ben Jones (Ben Jones)" userId="e6e8a0f3-34fe-4d14-b7ab-3a9f1769fff2" providerId="ADAL" clId="{B204C6DB-D499-4973-8E04-3A79F73ABFFA}" dt="2025-06-10T11:46:30.913" v="35" actId="20577"/>
-        <pc:sldMkLst>
-          <pc:docMk/>
-          <pc:sldMk cId="4046351447" sldId="256"/>
-        </pc:sldMkLst>
-        <pc:spChg chg="mod">
-          <ac:chgData name="Ben Jones (Ben Jones)" userId="e6e8a0f3-34fe-4d14-b7ab-3a9f1769fff2" providerId="ADAL" clId="{B204C6DB-D499-4973-8E04-3A79F73ABFFA}" dt="2025-06-10T11:46:30.913" v="35" actId="20577"/>
-          <ac:spMkLst>
-            <pc:docMk/>
-            <pc:sldMk cId="4046351447" sldId="256"/>
-            <ac:spMk id="3" creationId="{2007677D-E31B-D163-E787-0648982398C7}"/>
-          </ac:spMkLst>
-        </pc:spChg>
-      </pc:sldChg>
-      <pc:sldChg chg="modSp mod">
-        <pc:chgData name="Ben Jones (Ben Jones)" userId="e6e8a0f3-34fe-4d14-b7ab-3a9f1769fff2" providerId="ADAL" clId="{B204C6DB-D499-4973-8E04-3A79F73ABFFA}" dt="2025-06-10T11:41:20.629" v="10" actId="6549"/>
-        <pc:sldMkLst>
-          <pc:docMk/>
-          <pc:sldMk cId="3635014069" sldId="258"/>
-        </pc:sldMkLst>
-        <pc:spChg chg="mod">
-          <ac:chgData name="Ben Jones (Ben Jones)" userId="e6e8a0f3-34fe-4d14-b7ab-3a9f1769fff2" providerId="ADAL" clId="{B204C6DB-D499-4973-8E04-3A79F73ABFFA}" dt="2025-06-10T11:41:20.629" v="10" actId="6549"/>
-          <ac:spMkLst>
-            <pc:docMk/>
-            <pc:sldMk cId="3635014069" sldId="258"/>
-            <ac:spMk id="6" creationId="{1E0B453A-CD21-CEA9-19F5-A9097CDD28B8}"/>
-          </ac:spMkLst>
-        </pc:spChg>
-      </pc:sldChg>
-      <pc:sldChg chg="addSp delSp modSp mod chgLayout">
-        <pc:chgData name="Ben Jones (Ben Jones)" userId="e6e8a0f3-34fe-4d14-b7ab-3a9f1769fff2" providerId="ADAL" clId="{B204C6DB-D499-4973-8E04-3A79F73ABFFA}" dt="2025-06-10T11:51:43.168" v="159" actId="113"/>
-        <pc:sldMkLst>
-          <pc:docMk/>
-          <pc:sldMk cId="3539071505" sldId="261"/>
-        </pc:sldMkLst>
-        <pc:spChg chg="add mod ord">
-          <ac:chgData name="Ben Jones (Ben Jones)" userId="e6e8a0f3-34fe-4d14-b7ab-3a9f1769fff2" providerId="ADAL" clId="{B204C6DB-D499-4973-8E04-3A79F73ABFFA}" dt="2025-06-10T11:51:43.168" v="159" actId="113"/>
-          <ac:spMkLst>
-            <pc:docMk/>
-            <pc:sldMk cId="3539071505" sldId="261"/>
-            <ac:spMk id="2" creationId="{4481EFF5-5670-D5D5-E8BD-822601FCA247}"/>
-          </ac:spMkLst>
-        </pc:spChg>
-        <pc:spChg chg="mod ord">
-          <ac:chgData name="Ben Jones (Ben Jones)" userId="e6e8a0f3-34fe-4d14-b7ab-3a9f1769fff2" providerId="ADAL" clId="{B204C6DB-D499-4973-8E04-3A79F73ABFFA}" dt="2025-06-10T11:48:59.577" v="114" actId="700"/>
-          <ac:spMkLst>
-            <pc:docMk/>
-            <pc:sldMk cId="3539071505" sldId="261"/>
-            <ac:spMk id="5" creationId="{D486937B-AE08-CEA9-288B-A7E12B6EEC9E}"/>
-          </ac:spMkLst>
-        </pc:spChg>
-        <pc:spChg chg="del mod">
-          <ac:chgData name="Ben Jones (Ben Jones)" userId="e6e8a0f3-34fe-4d14-b7ab-3a9f1769fff2" providerId="ADAL" clId="{B204C6DB-D499-4973-8E04-3A79F73ABFFA}" dt="2025-06-10T11:48:54.958" v="113" actId="478"/>
-          <ac:spMkLst>
-            <pc:docMk/>
-            <pc:sldMk cId="3539071505" sldId="261"/>
-            <ac:spMk id="8" creationId="{359FE974-4D1E-3967-5B90-8562E74CE499}"/>
-          </ac:spMkLst>
-        </pc:spChg>
-      </pc:sldChg>
-      <pc:sldChg chg="modSp mod">
-        <pc:chgData name="Ben Jones (Ben Jones)" userId="e6e8a0f3-34fe-4d14-b7ab-3a9f1769fff2" providerId="ADAL" clId="{B204C6DB-D499-4973-8E04-3A79F73ABFFA}" dt="2025-06-10T12:00:53.307" v="204" actId="20577"/>
-        <pc:sldMkLst>
-          <pc:docMk/>
-          <pc:sldMk cId="1175822862" sldId="263"/>
-        </pc:sldMkLst>
-        <pc:spChg chg="mod">
-          <ac:chgData name="Ben Jones (Ben Jones)" userId="e6e8a0f3-34fe-4d14-b7ab-3a9f1769fff2" providerId="ADAL" clId="{B204C6DB-D499-4973-8E04-3A79F73ABFFA}" dt="2025-06-10T11:52:09.481" v="188" actId="20577"/>
-          <ac:spMkLst>
-            <pc:docMk/>
-            <pc:sldMk cId="1175822862" sldId="263"/>
-            <ac:spMk id="7" creationId="{56C6F239-F5E8-6417-880B-0B56CE59D207}"/>
-          </ac:spMkLst>
-        </pc:spChg>
-        <pc:spChg chg="mod">
-          <ac:chgData name="Ben Jones (Ben Jones)" userId="e6e8a0f3-34fe-4d14-b7ab-3a9f1769fff2" providerId="ADAL" clId="{B204C6DB-D499-4973-8E04-3A79F73ABFFA}" dt="2025-06-10T12:00:53.307" v="204" actId="20577"/>
-          <ac:spMkLst>
-            <pc:docMk/>
-            <pc:sldMk cId="1175822862" sldId="263"/>
-            <ac:spMk id="8" creationId="{A8D1847C-4AD3-1D2C-43B8-828394D9FF0E}"/>
-          </ac:spMkLst>
-        </pc:spChg>
-      </pc:sldChg>
-      <pc:sldChg chg="addSp delSp modSp mod modClrScheme chgLayout">
-        <pc:chgData name="Ben Jones (Ben Jones)" userId="e6e8a0f3-34fe-4d14-b7ab-3a9f1769fff2" providerId="ADAL" clId="{B204C6DB-D499-4973-8E04-3A79F73ABFFA}" dt="2025-06-10T11:46:13.333" v="34" actId="20577"/>
-        <pc:sldMkLst>
-          <pc:docMk/>
-          <pc:sldMk cId="2546578239" sldId="265"/>
-        </pc:sldMkLst>
-        <pc:spChg chg="mod ord">
-          <ac:chgData name="Ben Jones (Ben Jones)" userId="e6e8a0f3-34fe-4d14-b7ab-3a9f1769fff2" providerId="ADAL" clId="{B204C6DB-D499-4973-8E04-3A79F73ABFFA}" dt="2025-06-10T11:42:31.386" v="18"/>
-          <ac:spMkLst>
-            <pc:docMk/>
-            <pc:sldMk cId="2546578239" sldId="265"/>
-            <ac:spMk id="2" creationId="{698432A2-2D2E-3F70-F830-5A67ED205318}"/>
-          </ac:spMkLst>
-        </pc:spChg>
-        <pc:spChg chg="add mod">
-          <ac:chgData name="Ben Jones (Ben Jones)" userId="e6e8a0f3-34fe-4d14-b7ab-3a9f1769fff2" providerId="ADAL" clId="{B204C6DB-D499-4973-8E04-3A79F73ABFFA}" dt="2025-06-10T11:46:13.333" v="34" actId="20577"/>
-          <ac:spMkLst>
-            <pc:docMk/>
-            <pc:sldMk cId="2546578239" sldId="265"/>
-            <ac:spMk id="4" creationId="{E775B479-5750-95E9-CC66-C2F6F8180171}"/>
-          </ac:spMkLst>
-        </pc:spChg>
-        <pc:spChg chg="del mod ord">
-          <ac:chgData name="Ben Jones (Ben Jones)" userId="e6e8a0f3-34fe-4d14-b7ab-3a9f1769fff2" providerId="ADAL" clId="{B204C6DB-D499-4973-8E04-3A79F73ABFFA}" dt="2025-06-10T11:42:20.976" v="14" actId="478"/>
-          <ac:spMkLst>
-            <pc:docMk/>
-            <pc:sldMk cId="2546578239" sldId="265"/>
-            <ac:spMk id="5" creationId="{24677B90-A9AF-EC0B-A47C-BB671119F84D}"/>
-          </ac:spMkLst>
-        </pc:spChg>
-        <pc:picChg chg="del mod ord">
-          <ac:chgData name="Ben Jones (Ben Jones)" userId="e6e8a0f3-34fe-4d14-b7ab-3a9f1769fff2" providerId="ADAL" clId="{B204C6DB-D499-4973-8E04-3A79F73ABFFA}" dt="2025-06-10T11:42:22.229" v="15" actId="478"/>
-          <ac:picMkLst>
-            <pc:docMk/>
-            <pc:sldMk cId="2546578239" sldId="265"/>
-            <ac:picMk id="7" creationId="{DA9346F2-BD5F-D909-036A-067426C4A237}"/>
-          </ac:picMkLst>
-        </pc:picChg>
-      </pc:sldChg>
-      <pc:sldChg chg="addSp delSp modSp mod">
-        <pc:chgData name="Ben Jones (Ben Jones)" userId="e6e8a0f3-34fe-4d14-b7ab-3a9f1769fff2" providerId="ADAL" clId="{B204C6DB-D499-4973-8E04-3A79F73ABFFA}" dt="2025-06-10T11:47:58.532" v="89" actId="113"/>
-        <pc:sldMkLst>
-          <pc:docMk/>
-          <pc:sldMk cId="2628338777" sldId="266"/>
-        </pc:sldMkLst>
-        <pc:spChg chg="add mod">
-          <ac:chgData name="Ben Jones (Ben Jones)" userId="e6e8a0f3-34fe-4d14-b7ab-3a9f1769fff2" providerId="ADAL" clId="{B204C6DB-D499-4973-8E04-3A79F73ABFFA}" dt="2025-06-10T11:47:58.532" v="89" actId="113"/>
-          <ac:spMkLst>
-            <pc:docMk/>
-            <pc:sldMk cId="2628338777" sldId="266"/>
-            <ac:spMk id="3" creationId="{D558FCB4-463D-4004-1C16-76D08CA2C42E}"/>
-          </ac:spMkLst>
-        </pc:spChg>
-        <pc:spChg chg="mod">
-          <ac:chgData name="Ben Jones (Ben Jones)" userId="e6e8a0f3-34fe-4d14-b7ab-3a9f1769fff2" providerId="ADAL" clId="{B204C6DB-D499-4973-8E04-3A79F73ABFFA}" dt="2025-06-10T11:46:41.021" v="51" actId="20577"/>
-          <ac:spMkLst>
-            <pc:docMk/>
-            <pc:sldMk cId="2628338777" sldId="266"/>
-            <ac:spMk id="5" creationId="{96EBD5BC-A418-B3D5-F3BE-15BADC7685D9}"/>
-          </ac:spMkLst>
-        </pc:spChg>
-        <pc:spChg chg="del mod">
-          <ac:chgData name="Ben Jones (Ben Jones)" userId="e6e8a0f3-34fe-4d14-b7ab-3a9f1769fff2" providerId="ADAL" clId="{B204C6DB-D499-4973-8E04-3A79F73ABFFA}" dt="2025-06-10T11:47:29.256" v="68" actId="478"/>
-          <ac:spMkLst>
-            <pc:docMk/>
-            <pc:sldMk cId="2628338777" sldId="266"/>
-            <ac:spMk id="6" creationId="{95A9DC49-463E-4EFF-BD3E-E4AEF9DAF757}"/>
-          </ac:spMkLst>
-        </pc:spChg>
-      </pc:sldChg>
-      <pc:sldChg chg="modSp new mod">
-        <pc:chgData name="Ben Jones (Ben Jones)" userId="e6e8a0f3-34fe-4d14-b7ab-3a9f1769fff2" providerId="ADAL" clId="{B204C6DB-D499-4973-8E04-3A79F73ABFFA}" dt="2025-06-10T12:01:58.119" v="224" actId="113"/>
-        <pc:sldMkLst>
-          <pc:docMk/>
-          <pc:sldMk cId="525501252" sldId="267"/>
-        </pc:sldMkLst>
-        <pc:spChg chg="mod">
-          <ac:chgData name="Ben Jones (Ben Jones)" userId="e6e8a0f3-34fe-4d14-b7ab-3a9f1769fff2" providerId="ADAL" clId="{B204C6DB-D499-4973-8E04-3A79F73ABFFA}" dt="2025-06-10T12:01:08.694" v="207" actId="20577"/>
-          <ac:spMkLst>
-            <pc:docMk/>
-            <pc:sldMk cId="525501252" sldId="267"/>
-            <ac:spMk id="2" creationId="{4E39B84F-40E2-A933-0A0B-26AE4074B21B}"/>
-          </ac:spMkLst>
-        </pc:spChg>
-        <pc:spChg chg="mod">
-          <ac:chgData name="Ben Jones (Ben Jones)" userId="e6e8a0f3-34fe-4d14-b7ab-3a9f1769fff2" providerId="ADAL" clId="{B204C6DB-D499-4973-8E04-3A79F73ABFFA}" dt="2025-06-10T12:01:58.119" v="224" actId="113"/>
-          <ac:spMkLst>
-            <pc:docMk/>
-            <pc:sldMk cId="525501252" sldId="267"/>
-            <ac:spMk id="3" creationId="{55D2AEAE-B87B-B831-1DC0-2D5719D54B21}"/>
-          </ac:spMkLst>
-        </pc:spChg>
-      </pc:sldChg>
-    </pc:docChg>
-  </pc:docChgLst>
 </pc:chgInfo>
+</file>
+
+<file path=ppt/notesMasters/notesMaster1.xml><?xml version="1.0" encoding="utf-8"?>
+<p:notesMaster xmlns:a="http://schemas.openxmlformats.org/drawingml/2006/main" xmlns:r="http://schemas.openxmlformats.org/officeDocument/2006/relationships" xmlns:p="http://schemas.openxmlformats.org/presentationml/2006/main">
+  <p:cSld>
+    <p:bg>
+      <p:bgRef idx="1001">
+        <a:schemeClr val="bg1"/>
+      </p:bgRef>
+    </p:bg>
+    <p:spTree>
+      <p:nvGrpSpPr>
+        <p:cNvPr id="1" name=""/>
+        <p:cNvGrpSpPr/>
+        <p:nvPr/>
+      </p:nvGrpSpPr>
+      <p:grpSpPr>
+        <a:xfrm>
+          <a:off x="0" y="0"/>
+          <a:ext cx="0" cy="0"/>
+          <a:chOff x="0" y="0"/>
+          <a:chExt cx="0" cy="0"/>
+        </a:xfrm>
+      </p:grpSpPr>
+      <p:sp>
+        <p:nvSpPr>
+          <p:cNvPr id="2" name="Header Placeholder 1"/>
+          <p:cNvSpPr>
+            <a:spLocks noGrp="1"/>
+          </p:cNvSpPr>
+          <p:nvPr>
+            <p:ph type="hdr" sz="quarter"/>
+          </p:nvPr>
+        </p:nvSpPr>
+        <p:spPr>
+          <a:xfrm>
+            <a:off x="0" y="0"/>
+            <a:ext cx="2971800" cy="458788"/>
+          </a:xfrm>
+          <a:prstGeom prst="rect">
+            <a:avLst/>
+          </a:prstGeom>
+        </p:spPr>
+        <p:txBody>
+          <a:bodyPr vert="horz" lIns="91440" tIns="45720" rIns="91440" bIns="45720" rtlCol="0"/>
+          <a:lstStyle>
+            <a:lvl1pPr algn="l">
+              <a:defRPr sz="1200"/>
+            </a:lvl1pPr>
+          </a:lstStyle>
+          <a:p>
+            <a:endParaRPr lang="en-AU"/>
+          </a:p>
+        </p:txBody>
+      </p:sp>
+      <p:sp>
+        <p:nvSpPr>
+          <p:cNvPr id="3" name="Date Placeholder 2"/>
+          <p:cNvSpPr>
+            <a:spLocks noGrp="1"/>
+          </p:cNvSpPr>
+          <p:nvPr>
+            <p:ph type="dt" idx="1"/>
+          </p:nvPr>
+        </p:nvSpPr>
+        <p:spPr>
+          <a:xfrm>
+            <a:off x="3884613" y="0"/>
+            <a:ext cx="2971800" cy="458788"/>
+          </a:xfrm>
+          <a:prstGeom prst="rect">
+            <a:avLst/>
+          </a:prstGeom>
+        </p:spPr>
+        <p:txBody>
+          <a:bodyPr vert="horz" lIns="91440" tIns="45720" rIns="91440" bIns="45720" rtlCol="0"/>
+          <a:lstStyle>
+            <a:lvl1pPr algn="r">
+              <a:defRPr sz="1200"/>
+            </a:lvl1pPr>
+          </a:lstStyle>
+          <a:p>
+            <a:fld id="{B22AC7C4-E2BE-4120-BE23-D7670B62991D}" type="datetimeFigureOut">
+              <a:rPr lang="en-AU" smtClean="0"/>
+              <a:t>14/06/2025</a:t>
+            </a:fld>
+            <a:endParaRPr lang="en-AU"/>
+          </a:p>
+        </p:txBody>
+      </p:sp>
+      <p:sp>
+        <p:nvSpPr>
+          <p:cNvPr id="4" name="Slide Image Placeholder 3"/>
+          <p:cNvSpPr>
+            <a:spLocks noGrp="1" noRot="1" noChangeAspect="1"/>
+          </p:cNvSpPr>
+          <p:nvPr>
+            <p:ph type="sldImg" idx="2"/>
+          </p:nvPr>
+        </p:nvSpPr>
+        <p:spPr>
+          <a:xfrm>
+            <a:off x="685800" y="1143000"/>
+            <a:ext cx="5486400" cy="3086100"/>
+          </a:xfrm>
+          <a:prstGeom prst="rect">
+            <a:avLst/>
+          </a:prstGeom>
+          <a:noFill/>
+          <a:ln w="12700">
+            <a:solidFill>
+              <a:prstClr val="black"/>
+            </a:solidFill>
+          </a:ln>
+        </p:spPr>
+        <p:txBody>
+          <a:bodyPr vert="horz" lIns="91440" tIns="45720" rIns="91440" bIns="45720" rtlCol="0" anchor="ctr"/>
+          <a:lstStyle/>
+          <a:p>
+            <a:endParaRPr lang="en-AU"/>
+          </a:p>
+        </p:txBody>
+      </p:sp>
+      <p:sp>
+        <p:nvSpPr>
+          <p:cNvPr id="5" name="Notes Placeholder 4"/>
+          <p:cNvSpPr>
+            <a:spLocks noGrp="1"/>
+          </p:cNvSpPr>
+          <p:nvPr>
+            <p:ph type="body" sz="quarter" idx="3"/>
+          </p:nvPr>
+        </p:nvSpPr>
+        <p:spPr>
+          <a:xfrm>
+            <a:off x="685800" y="4400550"/>
+            <a:ext cx="5486400" cy="3600450"/>
+          </a:xfrm>
+          <a:prstGeom prst="rect">
+            <a:avLst/>
+          </a:prstGeom>
+        </p:spPr>
+        <p:txBody>
+          <a:bodyPr vert="horz" lIns="91440" tIns="45720" rIns="91440" bIns="45720" rtlCol="0"/>
+          <a:lstStyle/>
+          <a:p>
+            <a:pPr lvl="0"/>
+            <a:r>
+              <a:rPr lang="en-US"/>
+              <a:t>Click to edit Master text styles</a:t>
+            </a:r>
+          </a:p>
+          <a:p>
+            <a:pPr lvl="1"/>
+            <a:r>
+              <a:rPr lang="en-US"/>
+              <a:t>Second level</a:t>
+            </a:r>
+          </a:p>
+          <a:p>
+            <a:pPr lvl="2"/>
+            <a:r>
+              <a:rPr lang="en-US"/>
+              <a:t>Third level</a:t>
+            </a:r>
+          </a:p>
+          <a:p>
+            <a:pPr lvl="3"/>
+            <a:r>
+              <a:rPr lang="en-US"/>
+              <a:t>Fourth level</a:t>
+            </a:r>
+          </a:p>
+          <a:p>
+            <a:pPr lvl="4"/>
+            <a:r>
+              <a:rPr lang="en-US"/>
+              <a:t>Fifth level</a:t>
+            </a:r>
+            <a:endParaRPr lang="en-AU"/>
+          </a:p>
+        </p:txBody>
+      </p:sp>
+      <p:sp>
+        <p:nvSpPr>
+          <p:cNvPr id="6" name="Footer Placeholder 5"/>
+          <p:cNvSpPr>
+            <a:spLocks noGrp="1"/>
+          </p:cNvSpPr>
+          <p:nvPr>
+            <p:ph type="ftr" sz="quarter" idx="4"/>
+          </p:nvPr>
+        </p:nvSpPr>
+        <p:spPr>
+          <a:xfrm>
+            <a:off x="0" y="8685213"/>
+            <a:ext cx="2971800" cy="458787"/>
+          </a:xfrm>
+          <a:prstGeom prst="rect">
+            <a:avLst/>
+          </a:prstGeom>
+        </p:spPr>
+        <p:txBody>
+          <a:bodyPr vert="horz" lIns="91440" tIns="45720" rIns="91440" bIns="45720" rtlCol="0" anchor="b"/>
+          <a:lstStyle>
+            <a:lvl1pPr algn="l">
+              <a:defRPr sz="1200"/>
+            </a:lvl1pPr>
+          </a:lstStyle>
+          <a:p>
+            <a:endParaRPr lang="en-AU"/>
+          </a:p>
+        </p:txBody>
+      </p:sp>
+      <p:sp>
+        <p:nvSpPr>
+          <p:cNvPr id="7" name="Slide Number Placeholder 6"/>
+          <p:cNvSpPr>
+            <a:spLocks noGrp="1"/>
+          </p:cNvSpPr>
+          <p:nvPr>
+            <p:ph type="sldNum" sz="quarter" idx="5"/>
+          </p:nvPr>
+        </p:nvSpPr>
+        <p:spPr>
+          <a:xfrm>
+            <a:off x="3884613" y="8685213"/>
+            <a:ext cx="2971800" cy="458787"/>
+          </a:xfrm>
+          <a:prstGeom prst="rect">
+            <a:avLst/>
+          </a:prstGeom>
+        </p:spPr>
+        <p:txBody>
+          <a:bodyPr vert="horz" lIns="91440" tIns="45720" rIns="91440" bIns="45720" rtlCol="0" anchor="b"/>
+          <a:lstStyle>
+            <a:lvl1pPr algn="r">
+              <a:defRPr sz="1200"/>
+            </a:lvl1pPr>
+          </a:lstStyle>
+          <a:p>
+            <a:fld id="{E70D7A32-AC7B-44DD-A89C-2FA555E939EA}" type="slidenum">
+              <a:rPr lang="en-AU" smtClean="0"/>
+              <a:t>‹#›</a:t>
+            </a:fld>
+            <a:endParaRPr lang="en-AU"/>
+          </a:p>
+        </p:txBody>
+      </p:sp>
+    </p:spTree>
+    <p:extLst>
+      <p:ext uri="{BB962C8B-B14F-4D97-AF65-F5344CB8AC3E}">
+        <p14:creationId xmlns:p14="http://schemas.microsoft.com/office/powerpoint/2010/main" val="3949665947"/>
+      </p:ext>
+    </p:extLst>
+  </p:cSld>
+  <p:clrMap bg1="lt1" tx1="dk1" bg2="lt2" tx2="dk2" accent1="accent1" accent2="accent2" accent3="accent3" accent4="accent4" accent5="accent5" accent6="accent6" hlink="hlink" folHlink="folHlink"/>
+  <p:notesStyle>
+    <a:lvl1pPr marL="0" algn="l" defTabSz="914400" rtl="0" eaLnBrk="1" latinLnBrk="0" hangingPunct="1">
+      <a:defRPr sz="1200" kern="1200">
+        <a:solidFill>
+          <a:schemeClr val="tx1"/>
+        </a:solidFill>
+        <a:latin typeface="+mn-lt"/>
+        <a:ea typeface="+mn-ea"/>
+        <a:cs typeface="+mn-cs"/>
+      </a:defRPr>
+    </a:lvl1pPr>
+    <a:lvl2pPr marL="457200" algn="l" defTabSz="914400" rtl="0" eaLnBrk="1" latinLnBrk="0" hangingPunct="1">
+      <a:defRPr sz="1200" kern="1200">
+        <a:solidFill>
+          <a:schemeClr val="tx1"/>
+        </a:solidFill>
+        <a:latin typeface="+mn-lt"/>
+        <a:ea typeface="+mn-ea"/>
+        <a:cs typeface="+mn-cs"/>
+      </a:defRPr>
+    </a:lvl2pPr>
+    <a:lvl3pPr marL="914400" algn="l" defTabSz="914400" rtl="0" eaLnBrk="1" latinLnBrk="0" hangingPunct="1">
+      <a:defRPr sz="1200" kern="1200">
+        <a:solidFill>
+          <a:schemeClr val="tx1"/>
+        </a:solidFill>
+        <a:latin typeface="+mn-lt"/>
+        <a:ea typeface="+mn-ea"/>
+        <a:cs typeface="+mn-cs"/>
+      </a:defRPr>
+    </a:lvl3pPr>
+    <a:lvl4pPr marL="1371600" algn="l" defTabSz="914400" rtl="0" eaLnBrk="1" latinLnBrk="0" hangingPunct="1">
+      <a:defRPr sz="1200" kern="1200">
+        <a:solidFill>
+          <a:schemeClr val="tx1"/>
+        </a:solidFill>
+        <a:latin typeface="+mn-lt"/>
+        <a:ea typeface="+mn-ea"/>
+        <a:cs typeface="+mn-cs"/>
+      </a:defRPr>
+    </a:lvl4pPr>
+    <a:lvl5pPr marL="1828800" algn="l" defTabSz="914400" rtl="0" eaLnBrk="1" latinLnBrk="0" hangingPunct="1">
+      <a:defRPr sz="1200" kern="1200">
+        <a:solidFill>
+          <a:schemeClr val="tx1"/>
+        </a:solidFill>
+        <a:latin typeface="+mn-lt"/>
+        <a:ea typeface="+mn-ea"/>
+        <a:cs typeface="+mn-cs"/>
+      </a:defRPr>
+    </a:lvl5pPr>
+    <a:lvl6pPr marL="2286000" algn="l" defTabSz="914400" rtl="0" eaLnBrk="1" latinLnBrk="0" hangingPunct="1">
+      <a:defRPr sz="1200" kern="1200">
+        <a:solidFill>
+          <a:schemeClr val="tx1"/>
+        </a:solidFill>
+        <a:latin typeface="+mn-lt"/>
+        <a:ea typeface="+mn-ea"/>
+        <a:cs typeface="+mn-cs"/>
+      </a:defRPr>
+    </a:lvl6pPr>
+    <a:lvl7pPr marL="2743200" algn="l" defTabSz="914400" rtl="0" eaLnBrk="1" latinLnBrk="0" hangingPunct="1">
+      <a:defRPr sz="1200" kern="1200">
+        <a:solidFill>
+          <a:schemeClr val="tx1"/>
+        </a:solidFill>
+        <a:latin typeface="+mn-lt"/>
+        <a:ea typeface="+mn-ea"/>
+        <a:cs typeface="+mn-cs"/>
+      </a:defRPr>
+    </a:lvl7pPr>
+    <a:lvl8pPr marL="3200400" algn="l" defTabSz="914400" rtl="0" eaLnBrk="1" latinLnBrk="0" hangingPunct="1">
+      <a:defRPr sz="1200" kern="1200">
+        <a:solidFill>
+          <a:schemeClr val="tx1"/>
+        </a:solidFill>
+        <a:latin typeface="+mn-lt"/>
+        <a:ea typeface="+mn-ea"/>
+        <a:cs typeface="+mn-cs"/>
+      </a:defRPr>
+    </a:lvl8pPr>
+    <a:lvl9pPr marL="3657600" algn="l" defTabSz="914400" rtl="0" eaLnBrk="1" latinLnBrk="0" hangingPunct="1">
+      <a:defRPr sz="1200" kern="1200">
+        <a:solidFill>
+          <a:schemeClr val="tx1"/>
+        </a:solidFill>
+        <a:latin typeface="+mn-lt"/>
+        <a:ea typeface="+mn-ea"/>
+        <a:cs typeface="+mn-cs"/>
+      </a:defRPr>
+    </a:lvl9pPr>
+  </p:notesStyle>
+</p:notesMaster>
+</file>
+
+<file path=ppt/notesSlides/notesSlide1.xml><?xml version="1.0" encoding="utf-8"?>
+<p:notes xmlns:a="http://schemas.openxmlformats.org/drawingml/2006/main" xmlns:r="http://schemas.openxmlformats.org/officeDocument/2006/relationships" xmlns:p="http://schemas.openxmlformats.org/presentationml/2006/main">
+  <p:cSld>
+    <p:spTree>
+      <p:nvGrpSpPr>
+        <p:cNvPr id="1" name=""/>
+        <p:cNvGrpSpPr/>
+        <p:nvPr/>
+      </p:nvGrpSpPr>
+      <p:grpSpPr>
+        <a:xfrm>
+          <a:off x="0" y="0"/>
+          <a:ext cx="0" cy="0"/>
+          <a:chOff x="0" y="0"/>
+          <a:chExt cx="0" cy="0"/>
+        </a:xfrm>
+      </p:grpSpPr>
+      <p:sp>
+        <p:nvSpPr>
+          <p:cNvPr id="2" name="Slide Image Placeholder 1"/>
+          <p:cNvSpPr>
+            <a:spLocks noGrp="1" noRot="1" noChangeAspect="1"/>
+          </p:cNvSpPr>
+          <p:nvPr>
+            <p:ph type="sldImg"/>
+          </p:nvPr>
+        </p:nvSpPr>
+        <p:spPr/>
+      </p:sp>
+      <p:sp>
+        <p:nvSpPr>
+          <p:cNvPr id="3" name="Notes Placeholder 2"/>
+          <p:cNvSpPr>
+            <a:spLocks noGrp="1"/>
+          </p:cNvSpPr>
+          <p:nvPr>
+            <p:ph type="body" idx="1"/>
+          </p:nvPr>
+        </p:nvSpPr>
+        <p:spPr/>
+        <p:txBody>
+          <a:bodyPr/>
+          <a:lstStyle/>
+          <a:p>
+            <a:r>
+              <a:rPr lang="en-AU" dirty="0"/>
+              <a:t>Welcome to lecture 6</a:t>
+            </a:r>
+          </a:p>
+          <a:p>
+            <a:r>
+              <a:rPr lang="en-AU" dirty="0"/>
+              <a:t>So far, we have created a fully functioning Class for each</a:t>
+            </a:r>
+          </a:p>
+          <a:p>
+            <a:r>
+              <a:rPr lang="en-AU" dirty="0"/>
+              <a:t>Of our sub systems the LED, Audio &amp; Button</a:t>
+            </a:r>
+          </a:p>
+          <a:p>
+            <a:r>
+              <a:rPr lang="en-AU" dirty="0"/>
+              <a:t>Along with unit tests for all the Classes</a:t>
+            </a:r>
+          </a:p>
+          <a:p>
+            <a:endParaRPr lang="en-AU" dirty="0"/>
+          </a:p>
+        </p:txBody>
+      </p:sp>
+      <p:sp>
+        <p:nvSpPr>
+          <p:cNvPr id="4" name="Slide Number Placeholder 3"/>
+          <p:cNvSpPr>
+            <a:spLocks noGrp="1"/>
+          </p:cNvSpPr>
+          <p:nvPr>
+            <p:ph type="sldNum" sz="quarter" idx="5"/>
+          </p:nvPr>
+        </p:nvSpPr>
+        <p:spPr/>
+        <p:txBody>
+          <a:bodyPr/>
+          <a:lstStyle/>
+          <a:p>
+            <a:fld id="{E70D7A32-AC7B-44DD-A89C-2FA555E939EA}" type="slidenum">
+              <a:rPr lang="en-AU" smtClean="0"/>
+              <a:t>1</a:t>
+            </a:fld>
+            <a:endParaRPr lang="en-AU"/>
+          </a:p>
+        </p:txBody>
+      </p:sp>
+    </p:spTree>
+    <p:extLst>
+      <p:ext uri="{BB962C8B-B14F-4D97-AF65-F5344CB8AC3E}">
+        <p14:creationId xmlns:p14="http://schemas.microsoft.com/office/powerpoint/2010/main" val="2261155658"/>
+      </p:ext>
+    </p:extLst>
+  </p:cSld>
+  <p:clrMapOvr>
+    <a:masterClrMapping/>
+  </p:clrMapOvr>
+</p:notes>
+</file>
+
+<file path=ppt/notesSlides/notesSlide2.xml><?xml version="1.0" encoding="utf-8"?>
+<p:notes xmlns:a="http://schemas.openxmlformats.org/drawingml/2006/main" xmlns:r="http://schemas.openxmlformats.org/officeDocument/2006/relationships" xmlns:p="http://schemas.openxmlformats.org/presentationml/2006/main">
+  <p:cSld>
+    <p:spTree>
+      <p:nvGrpSpPr>
+        <p:cNvPr id="1" name=""/>
+        <p:cNvGrpSpPr/>
+        <p:nvPr/>
+      </p:nvGrpSpPr>
+      <p:grpSpPr>
+        <a:xfrm>
+          <a:off x="0" y="0"/>
+          <a:ext cx="0" cy="0"/>
+          <a:chOff x="0" y="0"/>
+          <a:chExt cx="0" cy="0"/>
+        </a:xfrm>
+      </p:grpSpPr>
+      <p:sp>
+        <p:nvSpPr>
+          <p:cNvPr id="2" name="Slide Image Placeholder 1"/>
+          <p:cNvSpPr>
+            <a:spLocks noGrp="1" noRot="1" noChangeAspect="1"/>
+          </p:cNvSpPr>
+          <p:nvPr>
+            <p:ph type="sldImg"/>
+          </p:nvPr>
+        </p:nvSpPr>
+        <p:spPr/>
+      </p:sp>
+      <p:sp>
+        <p:nvSpPr>
+          <p:cNvPr id="3" name="Notes Placeholder 2"/>
+          <p:cNvSpPr>
+            <a:spLocks noGrp="1"/>
+          </p:cNvSpPr>
+          <p:nvPr>
+            <p:ph type="body" idx="1"/>
+          </p:nvPr>
+        </p:nvSpPr>
+        <p:spPr/>
+        <p:txBody>
+          <a:bodyPr/>
+          <a:lstStyle/>
+          <a:p>
+            <a:r>
+              <a:rPr lang="en-AU" dirty="0"/>
+              <a:t>This lecture will focus on different</a:t>
+            </a:r>
+          </a:p>
+          <a:p>
+            <a:r>
+              <a:rPr lang="en-AU" dirty="0"/>
+              <a:t>Relationships in Object Oriented Programming</a:t>
+            </a:r>
+          </a:p>
+          <a:p>
+            <a:r>
+              <a:rPr lang="en-AU" dirty="0"/>
+              <a:t>And will we start to build our final controller Class</a:t>
+            </a:r>
+          </a:p>
+          <a:p>
+            <a:endParaRPr lang="en-AU" dirty="0"/>
+          </a:p>
+          <a:p>
+            <a:endParaRPr lang="en-AU" dirty="0"/>
+          </a:p>
+        </p:txBody>
+      </p:sp>
+      <p:sp>
+        <p:nvSpPr>
+          <p:cNvPr id="4" name="Slide Number Placeholder 3"/>
+          <p:cNvSpPr>
+            <a:spLocks noGrp="1"/>
+          </p:cNvSpPr>
+          <p:nvPr>
+            <p:ph type="sldNum" sz="quarter" idx="5"/>
+          </p:nvPr>
+        </p:nvSpPr>
+        <p:spPr/>
+        <p:txBody>
+          <a:bodyPr/>
+          <a:lstStyle/>
+          <a:p>
+            <a:fld id="{E70D7A32-AC7B-44DD-A89C-2FA555E939EA}" type="slidenum">
+              <a:rPr lang="en-AU" smtClean="0"/>
+              <a:t>2</a:t>
+            </a:fld>
+            <a:endParaRPr lang="en-AU"/>
+          </a:p>
+        </p:txBody>
+      </p:sp>
+    </p:spTree>
+    <p:extLst>
+      <p:ext uri="{BB962C8B-B14F-4D97-AF65-F5344CB8AC3E}">
+        <p14:creationId xmlns:p14="http://schemas.microsoft.com/office/powerpoint/2010/main" val="2464664502"/>
+      </p:ext>
+    </p:extLst>
+  </p:cSld>
+  <p:clrMapOvr>
+    <a:masterClrMapping/>
+  </p:clrMapOvr>
+</p:notes>
+</file>
+
+<file path=ppt/notesSlides/notesSlide3.xml><?xml version="1.0" encoding="utf-8"?>
+<p:notes xmlns:a="http://schemas.openxmlformats.org/drawingml/2006/main" xmlns:r="http://schemas.openxmlformats.org/officeDocument/2006/relationships" xmlns:p="http://schemas.openxmlformats.org/presentationml/2006/main">
+  <p:cSld>
+    <p:spTree>
+      <p:nvGrpSpPr>
+        <p:cNvPr id="1" name=""/>
+        <p:cNvGrpSpPr/>
+        <p:nvPr/>
+      </p:nvGrpSpPr>
+      <p:grpSpPr>
+        <a:xfrm>
+          <a:off x="0" y="0"/>
+          <a:ext cx="0" cy="0"/>
+          <a:chOff x="0" y="0"/>
+          <a:chExt cx="0" cy="0"/>
+        </a:xfrm>
+      </p:grpSpPr>
+      <p:sp>
+        <p:nvSpPr>
+          <p:cNvPr id="2" name="Slide Image Placeholder 1"/>
+          <p:cNvSpPr>
+            <a:spLocks noGrp="1" noRot="1" noChangeAspect="1"/>
+          </p:cNvSpPr>
+          <p:nvPr>
+            <p:ph type="sldImg"/>
+          </p:nvPr>
+        </p:nvSpPr>
+        <p:spPr/>
+      </p:sp>
+      <p:sp>
+        <p:nvSpPr>
+          <p:cNvPr id="3" name="Notes Placeholder 2"/>
+          <p:cNvSpPr>
+            <a:spLocks noGrp="1"/>
+          </p:cNvSpPr>
+          <p:nvPr>
+            <p:ph type="body" idx="1"/>
+          </p:nvPr>
+        </p:nvSpPr>
+        <p:spPr/>
+        <p:txBody>
+          <a:bodyPr/>
+          <a:lstStyle/>
+          <a:p>
+            <a:r>
+              <a:rPr lang="en-AU" dirty="0"/>
+              <a:t>Today we will learn about Multiple Inheritance</a:t>
+            </a:r>
+          </a:p>
+          <a:p>
+            <a:r>
+              <a:rPr lang="en-AU" dirty="0"/>
+              <a:t>and Association</a:t>
+            </a:r>
+          </a:p>
+          <a:p>
+            <a:r>
+              <a:rPr lang="en-AU" dirty="0"/>
+              <a:t>We will also set the different controller states</a:t>
+            </a:r>
+          </a:p>
+          <a:p>
+            <a:r>
+              <a:rPr lang="en-AU" dirty="0"/>
+              <a:t>ready for our state machine</a:t>
+            </a:r>
+          </a:p>
+        </p:txBody>
+      </p:sp>
+      <p:sp>
+        <p:nvSpPr>
+          <p:cNvPr id="4" name="Slide Number Placeholder 3"/>
+          <p:cNvSpPr>
+            <a:spLocks noGrp="1"/>
+          </p:cNvSpPr>
+          <p:nvPr>
+            <p:ph type="sldNum" sz="quarter" idx="5"/>
+          </p:nvPr>
+        </p:nvSpPr>
+        <p:spPr/>
+        <p:txBody>
+          <a:bodyPr/>
+          <a:lstStyle/>
+          <a:p>
+            <a:fld id="{E70D7A32-AC7B-44DD-A89C-2FA555E939EA}" type="slidenum">
+              <a:rPr lang="en-AU" smtClean="0"/>
+              <a:t>3</a:t>
+            </a:fld>
+            <a:endParaRPr lang="en-AU"/>
+          </a:p>
+        </p:txBody>
+      </p:sp>
+    </p:spTree>
+    <p:extLst>
+      <p:ext uri="{BB962C8B-B14F-4D97-AF65-F5344CB8AC3E}">
+        <p14:creationId xmlns:p14="http://schemas.microsoft.com/office/powerpoint/2010/main" val="717944969"/>
+      </p:ext>
+    </p:extLst>
+  </p:cSld>
+  <p:clrMapOvr>
+    <a:masterClrMapping/>
+  </p:clrMapOvr>
+</p:notes>
 </file>
 
 <file path=ppt/slideLayouts/slideLayout1.xml><?xml version="1.0" encoding="utf-8"?>
@@ -1649,7 +1867,7 @@
           <a:p>
             <a:fld id="{1D30A4DD-26E1-4754-8784-A5449317D6AC}" type="datetimeFigureOut">
               <a:rPr lang="en-AU" smtClean="0"/>
-              <a:t>11/06/2025</a:t>
+              <a:t>14/06/2025</a:t>
             </a:fld>
             <a:endParaRPr lang="en-AU"/>
           </a:p>
@@ -1849,7 +2067,7 @@
           <a:p>
             <a:fld id="{1D30A4DD-26E1-4754-8784-A5449317D6AC}" type="datetimeFigureOut">
               <a:rPr lang="en-AU" smtClean="0"/>
-              <a:t>11/06/2025</a:t>
+              <a:t>14/06/2025</a:t>
             </a:fld>
             <a:endParaRPr lang="en-AU"/>
           </a:p>
@@ -2059,7 +2277,7 @@
           <a:p>
             <a:fld id="{1D30A4DD-26E1-4754-8784-A5449317D6AC}" type="datetimeFigureOut">
               <a:rPr lang="en-AU" smtClean="0"/>
-              <a:t>11/06/2025</a:t>
+              <a:t>14/06/2025</a:t>
             </a:fld>
             <a:endParaRPr lang="en-AU"/>
           </a:p>
@@ -2259,7 +2477,7 @@
           <a:p>
             <a:fld id="{1D30A4DD-26E1-4754-8784-A5449317D6AC}" type="datetimeFigureOut">
               <a:rPr lang="en-AU" smtClean="0"/>
-              <a:t>11/06/2025</a:t>
+              <a:t>14/06/2025</a:t>
             </a:fld>
             <a:endParaRPr lang="en-AU"/>
           </a:p>
@@ -2535,7 +2753,7 @@
           <a:p>
             <a:fld id="{1D30A4DD-26E1-4754-8784-A5449317D6AC}" type="datetimeFigureOut">
               <a:rPr lang="en-AU" smtClean="0"/>
-              <a:t>11/06/2025</a:t>
+              <a:t>14/06/2025</a:t>
             </a:fld>
             <a:endParaRPr lang="en-AU"/>
           </a:p>
@@ -2803,7 +3021,7 @@
           <a:p>
             <a:fld id="{1D30A4DD-26E1-4754-8784-A5449317D6AC}" type="datetimeFigureOut">
               <a:rPr lang="en-AU" smtClean="0"/>
-              <a:t>11/06/2025</a:t>
+              <a:t>14/06/2025</a:t>
             </a:fld>
             <a:endParaRPr lang="en-AU"/>
           </a:p>
@@ -3218,7 +3436,7 @@
           <a:p>
             <a:fld id="{1D30A4DD-26E1-4754-8784-A5449317D6AC}" type="datetimeFigureOut">
               <a:rPr lang="en-AU" smtClean="0"/>
-              <a:t>11/06/2025</a:t>
+              <a:t>14/06/2025</a:t>
             </a:fld>
             <a:endParaRPr lang="en-AU"/>
           </a:p>
@@ -3360,7 +3578,7 @@
           <a:p>
             <a:fld id="{1D30A4DD-26E1-4754-8784-A5449317D6AC}" type="datetimeFigureOut">
               <a:rPr lang="en-AU" smtClean="0"/>
-              <a:t>11/06/2025</a:t>
+              <a:t>14/06/2025</a:t>
             </a:fld>
             <a:endParaRPr lang="en-AU"/>
           </a:p>
@@ -3473,7 +3691,7 @@
           <a:p>
             <a:fld id="{1D30A4DD-26E1-4754-8784-A5449317D6AC}" type="datetimeFigureOut">
               <a:rPr lang="en-AU" smtClean="0"/>
-              <a:t>11/06/2025</a:t>
+              <a:t>14/06/2025</a:t>
             </a:fld>
             <a:endParaRPr lang="en-AU"/>
           </a:p>
@@ -3786,7 +4004,7 @@
           <a:p>
             <a:fld id="{1D30A4DD-26E1-4754-8784-A5449317D6AC}" type="datetimeFigureOut">
               <a:rPr lang="en-AU" smtClean="0"/>
-              <a:t>11/06/2025</a:t>
+              <a:t>14/06/2025</a:t>
             </a:fld>
             <a:endParaRPr lang="en-AU"/>
           </a:p>
@@ -4075,7 +4293,7 @@
           <a:p>
             <a:fld id="{1D30A4DD-26E1-4754-8784-A5449317D6AC}" type="datetimeFigureOut">
               <a:rPr lang="en-AU" smtClean="0"/>
-              <a:t>11/06/2025</a:t>
+              <a:t>14/06/2025</a:t>
             </a:fld>
             <a:endParaRPr lang="en-AU"/>
           </a:p>
@@ -4318,7 +4536,7 @@
           <a:p>
             <a:fld id="{1D30A4DD-26E1-4754-8784-A5449317D6AC}" type="datetimeFigureOut">
               <a:rPr lang="en-AU" smtClean="0"/>
-              <a:t>11/06/2025</a:t>
+              <a:t>14/06/2025</a:t>
             </a:fld>
             <a:endParaRPr lang="en-AU"/>
           </a:p>
@@ -4737,10 +4955,10 @@
       </p:grpSpPr>
       <p:sp>
         <p:nvSpPr>
-          <p:cNvPr id="2" name="Title 1">
-            <a:extLst>
-              <a:ext uri="{FF2B5EF4-FFF2-40B4-BE49-F238E27FC236}">
-                <a16:creationId xmlns:a16="http://schemas.microsoft.com/office/drawing/2014/main" id="{6C98E736-9C14-8B47-35EB-BD2CF5EF91B8}"/>
+          <p:cNvPr id="6" name="Title 5">
+            <a:extLst>
+              <a:ext uri="{FF2B5EF4-FFF2-40B4-BE49-F238E27FC236}">
+                <a16:creationId xmlns:a16="http://schemas.microsoft.com/office/drawing/2014/main" id="{9923057F-DEDF-79C5-D892-1E85F0BEC0CD}"/>
               </a:ext>
             </a:extLst>
           </p:cNvPr>
@@ -4756,19 +4974,16 @@
           <a:bodyPr/>
           <a:lstStyle/>
           <a:p>
-            <a:r>
-              <a:rPr lang="en-AU" dirty="0"/>
-              <a:t>Pi Pico OOP Mini Project</a:t>
-            </a:r>
-          </a:p>
-        </p:txBody>
-      </p:sp>
-      <p:sp>
-        <p:nvSpPr>
-          <p:cNvPr id="3" name="Subtitle 2">
-            <a:extLst>
-              <a:ext uri="{FF2B5EF4-FFF2-40B4-BE49-F238E27FC236}">
-                <a16:creationId xmlns:a16="http://schemas.microsoft.com/office/drawing/2014/main" id="{2007677D-E31B-D163-E787-0648982398C7}"/>
+            <a:endParaRPr lang="en-AU"/>
+          </a:p>
+        </p:txBody>
+      </p:sp>
+      <p:sp>
+        <p:nvSpPr>
+          <p:cNvPr id="8" name="Subtitle 7">
+            <a:extLst>
+              <a:ext uri="{FF2B5EF4-FFF2-40B4-BE49-F238E27FC236}">
+                <a16:creationId xmlns:a16="http://schemas.microsoft.com/office/drawing/2014/main" id="{DD37674A-48F2-A897-01FD-40E9B7DA2466}"/>
               </a:ext>
             </a:extLst>
           </p:cNvPr>
@@ -4784,25 +4999,489 @@
           <a:bodyPr/>
           <a:lstStyle/>
           <a:p>
-            <a:r>
-              <a:rPr lang="en-AU" dirty="0"/>
+            <a:endParaRPr lang="en-AU"/>
+          </a:p>
+        </p:txBody>
+      </p:sp>
+      <p:sp useBgFill="1">
+        <p:nvSpPr>
+          <p:cNvPr id="9" name="Rectangle 8">
+            <a:extLst>
+              <a:ext uri="{FF2B5EF4-FFF2-40B4-BE49-F238E27FC236}">
+                <a16:creationId xmlns:a16="http://schemas.microsoft.com/office/drawing/2014/main" id="{CF7EDA0B-8DB3-FE69-E094-5F082C983A3E}"/>
+              </a:ext>
+              <a:ext uri="{C183D7F6-B498-43B3-948B-1728B52AA6E4}">
+                <adec:decorative xmlns:adec="http://schemas.microsoft.com/office/drawing/2017/decorative" val="1"/>
+              </a:ext>
+            </a:extLst>
+          </p:cNvPr>
+          <p:cNvSpPr/>
+          <p:nvPr>
+            <p:extLst>
+              <p:ext uri="{386F3935-93C4-4BCD-93E2-E3B085C9AB24}">
+                <p16:designElem xmlns:p16="http://schemas.microsoft.com/office/powerpoint/2015/main" val="1"/>
+              </p:ext>
+            </p:extLst>
+          </p:nvPr>
+        </p:nvSpPr>
+        <p:spPr>
+          <a:xfrm>
+            <a:off x="3049" y="0"/>
+            <a:ext cx="12188952" cy="6858000"/>
+          </a:xfrm>
+          <a:prstGeom prst="rect">
+            <a:avLst/>
+          </a:prstGeom>
+          <a:ln>
+            <a:noFill/>
+          </a:ln>
+        </p:spPr>
+        <p:style>
+          <a:lnRef idx="2">
+            <a:schemeClr val="accent1">
+              <a:shade val="50000"/>
+            </a:schemeClr>
+          </a:lnRef>
+          <a:fillRef idx="1">
+            <a:schemeClr val="accent1"/>
+          </a:fillRef>
+          <a:effectRef idx="0">
+            <a:schemeClr val="accent1"/>
+          </a:effectRef>
+          <a:fontRef idx="minor">
+            <a:schemeClr val="lt1"/>
+          </a:fontRef>
+        </p:style>
+        <p:txBody>
+          <a:bodyPr rtlCol="0" anchor="ctr"/>
+          <a:lstStyle/>
+          <a:p>
+            <a:pPr algn="ctr"/>
+            <a:endParaRPr lang="en-US"/>
+          </a:p>
+        </p:txBody>
+      </p:sp>
+      <p:pic>
+        <p:nvPicPr>
+          <p:cNvPr id="10" name="Content Placeholder 7">
+            <a:extLst>
+              <a:ext uri="{FF2B5EF4-FFF2-40B4-BE49-F238E27FC236}">
+                <a16:creationId xmlns:a16="http://schemas.microsoft.com/office/drawing/2014/main" id="{F1AB71B0-F59F-62A7-BB28-BAEBDCED9445}"/>
+              </a:ext>
+            </a:extLst>
+          </p:cNvPr>
+          <p:cNvPicPr>
+            <a:picLocks/>
+          </p:cNvPicPr>
+          <p:nvPr/>
+        </p:nvPicPr>
+        <p:blipFill>
+          <a:blip r:embed="rId3"/>
+          <a:srcRect l="9571" r="25922" b="-1"/>
+          <a:stretch>
+            <a:fillRect/>
+          </a:stretch>
+        </p:blipFill>
+        <p:spPr>
+          <a:xfrm>
+            <a:off x="2522356" y="10"/>
+            <a:ext cx="9669642" cy="6857990"/>
+          </a:xfrm>
+          <a:prstGeom prst="rect">
+            <a:avLst/>
+          </a:prstGeom>
+        </p:spPr>
+      </p:pic>
+      <p:sp>
+        <p:nvSpPr>
+          <p:cNvPr id="11" name="Rectangle 10">
+            <a:extLst>
+              <a:ext uri="{FF2B5EF4-FFF2-40B4-BE49-F238E27FC236}">
+                <a16:creationId xmlns:a16="http://schemas.microsoft.com/office/drawing/2014/main" id="{1B863F7F-8A17-FF6F-6395-E2DD869865DE}"/>
+              </a:ext>
+              <a:ext uri="{C183D7F6-B498-43B3-948B-1728B52AA6E4}">
+                <adec:decorative xmlns:adec="http://schemas.microsoft.com/office/drawing/2017/decorative" val="1"/>
+              </a:ext>
+            </a:extLst>
+          </p:cNvPr>
+          <p:cNvSpPr/>
+          <p:nvPr>
+            <p:extLst>
+              <p:ext uri="{386F3935-93C4-4BCD-93E2-E3B085C9AB24}">
+                <p16:designElem xmlns:p16="http://schemas.microsoft.com/office/powerpoint/2015/main" val="1"/>
+              </p:ext>
+            </p:extLst>
+          </p:nvPr>
+        </p:nvSpPr>
+        <p:spPr>
+          <a:xfrm>
+            <a:off x="-1" y="0"/>
+            <a:ext cx="7390263" cy="6858000"/>
+          </a:xfrm>
+          <a:prstGeom prst="rect">
+            <a:avLst/>
+          </a:prstGeom>
+          <a:gradFill>
+            <a:gsLst>
+              <a:gs pos="48000">
+                <a:schemeClr val="bg1"/>
+              </a:gs>
+              <a:gs pos="35000">
+                <a:schemeClr val="bg1">
+                  <a:alpha val="77000"/>
+                </a:schemeClr>
+              </a:gs>
+              <a:gs pos="19000">
+                <a:schemeClr val="bg1">
+                  <a:alpha val="38000"/>
+                </a:schemeClr>
+              </a:gs>
+              <a:gs pos="0">
+                <a:schemeClr val="bg1">
+                  <a:alpha val="0"/>
+                </a:schemeClr>
+              </a:gs>
+              <a:gs pos="100000">
+                <a:schemeClr val="bg1"/>
+              </a:gs>
+            </a:gsLst>
+            <a:lin ang="10800000" scaled="0"/>
+          </a:gradFill>
+          <a:ln>
+            <a:noFill/>
+          </a:ln>
+        </p:spPr>
+        <p:style>
+          <a:lnRef idx="2">
+            <a:schemeClr val="accent1">
+              <a:shade val="50000"/>
+            </a:schemeClr>
+          </a:lnRef>
+          <a:fillRef idx="1">
+            <a:schemeClr val="accent1"/>
+          </a:fillRef>
+          <a:effectRef idx="0">
+            <a:schemeClr val="accent1"/>
+          </a:effectRef>
+          <a:fontRef idx="minor">
+            <a:schemeClr val="lt1"/>
+          </a:fontRef>
+        </p:style>
+        <p:txBody>
+          <a:bodyPr rtlCol="0" anchor="ctr"/>
+          <a:lstStyle/>
+          <a:p>
+            <a:pPr algn="ctr"/>
+            <a:endParaRPr lang="en-US" dirty="0"/>
+          </a:p>
+        </p:txBody>
+      </p:sp>
+      <p:sp>
+        <p:nvSpPr>
+          <p:cNvPr id="12" name="Title 1">
+            <a:extLst>
+              <a:ext uri="{FF2B5EF4-FFF2-40B4-BE49-F238E27FC236}">
+                <a16:creationId xmlns:a16="http://schemas.microsoft.com/office/drawing/2014/main" id="{AAE27C33-2D85-9330-B9C0-E5835CB227AC}"/>
+              </a:ext>
+            </a:extLst>
+          </p:cNvPr>
+          <p:cNvSpPr txBox="1">
+            <a:spLocks/>
+          </p:cNvSpPr>
+          <p:nvPr/>
+        </p:nvSpPr>
+        <p:spPr>
+          <a:xfrm>
+            <a:off x="1524000" y="1122363"/>
+            <a:ext cx="9144000" cy="2387600"/>
+          </a:xfrm>
+          <a:prstGeom prst="rect">
+            <a:avLst/>
+          </a:prstGeom>
+        </p:spPr>
+        <p:txBody>
+          <a:bodyPr vert="horz" lIns="91440" tIns="45720" rIns="91440" bIns="45720" rtlCol="0" anchor="b">
+            <a:normAutofit/>
+          </a:bodyPr>
+          <a:lstStyle>
+            <a:lvl1pPr algn="l" defTabSz="914400" rtl="0" eaLnBrk="1" latinLnBrk="0" hangingPunct="1">
+              <a:lnSpc>
+                <a:spcPct val="90000"/>
+              </a:lnSpc>
+              <a:spcBef>
+                <a:spcPct val="0"/>
+              </a:spcBef>
+              <a:buNone/>
+              <a:defRPr sz="3200" kern="1200">
+                <a:solidFill>
+                  <a:schemeClr val="tx1"/>
+                </a:solidFill>
+                <a:latin typeface="+mj-lt"/>
+                <a:ea typeface="+mj-ea"/>
+                <a:cs typeface="+mj-cs"/>
+              </a:defRPr>
+            </a:lvl1pPr>
+          </a:lstStyle>
+          <a:p>
+            <a:r>
+              <a:rPr lang="en-AU" sz="6000" b="1" dirty="0">
+                <a:solidFill>
+                  <a:srgbClr val="C00000"/>
+                </a:solidFill>
+              </a:rPr>
+              <a:t>Pi Pico OOP Mini Project</a:t>
+            </a:r>
+          </a:p>
+        </p:txBody>
+      </p:sp>
+      <p:sp>
+        <p:nvSpPr>
+          <p:cNvPr id="13" name="Subtitle 2">
+            <a:extLst>
+              <a:ext uri="{FF2B5EF4-FFF2-40B4-BE49-F238E27FC236}">
+                <a16:creationId xmlns:a16="http://schemas.microsoft.com/office/drawing/2014/main" id="{C0BDD3C6-2039-E596-C54A-80D053C16868}"/>
+              </a:ext>
+            </a:extLst>
+          </p:cNvPr>
+          <p:cNvSpPr txBox="1">
+            <a:spLocks/>
+          </p:cNvSpPr>
+          <p:nvPr/>
+        </p:nvSpPr>
+        <p:spPr>
+          <a:xfrm>
+            <a:off x="1524000" y="3602038"/>
+            <a:ext cx="9144000" cy="1655762"/>
+          </a:xfrm>
+          <a:prstGeom prst="rect">
+            <a:avLst/>
+          </a:prstGeom>
+        </p:spPr>
+        <p:txBody>
+          <a:bodyPr vert="horz" lIns="91440" tIns="45720" rIns="91440" bIns="45720" rtlCol="0">
+            <a:normAutofit lnSpcReduction="10000"/>
+          </a:bodyPr>
+          <a:lstStyle>
+            <a:lvl1pPr marL="228600" indent="-228600" algn="l" defTabSz="914400" rtl="0" eaLnBrk="1" latinLnBrk="0" hangingPunct="1">
+              <a:lnSpc>
+                <a:spcPct val="90000"/>
+              </a:lnSpc>
+              <a:spcBef>
+                <a:spcPts val="1000"/>
+              </a:spcBef>
+              <a:buFont typeface="Arial" panose="020B0604020202020204" pitchFamily="34" charset="0"/>
+              <a:buChar char="•"/>
+              <a:defRPr sz="3200" kern="1200">
+                <a:solidFill>
+                  <a:schemeClr val="tx1"/>
+                </a:solidFill>
+                <a:latin typeface="+mn-lt"/>
+                <a:ea typeface="+mn-ea"/>
+                <a:cs typeface="+mn-cs"/>
+              </a:defRPr>
+            </a:lvl1pPr>
+            <a:lvl2pPr marL="685800" indent="-228600" algn="l" defTabSz="914400" rtl="0" eaLnBrk="1" latinLnBrk="0" hangingPunct="1">
+              <a:lnSpc>
+                <a:spcPct val="90000"/>
+              </a:lnSpc>
+              <a:spcBef>
+                <a:spcPts val="500"/>
+              </a:spcBef>
+              <a:buFont typeface="Arial" panose="020B0604020202020204" pitchFamily="34" charset="0"/>
+              <a:buChar char="•"/>
+              <a:defRPr sz="2800" kern="1200">
+                <a:solidFill>
+                  <a:schemeClr val="tx1"/>
+                </a:solidFill>
+                <a:latin typeface="+mn-lt"/>
+                <a:ea typeface="+mn-ea"/>
+                <a:cs typeface="+mn-cs"/>
+              </a:defRPr>
+            </a:lvl2pPr>
+            <a:lvl3pPr marL="1143000" indent="-228600" algn="l" defTabSz="914400" rtl="0" eaLnBrk="1" latinLnBrk="0" hangingPunct="1">
+              <a:lnSpc>
+                <a:spcPct val="90000"/>
+              </a:lnSpc>
+              <a:spcBef>
+                <a:spcPts val="500"/>
+              </a:spcBef>
+              <a:buFont typeface="Arial" panose="020B0604020202020204" pitchFamily="34" charset="0"/>
+              <a:buChar char="•"/>
+              <a:defRPr sz="2400" kern="1200">
+                <a:solidFill>
+                  <a:schemeClr val="tx1"/>
+                </a:solidFill>
+                <a:latin typeface="+mn-lt"/>
+                <a:ea typeface="+mn-ea"/>
+                <a:cs typeface="+mn-cs"/>
+              </a:defRPr>
+            </a:lvl3pPr>
+            <a:lvl4pPr marL="1600200" indent="-228600" algn="l" defTabSz="914400" rtl="0" eaLnBrk="1" latinLnBrk="0" hangingPunct="1">
+              <a:lnSpc>
+                <a:spcPct val="90000"/>
+              </a:lnSpc>
+              <a:spcBef>
+                <a:spcPts val="500"/>
+              </a:spcBef>
+              <a:buFont typeface="Arial" panose="020B0604020202020204" pitchFamily="34" charset="0"/>
+              <a:buChar char="•"/>
+              <a:defRPr sz="2000" kern="1200">
+                <a:solidFill>
+                  <a:schemeClr val="tx1"/>
+                </a:solidFill>
+                <a:latin typeface="+mn-lt"/>
+                <a:ea typeface="+mn-ea"/>
+                <a:cs typeface="+mn-cs"/>
+              </a:defRPr>
+            </a:lvl4pPr>
+            <a:lvl5pPr marL="2057400" indent="-228600" algn="l" defTabSz="914400" rtl="0" eaLnBrk="1" latinLnBrk="0" hangingPunct="1">
+              <a:lnSpc>
+                <a:spcPct val="90000"/>
+              </a:lnSpc>
+              <a:spcBef>
+                <a:spcPts val="500"/>
+              </a:spcBef>
+              <a:buFont typeface="Arial" panose="020B0604020202020204" pitchFamily="34" charset="0"/>
+              <a:buChar char="•"/>
+              <a:defRPr sz="2000" kern="1200">
+                <a:solidFill>
+                  <a:schemeClr val="tx1"/>
+                </a:solidFill>
+                <a:latin typeface="+mn-lt"/>
+                <a:ea typeface="+mn-ea"/>
+                <a:cs typeface="+mn-cs"/>
+              </a:defRPr>
+            </a:lvl5pPr>
+            <a:lvl6pPr marL="2514600" indent="-228600" algn="l" defTabSz="914400" rtl="0" eaLnBrk="1" latinLnBrk="0" hangingPunct="1">
+              <a:lnSpc>
+                <a:spcPct val="90000"/>
+              </a:lnSpc>
+              <a:spcBef>
+                <a:spcPts val="500"/>
+              </a:spcBef>
+              <a:buFont typeface="Arial" panose="020B0604020202020204" pitchFamily="34" charset="0"/>
+              <a:buChar char="•"/>
+              <a:defRPr sz="2000" kern="1200">
+                <a:solidFill>
+                  <a:schemeClr val="tx1"/>
+                </a:solidFill>
+                <a:latin typeface="+mn-lt"/>
+                <a:ea typeface="+mn-ea"/>
+                <a:cs typeface="+mn-cs"/>
+              </a:defRPr>
+            </a:lvl6pPr>
+            <a:lvl7pPr marL="2971800" indent="-228600" algn="l" defTabSz="914400" rtl="0" eaLnBrk="1" latinLnBrk="0" hangingPunct="1">
+              <a:lnSpc>
+                <a:spcPct val="90000"/>
+              </a:lnSpc>
+              <a:spcBef>
+                <a:spcPts val="500"/>
+              </a:spcBef>
+              <a:buFont typeface="Arial" panose="020B0604020202020204" pitchFamily="34" charset="0"/>
+              <a:buChar char="•"/>
+              <a:defRPr sz="2000" kern="1200">
+                <a:solidFill>
+                  <a:schemeClr val="tx1"/>
+                </a:solidFill>
+                <a:latin typeface="+mn-lt"/>
+                <a:ea typeface="+mn-ea"/>
+                <a:cs typeface="+mn-cs"/>
+              </a:defRPr>
+            </a:lvl7pPr>
+            <a:lvl8pPr marL="3429000" indent="-228600" algn="l" defTabSz="914400" rtl="0" eaLnBrk="1" latinLnBrk="0" hangingPunct="1">
+              <a:lnSpc>
+                <a:spcPct val="90000"/>
+              </a:lnSpc>
+              <a:spcBef>
+                <a:spcPts val="500"/>
+              </a:spcBef>
+              <a:buFont typeface="Arial" panose="020B0604020202020204" pitchFamily="34" charset="0"/>
+              <a:buChar char="•"/>
+              <a:defRPr sz="2000" kern="1200">
+                <a:solidFill>
+                  <a:schemeClr val="tx1"/>
+                </a:solidFill>
+                <a:latin typeface="+mn-lt"/>
+                <a:ea typeface="+mn-ea"/>
+                <a:cs typeface="+mn-cs"/>
+              </a:defRPr>
+            </a:lvl8pPr>
+            <a:lvl9pPr marL="3886200" indent="-228600" algn="l" defTabSz="914400" rtl="0" eaLnBrk="1" latinLnBrk="0" hangingPunct="1">
+              <a:lnSpc>
+                <a:spcPct val="90000"/>
+              </a:lnSpc>
+              <a:spcBef>
+                <a:spcPts val="500"/>
+              </a:spcBef>
+              <a:buFont typeface="Arial" panose="020B0604020202020204" pitchFamily="34" charset="0"/>
+              <a:buChar char="•"/>
+              <a:defRPr sz="2000" kern="1200">
+                <a:solidFill>
+                  <a:schemeClr val="tx1"/>
+                </a:solidFill>
+                <a:latin typeface="+mn-lt"/>
+                <a:ea typeface="+mn-ea"/>
+                <a:cs typeface="+mn-cs"/>
+              </a:defRPr>
+            </a:lvl9pPr>
+          </a:lstStyle>
+          <a:p>
+            <a:r>
+              <a:rPr lang="en-AU" b="1" dirty="0"/>
               <a:t>Ben Jones</a:t>
             </a:r>
           </a:p>
           <a:p>
             <a:r>
-              <a:rPr lang="en-AU" dirty="0"/>
+              <a:rPr lang="en-AU" b="1" dirty="0"/>
               <a:t>Tempe High School</a:t>
             </a:r>
           </a:p>
           <a:p>
             <a:r>
-              <a:rPr lang="en-AU" dirty="0"/>
-              <a:t>Lecture 3</a:t>
-            </a:r>
-          </a:p>
-        </p:txBody>
-      </p:sp>
+              <a:rPr lang="en-AU" b="1"/>
+              <a:t>Lecture 6</a:t>
+            </a:r>
+            <a:endParaRPr lang="en-AU" b="1" dirty="0"/>
+          </a:p>
+        </p:txBody>
+      </p:sp>
+      <p:pic>
+        <p:nvPicPr>
+          <p:cNvPr id="14" name="Picture 13" descr="A red and black logo&#10;&#10;AI-generated content may be incorrect.">
+            <a:extLst>
+              <a:ext uri="{FF2B5EF4-FFF2-40B4-BE49-F238E27FC236}">
+                <a16:creationId xmlns:a16="http://schemas.microsoft.com/office/drawing/2014/main" id="{7E4DABE1-BB3F-0AFA-2430-5B9A6F718FF4}"/>
+              </a:ext>
+            </a:extLst>
+          </p:cNvPr>
+          <p:cNvPicPr>
+            <a:picLocks noChangeAspect="1"/>
+          </p:cNvPicPr>
+          <p:nvPr/>
+        </p:nvPicPr>
+        <p:blipFill>
+          <a:blip r:embed="rId4">
+            <a:extLst>
+              <a:ext uri="{28A0092B-C50C-407E-A947-70E740481C1C}">
+                <a14:useLocalDpi xmlns:a14="http://schemas.microsoft.com/office/drawing/2010/main" val="0"/>
+              </a:ext>
+            </a:extLst>
+          </a:blip>
+          <a:stretch>
+            <a:fillRect/>
+          </a:stretch>
+        </p:blipFill>
+        <p:spPr>
+          <a:xfrm>
+            <a:off x="9995723" y="0"/>
+            <a:ext cx="2196277" cy="2387600"/>
+          </a:xfrm>
+          <a:prstGeom prst="rect">
+            <a:avLst/>
+          </a:prstGeom>
+        </p:spPr>
+      </p:pic>
     </p:spTree>
     <p:extLst>
       <p:ext uri="{BB962C8B-B14F-4D97-AF65-F5344CB8AC3E}">
@@ -5477,6 +6156,65 @@
           </a:p>
         </p:txBody>
       </p:sp>
+      <p:pic>
+        <p:nvPicPr>
+          <p:cNvPr id="4" name="Picture 2" descr="388,500+ Pause Symbol Stock Photos, Pictures &amp; Royalty-Free ...">
+            <a:extLst>
+              <a:ext uri="{FF2B5EF4-FFF2-40B4-BE49-F238E27FC236}">
+                <a16:creationId xmlns:a16="http://schemas.microsoft.com/office/drawing/2014/main" id="{E3E72364-355B-5F6E-8DD5-80C48FA7932B}"/>
+              </a:ext>
+            </a:extLst>
+          </p:cNvPr>
+          <p:cNvPicPr>
+            <a:picLocks noChangeAspect="1" noChangeArrowheads="1"/>
+          </p:cNvPicPr>
+          <p:nvPr/>
+        </p:nvPicPr>
+        <p:blipFill>
+          <a:blip r:embed="rId2">
+            <a:extLst>
+              <a:ext uri="{BEBA8EAE-BF5A-486C-A8C5-ECC9F3942E4B}">
+                <a14:imgProps xmlns:a14="http://schemas.microsoft.com/office/drawing/2010/main">
+                  <a14:imgLayer r:embed="rId3">
+                    <a14:imgEffect>
+                      <a14:backgroundRemoval t="10000" b="90000" l="10000" r="90000">
+                        <a14:foregroundMark x1="42857" y1="51875" x2="42857" y2="51875"/>
+                        <a14:foregroundMark x1="58929" y1="49375" x2="58929" y2="49375"/>
+                      </a14:backgroundRemoval>
+                    </a14:imgEffect>
+                  </a14:imgLayer>
+                </a14:imgProps>
+              </a:ext>
+              <a:ext uri="{28A0092B-C50C-407E-A947-70E740481C1C}">
+                <a14:useLocalDpi xmlns:a14="http://schemas.microsoft.com/office/drawing/2010/main" val="0"/>
+              </a:ext>
+            </a:extLst>
+          </a:blip>
+          <a:srcRect/>
+          <a:stretch>
+            <a:fillRect/>
+          </a:stretch>
+        </p:blipFill>
+        <p:spPr bwMode="auto">
+          <a:xfrm>
+            <a:off x="11218172" y="0"/>
+            <a:ext cx="973828" cy="927455"/>
+          </a:xfrm>
+          <a:prstGeom prst="rect">
+            <a:avLst/>
+          </a:prstGeom>
+          <a:noFill/>
+          <a:extLst>
+            <a:ext uri="{909E8E84-426E-40DD-AFC4-6F175D3DCCD1}">
+              <a14:hiddenFill xmlns:a14="http://schemas.microsoft.com/office/drawing/2010/main">
+                <a:solidFill>
+                  <a:srgbClr val="FFFFFF"/>
+                </a:solidFill>
+              </a14:hiddenFill>
+            </a:ext>
+          </a:extLst>
+        </p:spPr>
+      </p:pic>
     </p:spTree>
     <p:extLst>
       <p:ext uri="{BB962C8B-B14F-4D97-AF65-F5344CB8AC3E}">
@@ -5487,6 +6225,83 @@
   <p:clrMapOvr>
     <a:masterClrMapping/>
   </p:clrMapOvr>
+  <p:timing>
+    <p:tnLst>
+      <p:par>
+        <p:cTn id="1" dur="indefinite" restart="never" nodeType="tmRoot">
+          <p:childTnLst>
+            <p:seq concurrent="1" nextAc="seek">
+              <p:cTn id="2" dur="indefinite" nodeType="mainSeq">
+                <p:childTnLst>
+                  <p:par>
+                    <p:cTn id="3" fill="hold">
+                      <p:stCondLst>
+                        <p:cond delay="indefinite"/>
+                        <p:cond evt="onBegin" delay="0">
+                          <p:tn val="2"/>
+                        </p:cond>
+                      </p:stCondLst>
+                      <p:childTnLst>
+                        <p:par>
+                          <p:cTn id="4" fill="hold">
+                            <p:stCondLst>
+                              <p:cond delay="0"/>
+                            </p:stCondLst>
+                            <p:childTnLst>
+                              <p:par>
+                                <p:cTn id="5" presetID="26" presetClass="emph" presetSubtype="0" repeatCount="10000" fill="hold" nodeType="withEffect">
+                                  <p:stCondLst>
+                                    <p:cond delay="0"/>
+                                  </p:stCondLst>
+                                  <p:childTnLst>
+                                    <p:animEffect transition="out" filter="fade">
+                                      <p:cBhvr>
+                                        <p:cTn id="6" dur="500" tmFilter="0, 0; .2, .5; .8, .5; 1, 0"/>
+                                        <p:tgtEl>
+                                          <p:spTgt spid="4"/>
+                                        </p:tgtEl>
+                                      </p:cBhvr>
+                                    </p:animEffect>
+                                    <p:animScale>
+                                      <p:cBhvr>
+                                        <p:cTn id="7" dur="250" autoRev="1" fill="hold"/>
+                                        <p:tgtEl>
+                                          <p:spTgt spid="4"/>
+                                        </p:tgtEl>
+                                      </p:cBhvr>
+                                      <p:by x="105000" y="105000"/>
+                                    </p:animScale>
+                                  </p:childTnLst>
+                                </p:cTn>
+                              </p:par>
+                            </p:childTnLst>
+                          </p:cTn>
+                        </p:par>
+                      </p:childTnLst>
+                    </p:cTn>
+                  </p:par>
+                </p:childTnLst>
+              </p:cTn>
+              <p:prevCondLst>
+                <p:cond evt="onPrev" delay="0">
+                  <p:tgtEl>
+                    <p:sldTgt/>
+                  </p:tgtEl>
+                </p:cond>
+              </p:prevCondLst>
+              <p:nextCondLst>
+                <p:cond evt="onNext" delay="0">
+                  <p:tgtEl>
+                    <p:sldTgt/>
+                  </p:tgtEl>
+                </p:cond>
+              </p:nextCondLst>
+            </p:seq>
+          </p:childTnLst>
+        </p:cTn>
+      </p:par>
+    </p:tnLst>
+  </p:timing>
 </p:sld>
 </file>
 
@@ -5583,7 +6398,7 @@
                 <a:ea typeface="Cascadia Mono SemiLight" panose="020B0609020000020004" pitchFamily="49" charset="0"/>
                 <a:cs typeface="Cascadia Mono SemiLight" panose="020B0609020000020004" pitchFamily="49" charset="0"/>
               </a:rPr>
-              <a:t>class Controller:</a:t>
+              <a:t>Class Controller:</a:t>
             </a:r>
           </a:p>
           <a:p>
@@ -6043,6 +6858,65 @@
           </a:p>
         </p:txBody>
       </p:sp>
+      <p:pic>
+        <p:nvPicPr>
+          <p:cNvPr id="4" name="Picture 2" descr="388,500+ Pause Symbol Stock Photos, Pictures &amp; Royalty-Free ...">
+            <a:extLst>
+              <a:ext uri="{FF2B5EF4-FFF2-40B4-BE49-F238E27FC236}">
+                <a16:creationId xmlns:a16="http://schemas.microsoft.com/office/drawing/2014/main" id="{1FD2F79E-EEBC-E3B1-B9B2-BC1E3F309060}"/>
+              </a:ext>
+            </a:extLst>
+          </p:cNvPr>
+          <p:cNvPicPr>
+            <a:picLocks noChangeAspect="1" noChangeArrowheads="1"/>
+          </p:cNvPicPr>
+          <p:nvPr/>
+        </p:nvPicPr>
+        <p:blipFill>
+          <a:blip r:embed="rId2">
+            <a:extLst>
+              <a:ext uri="{BEBA8EAE-BF5A-486C-A8C5-ECC9F3942E4B}">
+                <a14:imgProps xmlns:a14="http://schemas.microsoft.com/office/drawing/2010/main">
+                  <a14:imgLayer r:embed="rId3">
+                    <a14:imgEffect>
+                      <a14:backgroundRemoval t="10000" b="90000" l="10000" r="90000">
+                        <a14:foregroundMark x1="42857" y1="51875" x2="42857" y2="51875"/>
+                        <a14:foregroundMark x1="58929" y1="49375" x2="58929" y2="49375"/>
+                      </a14:backgroundRemoval>
+                    </a14:imgEffect>
+                  </a14:imgLayer>
+                </a14:imgProps>
+              </a:ext>
+              <a:ext uri="{28A0092B-C50C-407E-A947-70E740481C1C}">
+                <a14:useLocalDpi xmlns:a14="http://schemas.microsoft.com/office/drawing/2010/main" val="0"/>
+              </a:ext>
+            </a:extLst>
+          </a:blip>
+          <a:srcRect/>
+          <a:stretch>
+            <a:fillRect/>
+          </a:stretch>
+        </p:blipFill>
+        <p:spPr bwMode="auto">
+          <a:xfrm>
+            <a:off x="11218172" y="0"/>
+            <a:ext cx="973828" cy="927455"/>
+          </a:xfrm>
+          <a:prstGeom prst="rect">
+            <a:avLst/>
+          </a:prstGeom>
+          <a:noFill/>
+          <a:extLst>
+            <a:ext uri="{909E8E84-426E-40DD-AFC4-6F175D3DCCD1}">
+              <a14:hiddenFill xmlns:a14="http://schemas.microsoft.com/office/drawing/2010/main">
+                <a:solidFill>
+                  <a:srgbClr val="FFFFFF"/>
+                </a:solidFill>
+              </a14:hiddenFill>
+            </a:ext>
+          </a:extLst>
+        </p:spPr>
+      </p:pic>
     </p:spTree>
     <p:extLst>
       <p:ext uri="{BB962C8B-B14F-4D97-AF65-F5344CB8AC3E}">
@@ -6053,6 +6927,83 @@
   <p:clrMapOvr>
     <a:masterClrMapping/>
   </p:clrMapOvr>
+  <p:timing>
+    <p:tnLst>
+      <p:par>
+        <p:cTn id="1" dur="indefinite" restart="never" nodeType="tmRoot">
+          <p:childTnLst>
+            <p:seq concurrent="1" nextAc="seek">
+              <p:cTn id="2" dur="indefinite" nodeType="mainSeq">
+                <p:childTnLst>
+                  <p:par>
+                    <p:cTn id="3" fill="hold">
+                      <p:stCondLst>
+                        <p:cond delay="indefinite"/>
+                        <p:cond evt="onBegin" delay="0">
+                          <p:tn val="2"/>
+                        </p:cond>
+                      </p:stCondLst>
+                      <p:childTnLst>
+                        <p:par>
+                          <p:cTn id="4" fill="hold">
+                            <p:stCondLst>
+                              <p:cond delay="0"/>
+                            </p:stCondLst>
+                            <p:childTnLst>
+                              <p:par>
+                                <p:cTn id="5" presetID="26" presetClass="emph" presetSubtype="0" repeatCount="10000" fill="hold" nodeType="withEffect">
+                                  <p:stCondLst>
+                                    <p:cond delay="0"/>
+                                  </p:stCondLst>
+                                  <p:childTnLst>
+                                    <p:animEffect transition="out" filter="fade">
+                                      <p:cBhvr>
+                                        <p:cTn id="6" dur="500" tmFilter="0, 0; .2, .5; .8, .5; 1, 0"/>
+                                        <p:tgtEl>
+                                          <p:spTgt spid="4"/>
+                                        </p:tgtEl>
+                                      </p:cBhvr>
+                                    </p:animEffect>
+                                    <p:animScale>
+                                      <p:cBhvr>
+                                        <p:cTn id="7" dur="250" autoRev="1" fill="hold"/>
+                                        <p:tgtEl>
+                                          <p:spTgt spid="4"/>
+                                        </p:tgtEl>
+                                      </p:cBhvr>
+                                      <p:by x="105000" y="105000"/>
+                                    </p:animScale>
+                                  </p:childTnLst>
+                                </p:cTn>
+                              </p:par>
+                            </p:childTnLst>
+                          </p:cTn>
+                        </p:par>
+                      </p:childTnLst>
+                    </p:cTn>
+                  </p:par>
+                </p:childTnLst>
+              </p:cTn>
+              <p:prevCondLst>
+                <p:cond evt="onPrev" delay="0">
+                  <p:tgtEl>
+                    <p:sldTgt/>
+                  </p:tgtEl>
+                </p:cond>
+              </p:prevCondLst>
+              <p:nextCondLst>
+                <p:cond evt="onNext" delay="0">
+                  <p:tgtEl>
+                    <p:sldTgt/>
+                  </p:tgtEl>
+                </p:cond>
+              </p:nextCondLst>
+            </p:seq>
+          </p:childTnLst>
+        </p:cTn>
+      </p:par>
+    </p:tnLst>
+  </p:timing>
 </p:sld>
 </file>
 
@@ -6272,6 +7223,65 @@
           </a:p>
         </p:txBody>
       </p:sp>
+      <p:pic>
+        <p:nvPicPr>
+          <p:cNvPr id="4" name="Picture 2" descr="388,500+ Pause Symbol Stock Photos, Pictures &amp; Royalty-Free ...">
+            <a:extLst>
+              <a:ext uri="{FF2B5EF4-FFF2-40B4-BE49-F238E27FC236}">
+                <a16:creationId xmlns:a16="http://schemas.microsoft.com/office/drawing/2014/main" id="{5AD057BE-EF36-837F-C7FE-38847E1B6C0E}"/>
+              </a:ext>
+            </a:extLst>
+          </p:cNvPr>
+          <p:cNvPicPr>
+            <a:picLocks noChangeAspect="1" noChangeArrowheads="1"/>
+          </p:cNvPicPr>
+          <p:nvPr/>
+        </p:nvPicPr>
+        <p:blipFill>
+          <a:blip r:embed="rId2">
+            <a:extLst>
+              <a:ext uri="{BEBA8EAE-BF5A-486C-A8C5-ECC9F3942E4B}">
+                <a14:imgProps xmlns:a14="http://schemas.microsoft.com/office/drawing/2010/main">
+                  <a14:imgLayer r:embed="rId3">
+                    <a14:imgEffect>
+                      <a14:backgroundRemoval t="10000" b="90000" l="10000" r="90000">
+                        <a14:foregroundMark x1="42857" y1="51875" x2="42857" y2="51875"/>
+                        <a14:foregroundMark x1="58929" y1="49375" x2="58929" y2="49375"/>
+                      </a14:backgroundRemoval>
+                    </a14:imgEffect>
+                  </a14:imgLayer>
+                </a14:imgProps>
+              </a:ext>
+              <a:ext uri="{28A0092B-C50C-407E-A947-70E740481C1C}">
+                <a14:useLocalDpi xmlns:a14="http://schemas.microsoft.com/office/drawing/2010/main" val="0"/>
+              </a:ext>
+            </a:extLst>
+          </a:blip>
+          <a:srcRect/>
+          <a:stretch>
+            <a:fillRect/>
+          </a:stretch>
+        </p:blipFill>
+        <p:spPr bwMode="auto">
+          <a:xfrm>
+            <a:off x="11218172" y="0"/>
+            <a:ext cx="973828" cy="927455"/>
+          </a:xfrm>
+          <a:prstGeom prst="rect">
+            <a:avLst/>
+          </a:prstGeom>
+          <a:noFill/>
+          <a:extLst>
+            <a:ext uri="{909E8E84-426E-40DD-AFC4-6F175D3DCCD1}">
+              <a14:hiddenFill xmlns:a14="http://schemas.microsoft.com/office/drawing/2010/main">
+                <a:solidFill>
+                  <a:srgbClr val="FFFFFF"/>
+                </a:solidFill>
+              </a14:hiddenFill>
+            </a:ext>
+          </a:extLst>
+        </p:spPr>
+      </p:pic>
     </p:spTree>
     <p:extLst>
       <p:ext uri="{BB962C8B-B14F-4D97-AF65-F5344CB8AC3E}">
@@ -6282,6 +7292,83 @@
   <p:clrMapOvr>
     <a:masterClrMapping/>
   </p:clrMapOvr>
+  <p:timing>
+    <p:tnLst>
+      <p:par>
+        <p:cTn id="1" dur="indefinite" restart="never" nodeType="tmRoot">
+          <p:childTnLst>
+            <p:seq concurrent="1" nextAc="seek">
+              <p:cTn id="2" dur="indefinite" nodeType="mainSeq">
+                <p:childTnLst>
+                  <p:par>
+                    <p:cTn id="3" fill="hold">
+                      <p:stCondLst>
+                        <p:cond delay="indefinite"/>
+                        <p:cond evt="onBegin" delay="0">
+                          <p:tn val="2"/>
+                        </p:cond>
+                      </p:stCondLst>
+                      <p:childTnLst>
+                        <p:par>
+                          <p:cTn id="4" fill="hold">
+                            <p:stCondLst>
+                              <p:cond delay="0"/>
+                            </p:stCondLst>
+                            <p:childTnLst>
+                              <p:par>
+                                <p:cTn id="5" presetID="26" presetClass="emph" presetSubtype="0" repeatCount="10000" fill="hold" nodeType="withEffect">
+                                  <p:stCondLst>
+                                    <p:cond delay="0"/>
+                                  </p:stCondLst>
+                                  <p:childTnLst>
+                                    <p:animEffect transition="out" filter="fade">
+                                      <p:cBhvr>
+                                        <p:cTn id="6" dur="500" tmFilter="0, 0; .2, .5; .8, .5; 1, 0"/>
+                                        <p:tgtEl>
+                                          <p:spTgt spid="4"/>
+                                        </p:tgtEl>
+                                      </p:cBhvr>
+                                    </p:animEffect>
+                                    <p:animScale>
+                                      <p:cBhvr>
+                                        <p:cTn id="7" dur="250" autoRev="1" fill="hold"/>
+                                        <p:tgtEl>
+                                          <p:spTgt spid="4"/>
+                                        </p:tgtEl>
+                                      </p:cBhvr>
+                                      <p:by x="105000" y="105000"/>
+                                    </p:animScale>
+                                  </p:childTnLst>
+                                </p:cTn>
+                              </p:par>
+                            </p:childTnLst>
+                          </p:cTn>
+                        </p:par>
+                      </p:childTnLst>
+                    </p:cTn>
+                  </p:par>
+                </p:childTnLst>
+              </p:cTn>
+              <p:prevCondLst>
+                <p:cond evt="onPrev" delay="0">
+                  <p:tgtEl>
+                    <p:sldTgt/>
+                  </p:tgtEl>
+                </p:cond>
+              </p:prevCondLst>
+              <p:nextCondLst>
+                <p:cond evt="onNext" delay="0">
+                  <p:tgtEl>
+                    <p:sldTgt/>
+                  </p:tgtEl>
+                </p:cond>
+              </p:nextCondLst>
+            </p:seq>
+          </p:childTnLst>
+        </p:cTn>
+      </p:par>
+    </p:tnLst>
+  </p:timing>
 </p:sld>
 </file>
 
@@ -6387,7 +7474,7 @@
           </p:nvPr>
         </p:nvPicPr>
         <p:blipFill>
-          <a:blip r:embed="rId2"/>
+          <a:blip r:embed="rId3"/>
           <a:srcRect l="9571" r="25922" b="-1"/>
           <a:stretch>
             <a:fillRect/>
@@ -6833,6 +7920,65 @@
           </a:prstGeom>
         </p:spPr>
       </p:pic>
+      <p:pic>
+        <p:nvPicPr>
+          <p:cNvPr id="2" name="Picture 2" descr="388,500+ Pause Symbol Stock Photos, Pictures &amp; Royalty-Free ...">
+            <a:extLst>
+              <a:ext uri="{FF2B5EF4-FFF2-40B4-BE49-F238E27FC236}">
+                <a16:creationId xmlns:a16="http://schemas.microsoft.com/office/drawing/2014/main" id="{164E5E17-7671-5033-3315-DBC0F3ABA258}"/>
+              </a:ext>
+            </a:extLst>
+          </p:cNvPr>
+          <p:cNvPicPr>
+            <a:picLocks noChangeAspect="1" noChangeArrowheads="1"/>
+          </p:cNvPicPr>
+          <p:nvPr/>
+        </p:nvPicPr>
+        <p:blipFill>
+          <a:blip r:embed="rId3">
+            <a:extLst>
+              <a:ext uri="{BEBA8EAE-BF5A-486C-A8C5-ECC9F3942E4B}">
+                <a14:imgProps xmlns:a14="http://schemas.microsoft.com/office/drawing/2010/main">
+                  <a14:imgLayer r:embed="rId4">
+                    <a14:imgEffect>
+                      <a14:backgroundRemoval t="10000" b="90000" l="10000" r="90000">
+                        <a14:foregroundMark x1="42857" y1="51875" x2="42857" y2="51875"/>
+                        <a14:foregroundMark x1="58929" y1="49375" x2="58929" y2="49375"/>
+                      </a14:backgroundRemoval>
+                    </a14:imgEffect>
+                  </a14:imgLayer>
+                </a14:imgProps>
+              </a:ext>
+              <a:ext uri="{28A0092B-C50C-407E-A947-70E740481C1C}">
+                <a14:useLocalDpi xmlns:a14="http://schemas.microsoft.com/office/drawing/2010/main" val="0"/>
+              </a:ext>
+            </a:extLst>
+          </a:blip>
+          <a:srcRect/>
+          <a:stretch>
+            <a:fillRect/>
+          </a:stretch>
+        </p:blipFill>
+        <p:spPr bwMode="auto">
+          <a:xfrm>
+            <a:off x="11218172" y="0"/>
+            <a:ext cx="973828" cy="927455"/>
+          </a:xfrm>
+          <a:prstGeom prst="rect">
+            <a:avLst/>
+          </a:prstGeom>
+          <a:noFill/>
+          <a:extLst>
+            <a:ext uri="{909E8E84-426E-40DD-AFC4-6F175D3DCCD1}">
+              <a14:hiddenFill xmlns:a14="http://schemas.microsoft.com/office/drawing/2010/main">
+                <a:solidFill>
+                  <a:srgbClr val="FFFFFF"/>
+                </a:solidFill>
+              </a14:hiddenFill>
+            </a:ext>
+          </a:extLst>
+        </p:spPr>
+      </p:pic>
     </p:spTree>
     <p:extLst>
       <p:ext uri="{BB962C8B-B14F-4D97-AF65-F5344CB8AC3E}">
@@ -6843,6 +7989,83 @@
   <p:clrMapOvr>
     <a:masterClrMapping/>
   </p:clrMapOvr>
+  <p:timing>
+    <p:tnLst>
+      <p:par>
+        <p:cTn id="1" dur="indefinite" restart="never" nodeType="tmRoot">
+          <p:childTnLst>
+            <p:seq concurrent="1" nextAc="seek">
+              <p:cTn id="2" dur="indefinite" nodeType="mainSeq">
+                <p:childTnLst>
+                  <p:par>
+                    <p:cTn id="3" fill="hold">
+                      <p:stCondLst>
+                        <p:cond delay="indefinite"/>
+                        <p:cond evt="onBegin" delay="0">
+                          <p:tn val="2"/>
+                        </p:cond>
+                      </p:stCondLst>
+                      <p:childTnLst>
+                        <p:par>
+                          <p:cTn id="4" fill="hold">
+                            <p:stCondLst>
+                              <p:cond delay="0"/>
+                            </p:stCondLst>
+                            <p:childTnLst>
+                              <p:par>
+                                <p:cTn id="5" presetID="26" presetClass="emph" presetSubtype="0" repeatCount="10000" fill="hold" nodeType="withEffect">
+                                  <p:stCondLst>
+                                    <p:cond delay="0"/>
+                                  </p:stCondLst>
+                                  <p:childTnLst>
+                                    <p:animEffect transition="out" filter="fade">
+                                      <p:cBhvr>
+                                        <p:cTn id="6" dur="500" tmFilter="0, 0; .2, .5; .8, .5; 1, 0"/>
+                                        <p:tgtEl>
+                                          <p:spTgt spid="2"/>
+                                        </p:tgtEl>
+                                      </p:cBhvr>
+                                    </p:animEffect>
+                                    <p:animScale>
+                                      <p:cBhvr>
+                                        <p:cTn id="7" dur="250" autoRev="1" fill="hold"/>
+                                        <p:tgtEl>
+                                          <p:spTgt spid="2"/>
+                                        </p:tgtEl>
+                                      </p:cBhvr>
+                                      <p:by x="105000" y="105000"/>
+                                    </p:animScale>
+                                  </p:childTnLst>
+                                </p:cTn>
+                              </p:par>
+                            </p:childTnLst>
+                          </p:cTn>
+                        </p:par>
+                      </p:childTnLst>
+                    </p:cTn>
+                  </p:par>
+                </p:childTnLst>
+              </p:cTn>
+              <p:prevCondLst>
+                <p:cond evt="onPrev" delay="0">
+                  <p:tgtEl>
+                    <p:sldTgt/>
+                  </p:tgtEl>
+                </p:cond>
+              </p:prevCondLst>
+              <p:nextCondLst>
+                <p:cond evt="onNext" delay="0">
+                  <p:tgtEl>
+                    <p:sldTgt/>
+                  </p:tgtEl>
+                </p:cond>
+              </p:nextCondLst>
+            </p:seq>
+          </p:childTnLst>
+        </p:cTn>
+      </p:par>
+    </p:tnLst>
+  </p:timing>
 </p:sld>
 </file>
 
@@ -6893,18 +8116,18 @@
       </p:sp>
       <p:sp>
         <p:nvSpPr>
-          <p:cNvPr id="4" name="Content Placeholder 3">
-            <a:extLst>
-              <a:ext uri="{FF2B5EF4-FFF2-40B4-BE49-F238E27FC236}">
-                <a16:creationId xmlns:a16="http://schemas.microsoft.com/office/drawing/2014/main" id="{E775B479-5750-95E9-CC66-C2F6F8180171}"/>
-              </a:ext>
-            </a:extLst>
-          </p:cNvPr>
-          <p:cNvSpPr>
-            <a:spLocks noGrp="1"/>
-          </p:cNvSpPr>
-          <p:nvPr>
-            <p:ph idx="1"/>
+          <p:cNvPr id="3" name="Text Placeholder 2">
+            <a:extLst>
+              <a:ext uri="{FF2B5EF4-FFF2-40B4-BE49-F238E27FC236}">
+                <a16:creationId xmlns:a16="http://schemas.microsoft.com/office/drawing/2014/main" id="{AB928303-8290-6274-DE9A-9BDA67DA67B7}"/>
+              </a:ext>
+            </a:extLst>
+          </p:cNvPr>
+          <p:cNvSpPr>
+            <a:spLocks noGrp="1"/>
+          </p:cNvSpPr>
+          <p:nvPr>
+            <p:ph type="body" sz="half" idx="2"/>
           </p:nvPr>
         </p:nvSpPr>
         <p:spPr/>
@@ -6912,40 +8135,53 @@
           <a:bodyPr/>
           <a:lstStyle/>
           <a:p>
-            <a:pPr marL="0" indent="0">
-              <a:buNone/>
-            </a:pPr>
-            <a:r>
-              <a:rPr lang="en-US" dirty="0"/>
-              <a:t>Multiple Inheritance is used to inherit the properties of multiple classes. However, Python does not allow multiple inheritance from classes that have incompatible memory layouts at the C level, which is common with hardware classes in </a:t>
-            </a:r>
-            <a:r>
-              <a:rPr lang="en-US" dirty="0" err="1"/>
+            <a:r>
+              <a:rPr lang="en-GB" dirty="0"/>
+              <a:t>Multiple Inheritance is used to inherit the properties of multiple Classes. However, Python does not allow multiple inheritance from Classes that have incompatible memory layouts, which is common with hardware Classes in </a:t>
+            </a:r>
+            <a:r>
+              <a:rPr lang="en-GB" dirty="0" err="1"/>
               <a:t>MicroPython</a:t>
             </a:r>
             <a:r>
-              <a:rPr lang="en-US" dirty="0"/>
-              <a:t>.</a:t>
-            </a:r>
-          </a:p>
-          <a:p>
-            <a:pPr marL="0" indent="0">
-              <a:buNone/>
-            </a:pPr>
-            <a:endParaRPr lang="en-US" b="1" dirty="0"/>
-          </a:p>
-          <a:p>
-            <a:pPr marL="0" indent="0">
-              <a:buNone/>
-            </a:pPr>
-            <a:r>
-              <a:rPr lang="en-US" dirty="0"/>
-              <a:t>https://github.com/TempeHS/MicroPython_OOP_Pi_Pico_Mini_Project_Source/blob/main/tutorials/Lecture5.md#multiple-inheritance</a:t>
-            </a:r>
+              <a:rPr lang="en-GB" dirty="0"/>
+              <a:t>/Pi Pico. </a:t>
+            </a:r>
+          </a:p>
+          <a:p>
             <a:endParaRPr lang="en-AU" dirty="0"/>
           </a:p>
         </p:txBody>
       </p:sp>
+      <p:pic>
+        <p:nvPicPr>
+          <p:cNvPr id="10" name="Content Placeholder 9">
+            <a:extLst>
+              <a:ext uri="{FF2B5EF4-FFF2-40B4-BE49-F238E27FC236}">
+                <a16:creationId xmlns:a16="http://schemas.microsoft.com/office/drawing/2014/main" id="{CAC91E7E-55EB-B79D-220B-E82B5F1EC91C}"/>
+              </a:ext>
+            </a:extLst>
+          </p:cNvPr>
+          <p:cNvPicPr>
+            <a:picLocks noGrp="1" noChangeAspect="1"/>
+          </p:cNvPicPr>
+          <p:nvPr>
+            <p:ph idx="1"/>
+          </p:nvPr>
+        </p:nvPicPr>
+        <p:blipFill>
+          <a:blip r:embed="rId2"/>
+          <a:stretch>
+            <a:fillRect/>
+          </a:stretch>
+        </p:blipFill>
+        <p:spPr>
+          <a:xfrm>
+            <a:off x="6736165" y="987425"/>
+            <a:ext cx="3066246" cy="4873625"/>
+          </a:xfrm>
+        </p:spPr>
+      </p:pic>
     </p:spTree>
     <p:extLst>
       <p:ext uri="{BB962C8B-B14F-4D97-AF65-F5344CB8AC3E}">
@@ -7027,18 +8263,8 @@
           <a:p>
             <a:r>
               <a:rPr lang="en-US" dirty="0"/>
-              <a:t>Association in Object-Oriented Programming (OOP) describes the relationship between two separate classes that are connected, but neither “inherits" the other. It simply means that objects of one class interact with or use objects of another class.</a:t>
-            </a:r>
-          </a:p>
-          <a:p>
-            <a:endParaRPr lang="en-US" b="1" dirty="0"/>
-          </a:p>
-          <a:p>
-            <a:r>
-              <a:rPr lang="en-US" b="1" dirty="0"/>
-              <a:t>Run: v15.py</a:t>
-            </a:r>
-            <a:endParaRPr lang="en-AU" b="1" dirty="0"/>
+              <a:t>Association in Object-Oriented Programming (OOP) describes the relationship between two separate Classes that are connected, but neither “inherits" the other. It simply means that objects of one Class interact with or use objects of another Class.</a:t>
+            </a:r>
           </a:p>
         </p:txBody>
       </p:sp>
@@ -8139,4 +9365,319 @@
     </a:ext>
   </a:extLst>
 </a:theme>
+</file>
+
+<file path=ppt/theme/theme2.xml><?xml version="1.0" encoding="utf-8"?>
+<a:theme xmlns:a="http://schemas.openxmlformats.org/drawingml/2006/main" name="Office Theme">
+  <a:themeElements>
+    <a:clrScheme name="Office">
+      <a:dk1>
+        <a:sysClr val="windowText" lastClr="000000"/>
+      </a:dk1>
+      <a:lt1>
+        <a:sysClr val="window" lastClr="FFFFFF"/>
+      </a:lt1>
+      <a:dk2>
+        <a:srgbClr val="0E2841"/>
+      </a:dk2>
+      <a:lt2>
+        <a:srgbClr val="E8E8E8"/>
+      </a:lt2>
+      <a:accent1>
+        <a:srgbClr val="156082"/>
+      </a:accent1>
+      <a:accent2>
+        <a:srgbClr val="E97132"/>
+      </a:accent2>
+      <a:accent3>
+        <a:srgbClr val="196B24"/>
+      </a:accent3>
+      <a:accent4>
+        <a:srgbClr val="0F9ED5"/>
+      </a:accent4>
+      <a:accent5>
+        <a:srgbClr val="A02B93"/>
+      </a:accent5>
+      <a:accent6>
+        <a:srgbClr val="4EA72E"/>
+      </a:accent6>
+      <a:hlink>
+        <a:srgbClr val="467886"/>
+      </a:hlink>
+      <a:folHlink>
+        <a:srgbClr val="96607D"/>
+      </a:folHlink>
+    </a:clrScheme>
+    <a:fontScheme name="Office">
+      <a:majorFont>
+        <a:latin typeface="Aptos Display" panose="02110004020202020204"/>
+        <a:ea typeface=""/>
+        <a:cs typeface=""/>
+        <a:font script="Jpan" typeface="游ゴシック Light"/>
+        <a:font script="Hang" typeface="맑은 고딕"/>
+        <a:font script="Hans" typeface="等线 Light"/>
+        <a:font script="Hant" typeface="新細明體"/>
+        <a:font script="Arab" typeface="Times New Roman"/>
+        <a:font script="Hebr" typeface="Times New Roman"/>
+        <a:font script="Thai" typeface="Angsana New"/>
+        <a:font script="Ethi" typeface="Nyala"/>
+        <a:font script="Beng" typeface="Vrinda"/>
+        <a:font script="Gujr" typeface="Shruti"/>
+        <a:font script="Khmr" typeface="MoolBoran"/>
+        <a:font script="Knda" typeface="Tunga"/>
+        <a:font script="Guru" typeface="Raavi"/>
+        <a:font script="Cans" typeface="Euphemia"/>
+        <a:font script="Cher" typeface="Plantagenet Cherokee"/>
+        <a:font script="Yiii" typeface="Microsoft Yi Baiti"/>
+        <a:font script="Tibt" typeface="Microsoft Himalaya"/>
+        <a:font script="Thaa" typeface="MV Boli"/>
+        <a:font script="Deva" typeface="Mangal"/>
+        <a:font script="Telu" typeface="Gautami"/>
+        <a:font script="Taml" typeface="Latha"/>
+        <a:font script="Syrc" typeface="Estrangelo Edessa"/>
+        <a:font script="Orya" typeface="Kalinga"/>
+        <a:font script="Mlym" typeface="Kartika"/>
+        <a:font script="Laoo" typeface="DokChampa"/>
+        <a:font script="Sinh" typeface="Iskoola Pota"/>
+        <a:font script="Mong" typeface="Mongolian Baiti"/>
+        <a:font script="Viet" typeface="Times New Roman"/>
+        <a:font script="Uigh" typeface="Microsoft Uighur"/>
+        <a:font script="Geor" typeface="Sylfaen"/>
+        <a:font script="Armn" typeface="Arial"/>
+        <a:font script="Bugi" typeface="Leelawadee UI"/>
+        <a:font script="Bopo" typeface="Microsoft JhengHei"/>
+        <a:font script="Java" typeface="Javanese Text"/>
+        <a:font script="Lisu" typeface="Segoe UI"/>
+        <a:font script="Mymr" typeface="Myanmar Text"/>
+        <a:font script="Nkoo" typeface="Ebrima"/>
+        <a:font script="Olck" typeface="Nirmala UI"/>
+        <a:font script="Osma" typeface="Ebrima"/>
+        <a:font script="Phag" typeface="Phagspa"/>
+        <a:font script="Syrn" typeface="Estrangelo Edessa"/>
+        <a:font script="Syrj" typeface="Estrangelo Edessa"/>
+        <a:font script="Syre" typeface="Estrangelo Edessa"/>
+        <a:font script="Sora" typeface="Nirmala UI"/>
+        <a:font script="Tale" typeface="Microsoft Tai Le"/>
+        <a:font script="Talu" typeface="Microsoft New Tai Lue"/>
+        <a:font script="Tfng" typeface="Ebrima"/>
+      </a:majorFont>
+      <a:minorFont>
+        <a:latin typeface="Aptos" panose="02110004020202020204"/>
+        <a:ea typeface=""/>
+        <a:cs typeface=""/>
+        <a:font script="Jpan" typeface="游ゴシック"/>
+        <a:font script="Hang" typeface="맑은 고딕"/>
+        <a:font script="Hans" typeface="等线"/>
+        <a:font script="Hant" typeface="新細明體"/>
+        <a:font script="Arab" typeface="Arial"/>
+        <a:font script="Hebr" typeface="Arial"/>
+        <a:font script="Thai" typeface="Cordia New"/>
+        <a:font script="Ethi" typeface="Nyala"/>
+        <a:font script="Beng" typeface="Vrinda"/>
+        <a:font script="Gujr" typeface="Shruti"/>
+        <a:font script="Khmr" typeface="DaunPenh"/>
+        <a:font script="Knda" typeface="Tunga"/>
+        <a:font script="Guru" typeface="Raavi"/>
+        <a:font script="Cans" typeface="Euphemia"/>
+        <a:font script="Cher" typeface="Plantagenet Cherokee"/>
+        <a:font script="Yiii" typeface="Microsoft Yi Baiti"/>
+        <a:font script="Tibt" typeface="Microsoft Himalaya"/>
+        <a:font script="Thaa" typeface="MV Boli"/>
+        <a:font script="Deva" typeface="Mangal"/>
+        <a:font script="Telu" typeface="Gautami"/>
+        <a:font script="Taml" typeface="Latha"/>
+        <a:font script="Syrc" typeface="Estrangelo Edessa"/>
+        <a:font script="Orya" typeface="Kalinga"/>
+        <a:font script="Mlym" typeface="Kartika"/>
+        <a:font script="Laoo" typeface="DokChampa"/>
+        <a:font script="Sinh" typeface="Iskoola Pota"/>
+        <a:font script="Mong" typeface="Mongolian Baiti"/>
+        <a:font script="Viet" typeface="Arial"/>
+        <a:font script="Uigh" typeface="Microsoft Uighur"/>
+        <a:font script="Geor" typeface="Sylfaen"/>
+        <a:font script="Armn" typeface="Arial"/>
+        <a:font script="Bugi" typeface="Leelawadee UI"/>
+        <a:font script="Bopo" typeface="Microsoft JhengHei"/>
+        <a:font script="Java" typeface="Javanese Text"/>
+        <a:font script="Lisu" typeface="Segoe UI"/>
+        <a:font script="Mymr" typeface="Myanmar Text"/>
+        <a:font script="Nkoo" typeface="Ebrima"/>
+        <a:font script="Olck" typeface="Nirmala UI"/>
+        <a:font script="Osma" typeface="Ebrima"/>
+        <a:font script="Phag" typeface="Phagspa"/>
+        <a:font script="Syrn" typeface="Estrangelo Edessa"/>
+        <a:font script="Syrj" typeface="Estrangelo Edessa"/>
+        <a:font script="Syre" typeface="Estrangelo Edessa"/>
+        <a:font script="Sora" typeface="Nirmala UI"/>
+        <a:font script="Tale" typeface="Microsoft Tai Le"/>
+        <a:font script="Talu" typeface="Microsoft New Tai Lue"/>
+        <a:font script="Tfng" typeface="Ebrima"/>
+      </a:minorFont>
+    </a:fontScheme>
+    <a:fmtScheme name="Office">
+      <a:fillStyleLst>
+        <a:solidFill>
+          <a:schemeClr val="phClr"/>
+        </a:solidFill>
+        <a:gradFill rotWithShape="1">
+          <a:gsLst>
+            <a:gs pos="0">
+              <a:schemeClr val="phClr">
+                <a:lumMod val="110000"/>
+                <a:satMod val="105000"/>
+                <a:tint val="67000"/>
+              </a:schemeClr>
+            </a:gs>
+            <a:gs pos="50000">
+              <a:schemeClr val="phClr">
+                <a:lumMod val="105000"/>
+                <a:satMod val="103000"/>
+                <a:tint val="73000"/>
+              </a:schemeClr>
+            </a:gs>
+            <a:gs pos="100000">
+              <a:schemeClr val="phClr">
+                <a:lumMod val="105000"/>
+                <a:satMod val="109000"/>
+                <a:tint val="81000"/>
+              </a:schemeClr>
+            </a:gs>
+          </a:gsLst>
+          <a:lin ang="5400000" scaled="0"/>
+        </a:gradFill>
+        <a:gradFill rotWithShape="1">
+          <a:gsLst>
+            <a:gs pos="0">
+              <a:schemeClr val="phClr">
+                <a:satMod val="103000"/>
+                <a:lumMod val="102000"/>
+                <a:tint val="94000"/>
+              </a:schemeClr>
+            </a:gs>
+            <a:gs pos="50000">
+              <a:schemeClr val="phClr">
+                <a:satMod val="110000"/>
+                <a:lumMod val="100000"/>
+                <a:shade val="100000"/>
+              </a:schemeClr>
+            </a:gs>
+            <a:gs pos="100000">
+              <a:schemeClr val="phClr">
+                <a:lumMod val="99000"/>
+                <a:satMod val="120000"/>
+                <a:shade val="78000"/>
+              </a:schemeClr>
+            </a:gs>
+          </a:gsLst>
+          <a:lin ang="5400000" scaled="0"/>
+        </a:gradFill>
+      </a:fillStyleLst>
+      <a:lnStyleLst>
+        <a:ln w="12700" cap="flat" cmpd="sng" algn="ctr">
+          <a:solidFill>
+            <a:schemeClr val="phClr"/>
+          </a:solidFill>
+          <a:prstDash val="solid"/>
+          <a:miter lim="800000"/>
+        </a:ln>
+        <a:ln w="19050" cap="flat" cmpd="sng" algn="ctr">
+          <a:solidFill>
+            <a:schemeClr val="phClr"/>
+          </a:solidFill>
+          <a:prstDash val="solid"/>
+          <a:miter lim="800000"/>
+        </a:ln>
+        <a:ln w="25400" cap="flat" cmpd="sng" algn="ctr">
+          <a:solidFill>
+            <a:schemeClr val="phClr"/>
+          </a:solidFill>
+          <a:prstDash val="solid"/>
+          <a:miter lim="800000"/>
+        </a:ln>
+      </a:lnStyleLst>
+      <a:effectStyleLst>
+        <a:effectStyle>
+          <a:effectLst/>
+        </a:effectStyle>
+        <a:effectStyle>
+          <a:effectLst/>
+        </a:effectStyle>
+        <a:effectStyle>
+          <a:effectLst>
+            <a:outerShdw blurRad="57150" dist="19050" dir="5400000" algn="ctr" rotWithShape="0">
+              <a:srgbClr val="000000">
+                <a:alpha val="63000"/>
+              </a:srgbClr>
+            </a:outerShdw>
+          </a:effectLst>
+        </a:effectStyle>
+      </a:effectStyleLst>
+      <a:bgFillStyleLst>
+        <a:solidFill>
+          <a:schemeClr val="phClr"/>
+        </a:solidFill>
+        <a:solidFill>
+          <a:schemeClr val="phClr">
+            <a:tint val="95000"/>
+            <a:satMod val="170000"/>
+          </a:schemeClr>
+        </a:solidFill>
+        <a:gradFill rotWithShape="1">
+          <a:gsLst>
+            <a:gs pos="0">
+              <a:schemeClr val="phClr">
+                <a:tint val="93000"/>
+                <a:satMod val="150000"/>
+                <a:shade val="98000"/>
+                <a:lumMod val="102000"/>
+              </a:schemeClr>
+            </a:gs>
+            <a:gs pos="50000">
+              <a:schemeClr val="phClr">
+                <a:tint val="98000"/>
+                <a:satMod val="130000"/>
+                <a:shade val="90000"/>
+                <a:lumMod val="103000"/>
+              </a:schemeClr>
+            </a:gs>
+            <a:gs pos="100000">
+              <a:schemeClr val="phClr">
+                <a:shade val="63000"/>
+                <a:satMod val="120000"/>
+              </a:schemeClr>
+            </a:gs>
+          </a:gsLst>
+          <a:lin ang="5400000" scaled="0"/>
+        </a:gradFill>
+      </a:bgFillStyleLst>
+    </a:fmtScheme>
+  </a:themeElements>
+  <a:objectDefaults>
+    <a:lnDef>
+      <a:spPr/>
+      <a:bodyPr/>
+      <a:lstStyle/>
+      <a:style>
+        <a:lnRef idx="2">
+          <a:schemeClr val="accent1"/>
+        </a:lnRef>
+        <a:fillRef idx="0">
+          <a:schemeClr val="accent1"/>
+        </a:fillRef>
+        <a:effectRef idx="1">
+          <a:schemeClr val="accent1"/>
+        </a:effectRef>
+        <a:fontRef idx="minor">
+          <a:schemeClr val="tx1"/>
+        </a:fontRef>
+      </a:style>
+    </a:lnDef>
+  </a:objectDefaults>
+  <a:extraClrSchemeLst/>
+  <a:extLst>
+    <a:ext uri="{05A4C25C-085E-4340-85A3-A5531E510DB2}">
+      <thm15:themeFamily xmlns:thm15="http://schemas.microsoft.com/office/thememl/2012/main" name="Office Theme" id="{2E142A2C-CD16-42D6-873A-C26D2A0506FA}" vid="{1BDDFF52-6CD6-40A5-AB3C-68EB2F1E4D0A}"/>
+    </a:ext>
+  </a:extLst>
+</a:theme>
 </file>
--- a/tutorials/presentations/Lecture6.pptx
+++ b/tutorials/presentations/Lecture6.pptx
@@ -130,7 +130,7 @@
 <file path=ppt/revisionInfo.xml><?xml version="1.0" encoding="utf-8"?>
 <p1510:revInfo xmlns:a="http://schemas.openxmlformats.org/drawingml/2006/main" xmlns:r="http://schemas.openxmlformats.org/officeDocument/2006/relationships" xmlns:p1510="http://schemas.microsoft.com/office/powerpoint/2015/10/main">
   <p1510:revLst>
-    <p1510:client id="{F14E1553-4719-4867-AD3F-20360ABEDCD1}" v="19" dt="2025-06-14T07:47:04.306"/>
+    <p1510:client id="{F14E1553-4719-4867-AD3F-20360ABEDCD1}" v="20" dt="2025-06-16T09:15:27.543"/>
   </p1510:revLst>
 </p1510:revInfo>
 </file>
@@ -140,32 +140,16 @@
   <pc:docChgLst>
     <pc:chgData name="Ben Jones (Ben Jones)" userId="e6e8a0f3-34fe-4d14-b7ab-3a9f1769fff2" providerId="ADAL" clId="{F14E1553-4719-4867-AD3F-20360ABEDCD1}"/>
     <pc:docChg chg="undo custSel addSld delSld modSld sldOrd">
-      <pc:chgData name="Ben Jones (Ben Jones)" userId="e6e8a0f3-34fe-4d14-b7ab-3a9f1769fff2" providerId="ADAL" clId="{F14E1553-4719-4867-AD3F-20360ABEDCD1}" dt="2025-06-14T07:47:04.306" v="803"/>
+      <pc:chgData name="Ben Jones (Ben Jones)" userId="e6e8a0f3-34fe-4d14-b7ab-3a9f1769fff2" providerId="ADAL" clId="{F14E1553-4719-4867-AD3F-20360ABEDCD1}" dt="2025-06-16T09:15:55.198" v="836" actId="6549"/>
       <pc:docMkLst>
         <pc:docMk/>
       </pc:docMkLst>
-      <pc:sldChg chg="addSp delSp modSp mod">
-        <pc:chgData name="Ben Jones (Ben Jones)" userId="e6e8a0f3-34fe-4d14-b7ab-3a9f1769fff2" providerId="ADAL" clId="{F14E1553-4719-4867-AD3F-20360ABEDCD1}" dt="2025-06-13T10:58:43.125" v="799" actId="20577"/>
+      <pc:sldChg chg="addSp delSp modSp mod modNotesTx">
+        <pc:chgData name="Ben Jones (Ben Jones)" userId="e6e8a0f3-34fe-4d14-b7ab-3a9f1769fff2" providerId="ADAL" clId="{F14E1553-4719-4867-AD3F-20360ABEDCD1}" dt="2025-06-16T09:15:09.039" v="824" actId="20577"/>
         <pc:sldMkLst>
           <pc:docMk/>
           <pc:sldMk cId="4046351447" sldId="256"/>
         </pc:sldMkLst>
-        <pc:spChg chg="del">
-          <ac:chgData name="Ben Jones (Ben Jones)" userId="e6e8a0f3-34fe-4d14-b7ab-3a9f1769fff2" providerId="ADAL" clId="{F14E1553-4719-4867-AD3F-20360ABEDCD1}" dt="2025-06-13T10:58:20.005" v="796" actId="478"/>
-          <ac:spMkLst>
-            <pc:docMk/>
-            <pc:sldMk cId="4046351447" sldId="256"/>
-            <ac:spMk id="2" creationId="{6C98E736-9C14-8B47-35EB-BD2CF5EF91B8}"/>
-          </ac:spMkLst>
-        </pc:spChg>
-        <pc:spChg chg="del">
-          <ac:chgData name="Ben Jones (Ben Jones)" userId="e6e8a0f3-34fe-4d14-b7ab-3a9f1769fff2" providerId="ADAL" clId="{F14E1553-4719-4867-AD3F-20360ABEDCD1}" dt="2025-06-13T10:58:20.005" v="796" actId="478"/>
-          <ac:spMkLst>
-            <pc:docMk/>
-            <pc:sldMk cId="4046351447" sldId="256"/>
-            <ac:spMk id="3" creationId="{2007677D-E31B-D163-E787-0648982398C7}"/>
-          </ac:spMkLst>
-        </pc:spChg>
         <pc:spChg chg="add mod">
           <ac:chgData name="Ben Jones (Ben Jones)" userId="e6e8a0f3-34fe-4d14-b7ab-3a9f1769fff2" providerId="ADAL" clId="{F14E1553-4719-4867-AD3F-20360ABEDCD1}" dt="2025-06-13T10:58:20.005" v="796" actId="478"/>
           <ac:spMkLst>
@@ -214,14 +198,6 @@
             <ac:spMk id="13" creationId="{C0BDD3C6-2039-E596-C54A-80D053C16868}"/>
           </ac:spMkLst>
         </pc:spChg>
-        <pc:picChg chg="add del mod">
-          <ac:chgData name="Ben Jones (Ben Jones)" userId="e6e8a0f3-34fe-4d14-b7ab-3a9f1769fff2" providerId="ADAL" clId="{F14E1553-4719-4867-AD3F-20360ABEDCD1}" dt="2025-06-13T10:58:20.005" v="796" actId="478"/>
-          <ac:picMkLst>
-            <pc:docMk/>
-            <pc:sldMk cId="4046351447" sldId="256"/>
-            <ac:picMk id="4" creationId="{B1B3FF8B-5320-22DD-18D7-5E17E33118E6}"/>
-          </ac:picMkLst>
-        </pc:picChg>
         <pc:picChg chg="add mod">
           <ac:chgData name="Ben Jones (Ben Jones)" userId="e6e8a0f3-34fe-4d14-b7ab-3a9f1769fff2" providerId="ADAL" clId="{F14E1553-4719-4867-AD3F-20360ABEDCD1}" dt="2025-06-13T10:58:20.738" v="797"/>
           <ac:picMkLst>
@@ -238,6 +214,20 @@
             <ac:picMk id="14" creationId="{7E4DABE1-BB3F-0AFA-2430-5B9A6F718FF4}"/>
           </ac:picMkLst>
         </pc:picChg>
+      </pc:sldChg>
+      <pc:sldChg chg="modNotesTx">
+        <pc:chgData name="Ben Jones (Ben Jones)" userId="e6e8a0f3-34fe-4d14-b7ab-3a9f1769fff2" providerId="ADAL" clId="{F14E1553-4719-4867-AD3F-20360ABEDCD1}" dt="2025-06-16T09:15:46.149" v="833" actId="20577"/>
+        <pc:sldMkLst>
+          <pc:docMk/>
+          <pc:sldMk cId="137375155" sldId="257"/>
+        </pc:sldMkLst>
+      </pc:sldChg>
+      <pc:sldChg chg="modNotesTx">
+        <pc:chgData name="Ben Jones (Ben Jones)" userId="e6e8a0f3-34fe-4d14-b7ab-3a9f1769fff2" providerId="ADAL" clId="{F14E1553-4719-4867-AD3F-20360ABEDCD1}" dt="2025-06-16T09:15:55.198" v="836" actId="6549"/>
+        <pc:sldMkLst>
+          <pc:docMk/>
+          <pc:sldMk cId="3635014069" sldId="258"/>
+        </pc:sldMkLst>
       </pc:sldChg>
       <pc:sldChg chg="modSp mod">
         <pc:chgData name="Ben Jones (Ben Jones)" userId="e6e8a0f3-34fe-4d14-b7ab-3a9f1769fff2" providerId="ADAL" clId="{F14E1553-4719-4867-AD3F-20360ABEDCD1}" dt="2025-06-11T12:17:20.965" v="43" actId="20577"/>
@@ -1132,7 +1122,7 @@
           <a:p>
             <a:fld id="{B22AC7C4-E2BE-4120-BE23-D7670B62991D}" type="datetimeFigureOut">
               <a:rPr lang="en-AU" smtClean="0"/>
-              <a:t>14/06/2025</a:t>
+              <a:t>16/06/2025</a:t>
             </a:fld>
             <a:endParaRPr lang="en-AU"/>
           </a:p>
@@ -1445,29 +1435,17 @@
           <a:lstStyle/>
           <a:p>
             <a:r>
-              <a:rPr lang="en-AU" dirty="0"/>
-              <a:t>Welcome to lecture 6</a:t>
-            </a:r>
-          </a:p>
-          <a:p>
-            <a:r>
-              <a:rPr lang="en-AU" dirty="0"/>
-              <a:t>So far, we have created a fully functioning Class for each</a:t>
-            </a:r>
-          </a:p>
-          <a:p>
-            <a:r>
-              <a:rPr lang="en-AU" dirty="0"/>
-              <a:t>Of our sub systems the LED, Audio &amp; Button</a:t>
-            </a:r>
-          </a:p>
-          <a:p>
-            <a:r>
-              <a:rPr lang="en-AU" dirty="0"/>
-              <a:t>Along with unit tests for all the Classes</a:t>
-            </a:r>
-          </a:p>
-          <a:p>
+              <a:rPr lang="en-US" sz="1200" b="0" i="0" kern="1200" dirty="0">
+                <a:solidFill>
+                  <a:schemeClr val="tx1"/>
+                </a:solidFill>
+                <a:effectLst/>
+                <a:latin typeface="+mn-lt"/>
+                <a:ea typeface="+mn-ea"/>
+                <a:cs typeface="+mn-cs"/>
+              </a:rPr>
+              <a:t>Welcome to Lecture 6! So far, we have created fully functioning classes for each of our components: the LED, Audio, and Button. In addition, we’ve written unit tests for all of these classes.</a:t>
+            </a:r>
             <a:endParaRPr lang="en-AU" dirty="0"/>
           </a:p>
         </p:txBody>
@@ -1554,19 +1532,7 @@
           <a:p>
             <a:r>
               <a:rPr lang="en-AU" dirty="0"/>
-              <a:t>This lecture will focus on different</a:t>
-            </a:r>
-          </a:p>
-          <a:p>
-            <a:r>
-              <a:rPr lang="en-AU" dirty="0"/>
-              <a:t>Relationships in Object Oriented Programming</a:t>
-            </a:r>
-          </a:p>
-          <a:p>
-            <a:r>
-              <a:rPr lang="en-AU" dirty="0"/>
-              <a:t>And will we start to build our final controller Class</a:t>
+              <a:t>This lecture will focus on different relationships in Object Oriented Programming and will we start to build our final controller Class.</a:t>
             </a:r>
           </a:p>
           <a:p>
@@ -1659,14 +1625,21 @@
           <a:p>
             <a:r>
               <a:rPr lang="en-AU" dirty="0"/>
-              <a:t>Today we will learn about Multiple Inheritance</a:t>
+              <a:t>Today we will learn about</a:t>
             </a:r>
           </a:p>
           <a:p>
             <a:r>
               <a:rPr lang="en-AU" dirty="0"/>
-              <a:t>and Association</a:t>
-            </a:r>
+              <a:t>Multiple Inheritance</a:t>
+            </a:r>
+          </a:p>
+          <a:p>
+            <a:r>
+              <a:rPr lang="en-AU"/>
+              <a:t>Association</a:t>
+            </a:r>
+            <a:endParaRPr lang="en-AU" dirty="0"/>
           </a:p>
           <a:p>
             <a:r>
@@ -1867,7 +1840,7 @@
           <a:p>
             <a:fld id="{1D30A4DD-26E1-4754-8784-A5449317D6AC}" type="datetimeFigureOut">
               <a:rPr lang="en-AU" smtClean="0"/>
-              <a:t>14/06/2025</a:t>
+              <a:t>16/06/2025</a:t>
             </a:fld>
             <a:endParaRPr lang="en-AU"/>
           </a:p>
@@ -2067,7 +2040,7 @@
           <a:p>
             <a:fld id="{1D30A4DD-26E1-4754-8784-A5449317D6AC}" type="datetimeFigureOut">
               <a:rPr lang="en-AU" smtClean="0"/>
-              <a:t>14/06/2025</a:t>
+              <a:t>16/06/2025</a:t>
             </a:fld>
             <a:endParaRPr lang="en-AU"/>
           </a:p>
@@ -2277,7 +2250,7 @@
           <a:p>
             <a:fld id="{1D30A4DD-26E1-4754-8784-A5449317D6AC}" type="datetimeFigureOut">
               <a:rPr lang="en-AU" smtClean="0"/>
-              <a:t>14/06/2025</a:t>
+              <a:t>16/06/2025</a:t>
             </a:fld>
             <a:endParaRPr lang="en-AU"/>
           </a:p>
@@ -2477,7 +2450,7 @@
           <a:p>
             <a:fld id="{1D30A4DD-26E1-4754-8784-A5449317D6AC}" type="datetimeFigureOut">
               <a:rPr lang="en-AU" smtClean="0"/>
-              <a:t>14/06/2025</a:t>
+              <a:t>16/06/2025</a:t>
             </a:fld>
             <a:endParaRPr lang="en-AU"/>
           </a:p>
@@ -2753,7 +2726,7 @@
           <a:p>
             <a:fld id="{1D30A4DD-26E1-4754-8784-A5449317D6AC}" type="datetimeFigureOut">
               <a:rPr lang="en-AU" smtClean="0"/>
-              <a:t>14/06/2025</a:t>
+              <a:t>16/06/2025</a:t>
             </a:fld>
             <a:endParaRPr lang="en-AU"/>
           </a:p>
@@ -3021,7 +2994,7 @@
           <a:p>
             <a:fld id="{1D30A4DD-26E1-4754-8784-A5449317D6AC}" type="datetimeFigureOut">
               <a:rPr lang="en-AU" smtClean="0"/>
-              <a:t>14/06/2025</a:t>
+              <a:t>16/06/2025</a:t>
             </a:fld>
             <a:endParaRPr lang="en-AU"/>
           </a:p>
@@ -3436,7 +3409,7 @@
           <a:p>
             <a:fld id="{1D30A4DD-26E1-4754-8784-A5449317D6AC}" type="datetimeFigureOut">
               <a:rPr lang="en-AU" smtClean="0"/>
-              <a:t>14/06/2025</a:t>
+              <a:t>16/06/2025</a:t>
             </a:fld>
             <a:endParaRPr lang="en-AU"/>
           </a:p>
@@ -3578,7 +3551,7 @@
           <a:p>
             <a:fld id="{1D30A4DD-26E1-4754-8784-A5449317D6AC}" type="datetimeFigureOut">
               <a:rPr lang="en-AU" smtClean="0"/>
-              <a:t>14/06/2025</a:t>
+              <a:t>16/06/2025</a:t>
             </a:fld>
             <a:endParaRPr lang="en-AU"/>
           </a:p>
@@ -3691,7 +3664,7 @@
           <a:p>
             <a:fld id="{1D30A4DD-26E1-4754-8784-A5449317D6AC}" type="datetimeFigureOut">
               <a:rPr lang="en-AU" smtClean="0"/>
-              <a:t>14/06/2025</a:t>
+              <a:t>16/06/2025</a:t>
             </a:fld>
             <a:endParaRPr lang="en-AU"/>
           </a:p>
@@ -4004,7 +3977,7 @@
           <a:p>
             <a:fld id="{1D30A4DD-26E1-4754-8784-A5449317D6AC}" type="datetimeFigureOut">
               <a:rPr lang="en-AU" smtClean="0"/>
-              <a:t>14/06/2025</a:t>
+              <a:t>16/06/2025</a:t>
             </a:fld>
             <a:endParaRPr lang="en-AU"/>
           </a:p>
@@ -4293,7 +4266,7 @@
           <a:p>
             <a:fld id="{1D30A4DD-26E1-4754-8784-A5449317D6AC}" type="datetimeFigureOut">
               <a:rPr lang="en-AU" smtClean="0"/>
-              <a:t>14/06/2025</a:t>
+              <a:t>16/06/2025</a:t>
             </a:fld>
             <a:endParaRPr lang="en-AU"/>
           </a:p>
@@ -4536,7 +4509,7 @@
           <a:p>
             <a:fld id="{1D30A4DD-26E1-4754-8784-A5449317D6AC}" type="datetimeFigureOut">
               <a:rPr lang="en-AU" smtClean="0"/>
-              <a:t>14/06/2025</a:t>
+              <a:t>16/06/2025</a:t>
             </a:fld>
             <a:endParaRPr lang="en-AU"/>
           </a:p>
